--- a/EM03/EM03_slide.pptx
+++ b/EM03/EM03_slide.pptx
@@ -12,7 +12,7 @@
   </p:handoutMasterIdLst>
   <p:sldIdLst>
     <p:sldId id="256" r:id="rId2"/>
-    <p:sldId id="461" r:id="rId3"/>
+    <p:sldId id="465" r:id="rId3"/>
     <p:sldId id="390" r:id="rId4"/>
     <p:sldId id="338" r:id="rId5"/>
     <p:sldId id="337" r:id="rId6"/>
@@ -421,7 +421,7 @@
           <a:p>
             <a:fld id="{0F5249E7-E526-41BC-878D-DBB27AF3BCB6}" type="datetimeFigureOut">
               <a:rPr kumimoji="1" lang="ja-JP" altLang="en-US" smtClean="0"/>
-              <a:t>2025/8/26</a:t>
+              <a:t>2025/9/5</a:t>
             </a:fld>
             <a:endParaRPr kumimoji="1" lang="ja-JP" altLang="en-US"/>
           </a:p>
@@ -11606,36 +11606,6 @@
       </p:grpSpPr>
       <p:sp>
         <p:nvSpPr>
-          <p:cNvPr id="2" name="スライド番号プレースホルダー 1">
-            <a:extLst>
-              <a:ext uri="{FF2B5EF4-FFF2-40B4-BE49-F238E27FC236}">
-                <a16:creationId xmlns:a16="http://schemas.microsoft.com/office/drawing/2014/main" id="{817CE4B4-649F-F539-09A3-F986C6C154C4}"/>
-              </a:ext>
-            </a:extLst>
-          </p:cNvPr>
-          <p:cNvSpPr>
-            <a:spLocks noGrp="1"/>
-          </p:cNvSpPr>
-          <p:nvPr>
-            <p:ph type="sldNum" sz="quarter" idx="26"/>
-          </p:nvPr>
-        </p:nvSpPr>
-        <p:spPr/>
-        <p:txBody>
-          <a:bodyPr/>
-          <a:lstStyle/>
-          <a:p>
-            <a:fld id="{6408349E-6932-463E-ABE1-6FC2A2453113}" type="slidenum">
-              <a:rPr kumimoji="1" lang="ja-JP" altLang="en-US" smtClean="0"/>
-              <a:pPr/>
-              <a:t>2</a:t>
-            </a:fld>
-            <a:endParaRPr kumimoji="1" lang="ja-JP" altLang="en-US"/>
-          </a:p>
-        </p:txBody>
-      </p:sp>
-      <p:sp>
-        <p:nvSpPr>
           <p:cNvPr id="3" name="テキスト プレースホルダー 2">
             <a:extLst>
               <a:ext uri="{FF2B5EF4-FFF2-40B4-BE49-F238E27FC236}">
@@ -11661,11 +11631,11 @@
           <a:lstStyle/>
           <a:p>
             <a:r>
-              <a:rPr lang="ja-JP" altLang="en-US" sz="4400"/>
+              <a:rPr lang="ja-JP" altLang="en-US" sz="4000" dirty="0"/>
               <a:t>本スライドで用いている図には，</a:t>
             </a:r>
             <a:r>
-              <a:rPr lang="ja-JP" altLang="en-US" sz="4400">
+              <a:rPr lang="ja-JP" altLang="en-US" sz="4000" dirty="0">
                 <a:solidFill>
                   <a:schemeClr val="accent6"/>
                 </a:solidFill>
@@ -11673,18 +11643,18 @@
               <a:t>著作権上配布できないもの</a:t>
             </a:r>
             <a:r>
-              <a:rPr lang="ja-JP" altLang="en-US" sz="4400"/>
+              <a:rPr lang="ja-JP" altLang="en-US" sz="4000" dirty="0"/>
               <a:t>を含みます．</a:t>
             </a:r>
-            <a:endParaRPr lang="en-US" altLang="ja-JP" sz="4400"/>
-          </a:p>
-          <a:p>
-            <a:r>
-              <a:rPr lang="ja-JP" altLang="en-US" sz="4400"/>
+            <a:endParaRPr lang="en-US" altLang="ja-JP" sz="4000" dirty="0"/>
+          </a:p>
+          <a:p>
+            <a:r>
+              <a:rPr lang="ja-JP" altLang="en-US" sz="4000" dirty="0"/>
               <a:t>そのため，</a:t>
             </a:r>
             <a:r>
-              <a:rPr lang="ja-JP" altLang="en-US" sz="4400">
+              <a:rPr lang="ja-JP" altLang="en-US" sz="4000" dirty="0">
                 <a:solidFill>
                   <a:schemeClr val="accent6"/>
                 </a:solidFill>
@@ -11692,25 +11662,74 @@
               <a:t>スライドを撮影する行為は禁止</a:t>
             </a:r>
             <a:r>
-              <a:rPr lang="ja-JP" altLang="en-US" sz="4400"/>
+              <a:rPr lang="ja-JP" altLang="en-US" sz="4000" dirty="0"/>
               <a:t>です．</a:t>
             </a:r>
-            <a:endParaRPr lang="en-US" altLang="ja-JP" sz="4400"/>
-          </a:p>
-          <a:p>
-            <a:r>
-              <a:rPr lang="ja-JP" altLang="en-US" sz="4400"/>
+            <a:endParaRPr lang="en-US" altLang="ja-JP" sz="4000" dirty="0"/>
+          </a:p>
+          <a:p>
+            <a:r>
+              <a:rPr lang="ja-JP" altLang="en-US" sz="4000" dirty="0"/>
               <a:t>配布資料は，</a:t>
             </a:r>
             <a:r>
-              <a:rPr lang="en-US" altLang="ja-JP" sz="4400"/>
+              <a:rPr lang="en-US" altLang="ja-JP" sz="4000" dirty="0"/>
               <a:t>QR</a:t>
             </a:r>
             <a:r>
-              <a:rPr lang="ja-JP" altLang="en-US" sz="4400"/>
+              <a:rPr lang="ja-JP" altLang="en-US" sz="4000" dirty="0"/>
               <a:t>コードからダウンロードできます．</a:t>
             </a:r>
-            <a:endParaRPr lang="en-US" altLang="ja-JP" sz="4400"/>
+            <a:endParaRPr lang="en-US" altLang="ja-JP" sz="4000" dirty="0"/>
+          </a:p>
+          <a:p>
+            <a:r>
+              <a:rPr lang="ja-JP" altLang="en-US" sz="4000" dirty="0"/>
+              <a:t>質問があれば</a:t>
+            </a:r>
+            <a:r>
+              <a:rPr lang="ja-JP" altLang="en-US" sz="4000" dirty="0">
+                <a:solidFill>
+                  <a:schemeClr val="accent6"/>
+                </a:solidFill>
+              </a:rPr>
+              <a:t>自由に発言しても</a:t>
+            </a:r>
+            <a:r>
+              <a:rPr lang="ja-JP" altLang="en-US" sz="4000" dirty="0"/>
+              <a:t>大丈夫です．歓迎いたします！</a:t>
+            </a:r>
+            <a:endParaRPr lang="en-US" altLang="ja-JP" sz="4000" dirty="0"/>
+          </a:p>
+        </p:txBody>
+      </p:sp>
+      <p:sp>
+        <p:nvSpPr>
+          <p:cNvPr id="2" name="スライド番号プレースホルダー 1">
+            <a:extLst>
+              <a:ext uri="{FF2B5EF4-FFF2-40B4-BE49-F238E27FC236}">
+                <a16:creationId xmlns:a16="http://schemas.microsoft.com/office/drawing/2014/main" id="{817CE4B4-649F-F539-09A3-F986C6C154C4}"/>
+              </a:ext>
+            </a:extLst>
+          </p:cNvPr>
+          <p:cNvSpPr>
+            <a:spLocks noGrp="1"/>
+          </p:cNvSpPr>
+          <p:nvPr>
+            <p:ph type="sldNum" sz="quarter" idx="26"/>
+          </p:nvPr>
+        </p:nvSpPr>
+        <p:spPr/>
+        <p:txBody>
+          <a:bodyPr/>
+          <a:lstStyle/>
+          <a:p>
+            <a:fld id="{6408349E-6932-463E-ABE1-6FC2A2453113}" type="slidenum">
+              <a:rPr kumimoji="1" lang="ja-JP" altLang="en-US" smtClean="0"/>
+              <a:pPr/>
+              <a:t>2</a:t>
+            </a:fld>
+            <a:endParaRPr kumimoji="1" lang="ja-JP" altLang="en-US"/>
           </a:p>
         </p:txBody>
       </p:sp>
@@ -11756,8 +11775,8 @@
         </p:nvSpPr>
         <p:spPr>
           <a:xfrm>
-            <a:off x="0" y="1414101"/>
-            <a:ext cx="9906000" cy="4861194"/>
+            <a:off x="-3" y="1231006"/>
+            <a:ext cx="9906000" cy="5282515"/>
           </a:xfrm>
           <a:prstGeom prst="rect">
             <a:avLst/>
@@ -11792,10 +11811,46 @@
           <a:lstStyle/>
           <a:p>
             <a:pPr algn="ctr"/>
-            <a:endParaRPr kumimoji="1" lang="ja-JP" altLang="en-US"/>
+            <a:endParaRPr kumimoji="1" lang="ja-JP" altLang="en-US" dirty="0"/>
           </a:p>
         </p:txBody>
       </p:sp>
+      <p:pic>
+        <p:nvPicPr>
+          <p:cNvPr id="9" name="図 8" descr="QR コード&#10;&#10;AI 生成コンテンツは誤りを含む可能性があります。">
+            <a:extLst>
+              <a:ext uri="{FF2B5EF4-FFF2-40B4-BE49-F238E27FC236}">
+                <a16:creationId xmlns:a16="http://schemas.microsoft.com/office/drawing/2014/main" id="{B7D48E2E-73F5-922F-80DD-851F35B9F669}"/>
+              </a:ext>
+            </a:extLst>
+          </p:cNvPr>
+          <p:cNvPicPr>
+            <a:picLocks noChangeAspect="1"/>
+          </p:cNvPicPr>
+          <p:nvPr/>
+        </p:nvPicPr>
+        <p:blipFill>
+          <a:blip r:embed="rId2">
+            <a:extLst>
+              <a:ext uri="{28A0092B-C50C-407E-A947-70E740481C1C}">
+                <a14:useLocalDpi xmlns:a14="http://schemas.microsoft.com/office/drawing/2010/main" val="0"/>
+              </a:ext>
+            </a:extLst>
+          </a:blip>
+          <a:stretch>
+            <a:fillRect/>
+          </a:stretch>
+        </p:blipFill>
+        <p:spPr>
+          <a:xfrm>
+            <a:off x="2842514" y="1195183"/>
+            <a:ext cx="4220965" cy="4220965"/>
+          </a:xfrm>
+          <a:prstGeom prst="rect">
+            <a:avLst/>
+          </a:prstGeom>
+        </p:spPr>
+      </p:pic>
       <p:sp>
         <p:nvSpPr>
           <p:cNvPr id="5" name="正方形/長方形 4">
@@ -11810,8 +11865,8 @@
         </p:nvSpPr>
         <p:spPr>
           <a:xfrm>
-            <a:off x="731220" y="5398259"/>
-            <a:ext cx="8443555" cy="1088406"/>
+            <a:off x="731220" y="5281713"/>
+            <a:ext cx="8681721" cy="1181625"/>
           </a:xfrm>
           <a:prstGeom prst="rect">
             <a:avLst/>
@@ -11863,46 +11918,10 @@
           </a:p>
         </p:txBody>
       </p:sp>
-      <p:pic>
-        <p:nvPicPr>
-          <p:cNvPr id="7" name="図 6" descr="QR コード&#10;&#10;AI 生成コンテンツは誤りを含む可能性があります。">
-            <a:extLst>
-              <a:ext uri="{FF2B5EF4-FFF2-40B4-BE49-F238E27FC236}">
-                <a16:creationId xmlns:a16="http://schemas.microsoft.com/office/drawing/2014/main" id="{F0F4CE1B-3FDC-47CC-E307-383EB994322C}"/>
-              </a:ext>
-            </a:extLst>
-          </p:cNvPr>
-          <p:cNvPicPr>
-            <a:picLocks noChangeAspect="1"/>
-          </p:cNvPicPr>
-          <p:nvPr/>
-        </p:nvPicPr>
-        <p:blipFill>
-          <a:blip r:embed="rId2">
-            <a:extLst>
-              <a:ext uri="{28A0092B-C50C-407E-A947-70E740481C1C}">
-                <a14:useLocalDpi xmlns:a14="http://schemas.microsoft.com/office/drawing/2010/main" val="0"/>
-              </a:ext>
-            </a:extLst>
-          </a:blip>
-          <a:stretch>
-            <a:fillRect/>
-          </a:stretch>
-        </p:blipFill>
-        <p:spPr>
-          <a:xfrm>
-            <a:off x="2923732" y="1312873"/>
-            <a:ext cx="4058530" cy="4058530"/>
-          </a:xfrm>
-          <a:prstGeom prst="rect">
-            <a:avLst/>
-          </a:prstGeom>
-        </p:spPr>
-      </p:pic>
     </p:spTree>
     <p:extLst>
       <p:ext uri="{BB962C8B-B14F-4D97-AF65-F5344CB8AC3E}">
-        <p14:creationId xmlns:p14="http://schemas.microsoft.com/office/powerpoint/2010/main" val="2214836228"/>
+        <p14:creationId xmlns:p14="http://schemas.microsoft.com/office/powerpoint/2010/main" val="309220706"/>
       </p:ext>
     </p:extLst>
   </p:cSld>
@@ -12125,7 +12144,7 @@
                             </p:stCondLst>
                             <p:childTnLst>
                               <p:par>
-                                <p:cTn id="20" presetID="10" presetClass="entr" presetSubtype="0" fill="hold" nodeType="clickEffect">
+                                <p:cTn id="20" presetID="10" presetClass="entr" presetSubtype="0" fill="hold" grpId="0" nodeType="clickEffect">
                                   <p:stCondLst>
                                     <p:cond delay="0"/>
                                   </p:stCondLst>
@@ -12138,7 +12157,11 @@
                                           </p:stCondLst>
                                         </p:cTn>
                                         <p:tgtEl>
-                                          <p:spTgt spid="7"/>
+                                          <p:spTgt spid="3">
+                                            <p:txEl>
+                                              <p:pRg st="3" end="3"/>
+                                            </p:txEl>
+                                          </p:spTgt>
                                         </p:tgtEl>
                                         <p:attrNameLst>
                                           <p:attrName>style.visibility</p:attrName>
@@ -12152,42 +12175,11 @@
                                       <p:cBhvr>
                                         <p:cTn id="22" dur="500"/>
                                         <p:tgtEl>
-                                          <p:spTgt spid="7"/>
-                                        </p:tgtEl>
-                                      </p:cBhvr>
-                                    </p:animEffect>
-                                  </p:childTnLst>
-                                </p:cTn>
-                              </p:par>
-                              <p:par>
-                                <p:cTn id="23" presetID="10" presetClass="entr" presetSubtype="0" fill="hold" grpId="0" nodeType="withEffect">
-                                  <p:stCondLst>
-                                    <p:cond delay="0"/>
-                                  </p:stCondLst>
-                                  <p:childTnLst>
-                                    <p:set>
-                                      <p:cBhvr>
-                                        <p:cTn id="24" dur="1" fill="hold">
-                                          <p:stCondLst>
-                                            <p:cond delay="0"/>
-                                          </p:stCondLst>
-                                        </p:cTn>
-                                        <p:tgtEl>
-                                          <p:spTgt spid="6"/>
-                                        </p:tgtEl>
-                                        <p:attrNameLst>
-                                          <p:attrName>style.visibility</p:attrName>
-                                        </p:attrNameLst>
-                                      </p:cBhvr>
-                                      <p:to>
-                                        <p:strVal val="visible"/>
-                                      </p:to>
-                                    </p:set>
-                                    <p:animEffect transition="in" filter="fade">
-                                      <p:cBhvr>
-                                        <p:cTn id="25" dur="500"/>
-                                        <p:tgtEl>
-                                          <p:spTgt spid="6"/>
+                                          <p:spTgt spid="3">
+                                            <p:txEl>
+                                              <p:pRg st="3" end="3"/>
+                                            </p:txEl>
+                                          </p:spTgt>
                                         </p:tgtEl>
                                       </p:cBhvr>
                                     </p:animEffect>
@@ -12201,31 +12193,119 @@
                     </p:cTn>
                   </p:par>
                   <p:par>
-                    <p:cTn id="26" fill="hold">
+                    <p:cTn id="23" fill="hold">
                       <p:stCondLst>
                         <p:cond delay="indefinite"/>
                       </p:stCondLst>
                       <p:childTnLst>
                         <p:par>
-                          <p:cTn id="27" fill="hold">
+                          <p:cTn id="24" fill="hold">
                             <p:stCondLst>
                               <p:cond delay="0"/>
                             </p:stCondLst>
                             <p:childTnLst>
                               <p:par>
-                                <p:cTn id="28" presetID="50" presetClass="entr" presetSubtype="0" decel="100000" fill="hold" grpId="0" nodeType="clickEffect">
+                                <p:cTn id="25" presetID="10" presetClass="entr" presetSubtype="0" fill="hold" grpId="0" nodeType="clickEffect">
                                   <p:stCondLst>
                                     <p:cond delay="0"/>
                                   </p:stCondLst>
                                   <p:childTnLst>
                                     <p:set>
                                       <p:cBhvr>
+                                        <p:cTn id="26" dur="1" fill="hold">
+                                          <p:stCondLst>
+                                            <p:cond delay="0"/>
+                                          </p:stCondLst>
+                                        </p:cTn>
+                                        <p:tgtEl>
+                                          <p:spTgt spid="6"/>
+                                        </p:tgtEl>
+                                        <p:attrNameLst>
+                                          <p:attrName>style.visibility</p:attrName>
+                                        </p:attrNameLst>
+                                      </p:cBhvr>
+                                      <p:to>
+                                        <p:strVal val="visible"/>
+                                      </p:to>
+                                    </p:set>
+                                    <p:animEffect transition="in" filter="fade">
+                                      <p:cBhvr>
+                                        <p:cTn id="27" dur="500"/>
+                                        <p:tgtEl>
+                                          <p:spTgt spid="6"/>
+                                        </p:tgtEl>
+                                      </p:cBhvr>
+                                    </p:animEffect>
+                                  </p:childTnLst>
+                                </p:cTn>
+                              </p:par>
+                              <p:par>
+                                <p:cTn id="28" presetID="10" presetClass="entr" presetSubtype="0" fill="hold" nodeType="withEffect">
+                                  <p:stCondLst>
+                                    <p:cond delay="0"/>
+                                  </p:stCondLst>
+                                  <p:childTnLst>
+                                    <p:set>
+                                      <p:cBhvr>
                                         <p:cTn id="29" dur="1" fill="hold">
                                           <p:stCondLst>
                                             <p:cond delay="0"/>
                                           </p:stCondLst>
                                         </p:cTn>
                                         <p:tgtEl>
+                                          <p:spTgt spid="9"/>
+                                        </p:tgtEl>
+                                        <p:attrNameLst>
+                                          <p:attrName>style.visibility</p:attrName>
+                                        </p:attrNameLst>
+                                      </p:cBhvr>
+                                      <p:to>
+                                        <p:strVal val="visible"/>
+                                      </p:to>
+                                    </p:set>
+                                    <p:animEffect transition="in" filter="fade">
+                                      <p:cBhvr>
+                                        <p:cTn id="30" dur="500"/>
+                                        <p:tgtEl>
+                                          <p:spTgt spid="9"/>
+                                        </p:tgtEl>
+                                      </p:cBhvr>
+                                    </p:animEffect>
+                                  </p:childTnLst>
+                                </p:cTn>
+                              </p:par>
+                            </p:childTnLst>
+                          </p:cTn>
+                        </p:par>
+                      </p:childTnLst>
+                    </p:cTn>
+                  </p:par>
+                  <p:par>
+                    <p:cTn id="31" fill="hold">
+                      <p:stCondLst>
+                        <p:cond delay="indefinite"/>
+                      </p:stCondLst>
+                      <p:childTnLst>
+                        <p:par>
+                          <p:cTn id="32" fill="hold">
+                            <p:stCondLst>
+                              <p:cond delay="0"/>
+                            </p:stCondLst>
+                            <p:childTnLst>
+                              <p:par>
+                                <p:cTn id="33" presetID="50" presetClass="entr" presetSubtype="0" decel="100000" fill="hold" grpId="0" nodeType="clickEffect">
+                                  <p:stCondLst>
+                                    <p:cond delay="0"/>
+                                  </p:stCondLst>
+                                  <p:childTnLst>
+                                    <p:set>
+                                      <p:cBhvr>
+                                        <p:cTn id="34" dur="1" fill="hold">
+                                          <p:stCondLst>
+                                            <p:cond delay="0"/>
+                                          </p:stCondLst>
+                                        </p:cTn>
+                                        <p:tgtEl>
                                           <p:spTgt spid="5"/>
                                         </p:tgtEl>
                                         <p:attrNameLst>
@@ -12238,7 +12318,7 @@
                                     </p:set>
                                     <p:anim calcmode="lin" valueType="num">
                                       <p:cBhvr>
-                                        <p:cTn id="30" dur="1000" fill="hold"/>
+                                        <p:cTn id="35" dur="1000" fill="hold"/>
                                         <p:tgtEl>
                                           <p:spTgt spid="5"/>
                                         </p:tgtEl>
@@ -12261,7 +12341,7 @@
                                     </p:anim>
                                     <p:anim calcmode="lin" valueType="num">
                                       <p:cBhvr>
-                                        <p:cTn id="31" dur="1000" fill="hold"/>
+                                        <p:cTn id="36" dur="1000" fill="hold"/>
                                         <p:tgtEl>
                                           <p:spTgt spid="5"/>
                                         </p:tgtEl>
@@ -12284,7 +12364,7 @@
                                     </p:anim>
                                     <p:animEffect transition="in" filter="fade">
                                       <p:cBhvr>
-                                        <p:cTn id="32" dur="1000"/>
+                                        <p:cTn id="37" dur="1000"/>
                                         <p:tgtEl>
                                           <p:spTgt spid="5"/>
                                         </p:tgtEl>

--- a/EM03/EM03_slide.pptx
+++ b/EM03/EM03_slide.pptx
@@ -2,46 +2,46 @@
 <file path=ppt/presentation.xml><?xml version="1.0" encoding="utf-8"?>
 <p:presentation xmlns:a="http://schemas.openxmlformats.org/drawingml/2006/main" xmlns:r="http://schemas.openxmlformats.org/officeDocument/2006/relationships" xmlns:p="http://schemas.openxmlformats.org/presentationml/2006/main" removePersonalInfoOnSave="1" saveSubsetFonts="1">
   <p:sldMasterIdLst>
-    <p:sldMasterId id="2147483648" r:id="rId1"/>
+    <p:sldMasterId id="2147483648" r:id="rId4"/>
   </p:sldMasterIdLst>
   <p:notesMasterIdLst>
-    <p:notesMasterId r:id="rId33"/>
+    <p:notesMasterId r:id="rId36"/>
   </p:notesMasterIdLst>
   <p:handoutMasterIdLst>
-    <p:handoutMasterId r:id="rId34"/>
+    <p:handoutMasterId r:id="rId37"/>
   </p:handoutMasterIdLst>
   <p:sldIdLst>
-    <p:sldId id="256" r:id="rId2"/>
-    <p:sldId id="465" r:id="rId3"/>
-    <p:sldId id="390" r:id="rId4"/>
-    <p:sldId id="338" r:id="rId5"/>
-    <p:sldId id="337" r:id="rId6"/>
-    <p:sldId id="263" r:id="rId7"/>
-    <p:sldId id="463" r:id="rId8"/>
-    <p:sldId id="456" r:id="rId9"/>
-    <p:sldId id="353" r:id="rId10"/>
-    <p:sldId id="464" r:id="rId11"/>
-    <p:sldId id="387" r:id="rId12"/>
-    <p:sldId id="455" r:id="rId13"/>
-    <p:sldId id="388" r:id="rId14"/>
-    <p:sldId id="462" r:id="rId15"/>
-    <p:sldId id="394" r:id="rId16"/>
-    <p:sldId id="336" r:id="rId17"/>
-    <p:sldId id="392" r:id="rId18"/>
-    <p:sldId id="459" r:id="rId19"/>
-    <p:sldId id="260" r:id="rId20"/>
-    <p:sldId id="270" r:id="rId21"/>
-    <p:sldId id="266" r:id="rId22"/>
-    <p:sldId id="351" r:id="rId23"/>
-    <p:sldId id="393" r:id="rId24"/>
-    <p:sldId id="262" r:id="rId25"/>
-    <p:sldId id="371" r:id="rId26"/>
-    <p:sldId id="372" r:id="rId27"/>
-    <p:sldId id="373" r:id="rId28"/>
-    <p:sldId id="374" r:id="rId29"/>
-    <p:sldId id="375" r:id="rId30"/>
-    <p:sldId id="272" r:id="rId31"/>
-    <p:sldId id="460" r:id="rId32"/>
+    <p:sldId id="256" r:id="rId5"/>
+    <p:sldId id="461" r:id="rId6"/>
+    <p:sldId id="390" r:id="rId7"/>
+    <p:sldId id="338" r:id="rId8"/>
+    <p:sldId id="337" r:id="rId9"/>
+    <p:sldId id="263" r:id="rId10"/>
+    <p:sldId id="463" r:id="rId11"/>
+    <p:sldId id="456" r:id="rId12"/>
+    <p:sldId id="353" r:id="rId13"/>
+    <p:sldId id="464" r:id="rId14"/>
+    <p:sldId id="387" r:id="rId15"/>
+    <p:sldId id="455" r:id="rId16"/>
+    <p:sldId id="388" r:id="rId17"/>
+    <p:sldId id="462" r:id="rId18"/>
+    <p:sldId id="394" r:id="rId19"/>
+    <p:sldId id="336" r:id="rId20"/>
+    <p:sldId id="392" r:id="rId21"/>
+    <p:sldId id="459" r:id="rId22"/>
+    <p:sldId id="260" r:id="rId23"/>
+    <p:sldId id="270" r:id="rId24"/>
+    <p:sldId id="266" r:id="rId25"/>
+    <p:sldId id="351" r:id="rId26"/>
+    <p:sldId id="393" r:id="rId27"/>
+    <p:sldId id="371" r:id="rId28"/>
+    <p:sldId id="372" r:id="rId29"/>
+    <p:sldId id="373" r:id="rId30"/>
+    <p:sldId id="374" r:id="rId31"/>
+    <p:sldId id="375" r:id="rId32"/>
+    <p:sldId id="272" r:id="rId33"/>
+    <p:sldId id="460" r:id="rId34"/>
+    <p:sldId id="465" r:id="rId35"/>
   </p:sldIdLst>
   <p:sldSz cx="9906000" cy="6858000" type="A4"/>
   <p:notesSz cx="7099300" cy="10234613"/>
@@ -165,7 +165,7 @@
 <file path=ppt/revisionInfo.xml><?xml version="1.0" encoding="utf-8"?>
 <p1510:revInfo xmlns:a="http://schemas.openxmlformats.org/drawingml/2006/main" xmlns:r="http://schemas.openxmlformats.org/officeDocument/2006/relationships" xmlns:p1510="http://schemas.microsoft.com/office/powerpoint/2015/10/main">
   <p1510:revLst>
-    <p1510:client id="{7A394BDA-80A0-4CD6-A8EE-1E263865550B}" v="715" dt="2025-08-25T18:54:10.904"/>
+    <p1510:client id="{B89A036F-1B2E-4AC0-A1E4-4EAF1A594857}" v="41" dt="2025-09-29T16:08:04.783"/>
   </p1510:revLst>
 </p1510:revInfo>
 </file>
@@ -421,7 +421,7 @@
           <a:p>
             <a:fld id="{0F5249E7-E526-41BC-878D-DBB27AF3BCB6}" type="datetimeFigureOut">
               <a:rPr kumimoji="1" lang="ja-JP" altLang="en-US" smtClean="0"/>
-              <a:t>2025/9/5</a:t>
+              <a:t>2025/9/30</a:t>
             </a:fld>
             <a:endParaRPr kumimoji="1" lang="ja-JP" altLang="en-US"/>
           </a:p>
@@ -719,6 +719,90 @@
     </a:lvl9pPr>
   </p:notesStyle>
 </p:notesMaster>
+</file>
+
+<file path=ppt/notesSlides/notesSlide1.xml><?xml version="1.0" encoding="utf-8"?>
+<p:notes xmlns:a="http://schemas.openxmlformats.org/drawingml/2006/main" xmlns:r="http://schemas.openxmlformats.org/officeDocument/2006/relationships" xmlns:p="http://schemas.openxmlformats.org/presentationml/2006/main">
+  <p:cSld>
+    <p:spTree>
+      <p:nvGrpSpPr>
+        <p:cNvPr id="1" name=""/>
+        <p:cNvGrpSpPr/>
+        <p:nvPr/>
+      </p:nvGrpSpPr>
+      <p:grpSpPr>
+        <a:xfrm>
+          <a:off x="0" y="0"/>
+          <a:ext cx="0" cy="0"/>
+          <a:chOff x="0" y="0"/>
+          <a:chExt cx="0" cy="0"/>
+        </a:xfrm>
+      </p:grpSpPr>
+      <p:sp>
+        <p:nvSpPr>
+          <p:cNvPr id="2" name="スライド イメージ プレースホルダー 1"/>
+          <p:cNvSpPr>
+            <a:spLocks noGrp="1" noRot="1" noChangeAspect="1"/>
+          </p:cNvSpPr>
+          <p:nvPr>
+            <p:ph type="sldImg"/>
+          </p:nvPr>
+        </p:nvSpPr>
+        <p:spPr/>
+      </p:sp>
+      <p:sp>
+        <p:nvSpPr>
+          <p:cNvPr id="3" name="ノート プレースホルダー 2"/>
+          <p:cNvSpPr>
+            <a:spLocks noGrp="1"/>
+          </p:cNvSpPr>
+          <p:nvPr>
+            <p:ph type="body" idx="1"/>
+          </p:nvPr>
+        </p:nvSpPr>
+        <p:spPr/>
+        <p:txBody>
+          <a:bodyPr/>
+          <a:lstStyle/>
+          <a:p>
+            <a:endParaRPr kumimoji="1" lang="ja-JP" altLang="en-US"/>
+          </a:p>
+        </p:txBody>
+      </p:sp>
+      <p:sp>
+        <p:nvSpPr>
+          <p:cNvPr id="4" name="スライド番号プレースホルダー 3"/>
+          <p:cNvSpPr>
+            <a:spLocks noGrp="1"/>
+          </p:cNvSpPr>
+          <p:nvPr>
+            <p:ph type="sldNum" sz="quarter" idx="5"/>
+          </p:nvPr>
+        </p:nvSpPr>
+        <p:spPr/>
+        <p:txBody>
+          <a:bodyPr/>
+          <a:lstStyle/>
+          <a:p>
+            <a:fld id="{79E39443-4C2A-4AA4-9DFB-12BD22F5BBC2}" type="slidenum">
+              <a:rPr kumimoji="1" lang="ja-JP" altLang="en-US" smtClean="0"/>
+              <a:t>9</a:t>
+            </a:fld>
+            <a:endParaRPr kumimoji="1" lang="ja-JP" altLang="en-US"/>
+          </a:p>
+        </p:txBody>
+      </p:sp>
+    </p:spTree>
+    <p:extLst>
+      <p:ext uri="{BB962C8B-B14F-4D97-AF65-F5344CB8AC3E}">
+        <p14:creationId xmlns:p14="http://schemas.microsoft.com/office/powerpoint/2010/main" val="4225203497"/>
+      </p:ext>
+    </p:extLst>
+  </p:cSld>
+  <p:clrMapOvr>
+    <a:masterClrMapping/>
+  </p:clrMapOvr>
+</p:notes>
 </file>
 
 <file path=ppt/slideLayouts/slideLayout1.xml><?xml version="1.0" encoding="utf-8"?>
@@ -4367,7 +4451,7 @@
               <a:defRPr/>
             </a:pPr>
             <a:r>
-              <a:rPr kumimoji="1" lang="ja-JP" altLang="en-US" sz="4000" b="0" i="0" u="none" strike="noStrike" kern="1200" cap="none" spc="0" normalizeH="0" baseline="0" noProof="0" dirty="0">
+              <a:rPr kumimoji="1" lang="ja-JP" altLang="en-US" sz="4000" b="0" i="0" u="none" strike="noStrike" kern="1200" cap="none" spc="0" normalizeH="0" baseline="0" noProof="0">
                 <a:ln>
                   <a:noFill/>
                 </a:ln>
@@ -4383,7 +4467,7 @@
               </a:rPr>
               <a:t>中学理科 物理分野</a:t>
             </a:r>
-            <a:endParaRPr kumimoji="1" lang="en-US" altLang="ja-JP" sz="4000" b="0" i="0" u="none" strike="noStrike" kern="1200" cap="none" spc="0" normalizeH="0" baseline="0" noProof="0" dirty="0">
+            <a:endParaRPr kumimoji="1" lang="en-US" altLang="ja-JP" sz="4000" b="0" i="0" u="none" strike="noStrike" kern="1200" cap="none" spc="0" normalizeH="0" baseline="0" noProof="0">
               <a:ln>
                 <a:noFill/>
               </a:ln>
@@ -4417,7 +4501,7 @@
               <a:defRPr/>
             </a:pPr>
             <a:r>
-              <a:rPr kumimoji="1" lang="ja-JP" altLang="en-US" sz="2800" b="0" i="0" u="none" strike="noStrike" kern="1200" cap="none" spc="0" normalizeH="0" baseline="0" noProof="0" dirty="0">
+              <a:rPr kumimoji="1" lang="ja-JP" altLang="en-US" sz="2800" b="0" i="0" u="none" strike="noStrike" kern="1200" cap="none" spc="0" normalizeH="0" baseline="0" noProof="0">
                 <a:ln>
                   <a:noFill/>
                 </a:ln>
@@ -4542,10 +4626,10 @@
           <a:lstStyle/>
           <a:p>
             <a:r>
-              <a:rPr kumimoji="1" lang="en-US" altLang="ja-JP" sz="2000"/>
-              <a:t>Yr. 2025-2026</a:t>
-            </a:r>
-            <a:endParaRPr kumimoji="1" lang="ja-JP" altLang="en-US" sz="2000"/>
+              <a:rPr kumimoji="1" lang="en-US" altLang="ja-JP" sz="2000" dirty="0"/>
+              <a:t>2025.10.03</a:t>
+            </a:r>
+            <a:endParaRPr kumimoji="1" lang="ja-JP" altLang="en-US" sz="2000" dirty="0"/>
           </a:p>
         </p:txBody>
       </p:sp>
@@ -10922,6 +11006,58 @@
           </a:p>
         </p:txBody>
       </p:sp>
+      <p:sp>
+        <p:nvSpPr>
+          <p:cNvPr id="4" name="楕円 3">
+            <a:extLst>
+              <a:ext uri="{FF2B5EF4-FFF2-40B4-BE49-F238E27FC236}">
+                <a16:creationId xmlns:a16="http://schemas.microsoft.com/office/drawing/2014/main" id="{22B2834E-A108-FAB7-F03B-8422B4A71138}"/>
+              </a:ext>
+            </a:extLst>
+          </p:cNvPr>
+          <p:cNvSpPr/>
+          <p:nvPr/>
+        </p:nvSpPr>
+        <p:spPr>
+          <a:xfrm>
+            <a:off x="8341485" y="5289178"/>
+            <a:ext cx="1452275" cy="1452275"/>
+          </a:xfrm>
+          <a:prstGeom prst="ellipse">
+            <a:avLst/>
+          </a:prstGeom>
+          <a:effectLst/>
+        </p:spPr>
+        <p:style>
+          <a:lnRef idx="1">
+            <a:schemeClr val="accent4"/>
+          </a:lnRef>
+          <a:fillRef idx="2">
+            <a:schemeClr val="accent4"/>
+          </a:fillRef>
+          <a:effectRef idx="1">
+            <a:schemeClr val="accent4"/>
+          </a:effectRef>
+          <a:fontRef idx="minor">
+            <a:schemeClr val="dk1"/>
+          </a:fontRef>
+        </p:style>
+        <p:txBody>
+          <a:bodyPr rtlCol="0" anchor="ctr"/>
+          <a:lstStyle/>
+          <a:p>
+            <a:pPr algn="ctr"/>
+            <a:r>
+              <a:rPr kumimoji="1" lang="en-US" altLang="ja-JP" sz="3600" dirty="0"/>
+              <a:t>3</a:t>
+            </a:r>
+            <a:r>
+              <a:rPr kumimoji="1" lang="ja-JP" altLang="en-US" sz="3600" dirty="0"/>
+              <a:t>分</a:t>
+            </a:r>
+          </a:p>
+        </p:txBody>
+      </p:sp>
     </p:spTree>
     <p:extLst>
       <p:ext uri="{BB962C8B-B14F-4D97-AF65-F5344CB8AC3E}">
@@ -11226,6 +11362,103 @@
                       </p:childTnLst>
                     </p:cTn>
                   </p:par>
+                  <p:par>
+                    <p:cTn id="25" fill="hold">
+                      <p:stCondLst>
+                        <p:cond delay="indefinite"/>
+                      </p:stCondLst>
+                      <p:childTnLst>
+                        <p:par>
+                          <p:cTn id="26" fill="hold">
+                            <p:stCondLst>
+                              <p:cond delay="0"/>
+                            </p:stCondLst>
+                            <p:childTnLst>
+                              <p:par>
+                                <p:cTn id="27" presetID="10" presetClass="entr" presetSubtype="0" fill="hold" grpId="1" nodeType="clickEffect">
+                                  <p:stCondLst>
+                                    <p:cond delay="0"/>
+                                  </p:stCondLst>
+                                  <p:childTnLst>
+                                    <p:set>
+                                      <p:cBhvr>
+                                        <p:cTn id="28" dur="1" fill="hold">
+                                          <p:stCondLst>
+                                            <p:cond delay="0"/>
+                                          </p:stCondLst>
+                                        </p:cTn>
+                                        <p:tgtEl>
+                                          <p:spTgt spid="4"/>
+                                        </p:tgtEl>
+                                        <p:attrNameLst>
+                                          <p:attrName>style.visibility</p:attrName>
+                                        </p:attrNameLst>
+                                      </p:cBhvr>
+                                      <p:to>
+                                        <p:strVal val="visible"/>
+                                      </p:to>
+                                    </p:set>
+                                    <p:animEffect transition="in" filter="fade">
+                                      <p:cBhvr>
+                                        <p:cTn id="29" dur="500"/>
+                                        <p:tgtEl>
+                                          <p:spTgt spid="4"/>
+                                        </p:tgtEl>
+                                      </p:cBhvr>
+                                    </p:animEffect>
+                                  </p:childTnLst>
+                                </p:cTn>
+                              </p:par>
+                            </p:childTnLst>
+                          </p:cTn>
+                        </p:par>
+                        <p:par>
+                          <p:cTn id="30" fill="hold">
+                            <p:stCondLst>
+                              <p:cond delay="500"/>
+                            </p:stCondLst>
+                            <p:childTnLst>
+                              <p:par>
+                                <p:cTn id="31" presetID="21" presetClass="exit" presetSubtype="1" fill="hold" grpId="0" nodeType="afterEffect">
+                                  <p:stCondLst>
+                                    <p:cond delay="0"/>
+                                  </p:stCondLst>
+                                  <p:childTnLst>
+                                    <p:animEffect transition="out" filter="wheel(1)">
+                                      <p:cBhvr>
+                                        <p:cTn id="32" dur="180000"/>
+                                        <p:tgtEl>
+                                          <p:spTgt spid="4"/>
+                                        </p:tgtEl>
+                                      </p:cBhvr>
+                                    </p:animEffect>
+                                    <p:set>
+                                      <p:cBhvr>
+                                        <p:cTn id="33" dur="1" fill="hold">
+                                          <p:stCondLst>
+                                            <p:cond delay="179999"/>
+                                          </p:stCondLst>
+                                        </p:cTn>
+                                        <p:tgtEl>
+                                          <p:spTgt spid="4"/>
+                                        </p:tgtEl>
+                                        <p:attrNameLst>
+                                          <p:attrName>style.visibility</p:attrName>
+                                        </p:attrNameLst>
+                                      </p:cBhvr>
+                                      <p:to>
+                                        <p:strVal val="hidden"/>
+                                      </p:to>
+                                    </p:set>
+                                  </p:childTnLst>
+                                </p:cTn>
+                              </p:par>
+                            </p:childTnLst>
+                          </p:cTn>
+                        </p:par>
+                      </p:childTnLst>
+                    </p:cTn>
+                  </p:par>
                 </p:childTnLst>
               </p:cTn>
               <p:prevCondLst>
@@ -11252,6 +11485,8 @@
       <p:bldP spid="8" grpId="1" build="p"/>
       <p:bldP spid="10" grpId="0" animBg="1"/>
       <p:bldP spid="12" grpId="0" animBg="1"/>
+      <p:bldP spid="4" grpId="0" animBg="1"/>
+      <p:bldP spid="4" grpId="1" animBg="1"/>
     </p:bldLst>
   </p:timing>
 </p:sld>
@@ -11274,8 +11509,8 @@
           <a:chExt cx="0" cy="0"/>
         </a:xfrm>
       </p:grpSpPr>
-      <mc:AlternateContent xmlns:mc="http://schemas.openxmlformats.org/markup-compatibility/2006" xmlns:we="http://schemas.microsoft.com/office/webextensions/webextension/2010/11" xmlns:pca="http://schemas.microsoft.com/office/powerpoint/2013/contentapp">
-        <mc:Choice Requires="we pca">
+      <mc:AlternateContent xmlns:mc="http://schemas.openxmlformats.org/markup-compatibility/2006">
+        <mc:Choice xmlns:we="http://schemas.microsoft.com/office/webextensions/webextension/2010/11" xmlns:pca="http://schemas.microsoft.com/office/powerpoint/2013/contentapp" Requires="we pca">
           <p:graphicFrame>
             <p:nvGraphicFramePr>
               <p:cNvPr id="8" name="アドイン 7" title="Forms">
@@ -11301,7 +11536,7 @@
             </a:graphic>
           </p:graphicFrame>
         </mc:Choice>
-        <mc:Fallback xmlns="">
+        <mc:Fallback>
           <p:pic>
             <p:nvPicPr>
               <p:cNvPr id="8" name="アドイン 7" title="Forms">
@@ -11317,18 +11552,7 @@
               <p:nvPr/>
             </p:nvPicPr>
             <p:blipFill>
-              <a:blip r:embed="rId3">
-                <a:clrChange>
-                  <a:clrFrom>
-                    <a:prstClr val="black"/>
-                  </a:clrFrom>
-                  <a:clrTo>
-                    <a:prstClr val="black">
-                      <a:alpha val="0"/>
-                    </a:prstClr>
-                  </a:clrTo>
-                </a:clrChange>
-              </a:blip>
+              <a:blip r:embed="rId3"/>
               <a:stretch>
                 <a:fillRect/>
               </a:stretch>
@@ -11507,9 +11731,6 @@
                     <p:cTn id="3" fill="hold">
                       <p:stCondLst>
                         <p:cond delay="indefinite"/>
-                        <p:cond evt="onBegin" delay="0">
-                          <p:tn val="2"/>
-                        </p:cond>
                       </p:stCondLst>
                       <p:childTnLst>
                         <p:par>
@@ -11519,14 +11740,58 @@
                             </p:stCondLst>
                             <p:childTnLst>
                               <p:par>
-                                <p:cTn id="5" presetID="21" presetClass="exit" presetSubtype="1" fill="hold" grpId="0" nodeType="withEffect">
+                                <p:cTn id="5" presetID="10" presetClass="entr" presetSubtype="0" fill="hold" grpId="1" nodeType="clickEffect">
+                                  <p:stCondLst>
+                                    <p:cond delay="0"/>
+                                  </p:stCondLst>
+                                  <p:childTnLst>
+                                    <p:set>
+                                      <p:cBhvr>
+                                        <p:cTn id="6" dur="1" fill="hold">
+                                          <p:stCondLst>
+                                            <p:cond delay="0"/>
+                                          </p:stCondLst>
+                                        </p:cTn>
+                                        <p:tgtEl>
+                                          <p:spTgt spid="5"/>
+                                        </p:tgtEl>
+                                        <p:attrNameLst>
+                                          <p:attrName>style.visibility</p:attrName>
+                                        </p:attrNameLst>
+                                      </p:cBhvr>
+                                      <p:to>
+                                        <p:strVal val="visible"/>
+                                      </p:to>
+                                    </p:set>
+                                    <p:animEffect transition="in" filter="fade">
+                                      <p:cBhvr>
+                                        <p:cTn id="7" dur="500"/>
+                                        <p:tgtEl>
+                                          <p:spTgt spid="5"/>
+                                        </p:tgtEl>
+                                      </p:cBhvr>
+                                    </p:animEffect>
+                                  </p:childTnLst>
+                                </p:cTn>
+                              </p:par>
+                            </p:childTnLst>
+                          </p:cTn>
+                        </p:par>
+                        <p:par>
+                          <p:cTn id="8" fill="hold">
+                            <p:stCondLst>
+                              <p:cond delay="500"/>
+                            </p:stCondLst>
+                            <p:childTnLst>
+                              <p:par>
+                                <p:cTn id="9" presetID="21" presetClass="exit" presetSubtype="1" fill="hold" grpId="0" nodeType="afterEffect">
                                   <p:stCondLst>
                                     <p:cond delay="0"/>
                                   </p:stCondLst>
                                   <p:childTnLst>
                                     <p:animEffect transition="out" filter="wheel(1)">
                                       <p:cBhvr>
-                                        <p:cTn id="6" dur="60000"/>
+                                        <p:cTn id="10" dur="60000"/>
                                         <p:tgtEl>
                                           <p:spTgt spid="5"/>
                                         </p:tgtEl>
@@ -11534,7 +11799,7 @@
                                     </p:animEffect>
                                     <p:set>
                                       <p:cBhvr>
-                                        <p:cTn id="7" dur="1" fill="hold">
+                                        <p:cTn id="11" dur="1" fill="hold">
                                           <p:stCondLst>
                                             <p:cond delay="59999"/>
                                           </p:stCondLst>
@@ -11582,6 +11847,7 @@
     </p:tnLst>
     <p:bldLst>
       <p:bldP spid="5" grpId="0" animBg="1"/>
+      <p:bldP spid="5" grpId="1" animBg="1"/>
     </p:bldLst>
   </p:timing>
 </p:sld>
@@ -11631,11 +11897,11 @@
           <a:lstStyle/>
           <a:p>
             <a:r>
-              <a:rPr lang="ja-JP" altLang="en-US" sz="4000" dirty="0"/>
+              <a:rPr lang="ja-JP" altLang="en-US" sz="4000"/>
               <a:t>本スライドで用いている図には，</a:t>
             </a:r>
             <a:r>
-              <a:rPr lang="ja-JP" altLang="en-US" sz="4000" dirty="0">
+              <a:rPr lang="ja-JP" altLang="en-US" sz="4000">
                 <a:solidFill>
                   <a:schemeClr val="accent6"/>
                 </a:solidFill>
@@ -11643,18 +11909,18 @@
               <a:t>著作権上配布できないもの</a:t>
             </a:r>
             <a:r>
-              <a:rPr lang="ja-JP" altLang="en-US" sz="4000" dirty="0"/>
+              <a:rPr lang="ja-JP" altLang="en-US" sz="4000"/>
               <a:t>を含みます．</a:t>
             </a:r>
-            <a:endParaRPr lang="en-US" altLang="ja-JP" sz="4000" dirty="0"/>
-          </a:p>
-          <a:p>
-            <a:r>
-              <a:rPr lang="ja-JP" altLang="en-US" sz="4000" dirty="0"/>
+            <a:endParaRPr lang="en-US" altLang="ja-JP" sz="4000"/>
+          </a:p>
+          <a:p>
+            <a:r>
+              <a:rPr lang="ja-JP" altLang="en-US" sz="4000"/>
               <a:t>そのため，</a:t>
             </a:r>
             <a:r>
-              <a:rPr lang="ja-JP" altLang="en-US" sz="4000" dirty="0">
+              <a:rPr lang="ja-JP" altLang="en-US" sz="4000">
                 <a:solidFill>
                   <a:schemeClr val="accent6"/>
                 </a:solidFill>
@@ -11662,33 +11928,33 @@
               <a:t>スライドを撮影する行為は禁止</a:t>
             </a:r>
             <a:r>
-              <a:rPr lang="ja-JP" altLang="en-US" sz="4000" dirty="0"/>
+              <a:rPr lang="ja-JP" altLang="en-US" sz="4000"/>
               <a:t>です．</a:t>
             </a:r>
-            <a:endParaRPr lang="en-US" altLang="ja-JP" sz="4000" dirty="0"/>
-          </a:p>
-          <a:p>
-            <a:r>
-              <a:rPr lang="ja-JP" altLang="en-US" sz="4000" dirty="0"/>
+            <a:endParaRPr lang="en-US" altLang="ja-JP" sz="4000"/>
+          </a:p>
+          <a:p>
+            <a:r>
+              <a:rPr lang="ja-JP" altLang="en-US" sz="4000"/>
               <a:t>配布資料は，</a:t>
             </a:r>
             <a:r>
-              <a:rPr lang="en-US" altLang="ja-JP" sz="4000" dirty="0"/>
+              <a:rPr lang="en-US" altLang="ja-JP" sz="4000"/>
               <a:t>QR</a:t>
             </a:r>
             <a:r>
-              <a:rPr lang="ja-JP" altLang="en-US" sz="4000" dirty="0"/>
+              <a:rPr lang="ja-JP" altLang="en-US" sz="4000"/>
               <a:t>コードからダウンロードできます．</a:t>
             </a:r>
-            <a:endParaRPr lang="en-US" altLang="ja-JP" sz="4000" dirty="0"/>
-          </a:p>
-          <a:p>
-            <a:r>
-              <a:rPr lang="ja-JP" altLang="en-US" sz="4000" dirty="0"/>
+            <a:endParaRPr lang="en-US" altLang="ja-JP" sz="4000"/>
+          </a:p>
+          <a:p>
+            <a:r>
+              <a:rPr lang="ja-JP" altLang="en-US" sz="4000"/>
               <a:t>質問があれば</a:t>
             </a:r>
             <a:r>
-              <a:rPr lang="ja-JP" altLang="en-US" sz="4000" dirty="0">
+              <a:rPr lang="ja-JP" altLang="en-US" sz="4000">
                 <a:solidFill>
                   <a:schemeClr val="accent6"/>
                 </a:solidFill>
@@ -11696,10 +11962,10 @@
               <a:t>自由に発言しても</a:t>
             </a:r>
             <a:r>
-              <a:rPr lang="ja-JP" altLang="en-US" sz="4000" dirty="0"/>
+              <a:rPr lang="ja-JP" altLang="en-US" sz="4000"/>
               <a:t>大丈夫です．歓迎いたします！</a:t>
             </a:r>
-            <a:endParaRPr lang="en-US" altLang="ja-JP" sz="4000" dirty="0"/>
+            <a:endParaRPr lang="en-US" altLang="ja-JP" sz="4000"/>
           </a:p>
         </p:txBody>
       </p:sp>
@@ -11811,7 +12077,7 @@
           <a:lstStyle/>
           <a:p>
             <a:pPr algn="ctr"/>
-            <a:endParaRPr kumimoji="1" lang="ja-JP" altLang="en-US" dirty="0"/>
+            <a:endParaRPr kumimoji="1" lang="ja-JP" altLang="en-US"/>
           </a:p>
         </p:txBody>
       </p:sp>
@@ -11921,7 +12187,7 @@
     </p:spTree>
     <p:extLst>
       <p:ext uri="{BB962C8B-B14F-4D97-AF65-F5344CB8AC3E}">
-        <p14:creationId xmlns:p14="http://schemas.microsoft.com/office/powerpoint/2010/main" val="309220706"/>
+        <p14:creationId xmlns:p14="http://schemas.microsoft.com/office/powerpoint/2010/main" val="2214836228"/>
       </p:ext>
     </p:extLst>
   </p:cSld>
@@ -15208,8 +15474,12 @@
           <a:lstStyle/>
           <a:p>
             <a:r>
-              <a:rPr kumimoji="1" lang="ja-JP" altLang="en-US"/>
-              <a:t>復習問題</a:t>
+              <a:rPr kumimoji="1" lang="ja-JP" altLang="en-US">
+                <a:solidFill>
+                  <a:srgbClr val="00B0F0"/>
+                </a:solidFill>
+              </a:rPr>
+              <a:t>復習問題（授業アンケート含む）</a:t>
             </a:r>
           </a:p>
         </p:txBody>
@@ -15246,18 +15516,18 @@
               </a:lnSpc>
             </a:pPr>
             <a:r>
-              <a:rPr lang="ja-JP" altLang="en-US" sz="4000">
-                <a:solidFill>
-                  <a:schemeClr val="accent6"/>
-                </a:solidFill>
-              </a:rPr>
-              <a:t>復習問題</a:t>
-            </a:r>
-            <a:r>
-              <a:rPr lang="ja-JP" altLang="en-US" sz="4000"/>
-              <a:t>です．</a:t>
-            </a:r>
-            <a:endParaRPr lang="en-US" altLang="ja-JP" sz="4000"/>
+              <a:rPr kumimoji="1" lang="ja-JP" altLang="en-US" sz="4000" dirty="0"/>
+              <a:t>右の</a:t>
+            </a:r>
+            <a:r>
+              <a:rPr kumimoji="1" lang="en-US" altLang="ja-JP" sz="4000" dirty="0"/>
+              <a:t>QR</a:t>
+            </a:r>
+            <a:r>
+              <a:rPr kumimoji="1" lang="ja-JP" altLang="en-US" sz="4000" dirty="0"/>
+              <a:t>コードから各自回答して下さい．</a:t>
+            </a:r>
+            <a:endParaRPr kumimoji="1" lang="en-US" altLang="ja-JP" sz="4000" dirty="0"/>
           </a:p>
           <a:p>
             <a:pPr>
@@ -15266,46 +15536,38 @@
               </a:lnSpc>
             </a:pPr>
             <a:r>
-              <a:rPr kumimoji="1" lang="ja-JP" altLang="en-US" sz="4000"/>
-              <a:t>右の</a:t>
-            </a:r>
-            <a:r>
-              <a:rPr kumimoji="1" lang="en-US" altLang="ja-JP" sz="4000"/>
-              <a:t>QR</a:t>
-            </a:r>
-            <a:r>
-              <a:rPr kumimoji="1" lang="ja-JP" altLang="en-US" sz="4000"/>
-              <a:t>コードから各自回答して下さい．</a:t>
-            </a:r>
-            <a:endParaRPr kumimoji="1" lang="en-US" altLang="ja-JP" sz="4000"/>
-          </a:p>
-          <a:p>
-            <a:pPr>
-              <a:lnSpc>
-                <a:spcPct val="150000"/>
-              </a:lnSpc>
-            </a:pPr>
-            <a:r>
-              <a:rPr lang="ja-JP" altLang="en-US" sz="4000"/>
-              <a:t>制限時間：</a:t>
-            </a:r>
-            <a:r>
-              <a:rPr lang="en-US" altLang="ja-JP" sz="4000">
+              <a:rPr lang="ja-JP" altLang="en-US" sz="4000" dirty="0"/>
+              <a:t>提出期限</a:t>
+            </a:r>
+            <a:r>
+              <a:rPr lang="en-US" altLang="ja-JP" sz="4000" dirty="0"/>
+              <a:t>:</a:t>
+            </a:r>
+            <a:r>
+              <a:rPr lang="ja-JP" altLang="en-US" sz="4000" dirty="0"/>
+              <a:t> </a:t>
+            </a:r>
+            <a:endParaRPr lang="en-US" altLang="ja-JP" sz="4000" dirty="0"/>
+          </a:p>
+          <a:p>
+            <a:pPr algn="ctr"/>
+            <a:r>
+              <a:rPr lang="ja-JP" altLang="en-US" sz="4000" dirty="0">
                 <a:solidFill>
                   <a:schemeClr val="accent6"/>
                 </a:solidFill>
               </a:rPr>
-              <a:t>3</a:t>
-            </a:r>
-            <a:r>
-              <a:rPr lang="ja-JP" altLang="en-US" sz="4000">
+              <a:t>本日</a:t>
+            </a:r>
+            <a:r>
+              <a:rPr lang="en-US" altLang="ja-JP" sz="4000" dirty="0">
                 <a:solidFill>
                   <a:schemeClr val="accent6"/>
                 </a:solidFill>
               </a:rPr>
-              <a:t>分</a:t>
-            </a:r>
-            <a:endParaRPr kumimoji="1" lang="ja-JP" altLang="en-US" sz="4000">
+              <a:t>18:00</a:t>
+            </a:r>
+            <a:endParaRPr kumimoji="1" lang="ja-JP" altLang="en-US" sz="4000" dirty="0">
               <a:solidFill>
                 <a:schemeClr val="accent6"/>
               </a:solidFill>
@@ -15387,201 +15649,12 @@
           </a:p>
         </p:txBody>
       </p:sp>
-    </p:spTree>
-    <p:extLst>
-      <p:ext uri="{BB962C8B-B14F-4D97-AF65-F5344CB8AC3E}">
-        <p14:creationId xmlns:p14="http://schemas.microsoft.com/office/powerpoint/2010/main" val="991082121"/>
-      </p:ext>
-    </p:extLst>
-  </p:cSld>
-  <p:clrMapOvr>
-    <a:masterClrMapping/>
-  </p:clrMapOvr>
-  <mc:AlternateContent xmlns:mc="http://schemas.openxmlformats.org/markup-compatibility/2006" xmlns:p14="http://schemas.microsoft.com/office/powerpoint/2010/main">
-    <mc:Choice Requires="p14">
-      <p:transition spd="med" p14:dur="700">
-        <p:fade/>
-      </p:transition>
-    </mc:Choice>
-    <mc:Fallback xmlns="">
-      <p:transition spd="med">
-        <p:fade/>
-      </p:transition>
-    </mc:Fallback>
-  </mc:AlternateContent>
-</p:sld>
-</file>
-
-<file path=ppt/slides/slide24.xml><?xml version="1.0" encoding="utf-8"?>
-<p:sld xmlns:a="http://schemas.openxmlformats.org/drawingml/2006/main" xmlns:r="http://schemas.openxmlformats.org/officeDocument/2006/relationships" xmlns:p="http://schemas.openxmlformats.org/presentationml/2006/main">
-  <p:cSld>
-    <p:spTree>
-      <p:nvGrpSpPr>
-        <p:cNvPr id="1" name=""/>
-        <p:cNvGrpSpPr/>
-        <p:nvPr/>
-      </p:nvGrpSpPr>
-      <p:grpSpPr>
-        <a:xfrm>
-          <a:off x="0" y="0"/>
-          <a:ext cx="0" cy="0"/>
-          <a:chOff x="0" y="0"/>
-          <a:chExt cx="0" cy="0"/>
-        </a:xfrm>
-      </p:grpSpPr>
-      <mc:AlternateContent xmlns:mc="http://schemas.openxmlformats.org/markup-compatibility/2006" xmlns:we="http://schemas.microsoft.com/office/webextensions/webextension/2010/11" xmlns:pca="http://schemas.microsoft.com/office/powerpoint/2013/contentapp">
-        <mc:Choice Requires="we pca">
-          <p:graphicFrame>
-            <p:nvGraphicFramePr>
-              <p:cNvPr id="8" name="アドイン 7" title="Forms">
-                <a:extLst>
-                  <a:ext uri="{FF2B5EF4-FFF2-40B4-BE49-F238E27FC236}">
-                    <a16:creationId xmlns:a16="http://schemas.microsoft.com/office/drawing/2014/main" id="{F8F73D6C-79DD-65BD-4815-1E41D7B431CE}"/>
-                  </a:ext>
-                </a:extLst>
-              </p:cNvPr>
-              <p:cNvGraphicFramePr>
-                <a:graphicFrameLocks noGrp="1"/>
-              </p:cNvGraphicFramePr>
-              <p:nvPr/>
-            </p:nvGraphicFramePr>
-            <p:xfrm>
-              <a:off x="0" y="719689"/>
-              <a:ext cx="9906000" cy="6138303"/>
-            </p:xfrm>
-            <a:graphic>
-              <a:graphicData uri="http://schemas.microsoft.com/office/webextensions/webextension/2010/11">
-                <we:webextensionref xmlns:we="http://schemas.microsoft.com/office/webextensions/webextension/2010/11" xmlns:r="http://schemas.openxmlformats.org/officeDocument/2006/relationships" r:id="rId2"/>
-              </a:graphicData>
-            </a:graphic>
-          </p:graphicFrame>
-        </mc:Choice>
-        <mc:Fallback xmlns="">
-          <p:pic>
-            <p:nvPicPr>
-              <p:cNvPr id="8" name="アドイン 7" title="Forms">
-                <a:extLst>
-                  <a:ext uri="{FF2B5EF4-FFF2-40B4-BE49-F238E27FC236}">
-                    <a16:creationId xmlns:a16="http://schemas.microsoft.com/office/drawing/2014/main" id="{F8F73D6C-79DD-65BD-4815-1E41D7B431CE}"/>
-                  </a:ext>
-                </a:extLst>
-              </p:cNvPr>
-              <p:cNvPicPr>
-                <a:picLocks noGrp="1" noRot="1" noChangeAspect="1" noMove="1" noResize="1" noEditPoints="1" noAdjustHandles="1" noChangeArrowheads="1" noChangeShapeType="1"/>
-              </p:cNvPicPr>
-              <p:nvPr/>
-            </p:nvPicPr>
-            <p:blipFill>
-              <a:blip r:embed="rId3">
-                <a:clrChange>
-                  <a:clrFrom>
-                    <a:prstClr val="black"/>
-                  </a:clrFrom>
-                  <a:clrTo>
-                    <a:prstClr val="black">
-                      <a:alpha val="0"/>
-                    </a:prstClr>
-                  </a:clrTo>
-                </a:clrChange>
-              </a:blip>
-              <a:stretch>
-                <a:fillRect/>
-              </a:stretch>
-            </p:blipFill>
-            <p:spPr>
-              <a:xfrm>
-                <a:off x="0" y="719689"/>
-                <a:ext cx="9906000" cy="6138303"/>
-              </a:xfrm>
-              <a:prstGeom prst="rect">
-                <a:avLst/>
-              </a:prstGeom>
-            </p:spPr>
-          </p:pic>
-        </mc:Fallback>
-      </mc:AlternateContent>
       <p:sp>
         <p:nvSpPr>
-          <p:cNvPr id="3" name="タイトル 2">
+          <p:cNvPr id="6" name="楕円 5">
             <a:extLst>
               <a:ext uri="{FF2B5EF4-FFF2-40B4-BE49-F238E27FC236}">
-                <a16:creationId xmlns:a16="http://schemas.microsoft.com/office/drawing/2014/main" id="{931F278A-083E-E33F-2A1E-7CE1BB1CCF19}"/>
-              </a:ext>
-            </a:extLst>
-          </p:cNvPr>
-          <p:cNvSpPr>
-            <a:spLocks noGrp="1"/>
-          </p:cNvSpPr>
-          <p:nvPr>
-            <p:ph type="title"/>
-          </p:nvPr>
-        </p:nvSpPr>
-        <p:spPr/>
-        <p:txBody>
-          <a:bodyPr/>
-          <a:lstStyle/>
-          <a:p>
-            <a:r>
-              <a:rPr kumimoji="1" lang="ja-JP" altLang="en-US">
-                <a:solidFill>
-                  <a:srgbClr val="00B0F0"/>
-                </a:solidFill>
-              </a:rPr>
-              <a:t>復習問題</a:t>
-            </a:r>
-          </a:p>
-        </p:txBody>
-      </p:sp>
-      <p:sp>
-        <p:nvSpPr>
-          <p:cNvPr id="2" name="スライド番号プレースホルダー 7">
-            <a:extLst>
-              <a:ext uri="{FF2B5EF4-FFF2-40B4-BE49-F238E27FC236}">
-                <a16:creationId xmlns:a16="http://schemas.microsoft.com/office/drawing/2014/main" id="{96E8F23B-DE77-704A-DE77-6574159D8750}"/>
-              </a:ext>
-            </a:extLst>
-          </p:cNvPr>
-          <p:cNvSpPr>
-            <a:spLocks noGrp="1"/>
-          </p:cNvSpPr>
-          <p:nvPr>
-            <p:ph type="sldNum" sz="quarter" idx="26"/>
-          </p:nvPr>
-        </p:nvSpPr>
-        <p:spPr>
-          <a:xfrm>
-            <a:off x="8843505" y="7"/>
-            <a:ext cx="1038529" cy="604565"/>
-          </a:xfrm>
-          <a:prstGeom prst="rect">
-            <a:avLst/>
-          </a:prstGeom>
-        </p:spPr>
-        <p:txBody>
-          <a:bodyPr/>
-          <a:lstStyle>
-            <a:lvl1pPr algn="r">
-              <a:defRPr sz="2800">
-                <a:latin typeface="+mn-lt"/>
-              </a:defRPr>
-            </a:lvl1pPr>
-          </a:lstStyle>
-          <a:p>
-            <a:fld id="{6408349E-6932-463E-ABE1-6FC2A2453113}" type="slidenum">
-              <a:rPr kumimoji="1" lang="ja-JP" altLang="en-US" smtClean="0"/>
-              <a:pPr/>
-              <a:t>24</a:t>
-            </a:fld>
-            <a:endParaRPr kumimoji="1" lang="ja-JP" altLang="en-US"/>
-          </a:p>
-        </p:txBody>
-      </p:sp>
-      <p:sp>
-        <p:nvSpPr>
-          <p:cNvPr id="5" name="楕円 4">
-            <a:extLst>
-              <a:ext uri="{FF2B5EF4-FFF2-40B4-BE49-F238E27FC236}">
-                <a16:creationId xmlns:a16="http://schemas.microsoft.com/office/drawing/2014/main" id="{0F0E55E7-7B70-FC5F-E912-ED7A85B27385}"/>
+                <a16:creationId xmlns:a16="http://schemas.microsoft.com/office/drawing/2014/main" id="{D293D09D-184F-2703-2DB3-73EFF3781B3D}"/>
               </a:ext>
             </a:extLst>
           </p:cNvPr>
@@ -15618,11 +15691,11 @@
           <a:p>
             <a:pPr algn="ctr"/>
             <a:r>
-              <a:rPr kumimoji="1" lang="en-US" altLang="ja-JP" sz="3600"/>
-              <a:t>3</a:t>
-            </a:r>
-            <a:r>
-              <a:rPr kumimoji="1" lang="ja-JP" altLang="en-US" sz="3600"/>
+              <a:rPr kumimoji="1" lang="en-US" altLang="ja-JP" sz="3600" dirty="0"/>
+              <a:t>5</a:t>
+            </a:r>
+            <a:r>
+              <a:rPr kumimoji="1" lang="ja-JP" altLang="en-US" sz="3600" dirty="0"/>
               <a:t>分</a:t>
             </a:r>
           </a:p>
@@ -15631,7 +15704,7 @@
     </p:spTree>
     <p:extLst>
       <p:ext uri="{BB962C8B-B14F-4D97-AF65-F5344CB8AC3E}">
-        <p14:creationId xmlns:p14="http://schemas.microsoft.com/office/powerpoint/2010/main" val="4085432130"/>
+        <p14:creationId xmlns:p14="http://schemas.microsoft.com/office/powerpoint/2010/main" val="991082121"/>
       </p:ext>
     </p:extLst>
   </p:cSld>
@@ -15662,9 +15735,6 @@
                     <p:cTn id="3" fill="hold">
                       <p:stCondLst>
                         <p:cond delay="indefinite"/>
-                        <p:cond evt="onBegin" delay="0">
-                          <p:tn val="2"/>
-                        </p:cond>
                       </p:stCondLst>
                       <p:childTnLst>
                         <p:par>
@@ -15674,28 +15744,72 @@
                             </p:stCondLst>
                             <p:childTnLst>
                               <p:par>
-                                <p:cTn id="5" presetID="21" presetClass="exit" presetSubtype="1" fill="hold" grpId="0" nodeType="withEffect">
+                                <p:cTn id="5" presetID="10" presetClass="entr" presetSubtype="0" fill="hold" grpId="1" nodeType="clickEffect">
+                                  <p:stCondLst>
+                                    <p:cond delay="0"/>
+                                  </p:stCondLst>
+                                  <p:childTnLst>
+                                    <p:set>
+                                      <p:cBhvr>
+                                        <p:cTn id="6" dur="1" fill="hold">
+                                          <p:stCondLst>
+                                            <p:cond delay="0"/>
+                                          </p:stCondLst>
+                                        </p:cTn>
+                                        <p:tgtEl>
+                                          <p:spTgt spid="6"/>
+                                        </p:tgtEl>
+                                        <p:attrNameLst>
+                                          <p:attrName>style.visibility</p:attrName>
+                                        </p:attrNameLst>
+                                      </p:cBhvr>
+                                      <p:to>
+                                        <p:strVal val="visible"/>
+                                      </p:to>
+                                    </p:set>
+                                    <p:animEffect transition="in" filter="fade">
+                                      <p:cBhvr>
+                                        <p:cTn id="7" dur="500"/>
+                                        <p:tgtEl>
+                                          <p:spTgt spid="6"/>
+                                        </p:tgtEl>
+                                      </p:cBhvr>
+                                    </p:animEffect>
+                                  </p:childTnLst>
+                                </p:cTn>
+                              </p:par>
+                            </p:childTnLst>
+                          </p:cTn>
+                        </p:par>
+                        <p:par>
+                          <p:cTn id="8" fill="hold">
+                            <p:stCondLst>
+                              <p:cond delay="500"/>
+                            </p:stCondLst>
+                            <p:childTnLst>
+                              <p:par>
+                                <p:cTn id="9" presetID="21" presetClass="exit" presetSubtype="1" fill="hold" grpId="0" nodeType="afterEffect">
                                   <p:stCondLst>
                                     <p:cond delay="0"/>
                                   </p:stCondLst>
                                   <p:childTnLst>
                                     <p:animEffect transition="out" filter="wheel(1)">
                                       <p:cBhvr>
-                                        <p:cTn id="6" dur="180000"/>
-                                        <p:tgtEl>
-                                          <p:spTgt spid="5"/>
+                                        <p:cTn id="10" dur="300000"/>
+                                        <p:tgtEl>
+                                          <p:spTgt spid="6"/>
                                         </p:tgtEl>
                                       </p:cBhvr>
                                     </p:animEffect>
                                     <p:set>
                                       <p:cBhvr>
-                                        <p:cTn id="7" dur="1" fill="hold">
+                                        <p:cTn id="11" dur="1" fill="hold">
                                           <p:stCondLst>
-                                            <p:cond delay="179999"/>
+                                            <p:cond delay="299999"/>
                                           </p:stCondLst>
                                         </p:cTn>
                                         <p:tgtEl>
-                                          <p:spTgt spid="5"/>
+                                          <p:spTgt spid="6"/>
                                         </p:tgtEl>
                                         <p:attrNameLst>
                                           <p:attrName>style.visibility</p:attrName>
@@ -15736,13 +15850,14 @@
       </p:par>
     </p:tnLst>
     <p:bldLst>
-      <p:bldP spid="5" grpId="0" animBg="1"/>
+      <p:bldP spid="6" grpId="0" animBg="1"/>
+      <p:bldP spid="6" grpId="1" animBg="1"/>
     </p:bldLst>
   </p:timing>
 </p:sld>
 </file>
 
-<file path=ppt/slides/slide25.xml><?xml version="1.0" encoding="utf-8"?>
+<file path=ppt/slides/slide24.xml><?xml version="1.0" encoding="utf-8"?>
 <p:sld xmlns:a="http://schemas.openxmlformats.org/drawingml/2006/main" xmlns:r="http://schemas.openxmlformats.org/officeDocument/2006/relationships" xmlns:p="http://schemas.openxmlformats.org/presentationml/2006/main">
   <p:cSld>
     <p:spTree>
@@ -15958,7 +16073,7 @@
             <a:fld id="{6408349E-6932-463E-ABE1-6FC2A2453113}" type="slidenum">
               <a:rPr kumimoji="1" lang="ja-JP" altLang="en-US" smtClean="0"/>
               <a:pPr/>
-              <a:t>25</a:t>
+              <a:t>24</a:t>
             </a:fld>
             <a:endParaRPr kumimoji="1" lang="ja-JP" altLang="en-US"/>
           </a:p>
@@ -16157,7 +16272,7 @@
 </p:sld>
 </file>
 
-<file path=ppt/slides/slide26.xml><?xml version="1.0" encoding="utf-8"?>
+<file path=ppt/slides/slide25.xml><?xml version="1.0" encoding="utf-8"?>
 <p:sld xmlns:a="http://schemas.openxmlformats.org/drawingml/2006/main" xmlns:r="http://schemas.openxmlformats.org/officeDocument/2006/relationships" xmlns:p="http://schemas.openxmlformats.org/presentationml/2006/main">
   <p:cSld>
     <p:spTree>
@@ -16361,7 +16476,7 @@
             <a:fld id="{6408349E-6932-463E-ABE1-6FC2A2453113}" type="slidenum">
               <a:rPr kumimoji="1" lang="ja-JP" altLang="en-US" smtClean="0"/>
               <a:pPr/>
-              <a:t>26</a:t>
+              <a:t>25</a:t>
             </a:fld>
             <a:endParaRPr kumimoji="1" lang="ja-JP" altLang="en-US"/>
           </a:p>
@@ -16560,7 +16675,7 @@
 </p:sld>
 </file>
 
-<file path=ppt/slides/slide27.xml><?xml version="1.0" encoding="utf-8"?>
+<file path=ppt/slides/slide26.xml><?xml version="1.0" encoding="utf-8"?>
 <p:sld xmlns:a="http://schemas.openxmlformats.org/drawingml/2006/main" xmlns:r="http://schemas.openxmlformats.org/officeDocument/2006/relationships" xmlns:p="http://schemas.openxmlformats.org/presentationml/2006/main">
   <p:cSld>
     <p:spTree>
@@ -16613,19 +16728,19 @@
               <a:buNone/>
             </a:pPr>
             <a:r>
-              <a:rPr lang="ja-JP" altLang="en-US"/>
-              <a:t>実験の結果との</a:t>
-            </a:r>
-            <a:r>
-              <a:rPr lang="ja-JP" altLang="en-US">
+              <a:rPr lang="ja-JP" altLang="en-US" dirty="0"/>
+              <a:t>「知りたいこと」と「結果」を</a:t>
+            </a:r>
+            <a:r>
+              <a:rPr lang="ja-JP" altLang="en-US" dirty="0">
                 <a:solidFill>
                   <a:schemeClr val="accent6"/>
                 </a:solidFill>
               </a:rPr>
-              <a:t>因果関係を結びつけるための実験方法</a:t>
-            </a:r>
-            <a:r>
-              <a:rPr lang="ja-JP" altLang="en-US"/>
+              <a:t>結びつけるための実験方法</a:t>
+            </a:r>
+            <a:r>
+              <a:rPr lang="ja-JP" altLang="en-US" dirty="0"/>
               <a:t>を答えよ．</a:t>
             </a:r>
           </a:p>
@@ -16763,7 +16878,7 @@
             <a:fld id="{6408349E-6932-463E-ABE1-6FC2A2453113}" type="slidenum">
               <a:rPr kumimoji="1" lang="ja-JP" altLang="en-US" smtClean="0"/>
               <a:pPr/>
-              <a:t>27</a:t>
+              <a:t>26</a:t>
             </a:fld>
             <a:endParaRPr kumimoji="1" lang="ja-JP" altLang="en-US"/>
           </a:p>
@@ -16962,7 +17077,7 @@
 </p:sld>
 </file>
 
-<file path=ppt/slides/slide28.xml><?xml version="1.0" encoding="utf-8"?>
+<file path=ppt/slides/slide27.xml><?xml version="1.0" encoding="utf-8"?>
 <p:sld xmlns:a="http://schemas.openxmlformats.org/drawingml/2006/main" xmlns:r="http://schemas.openxmlformats.org/officeDocument/2006/relationships" xmlns:p="http://schemas.openxmlformats.org/presentationml/2006/main">
   <p:cSld>
     <p:spTree>
@@ -17186,7 +17301,7 @@
             <a:fld id="{6408349E-6932-463E-ABE1-6FC2A2453113}" type="slidenum">
               <a:rPr kumimoji="1" lang="ja-JP" altLang="en-US" smtClean="0"/>
               <a:pPr/>
-              <a:t>28</a:t>
+              <a:t>27</a:t>
             </a:fld>
             <a:endParaRPr kumimoji="1" lang="ja-JP" altLang="en-US"/>
           </a:p>
@@ -17385,7 +17500,7 @@
 </p:sld>
 </file>
 
-<file path=ppt/slides/slide29.xml><?xml version="1.0" encoding="utf-8"?>
+<file path=ppt/slides/slide28.xml><?xml version="1.0" encoding="utf-8"?>
 <p:sld xmlns:a="http://schemas.openxmlformats.org/drawingml/2006/main" xmlns:r="http://schemas.openxmlformats.org/officeDocument/2006/relationships" xmlns:p="http://schemas.openxmlformats.org/presentationml/2006/main">
   <p:cSld>
     <p:spTree>
@@ -17593,7 +17708,7 @@
             <a:fld id="{6408349E-6932-463E-ABE1-6FC2A2453113}" type="slidenum">
               <a:rPr kumimoji="1" lang="ja-JP" altLang="en-US" smtClean="0"/>
               <a:pPr/>
-              <a:t>29</a:t>
+              <a:t>28</a:t>
             </a:fld>
             <a:endParaRPr kumimoji="1" lang="ja-JP" altLang="en-US"/>
           </a:p>
@@ -17787,6 +17902,627 @@
     </p:tnLst>
     <p:bldLst>
       <p:bldP spid="10" grpId="0" animBg="1"/>
+    </p:bldLst>
+  </p:timing>
+</p:sld>
+</file>
+
+<file path=ppt/slides/slide29.xml><?xml version="1.0" encoding="utf-8"?>
+<p:sld xmlns:a="http://schemas.openxmlformats.org/drawingml/2006/main" xmlns:r="http://schemas.openxmlformats.org/officeDocument/2006/relationships" xmlns:p="http://schemas.openxmlformats.org/presentationml/2006/main">
+  <p:cSld>
+    <p:spTree>
+      <p:nvGrpSpPr>
+        <p:cNvPr id="1" name=""/>
+        <p:cNvGrpSpPr/>
+        <p:nvPr/>
+      </p:nvGrpSpPr>
+      <p:grpSpPr>
+        <a:xfrm>
+          <a:off x="0" y="0"/>
+          <a:ext cx="0" cy="0"/>
+          <a:chOff x="0" y="0"/>
+          <a:chExt cx="0" cy="0"/>
+        </a:xfrm>
+      </p:grpSpPr>
+      <p:sp>
+        <p:nvSpPr>
+          <p:cNvPr id="3" name="テキスト プレースホルダー 2">
+            <a:extLst>
+              <a:ext uri="{FF2B5EF4-FFF2-40B4-BE49-F238E27FC236}">
+                <a16:creationId xmlns:a16="http://schemas.microsoft.com/office/drawing/2014/main" id="{317456CC-D1CF-9213-2078-5A9F451ED244}"/>
+              </a:ext>
+            </a:extLst>
+          </p:cNvPr>
+          <p:cNvSpPr>
+            <a:spLocks noGrp="1"/>
+          </p:cNvSpPr>
+          <p:nvPr>
+            <p:ph type="body" sz="quarter" idx="24"/>
+          </p:nvPr>
+        </p:nvSpPr>
+        <p:spPr/>
+        <p:txBody>
+          <a:bodyPr/>
+          <a:lstStyle/>
+          <a:p>
+            <a:pPr>
+              <a:buClr>
+                <a:schemeClr val="tx1"/>
+              </a:buClr>
+            </a:pPr>
+            <a:r>
+              <a:rPr lang="ja-JP" altLang="en-US" sz="3600"/>
+              <a:t>実験を行う上では，</a:t>
+            </a:r>
+            <a:r>
+              <a:rPr lang="ja-JP" altLang="en-US" sz="3600">
+                <a:solidFill>
+                  <a:schemeClr val="accent6"/>
+                </a:solidFill>
+              </a:rPr>
+              <a:t>結果との因果関係</a:t>
+            </a:r>
+            <a:r>
+              <a:rPr lang="ja-JP" altLang="en-US" sz="3600"/>
+              <a:t>が重要である．</a:t>
+            </a:r>
+            <a:endParaRPr lang="en-US" altLang="ja-JP" sz="3600"/>
+          </a:p>
+          <a:p>
+            <a:pPr>
+              <a:buClr>
+                <a:schemeClr val="tx1"/>
+              </a:buClr>
+            </a:pPr>
+            <a:r>
+              <a:rPr lang="ja-JP" altLang="en-US" sz="3600">
+                <a:solidFill>
+                  <a:schemeClr val="accent6"/>
+                </a:solidFill>
+              </a:rPr>
+              <a:t>対照実験</a:t>
+            </a:r>
+            <a:r>
+              <a:rPr lang="ja-JP" altLang="en-US" sz="3600"/>
+              <a:t>を行うことで明らかになる．</a:t>
+            </a:r>
+            <a:endParaRPr lang="en-US" altLang="ja-JP" sz="3600"/>
+          </a:p>
+          <a:p>
+            <a:pPr>
+              <a:buClr>
+                <a:schemeClr val="tx1"/>
+              </a:buClr>
+            </a:pPr>
+            <a:r>
+              <a:rPr lang="ja-JP" altLang="en-US" sz="3600"/>
+              <a:t>力には物体に対して，</a:t>
+            </a:r>
+            <a:r>
+              <a:rPr lang="ja-JP" altLang="en-US" sz="3600">
+                <a:solidFill>
+                  <a:schemeClr val="accent6"/>
+                </a:solidFill>
+              </a:rPr>
+              <a:t>形</a:t>
+            </a:r>
+            <a:r>
+              <a:rPr lang="ja-JP" altLang="en-US" sz="3600"/>
+              <a:t>を変える，</a:t>
+            </a:r>
+            <a:r>
+              <a:rPr lang="ja-JP" altLang="en-US" sz="3600">
+                <a:solidFill>
+                  <a:schemeClr val="accent6"/>
+                </a:solidFill>
+              </a:rPr>
+              <a:t>動き</a:t>
+            </a:r>
+            <a:r>
+              <a:rPr lang="ja-JP" altLang="en-US" sz="3600"/>
+              <a:t>を変える，</a:t>
+            </a:r>
+            <a:r>
+              <a:rPr lang="ja-JP" altLang="en-US" sz="3600">
+                <a:solidFill>
+                  <a:schemeClr val="accent6"/>
+                </a:solidFill>
+              </a:rPr>
+              <a:t>支える</a:t>
+            </a:r>
+            <a:r>
+              <a:rPr lang="ja-JP" altLang="en-US" sz="3600"/>
+              <a:t>という性質を持つ．</a:t>
+            </a:r>
+            <a:endParaRPr lang="en-US" altLang="ja-JP" sz="3600"/>
+          </a:p>
+          <a:p>
+            <a:pPr>
+              <a:buClr>
+                <a:schemeClr val="tx1"/>
+              </a:buClr>
+            </a:pPr>
+            <a:r>
+              <a:rPr lang="ja-JP" altLang="en-US" sz="3600"/>
+              <a:t>力を物体に加えると，</a:t>
+            </a:r>
+            <a:r>
+              <a:rPr lang="ja-JP" altLang="en-US" sz="3600">
+                <a:solidFill>
+                  <a:schemeClr val="accent6"/>
+                </a:solidFill>
+              </a:rPr>
+              <a:t>同じ大きさ</a:t>
+            </a:r>
+            <a:r>
+              <a:rPr lang="ja-JP" altLang="en-US" sz="3600"/>
+              <a:t>・</a:t>
+            </a:r>
+            <a:r>
+              <a:rPr lang="ja-JP" altLang="en-US" sz="3600">
+                <a:solidFill>
+                  <a:schemeClr val="accent6"/>
+                </a:solidFill>
+              </a:rPr>
+              <a:t>逆向き</a:t>
+            </a:r>
+            <a:r>
+              <a:rPr lang="ja-JP" altLang="en-US" sz="3600"/>
+              <a:t>の力がはたらく．</a:t>
+            </a:r>
+          </a:p>
+          <a:p>
+            <a:pPr>
+              <a:buClr>
+                <a:schemeClr val="tx1"/>
+              </a:buClr>
+            </a:pPr>
+            <a:r>
+              <a:rPr lang="ja-JP" altLang="en-US" sz="3600">
+                <a:solidFill>
+                  <a:schemeClr val="accent6"/>
+                </a:solidFill>
+              </a:rPr>
+              <a:t>作用・反作用の法則</a:t>
+            </a:r>
+            <a:r>
+              <a:rPr lang="ja-JP" altLang="en-US" sz="3600"/>
+              <a:t>という．</a:t>
+            </a:r>
+          </a:p>
+        </p:txBody>
+      </p:sp>
+      <p:sp>
+        <p:nvSpPr>
+          <p:cNvPr id="4" name="タイトル 3">
+            <a:extLst>
+              <a:ext uri="{FF2B5EF4-FFF2-40B4-BE49-F238E27FC236}">
+                <a16:creationId xmlns:a16="http://schemas.microsoft.com/office/drawing/2014/main" id="{EDE1B5AB-42D8-D0AA-AE7C-DE3BEAE8375A}"/>
+              </a:ext>
+            </a:extLst>
+          </p:cNvPr>
+          <p:cNvSpPr>
+            <a:spLocks noGrp="1"/>
+          </p:cNvSpPr>
+          <p:nvPr>
+            <p:ph type="title"/>
+          </p:nvPr>
+        </p:nvSpPr>
+        <p:spPr/>
+        <p:txBody>
+          <a:bodyPr/>
+          <a:lstStyle/>
+          <a:p>
+            <a:r>
+              <a:rPr lang="ja-JP" altLang="en-US"/>
+              <a:t>まとめ</a:t>
+            </a:r>
+            <a:endParaRPr kumimoji="1" lang="ja-JP" altLang="en-US"/>
+          </a:p>
+        </p:txBody>
+      </p:sp>
+      <p:sp>
+        <p:nvSpPr>
+          <p:cNvPr id="2" name="スライド番号プレースホルダー 7">
+            <a:extLst>
+              <a:ext uri="{FF2B5EF4-FFF2-40B4-BE49-F238E27FC236}">
+                <a16:creationId xmlns:a16="http://schemas.microsoft.com/office/drawing/2014/main" id="{741410EF-0578-D246-E66C-1B19D61EB9F1}"/>
+              </a:ext>
+            </a:extLst>
+          </p:cNvPr>
+          <p:cNvSpPr>
+            <a:spLocks noGrp="1"/>
+          </p:cNvSpPr>
+          <p:nvPr>
+            <p:ph type="sldNum" sz="quarter" idx="26"/>
+          </p:nvPr>
+        </p:nvSpPr>
+        <p:spPr>
+          <a:xfrm>
+            <a:off x="8843505" y="7"/>
+            <a:ext cx="1038529" cy="604565"/>
+          </a:xfrm>
+          <a:prstGeom prst="rect">
+            <a:avLst/>
+          </a:prstGeom>
+        </p:spPr>
+        <p:txBody>
+          <a:bodyPr/>
+          <a:lstStyle>
+            <a:lvl1pPr algn="r">
+              <a:defRPr sz="2800">
+                <a:latin typeface="+mn-lt"/>
+              </a:defRPr>
+            </a:lvl1pPr>
+          </a:lstStyle>
+          <a:p>
+            <a:fld id="{6408349E-6932-463E-ABE1-6FC2A2453113}" type="slidenum">
+              <a:rPr kumimoji="1" lang="ja-JP" altLang="en-US" smtClean="0"/>
+              <a:pPr/>
+              <a:t>29</a:t>
+            </a:fld>
+            <a:endParaRPr kumimoji="1" lang="ja-JP" altLang="en-US"/>
+          </a:p>
+        </p:txBody>
+      </p:sp>
+    </p:spTree>
+    <p:extLst>
+      <p:ext uri="{BB962C8B-B14F-4D97-AF65-F5344CB8AC3E}">
+        <p14:creationId xmlns:p14="http://schemas.microsoft.com/office/powerpoint/2010/main" val="729217411"/>
+      </p:ext>
+    </p:extLst>
+  </p:cSld>
+  <p:clrMapOvr>
+    <a:masterClrMapping/>
+  </p:clrMapOvr>
+  <mc:AlternateContent xmlns:mc="http://schemas.openxmlformats.org/markup-compatibility/2006" xmlns:p14="http://schemas.microsoft.com/office/powerpoint/2010/main">
+    <mc:Choice Requires="p14">
+      <p:transition spd="med" p14:dur="700">
+        <p:fade/>
+      </p:transition>
+    </mc:Choice>
+    <mc:Fallback xmlns="">
+      <p:transition spd="med">
+        <p:fade/>
+      </p:transition>
+    </mc:Fallback>
+  </mc:AlternateContent>
+  <p:timing>
+    <p:tnLst>
+      <p:par>
+        <p:cTn id="1" dur="indefinite" restart="never" nodeType="tmRoot">
+          <p:childTnLst>
+            <p:seq concurrent="1" nextAc="seek">
+              <p:cTn id="2" dur="indefinite" nodeType="mainSeq">
+                <p:childTnLst>
+                  <p:par>
+                    <p:cTn id="3" fill="hold">
+                      <p:stCondLst>
+                        <p:cond delay="indefinite"/>
+                      </p:stCondLst>
+                      <p:childTnLst>
+                        <p:par>
+                          <p:cTn id="4" fill="hold">
+                            <p:stCondLst>
+                              <p:cond delay="0"/>
+                            </p:stCondLst>
+                            <p:childTnLst>
+                              <p:par>
+                                <p:cTn id="5" presetID="10" presetClass="entr" presetSubtype="0" fill="hold" grpId="0" nodeType="clickEffect">
+                                  <p:stCondLst>
+                                    <p:cond delay="0"/>
+                                  </p:stCondLst>
+                                  <p:childTnLst>
+                                    <p:set>
+                                      <p:cBhvr>
+                                        <p:cTn id="6" dur="1" fill="hold">
+                                          <p:stCondLst>
+                                            <p:cond delay="0"/>
+                                          </p:stCondLst>
+                                        </p:cTn>
+                                        <p:tgtEl>
+                                          <p:spTgt spid="3">
+                                            <p:txEl>
+                                              <p:pRg st="0" end="0"/>
+                                            </p:txEl>
+                                          </p:spTgt>
+                                        </p:tgtEl>
+                                        <p:attrNameLst>
+                                          <p:attrName>style.visibility</p:attrName>
+                                        </p:attrNameLst>
+                                      </p:cBhvr>
+                                      <p:to>
+                                        <p:strVal val="visible"/>
+                                      </p:to>
+                                    </p:set>
+                                    <p:animEffect transition="in" filter="fade">
+                                      <p:cBhvr>
+                                        <p:cTn id="7" dur="500"/>
+                                        <p:tgtEl>
+                                          <p:spTgt spid="3">
+                                            <p:txEl>
+                                              <p:pRg st="0" end="0"/>
+                                            </p:txEl>
+                                          </p:spTgt>
+                                        </p:tgtEl>
+                                      </p:cBhvr>
+                                    </p:animEffect>
+                                  </p:childTnLst>
+                                </p:cTn>
+                              </p:par>
+                            </p:childTnLst>
+                          </p:cTn>
+                        </p:par>
+                      </p:childTnLst>
+                    </p:cTn>
+                  </p:par>
+                  <p:par>
+                    <p:cTn id="8" fill="hold">
+                      <p:stCondLst>
+                        <p:cond delay="indefinite"/>
+                      </p:stCondLst>
+                      <p:childTnLst>
+                        <p:par>
+                          <p:cTn id="9" fill="hold">
+                            <p:stCondLst>
+                              <p:cond delay="0"/>
+                            </p:stCondLst>
+                            <p:childTnLst>
+                              <p:par>
+                                <p:cTn id="10" presetID="10" presetClass="entr" presetSubtype="0" fill="hold" grpId="0" nodeType="clickEffect">
+                                  <p:stCondLst>
+                                    <p:cond delay="0"/>
+                                  </p:stCondLst>
+                                  <p:childTnLst>
+                                    <p:set>
+                                      <p:cBhvr>
+                                        <p:cTn id="11" dur="1" fill="hold">
+                                          <p:stCondLst>
+                                            <p:cond delay="0"/>
+                                          </p:stCondLst>
+                                        </p:cTn>
+                                        <p:tgtEl>
+                                          <p:spTgt spid="3">
+                                            <p:txEl>
+                                              <p:pRg st="1" end="1"/>
+                                            </p:txEl>
+                                          </p:spTgt>
+                                        </p:tgtEl>
+                                        <p:attrNameLst>
+                                          <p:attrName>style.visibility</p:attrName>
+                                        </p:attrNameLst>
+                                      </p:cBhvr>
+                                      <p:to>
+                                        <p:strVal val="visible"/>
+                                      </p:to>
+                                    </p:set>
+                                    <p:animEffect transition="in" filter="fade">
+                                      <p:cBhvr>
+                                        <p:cTn id="12" dur="500"/>
+                                        <p:tgtEl>
+                                          <p:spTgt spid="3">
+                                            <p:txEl>
+                                              <p:pRg st="1" end="1"/>
+                                            </p:txEl>
+                                          </p:spTgt>
+                                        </p:tgtEl>
+                                      </p:cBhvr>
+                                    </p:animEffect>
+                                  </p:childTnLst>
+                                </p:cTn>
+                              </p:par>
+                            </p:childTnLst>
+                          </p:cTn>
+                        </p:par>
+                      </p:childTnLst>
+                    </p:cTn>
+                  </p:par>
+                  <p:par>
+                    <p:cTn id="13" fill="hold">
+                      <p:stCondLst>
+                        <p:cond delay="indefinite"/>
+                      </p:stCondLst>
+                      <p:childTnLst>
+                        <p:par>
+                          <p:cTn id="14" fill="hold">
+                            <p:stCondLst>
+                              <p:cond delay="0"/>
+                            </p:stCondLst>
+                            <p:childTnLst>
+                              <p:par>
+                                <p:cTn id="15" presetID="10" presetClass="entr" presetSubtype="0" fill="hold" grpId="0" nodeType="clickEffect">
+                                  <p:stCondLst>
+                                    <p:cond delay="0"/>
+                                  </p:stCondLst>
+                                  <p:childTnLst>
+                                    <p:set>
+                                      <p:cBhvr>
+                                        <p:cTn id="16" dur="1" fill="hold">
+                                          <p:stCondLst>
+                                            <p:cond delay="0"/>
+                                          </p:stCondLst>
+                                        </p:cTn>
+                                        <p:tgtEl>
+                                          <p:spTgt spid="3">
+                                            <p:txEl>
+                                              <p:pRg st="2" end="2"/>
+                                            </p:txEl>
+                                          </p:spTgt>
+                                        </p:tgtEl>
+                                        <p:attrNameLst>
+                                          <p:attrName>style.visibility</p:attrName>
+                                        </p:attrNameLst>
+                                      </p:cBhvr>
+                                      <p:to>
+                                        <p:strVal val="visible"/>
+                                      </p:to>
+                                    </p:set>
+                                    <p:animEffect transition="in" filter="fade">
+                                      <p:cBhvr>
+                                        <p:cTn id="17" dur="500"/>
+                                        <p:tgtEl>
+                                          <p:spTgt spid="3">
+                                            <p:txEl>
+                                              <p:pRg st="2" end="2"/>
+                                            </p:txEl>
+                                          </p:spTgt>
+                                        </p:tgtEl>
+                                      </p:cBhvr>
+                                    </p:animEffect>
+                                  </p:childTnLst>
+                                </p:cTn>
+                              </p:par>
+                            </p:childTnLst>
+                          </p:cTn>
+                        </p:par>
+                      </p:childTnLst>
+                    </p:cTn>
+                  </p:par>
+                  <p:par>
+                    <p:cTn id="18" fill="hold">
+                      <p:stCondLst>
+                        <p:cond delay="indefinite"/>
+                      </p:stCondLst>
+                      <p:childTnLst>
+                        <p:par>
+                          <p:cTn id="19" fill="hold">
+                            <p:stCondLst>
+                              <p:cond delay="0"/>
+                            </p:stCondLst>
+                            <p:childTnLst>
+                              <p:par>
+                                <p:cTn id="20" presetID="10" presetClass="entr" presetSubtype="0" fill="hold" grpId="0" nodeType="clickEffect">
+                                  <p:stCondLst>
+                                    <p:cond delay="0"/>
+                                  </p:stCondLst>
+                                  <p:childTnLst>
+                                    <p:set>
+                                      <p:cBhvr>
+                                        <p:cTn id="21" dur="1" fill="hold">
+                                          <p:stCondLst>
+                                            <p:cond delay="0"/>
+                                          </p:stCondLst>
+                                        </p:cTn>
+                                        <p:tgtEl>
+                                          <p:spTgt spid="3">
+                                            <p:txEl>
+                                              <p:pRg st="3" end="3"/>
+                                            </p:txEl>
+                                          </p:spTgt>
+                                        </p:tgtEl>
+                                        <p:attrNameLst>
+                                          <p:attrName>style.visibility</p:attrName>
+                                        </p:attrNameLst>
+                                      </p:cBhvr>
+                                      <p:to>
+                                        <p:strVal val="visible"/>
+                                      </p:to>
+                                    </p:set>
+                                    <p:animEffect transition="in" filter="fade">
+                                      <p:cBhvr>
+                                        <p:cTn id="22" dur="500"/>
+                                        <p:tgtEl>
+                                          <p:spTgt spid="3">
+                                            <p:txEl>
+                                              <p:pRg st="3" end="3"/>
+                                            </p:txEl>
+                                          </p:spTgt>
+                                        </p:tgtEl>
+                                      </p:cBhvr>
+                                    </p:animEffect>
+                                  </p:childTnLst>
+                                </p:cTn>
+                              </p:par>
+                            </p:childTnLst>
+                          </p:cTn>
+                        </p:par>
+                      </p:childTnLst>
+                    </p:cTn>
+                  </p:par>
+                  <p:par>
+                    <p:cTn id="23" fill="hold">
+                      <p:stCondLst>
+                        <p:cond delay="indefinite"/>
+                      </p:stCondLst>
+                      <p:childTnLst>
+                        <p:par>
+                          <p:cTn id="24" fill="hold">
+                            <p:stCondLst>
+                              <p:cond delay="0"/>
+                            </p:stCondLst>
+                            <p:childTnLst>
+                              <p:par>
+                                <p:cTn id="25" presetID="10" presetClass="entr" presetSubtype="0" fill="hold" grpId="0" nodeType="clickEffect">
+                                  <p:stCondLst>
+                                    <p:cond delay="0"/>
+                                  </p:stCondLst>
+                                  <p:childTnLst>
+                                    <p:set>
+                                      <p:cBhvr>
+                                        <p:cTn id="26" dur="1" fill="hold">
+                                          <p:stCondLst>
+                                            <p:cond delay="0"/>
+                                          </p:stCondLst>
+                                        </p:cTn>
+                                        <p:tgtEl>
+                                          <p:spTgt spid="3">
+                                            <p:txEl>
+                                              <p:pRg st="4" end="4"/>
+                                            </p:txEl>
+                                          </p:spTgt>
+                                        </p:tgtEl>
+                                        <p:attrNameLst>
+                                          <p:attrName>style.visibility</p:attrName>
+                                        </p:attrNameLst>
+                                      </p:cBhvr>
+                                      <p:to>
+                                        <p:strVal val="visible"/>
+                                      </p:to>
+                                    </p:set>
+                                    <p:animEffect transition="in" filter="fade">
+                                      <p:cBhvr>
+                                        <p:cTn id="27" dur="500"/>
+                                        <p:tgtEl>
+                                          <p:spTgt spid="3">
+                                            <p:txEl>
+                                              <p:pRg st="4" end="4"/>
+                                            </p:txEl>
+                                          </p:spTgt>
+                                        </p:tgtEl>
+                                      </p:cBhvr>
+                                    </p:animEffect>
+                                  </p:childTnLst>
+                                </p:cTn>
+                              </p:par>
+                            </p:childTnLst>
+                          </p:cTn>
+                        </p:par>
+                      </p:childTnLst>
+                    </p:cTn>
+                  </p:par>
+                </p:childTnLst>
+              </p:cTn>
+              <p:prevCondLst>
+                <p:cond evt="onPrev" delay="0">
+                  <p:tgtEl>
+                    <p:sldTgt/>
+                  </p:tgtEl>
+                </p:cond>
+              </p:prevCondLst>
+              <p:nextCondLst>
+                <p:cond evt="onNext" delay="0">
+                  <p:tgtEl>
+                    <p:sldTgt/>
+                  </p:tgtEl>
+                </p:cond>
+              </p:nextCondLst>
+            </p:seq>
+          </p:childTnLst>
+        </p:cTn>
+      </p:par>
+    </p:tnLst>
+    <p:bldLst>
+      <p:bldP spid="3" grpId="0" build="p"/>
     </p:bldLst>
   </p:timing>
 </p:sld>
@@ -18068,178 +18804,10 @@
       </p:grpSpPr>
       <p:sp>
         <p:nvSpPr>
-          <p:cNvPr id="3" name="テキスト プレースホルダー 2">
+          <p:cNvPr id="2" name="タイトル 1">
             <a:extLst>
               <a:ext uri="{FF2B5EF4-FFF2-40B4-BE49-F238E27FC236}">
-                <a16:creationId xmlns:a16="http://schemas.microsoft.com/office/drawing/2014/main" id="{317456CC-D1CF-9213-2078-5A9F451ED244}"/>
-              </a:ext>
-            </a:extLst>
-          </p:cNvPr>
-          <p:cNvSpPr>
-            <a:spLocks noGrp="1"/>
-          </p:cNvSpPr>
-          <p:nvPr>
-            <p:ph type="body" sz="quarter" idx="24"/>
-          </p:nvPr>
-        </p:nvSpPr>
-        <p:spPr/>
-        <p:txBody>
-          <a:bodyPr/>
-          <a:lstStyle/>
-          <a:p>
-            <a:pPr>
-              <a:buClr>
-                <a:schemeClr val="tx1"/>
-              </a:buClr>
-            </a:pPr>
-            <a:r>
-              <a:rPr lang="ja-JP" altLang="en-US" sz="3600"/>
-              <a:t>実験を行う上では，</a:t>
-            </a:r>
-            <a:r>
-              <a:rPr lang="ja-JP" altLang="en-US" sz="3600">
-                <a:solidFill>
-                  <a:schemeClr val="accent6"/>
-                </a:solidFill>
-              </a:rPr>
-              <a:t>結果との因果関係</a:t>
-            </a:r>
-            <a:r>
-              <a:rPr lang="ja-JP" altLang="en-US" sz="3600"/>
-              <a:t>が重要である．</a:t>
-            </a:r>
-            <a:endParaRPr lang="en-US" altLang="ja-JP" sz="3600"/>
-          </a:p>
-          <a:p>
-            <a:pPr>
-              <a:buClr>
-                <a:schemeClr val="tx1"/>
-              </a:buClr>
-            </a:pPr>
-            <a:r>
-              <a:rPr lang="ja-JP" altLang="en-US" sz="3600">
-                <a:solidFill>
-                  <a:schemeClr val="accent6"/>
-                </a:solidFill>
-              </a:rPr>
-              <a:t>対照実験</a:t>
-            </a:r>
-            <a:r>
-              <a:rPr lang="ja-JP" altLang="en-US" sz="3600"/>
-              <a:t>を行うことで明らかになる．</a:t>
-            </a:r>
-            <a:endParaRPr lang="en-US" altLang="ja-JP" sz="3600"/>
-          </a:p>
-          <a:p>
-            <a:pPr>
-              <a:buClr>
-                <a:schemeClr val="tx1"/>
-              </a:buClr>
-            </a:pPr>
-            <a:r>
-              <a:rPr lang="ja-JP" altLang="en-US" sz="3600"/>
-              <a:t>力には物体に対して，</a:t>
-            </a:r>
-            <a:r>
-              <a:rPr lang="ja-JP" altLang="en-US" sz="3600">
-                <a:solidFill>
-                  <a:schemeClr val="accent6"/>
-                </a:solidFill>
-              </a:rPr>
-              <a:t>形</a:t>
-            </a:r>
-            <a:r>
-              <a:rPr lang="ja-JP" altLang="en-US" sz="3600"/>
-              <a:t>を変える，</a:t>
-            </a:r>
-            <a:r>
-              <a:rPr lang="ja-JP" altLang="en-US" sz="3600">
-                <a:solidFill>
-                  <a:schemeClr val="accent6"/>
-                </a:solidFill>
-              </a:rPr>
-              <a:t>動き</a:t>
-            </a:r>
-            <a:r>
-              <a:rPr lang="ja-JP" altLang="en-US" sz="3600"/>
-              <a:t>を変える，</a:t>
-            </a:r>
-            <a:r>
-              <a:rPr lang="ja-JP" altLang="en-US" sz="3600">
-                <a:solidFill>
-                  <a:schemeClr val="accent6"/>
-                </a:solidFill>
-              </a:rPr>
-              <a:t>支える</a:t>
-            </a:r>
-            <a:r>
-              <a:rPr lang="ja-JP" altLang="en-US" sz="3600"/>
-              <a:t>という性質を持つ．</a:t>
-            </a:r>
-            <a:endParaRPr lang="en-US" altLang="ja-JP" sz="3600"/>
-          </a:p>
-          <a:p>
-            <a:pPr>
-              <a:buClr>
-                <a:schemeClr val="tx1"/>
-              </a:buClr>
-            </a:pPr>
-            <a:r>
-              <a:rPr lang="ja-JP" altLang="en-US" sz="3600"/>
-              <a:t>力を物体に加えると，</a:t>
-            </a:r>
-            <a:r>
-              <a:rPr lang="ja-JP" altLang="en-US" sz="3600">
-                <a:solidFill>
-                  <a:schemeClr val="accent6"/>
-                </a:solidFill>
-              </a:rPr>
-              <a:t>同じ大きさ</a:t>
-            </a:r>
-            <a:r>
-              <a:rPr lang="ja-JP" altLang="en-US" sz="3600"/>
-              <a:t>・</a:t>
-            </a:r>
-            <a:r>
-              <a:rPr lang="ja-JP" altLang="en-US" sz="3600">
-                <a:solidFill>
-                  <a:schemeClr val="accent6"/>
-                </a:solidFill>
-              </a:rPr>
-              <a:t>逆向き</a:t>
-            </a:r>
-            <a:r>
-              <a:rPr lang="ja-JP" altLang="en-US" sz="3600"/>
-              <a:t>の力がはたらく．</a:t>
-            </a:r>
-          </a:p>
-          <a:p>
-            <a:pPr>
-              <a:buClr>
-                <a:schemeClr val="tx1"/>
-              </a:buClr>
-            </a:pPr>
-            <a:r>
-              <a:rPr lang="ja-JP" altLang="en-US" sz="3600">
-                <a:solidFill>
-                  <a:schemeClr val="accent6"/>
-                </a:solidFill>
-              </a:rPr>
-              <a:t>作用・反作用の法則</a:t>
-            </a:r>
-            <a:r>
-              <a:rPr lang="ja-JP" altLang="en-US" sz="3600"/>
-              <a:t>という．</a:t>
-            </a:r>
-          </a:p>
-        </p:txBody>
-      </p:sp>
-      <p:sp>
-        <p:nvSpPr>
-          <p:cNvPr id="4" name="タイトル 3">
-            <a:extLst>
-              <a:ext uri="{FF2B5EF4-FFF2-40B4-BE49-F238E27FC236}">
-                <a16:creationId xmlns:a16="http://schemas.microsoft.com/office/drawing/2014/main" id="{EDE1B5AB-42D8-D0AA-AE7C-DE3BEAE8375A}"/>
+                <a16:creationId xmlns:a16="http://schemas.microsoft.com/office/drawing/2014/main" id="{8C47CE7D-B93C-0337-3CF1-00DD16EB2D2E}"/>
               </a:ext>
             </a:extLst>
           </p:cNvPr>
@@ -18256,10 +18824,89 @@
           <a:lstStyle/>
           <a:p>
             <a:r>
-              <a:rPr lang="ja-JP" altLang="en-US"/>
-              <a:t>まとめ</a:t>
-            </a:r>
-            <a:endParaRPr kumimoji="1" lang="ja-JP" altLang="en-US"/>
+              <a:rPr kumimoji="1" lang="ja-JP" altLang="en-US"/>
+              <a:t>終</a:t>
+            </a:r>
+          </a:p>
+        </p:txBody>
+      </p:sp>
+    </p:spTree>
+    <p:extLst>
+      <p:ext uri="{BB962C8B-B14F-4D97-AF65-F5344CB8AC3E}">
+        <p14:creationId xmlns:p14="http://schemas.microsoft.com/office/powerpoint/2010/main" val="2902576434"/>
+      </p:ext>
+    </p:extLst>
+  </p:cSld>
+  <p:clrMapOvr>
+    <a:masterClrMapping/>
+  </p:clrMapOvr>
+  <mc:AlternateContent xmlns:mc="http://schemas.openxmlformats.org/markup-compatibility/2006" xmlns:p14="http://schemas.microsoft.com/office/powerpoint/2010/main">
+    <mc:Choice Requires="p14">
+      <p:transition spd="med" p14:dur="700">
+        <p:fade/>
+      </p:transition>
+    </mc:Choice>
+    <mc:Fallback xmlns="">
+      <p:transition spd="med">
+        <p:fade/>
+      </p:transition>
+    </mc:Fallback>
+  </mc:AlternateContent>
+</p:sld>
+</file>
+
+<file path=ppt/slides/slide31.xml><?xml version="1.0" encoding="utf-8"?>
+<p:sld xmlns:a="http://schemas.openxmlformats.org/drawingml/2006/main" xmlns:r="http://schemas.openxmlformats.org/officeDocument/2006/relationships" xmlns:p="http://schemas.openxmlformats.org/presentationml/2006/main">
+  <p:cSld>
+    <p:spTree>
+      <p:nvGrpSpPr>
+        <p:cNvPr id="1" name="">
+          <a:extLst>
+            <a:ext uri="{FF2B5EF4-FFF2-40B4-BE49-F238E27FC236}">
+              <a16:creationId xmlns:a16="http://schemas.microsoft.com/office/drawing/2014/main" id="{D0C0E4AB-27D6-7C36-6F3F-02D77C878D50}"/>
+            </a:ext>
+          </a:extLst>
+        </p:cNvPr>
+        <p:cNvGrpSpPr/>
+        <p:nvPr/>
+      </p:nvGrpSpPr>
+      <p:grpSpPr>
+        <a:xfrm>
+          <a:off x="0" y="0"/>
+          <a:ext cx="0" cy="0"/>
+          <a:chOff x="0" y="0"/>
+          <a:chExt cx="0" cy="0"/>
+        </a:xfrm>
+      </p:grpSpPr>
+      <p:sp>
+        <p:nvSpPr>
+          <p:cNvPr id="3" name="タイトル 2">
+            <a:extLst>
+              <a:ext uri="{FF2B5EF4-FFF2-40B4-BE49-F238E27FC236}">
+                <a16:creationId xmlns:a16="http://schemas.microsoft.com/office/drawing/2014/main" id="{41872D6B-22C0-52F5-D9F2-FFF521A88229}"/>
+              </a:ext>
+            </a:extLst>
+          </p:cNvPr>
+          <p:cNvSpPr>
+            <a:spLocks noGrp="1"/>
+          </p:cNvSpPr>
+          <p:nvPr>
+            <p:ph type="title"/>
+          </p:nvPr>
+        </p:nvSpPr>
+        <p:spPr/>
+        <p:txBody>
+          <a:bodyPr/>
+          <a:lstStyle/>
+          <a:p>
+            <a:r>
+              <a:rPr kumimoji="1" lang="ja-JP" altLang="en-US">
+                <a:solidFill>
+                  <a:srgbClr val="00B0F0"/>
+                </a:solidFill>
+              </a:rPr>
+              <a:t>質疑応答</a:t>
+            </a:r>
           </a:p>
         </p:txBody>
       </p:sp>
@@ -18268,7 +18915,7 @@
           <p:cNvPr id="2" name="スライド番号プレースホルダー 7">
             <a:extLst>
               <a:ext uri="{FF2B5EF4-FFF2-40B4-BE49-F238E27FC236}">
-                <a16:creationId xmlns:a16="http://schemas.microsoft.com/office/drawing/2014/main" id="{741410EF-0578-D246-E66C-1B19D61EB9F1}"/>
+                <a16:creationId xmlns:a16="http://schemas.microsoft.com/office/drawing/2014/main" id="{9606D09C-2A81-D585-166F-39B51284657F}"/>
               </a:ext>
             </a:extLst>
           </p:cNvPr>
@@ -18301,424 +18948,82 @@
             <a:fld id="{6408349E-6932-463E-ABE1-6FC2A2453113}" type="slidenum">
               <a:rPr kumimoji="1" lang="ja-JP" altLang="en-US" smtClean="0"/>
               <a:pPr/>
-              <a:t>30</a:t>
+              <a:t>31</a:t>
             </a:fld>
             <a:endParaRPr kumimoji="1" lang="ja-JP" altLang="en-US"/>
           </a:p>
         </p:txBody>
       </p:sp>
+      <mc:AlternateContent xmlns:mc="http://schemas.openxmlformats.org/markup-compatibility/2006">
+        <mc:Choice xmlns:we="http://schemas.microsoft.com/office/webextensions/webextension/2010/11" xmlns:pca="http://schemas.microsoft.com/office/powerpoint/2013/contentapp" Requires="we pca">
+          <p:graphicFrame>
+            <p:nvGraphicFramePr>
+              <p:cNvPr id="6" name="アドイン 5" title="Forms">
+                <a:extLst>
+                  <a:ext uri="{FF2B5EF4-FFF2-40B4-BE49-F238E27FC236}">
+                    <a16:creationId xmlns:a16="http://schemas.microsoft.com/office/drawing/2014/main" id="{DDEC45E1-CB5F-9500-830C-5D3E4CA90182}"/>
+                  </a:ext>
+                </a:extLst>
+              </p:cNvPr>
+              <p:cNvGraphicFramePr>
+                <a:graphicFrameLocks noGrp="1"/>
+              </p:cNvGraphicFramePr>
+              <p:nvPr>
+                <p:extLst>
+                  <p:ext uri="{D42A27DB-BD31-4B8C-83A1-F6EECF244321}">
+                    <p14:modId xmlns:p14="http://schemas.microsoft.com/office/powerpoint/2010/main" val="226650037"/>
+                  </p:ext>
+                </p:extLst>
+              </p:nvPr>
+            </p:nvGraphicFramePr>
+            <p:xfrm>
+              <a:off x="0" y="719681"/>
+              <a:ext cx="9906000" cy="6138312"/>
+            </p:xfrm>
+            <a:graphic>
+              <a:graphicData uri="http://schemas.microsoft.com/office/webextensions/webextension/2010/11">
+                <we:webextensionref xmlns:we="http://schemas.microsoft.com/office/webextensions/webextension/2010/11" xmlns:r="http://schemas.openxmlformats.org/officeDocument/2006/relationships" r:id="rId2"/>
+              </a:graphicData>
+            </a:graphic>
+          </p:graphicFrame>
+        </mc:Choice>
+        <mc:Fallback>
+          <p:pic>
+            <p:nvPicPr>
+              <p:cNvPr id="6" name="アドイン 5" title="Forms">
+                <a:extLst>
+                  <a:ext uri="{FF2B5EF4-FFF2-40B4-BE49-F238E27FC236}">
+                    <a16:creationId xmlns:a16="http://schemas.microsoft.com/office/drawing/2014/main" id="{DDEC45E1-CB5F-9500-830C-5D3E4CA90182}"/>
+                  </a:ext>
+                </a:extLst>
+              </p:cNvPr>
+              <p:cNvPicPr>
+                <a:picLocks noGrp="1" noRot="1" noChangeAspect="1" noMove="1" noResize="1" noEditPoints="1" noAdjustHandles="1" noChangeArrowheads="1" noChangeShapeType="1"/>
+              </p:cNvPicPr>
+              <p:nvPr/>
+            </p:nvPicPr>
+            <p:blipFill>
+              <a:blip r:embed="rId3"/>
+              <a:stretch>
+                <a:fillRect/>
+              </a:stretch>
+            </p:blipFill>
+            <p:spPr>
+              <a:xfrm>
+                <a:off x="0" y="719681"/>
+                <a:ext cx="9906000" cy="6138312"/>
+              </a:xfrm>
+              <a:prstGeom prst="rect">
+                <a:avLst/>
+              </a:prstGeom>
+            </p:spPr>
+          </p:pic>
+        </mc:Fallback>
+      </mc:AlternateContent>
     </p:spTree>
     <p:extLst>
       <p:ext uri="{BB962C8B-B14F-4D97-AF65-F5344CB8AC3E}">
-        <p14:creationId xmlns:p14="http://schemas.microsoft.com/office/powerpoint/2010/main" val="729217411"/>
-      </p:ext>
-    </p:extLst>
-  </p:cSld>
-  <p:clrMapOvr>
-    <a:masterClrMapping/>
-  </p:clrMapOvr>
-  <mc:AlternateContent xmlns:mc="http://schemas.openxmlformats.org/markup-compatibility/2006" xmlns:p14="http://schemas.microsoft.com/office/powerpoint/2010/main">
-    <mc:Choice Requires="p14">
-      <p:transition spd="med" p14:dur="700">
-        <p:fade/>
-      </p:transition>
-    </mc:Choice>
-    <mc:Fallback xmlns="">
-      <p:transition spd="med">
-        <p:fade/>
-      </p:transition>
-    </mc:Fallback>
-  </mc:AlternateContent>
-  <p:timing>
-    <p:tnLst>
-      <p:par>
-        <p:cTn id="1" dur="indefinite" restart="never" nodeType="tmRoot">
-          <p:childTnLst>
-            <p:seq concurrent="1" nextAc="seek">
-              <p:cTn id="2" dur="indefinite" nodeType="mainSeq">
-                <p:childTnLst>
-                  <p:par>
-                    <p:cTn id="3" fill="hold">
-                      <p:stCondLst>
-                        <p:cond delay="indefinite"/>
-                      </p:stCondLst>
-                      <p:childTnLst>
-                        <p:par>
-                          <p:cTn id="4" fill="hold">
-                            <p:stCondLst>
-                              <p:cond delay="0"/>
-                            </p:stCondLst>
-                            <p:childTnLst>
-                              <p:par>
-                                <p:cTn id="5" presetID="10" presetClass="entr" presetSubtype="0" fill="hold" grpId="0" nodeType="clickEffect">
-                                  <p:stCondLst>
-                                    <p:cond delay="0"/>
-                                  </p:stCondLst>
-                                  <p:childTnLst>
-                                    <p:set>
-                                      <p:cBhvr>
-                                        <p:cTn id="6" dur="1" fill="hold">
-                                          <p:stCondLst>
-                                            <p:cond delay="0"/>
-                                          </p:stCondLst>
-                                        </p:cTn>
-                                        <p:tgtEl>
-                                          <p:spTgt spid="3">
-                                            <p:txEl>
-                                              <p:pRg st="0" end="0"/>
-                                            </p:txEl>
-                                          </p:spTgt>
-                                        </p:tgtEl>
-                                        <p:attrNameLst>
-                                          <p:attrName>style.visibility</p:attrName>
-                                        </p:attrNameLst>
-                                      </p:cBhvr>
-                                      <p:to>
-                                        <p:strVal val="visible"/>
-                                      </p:to>
-                                    </p:set>
-                                    <p:animEffect transition="in" filter="fade">
-                                      <p:cBhvr>
-                                        <p:cTn id="7" dur="500"/>
-                                        <p:tgtEl>
-                                          <p:spTgt spid="3">
-                                            <p:txEl>
-                                              <p:pRg st="0" end="0"/>
-                                            </p:txEl>
-                                          </p:spTgt>
-                                        </p:tgtEl>
-                                      </p:cBhvr>
-                                    </p:animEffect>
-                                  </p:childTnLst>
-                                </p:cTn>
-                              </p:par>
-                            </p:childTnLst>
-                          </p:cTn>
-                        </p:par>
-                      </p:childTnLst>
-                    </p:cTn>
-                  </p:par>
-                  <p:par>
-                    <p:cTn id="8" fill="hold">
-                      <p:stCondLst>
-                        <p:cond delay="indefinite"/>
-                      </p:stCondLst>
-                      <p:childTnLst>
-                        <p:par>
-                          <p:cTn id="9" fill="hold">
-                            <p:stCondLst>
-                              <p:cond delay="0"/>
-                            </p:stCondLst>
-                            <p:childTnLst>
-                              <p:par>
-                                <p:cTn id="10" presetID="10" presetClass="entr" presetSubtype="0" fill="hold" grpId="0" nodeType="clickEffect">
-                                  <p:stCondLst>
-                                    <p:cond delay="0"/>
-                                  </p:stCondLst>
-                                  <p:childTnLst>
-                                    <p:set>
-                                      <p:cBhvr>
-                                        <p:cTn id="11" dur="1" fill="hold">
-                                          <p:stCondLst>
-                                            <p:cond delay="0"/>
-                                          </p:stCondLst>
-                                        </p:cTn>
-                                        <p:tgtEl>
-                                          <p:spTgt spid="3">
-                                            <p:txEl>
-                                              <p:pRg st="1" end="1"/>
-                                            </p:txEl>
-                                          </p:spTgt>
-                                        </p:tgtEl>
-                                        <p:attrNameLst>
-                                          <p:attrName>style.visibility</p:attrName>
-                                        </p:attrNameLst>
-                                      </p:cBhvr>
-                                      <p:to>
-                                        <p:strVal val="visible"/>
-                                      </p:to>
-                                    </p:set>
-                                    <p:animEffect transition="in" filter="fade">
-                                      <p:cBhvr>
-                                        <p:cTn id="12" dur="500"/>
-                                        <p:tgtEl>
-                                          <p:spTgt spid="3">
-                                            <p:txEl>
-                                              <p:pRg st="1" end="1"/>
-                                            </p:txEl>
-                                          </p:spTgt>
-                                        </p:tgtEl>
-                                      </p:cBhvr>
-                                    </p:animEffect>
-                                  </p:childTnLst>
-                                </p:cTn>
-                              </p:par>
-                            </p:childTnLst>
-                          </p:cTn>
-                        </p:par>
-                      </p:childTnLst>
-                    </p:cTn>
-                  </p:par>
-                  <p:par>
-                    <p:cTn id="13" fill="hold">
-                      <p:stCondLst>
-                        <p:cond delay="indefinite"/>
-                      </p:stCondLst>
-                      <p:childTnLst>
-                        <p:par>
-                          <p:cTn id="14" fill="hold">
-                            <p:stCondLst>
-                              <p:cond delay="0"/>
-                            </p:stCondLst>
-                            <p:childTnLst>
-                              <p:par>
-                                <p:cTn id="15" presetID="10" presetClass="entr" presetSubtype="0" fill="hold" grpId="0" nodeType="clickEffect">
-                                  <p:stCondLst>
-                                    <p:cond delay="0"/>
-                                  </p:stCondLst>
-                                  <p:childTnLst>
-                                    <p:set>
-                                      <p:cBhvr>
-                                        <p:cTn id="16" dur="1" fill="hold">
-                                          <p:stCondLst>
-                                            <p:cond delay="0"/>
-                                          </p:stCondLst>
-                                        </p:cTn>
-                                        <p:tgtEl>
-                                          <p:spTgt spid="3">
-                                            <p:txEl>
-                                              <p:pRg st="2" end="2"/>
-                                            </p:txEl>
-                                          </p:spTgt>
-                                        </p:tgtEl>
-                                        <p:attrNameLst>
-                                          <p:attrName>style.visibility</p:attrName>
-                                        </p:attrNameLst>
-                                      </p:cBhvr>
-                                      <p:to>
-                                        <p:strVal val="visible"/>
-                                      </p:to>
-                                    </p:set>
-                                    <p:animEffect transition="in" filter="fade">
-                                      <p:cBhvr>
-                                        <p:cTn id="17" dur="500"/>
-                                        <p:tgtEl>
-                                          <p:spTgt spid="3">
-                                            <p:txEl>
-                                              <p:pRg st="2" end="2"/>
-                                            </p:txEl>
-                                          </p:spTgt>
-                                        </p:tgtEl>
-                                      </p:cBhvr>
-                                    </p:animEffect>
-                                  </p:childTnLst>
-                                </p:cTn>
-                              </p:par>
-                            </p:childTnLst>
-                          </p:cTn>
-                        </p:par>
-                      </p:childTnLst>
-                    </p:cTn>
-                  </p:par>
-                  <p:par>
-                    <p:cTn id="18" fill="hold">
-                      <p:stCondLst>
-                        <p:cond delay="indefinite"/>
-                      </p:stCondLst>
-                      <p:childTnLst>
-                        <p:par>
-                          <p:cTn id="19" fill="hold">
-                            <p:stCondLst>
-                              <p:cond delay="0"/>
-                            </p:stCondLst>
-                            <p:childTnLst>
-                              <p:par>
-                                <p:cTn id="20" presetID="10" presetClass="entr" presetSubtype="0" fill="hold" grpId="0" nodeType="clickEffect">
-                                  <p:stCondLst>
-                                    <p:cond delay="0"/>
-                                  </p:stCondLst>
-                                  <p:childTnLst>
-                                    <p:set>
-                                      <p:cBhvr>
-                                        <p:cTn id="21" dur="1" fill="hold">
-                                          <p:stCondLst>
-                                            <p:cond delay="0"/>
-                                          </p:stCondLst>
-                                        </p:cTn>
-                                        <p:tgtEl>
-                                          <p:spTgt spid="3">
-                                            <p:txEl>
-                                              <p:pRg st="3" end="3"/>
-                                            </p:txEl>
-                                          </p:spTgt>
-                                        </p:tgtEl>
-                                        <p:attrNameLst>
-                                          <p:attrName>style.visibility</p:attrName>
-                                        </p:attrNameLst>
-                                      </p:cBhvr>
-                                      <p:to>
-                                        <p:strVal val="visible"/>
-                                      </p:to>
-                                    </p:set>
-                                    <p:animEffect transition="in" filter="fade">
-                                      <p:cBhvr>
-                                        <p:cTn id="22" dur="500"/>
-                                        <p:tgtEl>
-                                          <p:spTgt spid="3">
-                                            <p:txEl>
-                                              <p:pRg st="3" end="3"/>
-                                            </p:txEl>
-                                          </p:spTgt>
-                                        </p:tgtEl>
-                                      </p:cBhvr>
-                                    </p:animEffect>
-                                  </p:childTnLst>
-                                </p:cTn>
-                              </p:par>
-                            </p:childTnLst>
-                          </p:cTn>
-                        </p:par>
-                      </p:childTnLst>
-                    </p:cTn>
-                  </p:par>
-                  <p:par>
-                    <p:cTn id="23" fill="hold">
-                      <p:stCondLst>
-                        <p:cond delay="indefinite"/>
-                      </p:stCondLst>
-                      <p:childTnLst>
-                        <p:par>
-                          <p:cTn id="24" fill="hold">
-                            <p:stCondLst>
-                              <p:cond delay="0"/>
-                            </p:stCondLst>
-                            <p:childTnLst>
-                              <p:par>
-                                <p:cTn id="25" presetID="10" presetClass="entr" presetSubtype="0" fill="hold" grpId="0" nodeType="clickEffect">
-                                  <p:stCondLst>
-                                    <p:cond delay="0"/>
-                                  </p:stCondLst>
-                                  <p:childTnLst>
-                                    <p:set>
-                                      <p:cBhvr>
-                                        <p:cTn id="26" dur="1" fill="hold">
-                                          <p:stCondLst>
-                                            <p:cond delay="0"/>
-                                          </p:stCondLst>
-                                        </p:cTn>
-                                        <p:tgtEl>
-                                          <p:spTgt spid="3">
-                                            <p:txEl>
-                                              <p:pRg st="4" end="4"/>
-                                            </p:txEl>
-                                          </p:spTgt>
-                                        </p:tgtEl>
-                                        <p:attrNameLst>
-                                          <p:attrName>style.visibility</p:attrName>
-                                        </p:attrNameLst>
-                                      </p:cBhvr>
-                                      <p:to>
-                                        <p:strVal val="visible"/>
-                                      </p:to>
-                                    </p:set>
-                                    <p:animEffect transition="in" filter="fade">
-                                      <p:cBhvr>
-                                        <p:cTn id="27" dur="500"/>
-                                        <p:tgtEl>
-                                          <p:spTgt spid="3">
-                                            <p:txEl>
-                                              <p:pRg st="4" end="4"/>
-                                            </p:txEl>
-                                          </p:spTgt>
-                                        </p:tgtEl>
-                                      </p:cBhvr>
-                                    </p:animEffect>
-                                  </p:childTnLst>
-                                </p:cTn>
-                              </p:par>
-                            </p:childTnLst>
-                          </p:cTn>
-                        </p:par>
-                      </p:childTnLst>
-                    </p:cTn>
-                  </p:par>
-                </p:childTnLst>
-              </p:cTn>
-              <p:prevCondLst>
-                <p:cond evt="onPrev" delay="0">
-                  <p:tgtEl>
-                    <p:sldTgt/>
-                  </p:tgtEl>
-                </p:cond>
-              </p:prevCondLst>
-              <p:nextCondLst>
-                <p:cond evt="onNext" delay="0">
-                  <p:tgtEl>
-                    <p:sldTgt/>
-                  </p:tgtEl>
-                </p:cond>
-              </p:nextCondLst>
-            </p:seq>
-          </p:childTnLst>
-        </p:cTn>
-      </p:par>
-    </p:tnLst>
-    <p:bldLst>
-      <p:bldP spid="3" grpId="0" build="p"/>
-    </p:bldLst>
-  </p:timing>
-</p:sld>
-</file>
-
-<file path=ppt/slides/slide31.xml><?xml version="1.0" encoding="utf-8"?>
-<p:sld xmlns:a="http://schemas.openxmlformats.org/drawingml/2006/main" xmlns:r="http://schemas.openxmlformats.org/officeDocument/2006/relationships" xmlns:p="http://schemas.openxmlformats.org/presentationml/2006/main">
-  <p:cSld>
-    <p:spTree>
-      <p:nvGrpSpPr>
-        <p:cNvPr id="1" name=""/>
-        <p:cNvGrpSpPr/>
-        <p:nvPr/>
-      </p:nvGrpSpPr>
-      <p:grpSpPr>
-        <a:xfrm>
-          <a:off x="0" y="0"/>
-          <a:ext cx="0" cy="0"/>
-          <a:chOff x="0" y="0"/>
-          <a:chExt cx="0" cy="0"/>
-        </a:xfrm>
-      </p:grpSpPr>
-      <p:sp>
-        <p:nvSpPr>
-          <p:cNvPr id="2" name="タイトル 1">
-            <a:extLst>
-              <a:ext uri="{FF2B5EF4-FFF2-40B4-BE49-F238E27FC236}">
-                <a16:creationId xmlns:a16="http://schemas.microsoft.com/office/drawing/2014/main" id="{8C47CE7D-B93C-0337-3CF1-00DD16EB2D2E}"/>
-              </a:ext>
-            </a:extLst>
-          </p:cNvPr>
-          <p:cNvSpPr>
-            <a:spLocks noGrp="1"/>
-          </p:cNvSpPr>
-          <p:nvPr>
-            <p:ph type="title"/>
-          </p:nvPr>
-        </p:nvSpPr>
-        <p:spPr/>
-        <p:txBody>
-          <a:bodyPr/>
-          <a:lstStyle/>
-          <a:p>
-            <a:r>
-              <a:rPr kumimoji="1" lang="ja-JP" altLang="en-US"/>
-              <a:t>終</a:t>
-            </a:r>
-          </a:p>
-        </p:txBody>
-      </p:sp>
-    </p:spTree>
-    <p:extLst>
-      <p:ext uri="{BB962C8B-B14F-4D97-AF65-F5344CB8AC3E}">
-        <p14:creationId xmlns:p14="http://schemas.microsoft.com/office/powerpoint/2010/main" val="2902576434"/>
+        <p14:creationId xmlns:p14="http://schemas.microsoft.com/office/powerpoint/2010/main" val="696829693"/>
       </p:ext>
     </p:extLst>
   </p:cSld>
@@ -20843,8 +21148,8 @@
           </a:p>
         </p:txBody>
       </p:sp>
-      <mc:AlternateContent xmlns:mc="http://schemas.openxmlformats.org/markup-compatibility/2006" xmlns:we="http://schemas.microsoft.com/office/webextensions/webextension/2010/11" xmlns:pca="http://schemas.microsoft.com/office/powerpoint/2013/contentapp">
-        <mc:Choice Requires="we pca">
+      <mc:AlternateContent xmlns:mc="http://schemas.openxmlformats.org/markup-compatibility/2006">
+        <mc:Choice xmlns:we="http://schemas.microsoft.com/office/webextensions/webextension/2010/11" xmlns:pca="http://schemas.microsoft.com/office/powerpoint/2013/contentapp" Requires="we pca">
           <p:graphicFrame>
             <p:nvGraphicFramePr>
               <p:cNvPr id="2" name="アドイン 1" title="Forms">
@@ -20865,12 +21170,12 @@
             </p:xfrm>
             <a:graphic>
               <a:graphicData uri="http://schemas.microsoft.com/office/webextensions/webextension/2010/11">
-                <we:webextensionref xmlns:we="http://schemas.microsoft.com/office/webextensions/webextension/2010/11" xmlns:r="http://schemas.openxmlformats.org/officeDocument/2006/relationships" r:id="rId2"/>
+                <we:webextensionref xmlns:we="http://schemas.microsoft.com/office/webextensions/webextension/2010/11" xmlns:r="http://schemas.openxmlformats.org/officeDocument/2006/relationships" r:id="rId3"/>
               </a:graphicData>
             </a:graphic>
           </p:graphicFrame>
         </mc:Choice>
-        <mc:Fallback xmlns="">
+        <mc:Fallback>
           <p:pic>
             <p:nvPicPr>
               <p:cNvPr id="2" name="アドイン 1" title="Forms">
@@ -20886,7 +21191,7 @@
               <p:nvPr/>
             </p:nvPicPr>
             <p:blipFill>
-              <a:blip r:embed="rId3"/>
+              <a:blip r:embed="rId4"/>
               <a:stretch>
                 <a:fillRect/>
               </a:stretch>
@@ -21033,9 +21338,6 @@
                     <p:cTn id="3" fill="hold">
                       <p:stCondLst>
                         <p:cond delay="indefinite"/>
-                        <p:cond evt="onBegin" delay="0">
-                          <p:tn val="2"/>
-                        </p:cond>
                       </p:stCondLst>
                       <p:childTnLst>
                         <p:par>
@@ -21045,14 +21347,58 @@
                             </p:stCondLst>
                             <p:childTnLst>
                               <p:par>
-                                <p:cTn id="5" presetID="21" presetClass="exit" presetSubtype="1" fill="hold" grpId="0" nodeType="withEffect">
+                                <p:cTn id="5" presetID="10" presetClass="entr" presetSubtype="0" fill="hold" grpId="1" nodeType="clickEffect">
+                                  <p:stCondLst>
+                                    <p:cond delay="0"/>
+                                  </p:stCondLst>
+                                  <p:childTnLst>
+                                    <p:set>
+                                      <p:cBhvr>
+                                        <p:cTn id="6" dur="1" fill="hold">
+                                          <p:stCondLst>
+                                            <p:cond delay="0"/>
+                                          </p:stCondLst>
+                                        </p:cTn>
+                                        <p:tgtEl>
+                                          <p:spTgt spid="6"/>
+                                        </p:tgtEl>
+                                        <p:attrNameLst>
+                                          <p:attrName>style.visibility</p:attrName>
+                                        </p:attrNameLst>
+                                      </p:cBhvr>
+                                      <p:to>
+                                        <p:strVal val="visible"/>
+                                      </p:to>
+                                    </p:set>
+                                    <p:animEffect transition="in" filter="fade">
+                                      <p:cBhvr>
+                                        <p:cTn id="7" dur="500"/>
+                                        <p:tgtEl>
+                                          <p:spTgt spid="6"/>
+                                        </p:tgtEl>
+                                      </p:cBhvr>
+                                    </p:animEffect>
+                                  </p:childTnLst>
+                                </p:cTn>
+                              </p:par>
+                            </p:childTnLst>
+                          </p:cTn>
+                        </p:par>
+                        <p:par>
+                          <p:cTn id="8" fill="hold">
+                            <p:stCondLst>
+                              <p:cond delay="500"/>
+                            </p:stCondLst>
+                            <p:childTnLst>
+                              <p:par>
+                                <p:cTn id="9" presetID="21" presetClass="exit" presetSubtype="1" fill="hold" grpId="0" nodeType="afterEffect">
                                   <p:stCondLst>
                                     <p:cond delay="0"/>
                                   </p:stCondLst>
                                   <p:childTnLst>
                                     <p:animEffect transition="out" filter="wheel(1)">
                                       <p:cBhvr>
-                                        <p:cTn id="6" dur="60000"/>
+                                        <p:cTn id="10" dur="60000"/>
                                         <p:tgtEl>
                                           <p:spTgt spid="6"/>
                                         </p:tgtEl>
@@ -21060,7 +21406,7 @@
                                     </p:animEffect>
                                     <p:set>
                                       <p:cBhvr>
-                                        <p:cTn id="7" dur="1" fill="hold">
+                                        <p:cTn id="11" dur="1" fill="hold">
                                           <p:stCondLst>
                                             <p:cond delay="59999"/>
                                           </p:stCondLst>
@@ -21108,6 +21454,7 @@
     </p:tnLst>
     <p:bldLst>
       <p:bldP spid="6" grpId="0" animBg="1"/>
+      <p:bldP spid="6" grpId="1" animBg="1"/>
     </p:bldLst>
   </p:timing>
 </p:sld>
@@ -22004,7 +22351,7 @@
 </file>
 
 <file path=ppt/webextensions/webextension3.xml><?xml version="1.0" encoding="utf-8"?>
-<we:webextension xmlns:we="http://schemas.microsoft.com/office/webextensions/webextension/2010/11" id="{7B30CD90-E775-4340-9948-1E20F380F86F}">
+<we:webextension xmlns:we="http://schemas.microsoft.com/office/webextensions/webextension/2010/11" id="{A69F0B78-4818-45DB-98BA-48F10E380839}">
   <we:reference id="wa104381526" version="1.0.0.2" store="ja-JP" storeType="OMEX"/>
   <we:alternateReferences>
     <we:reference id="WA104381526" version="1.0.0.2" store="WA104381526" storeType="OMEX"/>
@@ -22018,6 +22365,295 @@
 </we:webextension>
 </file>
 
+<file path=customXml/item1.xml><?xml version="1.0" encoding="utf-8"?>
+<?mso-contentType ?>
+<FormTemplates xmlns="http://schemas.microsoft.com/sharepoint/v3/contenttype/forms">
+  <Display>DocumentLibraryForm</Display>
+  <Edit>DocumentLibraryForm</Edit>
+  <New>DocumentLibraryForm</New>
+</FormTemplates>
+</file>
+
+<file path=customXml/item2.xml><?xml version="1.0" encoding="utf-8"?>
+<ct:contentTypeSchema xmlns:ct="http://schemas.microsoft.com/office/2006/metadata/contentType" xmlns:ma="http://schemas.microsoft.com/office/2006/metadata/properties/metaAttributes" ct:_="" ma:_="" ma:contentTypeName="ドキュメント" ma:contentTypeID="0x010100317BAD2A974274468B93BA0E70B86153" ma:contentTypeVersion="14" ma:contentTypeDescription="新しいドキュメントを作成します。" ma:contentTypeScope="" ma:versionID="19deaf902174782fcab1e59d5990709b">
+  <xsd:schema xmlns:xsd="http://www.w3.org/2001/XMLSchema" xmlns:xs="http://www.w3.org/2001/XMLSchema" xmlns:p="http://schemas.microsoft.com/office/2006/metadata/properties" xmlns:ns3="4952ab04-0ae3-4d00-bda6-702fdc5fffab" xmlns:ns4="a9997899-e6ea-448c-9370-6665c1cb1ca9" targetNamespace="http://schemas.microsoft.com/office/2006/metadata/properties" ma:root="true" ma:fieldsID="626e8013a1feda8fd847dbe4d0402ef4" ns3:_="" ns4:_="">
+    <xsd:import namespace="4952ab04-0ae3-4d00-bda6-702fdc5fffab"/>
+    <xsd:import namespace="a9997899-e6ea-448c-9370-6665c1cb1ca9"/>
+    <xsd:element name="properties">
+      <xsd:complexType>
+        <xsd:sequence>
+          <xsd:element name="documentManagement">
+            <xsd:complexType>
+              <xsd:all>
+                <xsd:element ref="ns3:MediaServiceMetadata" minOccurs="0"/>
+                <xsd:element ref="ns3:MediaServiceFastMetadata" minOccurs="0"/>
+                <xsd:element ref="ns3:MediaServiceObjectDetectorVersions" minOccurs="0"/>
+                <xsd:element ref="ns3:_activity" minOccurs="0"/>
+                <xsd:element ref="ns3:MediaServiceSearchProperties" minOccurs="0"/>
+                <xsd:element ref="ns4:SharedWithUsers" minOccurs="0"/>
+                <xsd:element ref="ns4:SharedWithDetails" minOccurs="0"/>
+                <xsd:element ref="ns4:SharingHintHash" minOccurs="0"/>
+                <xsd:element ref="ns3:MediaServiceDateTaken" minOccurs="0"/>
+                <xsd:element ref="ns3:MediaServiceSystemTags" minOccurs="0"/>
+                <xsd:element ref="ns3:MediaServiceOCR" minOccurs="0"/>
+                <xsd:element ref="ns3:MediaServiceGenerationTime" minOccurs="0"/>
+                <xsd:element ref="ns3:MediaServiceEventHashCode" minOccurs="0"/>
+                <xsd:element ref="ns3:MediaLengthInSeconds" minOccurs="0"/>
+              </xsd:all>
+            </xsd:complexType>
+          </xsd:element>
+        </xsd:sequence>
+      </xsd:complexType>
+    </xsd:element>
+  </xsd:schema>
+  <xsd:schema xmlns:xsd="http://www.w3.org/2001/XMLSchema" xmlns:xs="http://www.w3.org/2001/XMLSchema" xmlns:dms="http://schemas.microsoft.com/office/2006/documentManagement/types" xmlns:pc="http://schemas.microsoft.com/office/infopath/2007/PartnerControls" targetNamespace="4952ab04-0ae3-4d00-bda6-702fdc5fffab" elementFormDefault="qualified">
+    <xsd:import namespace="http://schemas.microsoft.com/office/2006/documentManagement/types"/>
+    <xsd:import namespace="http://schemas.microsoft.com/office/infopath/2007/PartnerControls"/>
+    <xsd:element name="MediaServiceMetadata" ma:index="8" nillable="true" ma:displayName="MediaServiceMetadata" ma:hidden="true" ma:internalName="MediaServiceMetadata" ma:readOnly="true">
+      <xsd:simpleType>
+        <xsd:restriction base="dms:Note"/>
+      </xsd:simpleType>
+    </xsd:element>
+    <xsd:element name="MediaServiceFastMetadata" ma:index="9" nillable="true" ma:displayName="MediaServiceFastMetadata" ma:hidden="true" ma:internalName="MediaServiceFastMetadata" ma:readOnly="true">
+      <xsd:simpleType>
+        <xsd:restriction base="dms:Note"/>
+      </xsd:simpleType>
+    </xsd:element>
+    <xsd:element name="MediaServiceObjectDetectorVersions" ma:index="10" nillable="true" ma:displayName="MediaServiceObjectDetectorVersions" ma:hidden="true" ma:indexed="true" ma:internalName="MediaServiceObjectDetectorVersions" ma:readOnly="true">
+      <xsd:simpleType>
+        <xsd:restriction base="dms:Text"/>
+      </xsd:simpleType>
+    </xsd:element>
+    <xsd:element name="_activity" ma:index="11" nillable="true" ma:displayName="_activity" ma:hidden="true" ma:internalName="_activity">
+      <xsd:simpleType>
+        <xsd:restriction base="dms:Note"/>
+      </xsd:simpleType>
+    </xsd:element>
+    <xsd:element name="MediaServiceSearchProperties" ma:index="12" nillable="true" ma:displayName="MediaServiceSearchProperties" ma:hidden="true" ma:internalName="MediaServiceSearchProperties" ma:readOnly="true">
+      <xsd:simpleType>
+        <xsd:restriction base="dms:Note"/>
+      </xsd:simpleType>
+    </xsd:element>
+    <xsd:element name="MediaServiceDateTaken" ma:index="16" nillable="true" ma:displayName="MediaServiceDateTaken" ma:hidden="true" ma:indexed="true" ma:internalName="MediaServiceDateTaken" ma:readOnly="true">
+      <xsd:simpleType>
+        <xsd:restriction base="dms:Text"/>
+      </xsd:simpleType>
+    </xsd:element>
+    <xsd:element name="MediaServiceSystemTags" ma:index="17" nillable="true" ma:displayName="MediaServiceSystemTags" ma:hidden="true" ma:internalName="MediaServiceSystemTags" ma:readOnly="true">
+      <xsd:simpleType>
+        <xsd:restriction base="dms:Note"/>
+      </xsd:simpleType>
+    </xsd:element>
+    <xsd:element name="MediaServiceOCR" ma:index="18" nillable="true" ma:displayName="Extracted Text" ma:internalName="MediaServiceOCR" ma:readOnly="true">
+      <xsd:simpleType>
+        <xsd:restriction base="dms:Note">
+          <xsd:maxLength value="255"/>
+        </xsd:restriction>
+      </xsd:simpleType>
+    </xsd:element>
+    <xsd:element name="MediaServiceGenerationTime" ma:index="19" nillable="true" ma:displayName="MediaServiceGenerationTime" ma:hidden="true" ma:internalName="MediaServiceGenerationTime" ma:readOnly="true">
+      <xsd:simpleType>
+        <xsd:restriction base="dms:Text"/>
+      </xsd:simpleType>
+    </xsd:element>
+    <xsd:element name="MediaServiceEventHashCode" ma:index="20" nillable="true" ma:displayName="MediaServiceEventHashCode" ma:hidden="true" ma:internalName="MediaServiceEventHashCode" ma:readOnly="true">
+      <xsd:simpleType>
+        <xsd:restriction base="dms:Text"/>
+      </xsd:simpleType>
+    </xsd:element>
+    <xsd:element name="MediaLengthInSeconds" ma:index="21" nillable="true" ma:displayName="MediaLengthInSeconds" ma:hidden="true" ma:internalName="MediaLengthInSeconds" ma:readOnly="true">
+      <xsd:simpleType>
+        <xsd:restriction base="dms:Unknown"/>
+      </xsd:simpleType>
+    </xsd:element>
+  </xsd:schema>
+  <xsd:schema xmlns:xsd="http://www.w3.org/2001/XMLSchema" xmlns:xs="http://www.w3.org/2001/XMLSchema" xmlns:dms="http://schemas.microsoft.com/office/2006/documentManagement/types" xmlns:pc="http://schemas.microsoft.com/office/infopath/2007/PartnerControls" targetNamespace="a9997899-e6ea-448c-9370-6665c1cb1ca9" elementFormDefault="qualified">
+    <xsd:import namespace="http://schemas.microsoft.com/office/2006/documentManagement/types"/>
+    <xsd:import namespace="http://schemas.microsoft.com/office/infopath/2007/PartnerControls"/>
+    <xsd:element name="SharedWithUsers" ma:index="13" nillable="true" ma:displayName="共有相手" ma:internalName="SharedWithUsers" ma:readOnly="true">
+      <xsd:complexType>
+        <xsd:complexContent>
+          <xsd:extension base="dms:UserMulti">
+            <xsd:sequence>
+              <xsd:element name="UserInfo" minOccurs="0" maxOccurs="unbounded">
+                <xsd:complexType>
+                  <xsd:sequence>
+                    <xsd:element name="DisplayName" type="xsd:string" minOccurs="0"/>
+                    <xsd:element name="AccountId" type="dms:UserId" minOccurs="0" nillable="true"/>
+                    <xsd:element name="AccountType" type="xsd:string" minOccurs="0"/>
+                  </xsd:sequence>
+                </xsd:complexType>
+              </xsd:element>
+            </xsd:sequence>
+          </xsd:extension>
+        </xsd:complexContent>
+      </xsd:complexType>
+    </xsd:element>
+    <xsd:element name="SharedWithDetails" ma:index="14" nillable="true" ma:displayName="共有相手の詳細情報" ma:internalName="SharedWithDetails" ma:readOnly="true">
+      <xsd:simpleType>
+        <xsd:restriction base="dms:Note">
+          <xsd:maxLength value="255"/>
+        </xsd:restriction>
+      </xsd:simpleType>
+    </xsd:element>
+    <xsd:element name="SharingHintHash" ma:index="15" nillable="true" ma:displayName="共有のヒントのハッシュ" ma:hidden="true" ma:internalName="SharingHintHash" ma:readOnly="true">
+      <xsd:simpleType>
+        <xsd:restriction base="dms:Text"/>
+      </xsd:simpleType>
+    </xsd:element>
+  </xsd:schema>
+  <xsd:schema xmlns="http://schemas.openxmlformats.org/package/2006/metadata/core-properties" xmlns:xsd="http://www.w3.org/2001/XMLSchema" xmlns:xsi="http://www.w3.org/2001/XMLSchema-instance" xmlns:dc="http://purl.org/dc/elements/1.1/" xmlns:dcterms="http://purl.org/dc/terms/" xmlns:odoc="http://schemas.microsoft.com/internal/obd" targetNamespace="http://schemas.openxmlformats.org/package/2006/metadata/core-properties" elementFormDefault="qualified" attributeFormDefault="unqualified" blockDefault="#all">
+    <xsd:import namespace="http://purl.org/dc/elements/1.1/" schemaLocation="http://dublincore.org/schemas/xmls/qdc/2003/04/02/dc.xsd"/>
+    <xsd:import namespace="http://purl.org/dc/terms/" schemaLocation="http://dublincore.org/schemas/xmls/qdc/2003/04/02/dcterms.xsd"/>
+    <xsd:element name="coreProperties" type="CT_coreProperties"/>
+    <xsd:complexType name="CT_coreProperties">
+      <xsd:all>
+        <xsd:element ref="dc:creator" minOccurs="0" maxOccurs="1"/>
+        <xsd:element ref="dcterms:created" minOccurs="0" maxOccurs="1"/>
+        <xsd:element ref="dc:identifier" minOccurs="0" maxOccurs="1"/>
+        <xsd:element name="contentType" minOccurs="0" maxOccurs="1" type="xsd:string" ma:index="0" ma:displayName="コンテンツ タイプ"/>
+        <xsd:element ref="dc:title" minOccurs="0" maxOccurs="1" ma:index="4" ma:displayName="タイトル"/>
+        <xsd:element ref="dc:subject" minOccurs="0" maxOccurs="1"/>
+        <xsd:element ref="dc:description" minOccurs="0" maxOccurs="1"/>
+        <xsd:element name="keywords" minOccurs="0" maxOccurs="1" type="xsd:string"/>
+        <xsd:element ref="dc:language" minOccurs="0" maxOccurs="1"/>
+        <xsd:element name="category" minOccurs="0" maxOccurs="1" type="xsd:string"/>
+        <xsd:element name="version" minOccurs="0" maxOccurs="1" type="xsd:string"/>
+        <xsd:element name="revision" minOccurs="0" maxOccurs="1" type="xsd:string">
+          <xsd:annotation>
+            <xsd:documentation>
+                        This value indicates the number of saves or revisions. The application is responsible for updating this value after each revision.
+                    </xsd:documentation>
+          </xsd:annotation>
+        </xsd:element>
+        <xsd:element name="lastModifiedBy" minOccurs="0" maxOccurs="1" type="xsd:string"/>
+        <xsd:element ref="dcterms:modified" minOccurs="0" maxOccurs="1"/>
+        <xsd:element name="contentStatus" minOccurs="0" maxOccurs="1" type="xsd:string"/>
+      </xsd:all>
+    </xsd:complexType>
+  </xsd:schema>
+  <xs:schema xmlns:pc="http://schemas.microsoft.com/office/infopath/2007/PartnerControls" xmlns:xs="http://www.w3.org/2001/XMLSchema" targetNamespace="http://schemas.microsoft.com/office/infopath/2007/PartnerControls" elementFormDefault="qualified" attributeFormDefault="unqualified">
+    <xs:element name="Person">
+      <xs:complexType>
+        <xs:sequence>
+          <xs:element ref="pc:DisplayName" minOccurs="0"/>
+          <xs:element ref="pc:AccountId" minOccurs="0"/>
+          <xs:element ref="pc:AccountType" minOccurs="0"/>
+        </xs:sequence>
+      </xs:complexType>
+    </xs:element>
+    <xs:element name="DisplayName" type="xs:string"/>
+    <xs:element name="AccountId" type="xs:string"/>
+    <xs:element name="AccountType" type="xs:string"/>
+    <xs:element name="BDCAssociatedEntity">
+      <xs:complexType>
+        <xs:sequence>
+          <xs:element ref="pc:BDCEntity" minOccurs="0" maxOccurs="unbounded"/>
+        </xs:sequence>
+        <xs:attribute ref="pc:EntityNamespace"/>
+        <xs:attribute ref="pc:EntityName"/>
+        <xs:attribute ref="pc:SystemInstanceName"/>
+        <xs:attribute ref="pc:AssociationName"/>
+      </xs:complexType>
+    </xs:element>
+    <xs:attribute name="EntityNamespace" type="xs:string"/>
+    <xs:attribute name="EntityName" type="xs:string"/>
+    <xs:attribute name="SystemInstanceName" type="xs:string"/>
+    <xs:attribute name="AssociationName" type="xs:string"/>
+    <xs:element name="BDCEntity">
+      <xs:complexType>
+        <xs:sequence>
+          <xs:element ref="pc:EntityDisplayName" minOccurs="0"/>
+          <xs:element ref="pc:EntityInstanceReference" minOccurs="0"/>
+          <xs:element ref="pc:EntityId1" minOccurs="0"/>
+          <xs:element ref="pc:EntityId2" minOccurs="0"/>
+          <xs:element ref="pc:EntityId3" minOccurs="0"/>
+          <xs:element ref="pc:EntityId4" minOccurs="0"/>
+          <xs:element ref="pc:EntityId5" minOccurs="0"/>
+        </xs:sequence>
+      </xs:complexType>
+    </xs:element>
+    <xs:element name="EntityDisplayName" type="xs:string"/>
+    <xs:element name="EntityInstanceReference" type="xs:string"/>
+    <xs:element name="EntityId1" type="xs:string"/>
+    <xs:element name="EntityId2" type="xs:string"/>
+    <xs:element name="EntityId3" type="xs:string"/>
+    <xs:element name="EntityId4" type="xs:string"/>
+    <xs:element name="EntityId5" type="xs:string"/>
+    <xs:element name="Terms">
+      <xs:complexType>
+        <xs:sequence>
+          <xs:element ref="pc:TermInfo" minOccurs="0" maxOccurs="unbounded"/>
+        </xs:sequence>
+      </xs:complexType>
+    </xs:element>
+    <xs:element name="TermInfo">
+      <xs:complexType>
+        <xs:sequence>
+          <xs:element ref="pc:TermName" minOccurs="0"/>
+          <xs:element ref="pc:TermId" minOccurs="0"/>
+        </xs:sequence>
+      </xs:complexType>
+    </xs:element>
+    <xs:element name="TermName" type="xs:string"/>
+    <xs:element name="TermId" type="xs:string"/>
+  </xs:schema>
+</ct:contentTypeSchema>
+</file>
+
+<file path=customXml/item3.xml><?xml version="1.0" encoding="utf-8"?>
+<p:properties xmlns:p="http://schemas.microsoft.com/office/2006/metadata/properties" xmlns:xsi="http://www.w3.org/2001/XMLSchema-instance" xmlns:pc="http://schemas.microsoft.com/office/infopath/2007/PartnerControls">
+  <documentManagement>
+    <_activity xmlns="4952ab04-0ae3-4d00-bda6-702fdc5fffab" xsi:nil="true"/>
+  </documentManagement>
+</p:properties>
+</file>
+
+<file path=customXml/itemProps1.xml><?xml version="1.0" encoding="utf-8"?>
+<ds:datastoreItem xmlns:ds="http://schemas.openxmlformats.org/officeDocument/2006/customXml" ds:itemID="{F59A1B57-6D76-4322-9BF2-9A2FD64C7149}">
+  <ds:schemaRefs>
+    <ds:schemaRef ds:uri="http://schemas.microsoft.com/sharepoint/v3/contenttype/forms"/>
+  </ds:schemaRefs>
+</ds:datastoreItem>
+</file>
+
+<file path=customXml/itemProps2.xml><?xml version="1.0" encoding="utf-8"?>
+<ds:datastoreItem xmlns:ds="http://schemas.openxmlformats.org/officeDocument/2006/customXml" ds:itemID="{B48E124C-2C3E-4AC2-8A8F-456A7DEA87EE}">
+  <ds:schemaRefs>
+    <ds:schemaRef ds:uri="http://schemas.microsoft.com/office/2006/metadata/contentType"/>
+    <ds:schemaRef ds:uri="http://schemas.microsoft.com/office/2006/metadata/properties/metaAttributes"/>
+    <ds:schemaRef ds:uri="http://www.w3.org/2000/xmlns/"/>
+    <ds:schemaRef ds:uri="http://www.w3.org/2001/XMLSchema"/>
+    <ds:schemaRef ds:uri="4952ab04-0ae3-4d00-bda6-702fdc5fffab"/>
+    <ds:schemaRef ds:uri="a9997899-e6ea-448c-9370-6665c1cb1ca9"/>
+    <ds:schemaRef ds:uri="http://schemas.microsoft.com/office/2006/metadata/properties"/>
+    <ds:schemaRef ds:uri="http://schemas.microsoft.com/office/2006/documentManagement/types"/>
+    <ds:schemaRef ds:uri="http://schemas.microsoft.com/office/infopath/2007/PartnerControls"/>
+    <ds:schemaRef ds:uri="http://schemas.openxmlformats.org/package/2006/metadata/core-properties"/>
+    <ds:schemaRef ds:uri="http://purl.org/dc/elements/1.1/"/>
+    <ds:schemaRef ds:uri="http://purl.org/dc/terms/"/>
+    <ds:schemaRef ds:uri="http://schemas.microsoft.com/internal/obd"/>
+  </ds:schemaRefs>
+</ds:datastoreItem>
+</file>
+
+<file path=customXml/itemProps3.xml><?xml version="1.0" encoding="utf-8"?>
+<ds:datastoreItem xmlns:ds="http://schemas.openxmlformats.org/officeDocument/2006/customXml" ds:itemID="{03B2B897-D104-4BF9-BE0F-F3FD333A876C}">
+  <ds:schemaRefs>
+    <ds:schemaRef ds:uri="http://schemas.openxmlformats.org/package/2006/metadata/core-properties"/>
+    <ds:schemaRef ds:uri="a9997899-e6ea-448c-9370-6665c1cb1ca9"/>
+    <ds:schemaRef ds:uri="http://purl.org/dc/elements/1.1/"/>
+    <ds:schemaRef ds:uri="4952ab04-0ae3-4d00-bda6-702fdc5fffab"/>
+    <ds:schemaRef ds:uri="http://www.w3.org/XML/1998/namespace"/>
+    <ds:schemaRef ds:uri="http://schemas.microsoft.com/office/infopath/2007/PartnerControls"/>
+    <ds:schemaRef ds:uri="http://schemas.microsoft.com/office/2006/documentManagement/types"/>
+    <ds:schemaRef ds:uri="http://purl.org/dc/terms/"/>
+    <ds:schemaRef ds:uri="http://schemas.microsoft.com/office/2006/metadata/properties"/>
+    <ds:schemaRef ds:uri="http://purl.org/dc/dcmitype/"/>
+  </ds:schemaRefs>
+</ds:datastoreItem>
+</file>
+
 <file path=docMetadata/LabelInfo.xml><?xml version="1.0" encoding="utf-8"?>
 <clbl:labelList xmlns:clbl="http://schemas.microsoft.com/office/2020/mipLabelMetadata">
   <clbl:label id="{a200199d-23c1-49c4-a04b-0c65fe2d1f20}" enabled="0" method="" siteId="{a200199d-23c1-49c4-a04b-0c65fe2d1f20}" removed="1"/>

--- a/EM03/EM03_slide.pptx
+++ b/EM03/EM03_slide.pptx
@@ -421,7 +421,7 @@
           <a:p>
             <a:fld id="{0F5249E7-E526-41BC-878D-DBB27AF3BCB6}" type="datetimeFigureOut">
               <a:rPr kumimoji="1" lang="ja-JP" altLang="en-US" smtClean="0"/>
-              <a:t>2025/9/30</a:t>
+              <a:t>2025/10/1</a:t>
             </a:fld>
             <a:endParaRPr kumimoji="1" lang="ja-JP" altLang="en-US"/>
           </a:p>
@@ -11509,8 +11509,8 @@
           <a:chExt cx="0" cy="0"/>
         </a:xfrm>
       </p:grpSpPr>
-      <mc:AlternateContent xmlns:mc="http://schemas.openxmlformats.org/markup-compatibility/2006">
-        <mc:Choice xmlns:we="http://schemas.microsoft.com/office/webextensions/webextension/2010/11" xmlns:pca="http://schemas.microsoft.com/office/powerpoint/2013/contentapp" Requires="we pca">
+      <mc:AlternateContent xmlns:mc="http://schemas.openxmlformats.org/markup-compatibility/2006" xmlns:we="http://schemas.microsoft.com/office/webextensions/webextension/2010/11" xmlns:pca="http://schemas.microsoft.com/office/powerpoint/2013/contentapp">
+        <mc:Choice Requires="we pca">
           <p:graphicFrame>
             <p:nvGraphicFramePr>
               <p:cNvPr id="8" name="アドイン 7" title="Forms">
@@ -11536,7 +11536,7 @@
             </a:graphic>
           </p:graphicFrame>
         </mc:Choice>
-        <mc:Fallback>
+        <mc:Fallback xmlns="">
           <p:pic>
             <p:nvPicPr>
               <p:cNvPr id="8" name="アドイン 7" title="Forms">
@@ -12083,10 +12083,10 @@
       </p:sp>
       <p:pic>
         <p:nvPicPr>
-          <p:cNvPr id="9" name="図 8" descr="QR コード&#10;&#10;AI 生成コンテンツは誤りを含む可能性があります。">
+          <p:cNvPr id="8" name="図 7" descr="QR コード&#10;&#10;AI 生成コンテンツは誤りを含む可能性があります。">
             <a:extLst>
               <a:ext uri="{FF2B5EF4-FFF2-40B4-BE49-F238E27FC236}">
-                <a16:creationId xmlns:a16="http://schemas.microsoft.com/office/drawing/2014/main" id="{B7D48E2E-73F5-922F-80DD-851F35B9F669}"/>
+                <a16:creationId xmlns:a16="http://schemas.microsoft.com/office/drawing/2014/main" id="{947156AC-5732-3F7E-C496-CF1E57B20250}"/>
               </a:ext>
             </a:extLst>
           </p:cNvPr>
@@ -12109,7 +12109,7 @@
         </p:blipFill>
         <p:spPr>
           <a:xfrm>
-            <a:off x="2842514" y="1195183"/>
+            <a:off x="2842511" y="1195183"/>
             <a:ext cx="4220965" cy="4220965"/>
           </a:xfrm>
           <a:prstGeom prst="rect">
@@ -12519,7 +12519,7 @@
                                           </p:stCondLst>
                                         </p:cTn>
                                         <p:tgtEl>
-                                          <p:spTgt spid="9"/>
+                                          <p:spTgt spid="8"/>
                                         </p:tgtEl>
                                         <p:attrNameLst>
                                           <p:attrName>style.visibility</p:attrName>
@@ -12533,7 +12533,7 @@
                                       <p:cBhvr>
                                         <p:cTn id="30" dur="500"/>
                                         <p:tgtEl>
-                                          <p:spTgt spid="9"/>
+                                          <p:spTgt spid="8"/>
                                         </p:tgtEl>
                                       </p:cBhvr>
                                     </p:animEffect>
@@ -18954,8 +18954,8 @@
           </a:p>
         </p:txBody>
       </p:sp>
-      <mc:AlternateContent xmlns:mc="http://schemas.openxmlformats.org/markup-compatibility/2006">
-        <mc:Choice xmlns:we="http://schemas.microsoft.com/office/webextensions/webextension/2010/11" xmlns:pca="http://schemas.microsoft.com/office/powerpoint/2013/contentapp" Requires="we pca">
+      <mc:AlternateContent xmlns:mc="http://schemas.openxmlformats.org/markup-compatibility/2006" xmlns:we="http://schemas.microsoft.com/office/webextensions/webextension/2010/11" xmlns:pca="http://schemas.microsoft.com/office/powerpoint/2013/contentapp">
+        <mc:Choice Requires="we pca">
           <p:graphicFrame>
             <p:nvGraphicFramePr>
               <p:cNvPr id="6" name="アドイン 5" title="Forms">
@@ -18987,7 +18987,7 @@
             </a:graphic>
           </p:graphicFrame>
         </mc:Choice>
-        <mc:Fallback>
+        <mc:Fallback xmlns="">
           <p:pic>
             <p:nvPicPr>
               <p:cNvPr id="6" name="アドイン 5" title="Forms">
@@ -21148,8 +21148,8 @@
           </a:p>
         </p:txBody>
       </p:sp>
-      <mc:AlternateContent xmlns:mc="http://schemas.openxmlformats.org/markup-compatibility/2006">
-        <mc:Choice xmlns:we="http://schemas.microsoft.com/office/webextensions/webextension/2010/11" xmlns:pca="http://schemas.microsoft.com/office/powerpoint/2013/contentapp" Requires="we pca">
+      <mc:AlternateContent xmlns:mc="http://schemas.openxmlformats.org/markup-compatibility/2006" xmlns:we="http://schemas.microsoft.com/office/webextensions/webextension/2010/11" xmlns:pca="http://schemas.microsoft.com/office/powerpoint/2013/contentapp">
+        <mc:Choice Requires="we pca">
           <p:graphicFrame>
             <p:nvGraphicFramePr>
               <p:cNvPr id="2" name="アドイン 1" title="Forms">
@@ -21175,7 +21175,7 @@
             </a:graphic>
           </p:graphicFrame>
         </mc:Choice>
-        <mc:Fallback>
+        <mc:Fallback xmlns="">
           <p:pic>
             <p:nvPicPr>
               <p:cNvPr id="2" name="アドイン 1" title="Forms">
@@ -22366,15 +22366,6 @@
 </file>
 
 <file path=customXml/item1.xml><?xml version="1.0" encoding="utf-8"?>
-<?mso-contentType ?>
-<FormTemplates xmlns="http://schemas.microsoft.com/sharepoint/v3/contenttype/forms">
-  <Display>DocumentLibraryForm</Display>
-  <Edit>DocumentLibraryForm</Edit>
-  <New>DocumentLibraryForm</New>
-</FormTemplates>
-</file>
-
-<file path=customXml/item2.xml><?xml version="1.0" encoding="utf-8"?>
 <ct:contentTypeSchema xmlns:ct="http://schemas.microsoft.com/office/2006/metadata/contentType" xmlns:ma="http://schemas.microsoft.com/office/2006/metadata/properties/metaAttributes" ct:_="" ma:_="" ma:contentTypeName="ドキュメント" ma:contentTypeID="0x010100317BAD2A974274468B93BA0E70B86153" ma:contentTypeVersion="14" ma:contentTypeDescription="新しいドキュメントを作成します。" ma:contentTypeScope="" ma:versionID="19deaf902174782fcab1e59d5990709b">
   <xsd:schema xmlns:xsd="http://www.w3.org/2001/XMLSchema" xmlns:xs="http://www.w3.org/2001/XMLSchema" xmlns:p="http://schemas.microsoft.com/office/2006/metadata/properties" xmlns:ns3="4952ab04-0ae3-4d00-bda6-702fdc5fffab" xmlns:ns4="a9997899-e6ea-448c-9370-6665c1cb1ca9" targetNamespace="http://schemas.microsoft.com/office/2006/metadata/properties" ma:root="true" ma:fieldsID="626e8013a1feda8fd847dbe4d0402ef4" ns3:_="" ns4:_="">
     <xsd:import namespace="4952ab04-0ae3-4d00-bda6-702fdc5fffab"/>
@@ -22601,6 +22592,15 @@
 </ct:contentTypeSchema>
 </file>
 
+<file path=customXml/item2.xml><?xml version="1.0" encoding="utf-8"?>
+<?mso-contentType ?>
+<FormTemplates xmlns="http://schemas.microsoft.com/sharepoint/v3/contenttype/forms">
+  <Display>DocumentLibraryForm</Display>
+  <Edit>DocumentLibraryForm</Edit>
+  <New>DocumentLibraryForm</New>
+</FormTemplates>
+</file>
+
 <file path=customXml/item3.xml><?xml version="1.0" encoding="utf-8"?>
 <p:properties xmlns:p="http://schemas.microsoft.com/office/2006/metadata/properties" xmlns:xsi="http://www.w3.org/2001/XMLSchema-instance" xmlns:pc="http://schemas.microsoft.com/office/infopath/2007/PartnerControls">
   <documentManagement>
@@ -22610,14 +22610,6 @@
 </file>
 
 <file path=customXml/itemProps1.xml><?xml version="1.0" encoding="utf-8"?>
-<ds:datastoreItem xmlns:ds="http://schemas.openxmlformats.org/officeDocument/2006/customXml" ds:itemID="{F59A1B57-6D76-4322-9BF2-9A2FD64C7149}">
-  <ds:schemaRefs>
-    <ds:schemaRef ds:uri="http://schemas.microsoft.com/sharepoint/v3/contenttype/forms"/>
-  </ds:schemaRefs>
-</ds:datastoreItem>
-</file>
-
-<file path=customXml/itemProps2.xml><?xml version="1.0" encoding="utf-8"?>
 <ds:datastoreItem xmlns:ds="http://schemas.openxmlformats.org/officeDocument/2006/customXml" ds:itemID="{B48E124C-2C3E-4AC2-8A8F-456A7DEA87EE}">
   <ds:schemaRefs>
     <ds:schemaRef ds:uri="http://schemas.microsoft.com/office/2006/metadata/contentType"/>
@@ -22633,6 +22625,14 @@
     <ds:schemaRef ds:uri="http://purl.org/dc/elements/1.1/"/>
     <ds:schemaRef ds:uri="http://purl.org/dc/terms/"/>
     <ds:schemaRef ds:uri="http://schemas.microsoft.com/internal/obd"/>
+  </ds:schemaRefs>
+</ds:datastoreItem>
+</file>
+
+<file path=customXml/itemProps2.xml><?xml version="1.0" encoding="utf-8"?>
+<ds:datastoreItem xmlns:ds="http://schemas.openxmlformats.org/officeDocument/2006/customXml" ds:itemID="{F59A1B57-6D76-4322-9BF2-9A2FD64C7149}">
+  <ds:schemaRefs>
+    <ds:schemaRef ds:uri="http://schemas.microsoft.com/sharepoint/v3/contenttype/forms"/>
   </ds:schemaRefs>
 </ds:datastoreItem>
 </file>

--- a/EM03/EM03_slide.pptx
+++ b/EM03/EM03_slide.pptx
@@ -5,43 +5,44 @@
     <p:sldMasterId id="2147483648" r:id="rId4"/>
   </p:sldMasterIdLst>
   <p:notesMasterIdLst>
-    <p:notesMasterId r:id="rId36"/>
+    <p:notesMasterId r:id="rId37"/>
   </p:notesMasterIdLst>
   <p:handoutMasterIdLst>
-    <p:handoutMasterId r:id="rId37"/>
+    <p:handoutMasterId r:id="rId38"/>
   </p:handoutMasterIdLst>
   <p:sldIdLst>
-    <p:sldId id="256" r:id="rId5"/>
-    <p:sldId id="461" r:id="rId6"/>
-    <p:sldId id="390" r:id="rId7"/>
-    <p:sldId id="338" r:id="rId8"/>
-    <p:sldId id="337" r:id="rId9"/>
-    <p:sldId id="263" r:id="rId10"/>
-    <p:sldId id="463" r:id="rId11"/>
-    <p:sldId id="456" r:id="rId12"/>
-    <p:sldId id="353" r:id="rId13"/>
-    <p:sldId id="464" r:id="rId14"/>
-    <p:sldId id="387" r:id="rId15"/>
-    <p:sldId id="455" r:id="rId16"/>
-    <p:sldId id="388" r:id="rId17"/>
-    <p:sldId id="462" r:id="rId18"/>
-    <p:sldId id="394" r:id="rId19"/>
-    <p:sldId id="336" r:id="rId20"/>
-    <p:sldId id="392" r:id="rId21"/>
-    <p:sldId id="459" r:id="rId22"/>
-    <p:sldId id="260" r:id="rId23"/>
-    <p:sldId id="270" r:id="rId24"/>
-    <p:sldId id="266" r:id="rId25"/>
-    <p:sldId id="351" r:id="rId26"/>
-    <p:sldId id="393" r:id="rId27"/>
-    <p:sldId id="371" r:id="rId28"/>
-    <p:sldId id="372" r:id="rId29"/>
-    <p:sldId id="373" r:id="rId30"/>
-    <p:sldId id="374" r:id="rId31"/>
-    <p:sldId id="375" r:id="rId32"/>
-    <p:sldId id="272" r:id="rId33"/>
-    <p:sldId id="460" r:id="rId34"/>
-    <p:sldId id="465" r:id="rId35"/>
+    <p:sldId id="466" r:id="rId5"/>
+    <p:sldId id="256" r:id="rId6"/>
+    <p:sldId id="461" r:id="rId7"/>
+    <p:sldId id="390" r:id="rId8"/>
+    <p:sldId id="338" r:id="rId9"/>
+    <p:sldId id="337" r:id="rId10"/>
+    <p:sldId id="263" r:id="rId11"/>
+    <p:sldId id="463" r:id="rId12"/>
+    <p:sldId id="456" r:id="rId13"/>
+    <p:sldId id="353" r:id="rId14"/>
+    <p:sldId id="464" r:id="rId15"/>
+    <p:sldId id="387" r:id="rId16"/>
+    <p:sldId id="455" r:id="rId17"/>
+    <p:sldId id="388" r:id="rId18"/>
+    <p:sldId id="462" r:id="rId19"/>
+    <p:sldId id="394" r:id="rId20"/>
+    <p:sldId id="336" r:id="rId21"/>
+    <p:sldId id="392" r:id="rId22"/>
+    <p:sldId id="459" r:id="rId23"/>
+    <p:sldId id="260" r:id="rId24"/>
+    <p:sldId id="270" r:id="rId25"/>
+    <p:sldId id="266" r:id="rId26"/>
+    <p:sldId id="351" r:id="rId27"/>
+    <p:sldId id="393" r:id="rId28"/>
+    <p:sldId id="371" r:id="rId29"/>
+    <p:sldId id="372" r:id="rId30"/>
+    <p:sldId id="373" r:id="rId31"/>
+    <p:sldId id="374" r:id="rId32"/>
+    <p:sldId id="375" r:id="rId33"/>
+    <p:sldId id="272" r:id="rId34"/>
+    <p:sldId id="460" r:id="rId35"/>
+    <p:sldId id="465" r:id="rId36"/>
   </p:sldIdLst>
   <p:sldSz cx="9906000" cy="6858000" type="A4"/>
   <p:notesSz cx="7099300" cy="10234613"/>
@@ -786,7 +787,7 @@
           <a:p>
             <a:fld id="{79E39443-4C2A-4AA4-9DFB-12BD22F5BBC2}" type="slidenum">
               <a:rPr kumimoji="1" lang="ja-JP" altLang="en-US" smtClean="0"/>
-              <a:t>9</a:t>
+              <a:t>10</a:t>
             </a:fld>
             <a:endParaRPr kumimoji="1" lang="ja-JP" altLang="en-US"/>
           </a:p>
@@ -4381,7 +4382,264 @@
   <p:cSld>
     <p:spTree>
       <p:nvGrpSpPr>
-        <p:cNvPr id="1" name=""/>
+        <p:cNvPr id="1" name="">
+          <a:extLst>
+            <a:ext uri="{FF2B5EF4-FFF2-40B4-BE49-F238E27FC236}">
+              <a16:creationId xmlns:a16="http://schemas.microsoft.com/office/drawing/2014/main" id="{87DC4661-F2E3-7A0A-8A5D-E7345C2E72D4}"/>
+            </a:ext>
+          </a:extLst>
+        </p:cNvPr>
+        <p:cNvGrpSpPr/>
+        <p:nvPr/>
+      </p:nvGrpSpPr>
+      <p:grpSpPr>
+        <a:xfrm>
+          <a:off x="0" y="0"/>
+          <a:ext cx="0" cy="0"/>
+          <a:chOff x="0" y="0"/>
+          <a:chExt cx="0" cy="0"/>
+        </a:xfrm>
+      </p:grpSpPr>
+      <p:pic>
+        <p:nvPicPr>
+          <p:cNvPr id="8" name="図 7" descr="QR コード&#10;&#10;AI 生成コンテンツは誤りを含む可能性があります。">
+            <a:extLst>
+              <a:ext uri="{FF2B5EF4-FFF2-40B4-BE49-F238E27FC236}">
+                <a16:creationId xmlns:a16="http://schemas.microsoft.com/office/drawing/2014/main" id="{9463ACA5-39EE-9352-C8E7-8F8B0521D2C7}"/>
+              </a:ext>
+            </a:extLst>
+          </p:cNvPr>
+          <p:cNvPicPr>
+            <a:picLocks noChangeAspect="1"/>
+          </p:cNvPicPr>
+          <p:nvPr/>
+        </p:nvPicPr>
+        <p:blipFill>
+          <a:blip r:embed="rId2">
+            <a:extLst>
+              <a:ext uri="{28A0092B-C50C-407E-A947-70E740481C1C}">
+                <a14:useLocalDpi xmlns:a14="http://schemas.microsoft.com/office/drawing/2010/main" val="0"/>
+              </a:ext>
+            </a:extLst>
+          </a:blip>
+          <a:stretch>
+            <a:fillRect/>
+          </a:stretch>
+        </p:blipFill>
+        <p:spPr>
+          <a:xfrm>
+            <a:off x="3981450" y="949209"/>
+            <a:ext cx="5810243" cy="5810243"/>
+          </a:xfrm>
+          <a:prstGeom prst="rect">
+            <a:avLst/>
+          </a:prstGeom>
+        </p:spPr>
+      </p:pic>
+      <p:sp>
+        <p:nvSpPr>
+          <p:cNvPr id="2" name="タイトル 1">
+            <a:extLst>
+              <a:ext uri="{FF2B5EF4-FFF2-40B4-BE49-F238E27FC236}">
+                <a16:creationId xmlns:a16="http://schemas.microsoft.com/office/drawing/2014/main" id="{7ED43095-A146-B98E-52EE-79CBCA760D70}"/>
+              </a:ext>
+            </a:extLst>
+          </p:cNvPr>
+          <p:cNvSpPr>
+            <a:spLocks noGrp="1"/>
+          </p:cNvSpPr>
+          <p:nvPr>
+            <p:ph type="title"/>
+          </p:nvPr>
+        </p:nvSpPr>
+        <p:spPr/>
+        <p:txBody>
+          <a:bodyPr/>
+          <a:lstStyle/>
+          <a:p>
+            <a:r>
+              <a:rPr kumimoji="1" lang="en-US" altLang="ja-JP" dirty="0">
+                <a:solidFill>
+                  <a:srgbClr val="00B0F0"/>
+                </a:solidFill>
+              </a:rPr>
+              <a:t>Classroom</a:t>
+            </a:r>
+            <a:r>
+              <a:rPr kumimoji="1" lang="ja-JP" altLang="en-US" dirty="0">
+                <a:solidFill>
+                  <a:srgbClr val="00B0F0"/>
+                </a:solidFill>
+              </a:rPr>
+              <a:t>招待リンク</a:t>
+            </a:r>
+          </a:p>
+        </p:txBody>
+      </p:sp>
+      <p:sp>
+        <p:nvSpPr>
+          <p:cNvPr id="5" name="テキスト プレースホルダー 4">
+            <a:extLst>
+              <a:ext uri="{FF2B5EF4-FFF2-40B4-BE49-F238E27FC236}">
+                <a16:creationId xmlns:a16="http://schemas.microsoft.com/office/drawing/2014/main" id="{1721E288-5DCE-BAD7-32C7-7A0CF01DD676}"/>
+              </a:ext>
+            </a:extLst>
+          </p:cNvPr>
+          <p:cNvSpPr>
+            <a:spLocks noGrp="1"/>
+          </p:cNvSpPr>
+          <p:nvPr>
+            <p:ph type="body" sz="quarter" idx="24"/>
+          </p:nvPr>
+        </p:nvSpPr>
+        <p:spPr>
+          <a:xfrm>
+            <a:off x="0" y="719689"/>
+            <a:ext cx="3981450" cy="6138311"/>
+          </a:xfrm>
+        </p:spPr>
+        <p:txBody>
+          <a:bodyPr anchor="ctr"/>
+          <a:lstStyle/>
+          <a:p>
+            <a:pPr>
+              <a:lnSpc>
+                <a:spcPct val="150000"/>
+              </a:lnSpc>
+            </a:pPr>
+            <a:r>
+              <a:rPr kumimoji="1" lang="ja-JP" altLang="en-US" sz="4000" dirty="0"/>
+              <a:t>右の</a:t>
+            </a:r>
+            <a:r>
+              <a:rPr kumimoji="1" lang="en-US" altLang="ja-JP" sz="4000" dirty="0"/>
+              <a:t>QR</a:t>
+            </a:r>
+            <a:r>
+              <a:rPr kumimoji="1" lang="ja-JP" altLang="en-US" sz="4000" dirty="0"/>
+              <a:t>コードから各自参加してください．</a:t>
+            </a:r>
+            <a:endParaRPr kumimoji="1" lang="en-US" altLang="ja-JP" sz="4000" dirty="0"/>
+          </a:p>
+          <a:p>
+            <a:pPr>
+              <a:lnSpc>
+                <a:spcPct val="150000"/>
+              </a:lnSpc>
+            </a:pPr>
+            <a:r>
+              <a:rPr lang="ja-JP" altLang="en-US" sz="4000" dirty="0"/>
+              <a:t>クラスコード</a:t>
+            </a:r>
+            <a:r>
+              <a:rPr lang="en-US" altLang="ja-JP" sz="4000" dirty="0"/>
+              <a:t>:</a:t>
+            </a:r>
+            <a:r>
+              <a:rPr lang="ja-JP" altLang="en-US" sz="4000" dirty="0"/>
+              <a:t> </a:t>
+            </a:r>
+            <a:endParaRPr lang="en-US" altLang="ja-JP" sz="4000" dirty="0"/>
+          </a:p>
+          <a:p>
+            <a:pPr algn="ctr"/>
+            <a:r>
+              <a:rPr lang="en-US" altLang="ja-JP" sz="4000" dirty="0">
+                <a:solidFill>
+                  <a:schemeClr val="accent6"/>
+                </a:solidFill>
+              </a:rPr>
+              <a:t>ktq7dbzu</a:t>
+            </a:r>
+            <a:endParaRPr kumimoji="1" lang="ja-JP" altLang="en-US" sz="4000" dirty="0">
+              <a:solidFill>
+                <a:schemeClr val="accent6"/>
+              </a:solidFill>
+            </a:endParaRPr>
+          </a:p>
+        </p:txBody>
+      </p:sp>
+      <p:sp>
+        <p:nvSpPr>
+          <p:cNvPr id="3" name="スライド番号プレースホルダー 7">
+            <a:extLst>
+              <a:ext uri="{FF2B5EF4-FFF2-40B4-BE49-F238E27FC236}">
+                <a16:creationId xmlns:a16="http://schemas.microsoft.com/office/drawing/2014/main" id="{233EFC56-9A8D-C72B-EFA7-0ABAB0E192E9}"/>
+              </a:ext>
+            </a:extLst>
+          </p:cNvPr>
+          <p:cNvSpPr>
+            <a:spLocks noGrp="1"/>
+          </p:cNvSpPr>
+          <p:nvPr>
+            <p:ph type="sldNum" sz="quarter" idx="26"/>
+          </p:nvPr>
+        </p:nvSpPr>
+        <p:spPr>
+          <a:xfrm>
+            <a:off x="8843505" y="7"/>
+            <a:ext cx="1038529" cy="604565"/>
+          </a:xfrm>
+          <a:prstGeom prst="rect">
+            <a:avLst/>
+          </a:prstGeom>
+        </p:spPr>
+        <p:txBody>
+          <a:bodyPr/>
+          <a:lstStyle>
+            <a:lvl1pPr algn="r">
+              <a:defRPr sz="2800">
+                <a:latin typeface="+mn-lt"/>
+              </a:defRPr>
+            </a:lvl1pPr>
+          </a:lstStyle>
+          <a:p>
+            <a:fld id="{6408349E-6932-463E-ABE1-6FC2A2453113}" type="slidenum">
+              <a:rPr kumimoji="1" lang="ja-JP" altLang="en-US" smtClean="0"/>
+              <a:pPr/>
+              <a:t>1</a:t>
+            </a:fld>
+            <a:endParaRPr kumimoji="1" lang="ja-JP" altLang="en-US"/>
+          </a:p>
+        </p:txBody>
+      </p:sp>
+    </p:spTree>
+    <p:extLst>
+      <p:ext uri="{BB962C8B-B14F-4D97-AF65-F5344CB8AC3E}">
+        <p14:creationId xmlns:p14="http://schemas.microsoft.com/office/powerpoint/2010/main" val="4147701355"/>
+      </p:ext>
+    </p:extLst>
+  </p:cSld>
+  <p:clrMapOvr>
+    <a:masterClrMapping/>
+  </p:clrMapOvr>
+  <mc:AlternateContent xmlns:mc="http://schemas.openxmlformats.org/markup-compatibility/2006" xmlns:p14="http://schemas.microsoft.com/office/powerpoint/2010/main">
+    <mc:Choice Requires="p14">
+      <p:transition spd="med" p14:dur="700">
+        <p:fade/>
+      </p:transition>
+    </mc:Choice>
+    <mc:Fallback xmlns="">
+      <p:transition spd="med">
+        <p:fade/>
+      </p:transition>
+    </mc:Fallback>
+  </mc:AlternateContent>
+</p:sld>
+</file>
+
+<file path=ppt/slides/slide10.xml><?xml version="1.0" encoding="utf-8"?>
+<p:sld xmlns:a="http://schemas.openxmlformats.org/drawingml/2006/main" xmlns:r="http://schemas.openxmlformats.org/officeDocument/2006/relationships" xmlns:p="http://schemas.openxmlformats.org/presentationml/2006/main">
+  <p:cSld>
+    <p:spTree>
+      <p:nvGrpSpPr>
+        <p:cNvPr id="1" name="">
+          <a:extLst>
+            <a:ext uri="{FF2B5EF4-FFF2-40B4-BE49-F238E27FC236}">
+              <a16:creationId xmlns:a16="http://schemas.microsoft.com/office/drawing/2014/main" id="{4269C907-0030-A6D9-FD2D-FFB135D77512}"/>
+            </a:ext>
+          </a:extLst>
+        </p:cNvPr>
         <p:cNvGrpSpPr/>
         <p:nvPr/>
       </p:nvGrpSpPr>
@@ -4395,10 +4653,10 @@
       </p:grpSpPr>
       <p:sp>
         <p:nvSpPr>
-          <p:cNvPr id="3" name="テキスト プレースホルダー 2">
+          <p:cNvPr id="3" name="タイトル 2">
             <a:extLst>
               <a:ext uri="{FF2B5EF4-FFF2-40B4-BE49-F238E27FC236}">
-                <a16:creationId xmlns:a16="http://schemas.microsoft.com/office/drawing/2014/main" id="{BA939978-DAE0-509B-8746-9CD0295F6C61}"/>
+                <a16:creationId xmlns:a16="http://schemas.microsoft.com/office/drawing/2014/main" id="{E18E495F-ED09-E445-5B0B-C1C18CFBE51D}"/>
               </a:ext>
             </a:extLst>
           </p:cNvPr>
@@ -4406,126 +4664,91 @@
             <a:spLocks noGrp="1"/>
           </p:cNvSpPr>
           <p:nvPr>
-            <p:ph type="title" idx="4294967295"/>
+            <p:ph type="title"/>
           </p:nvPr>
         </p:nvSpPr>
-        <p:spPr>
-          <a:xfrm>
-            <a:off x="454025" y="948260"/>
-            <a:ext cx="5235046" cy="2158999"/>
-          </a:xfrm>
-          <a:prstGeom prst="rect">
-            <a:avLst/>
-          </a:prstGeom>
-          <a:noFill/>
-          <a:ln w="25400" cap="flat" cmpd="sng" algn="ctr">
-            <a:noFill/>
-            <a:prstDash val="solid"/>
-          </a:ln>
-          <a:effectLst/>
-        </p:spPr>
+        <p:spPr/>
         <p:txBody>
-          <a:bodyPr rot="0" spcFirstLastPara="0" vertOverflow="overflow" horzOverflow="overflow" vert="horz" wrap="square" lIns="91440" tIns="45720" rIns="91440" bIns="45720" numCol="1" spcCol="0" rtlCol="0" fromWordArt="0" anchor="ctr" anchorCtr="0" forceAA="0" compatLnSpc="1">
-            <a:prstTxWarp prst="textNoShape">
-              <a:avLst/>
-            </a:prstTxWarp>
-            <a:noAutofit/>
-          </a:bodyPr>
+          <a:bodyPr/>
           <a:lstStyle/>
           <a:p>
-            <a:pPr marL="0" marR="0" lvl="0" indent="0" algn="l" defTabSz="495350" rtl="0" eaLnBrk="1" fontAlgn="auto" latinLnBrk="0" hangingPunct="1">
-              <a:lnSpc>
-                <a:spcPct val="100000"/>
-              </a:lnSpc>
-              <a:spcBef>
-                <a:spcPct val="20000"/>
-              </a:spcBef>
-              <a:spcAft>
-                <a:spcPts val="0"/>
-              </a:spcAft>
-              <a:buClrTx/>
-              <a:buSzTx/>
-              <a:buFont typeface="Arial" pitchFamily="34" charset="0"/>
-              <a:buNone/>
-              <a:tabLst/>
-              <a:defRPr/>
-            </a:pPr>
-            <a:r>
-              <a:rPr kumimoji="1" lang="ja-JP" altLang="en-US" sz="4000" b="0" i="0" u="none" strike="noStrike" kern="1200" cap="none" spc="0" normalizeH="0" baseline="0" noProof="0">
-                <a:ln>
-                  <a:noFill/>
-                </a:ln>
+            <a:r>
+              <a:rPr kumimoji="1" lang="ja-JP" altLang="en-US">
                 <a:solidFill>
-                  <a:schemeClr val="dk1"/>
+                  <a:srgbClr val="00B0F0"/>
                 </a:solidFill>
-                <a:effectLst/>
-                <a:uLnTx/>
-                <a:uFillTx/>
-                <a:latin typeface="+mn-lt"/>
-                <a:ea typeface="+mn-ea"/>
-                <a:cs typeface="+mn-cs"/>
               </a:rPr>
-              <a:t>中学理科 物理分野</a:t>
-            </a:r>
-            <a:endParaRPr kumimoji="1" lang="en-US" altLang="ja-JP" sz="4000" b="0" i="0" u="none" strike="noStrike" kern="1200" cap="none" spc="0" normalizeH="0" baseline="0" noProof="0">
-              <a:ln>
-                <a:noFill/>
-              </a:ln>
-              <a:solidFill>
-                <a:schemeClr val="dk1"/>
-              </a:solidFill>
-              <a:effectLst/>
-              <a:uLnTx/>
-              <a:uFillTx/>
-              <a:latin typeface="+mn-lt"/>
-              <a:ea typeface="+mn-ea"/>
-              <a:cs typeface="+mn-cs"/>
-            </a:endParaRPr>
-          </a:p>
-          <a:p>
-            <a:pPr marL="0" marR="0" lvl="0" indent="0" algn="l" defTabSz="495350" rtl="0" eaLnBrk="1" fontAlgn="auto" latinLnBrk="0" hangingPunct="1">
-              <a:lnSpc>
-                <a:spcPct val="100000"/>
-              </a:lnSpc>
-              <a:spcBef>
-                <a:spcPct val="20000"/>
-              </a:spcBef>
-              <a:spcAft>
-                <a:spcPts val="0"/>
-              </a:spcAft>
-              <a:buClrTx/>
-              <a:buSzTx/>
-              <a:buFont typeface="Arial" pitchFamily="34" charset="0"/>
-              <a:buNone/>
-              <a:tabLst/>
-              <a:defRPr/>
-            </a:pPr>
-            <a:r>
-              <a:rPr kumimoji="1" lang="ja-JP" altLang="en-US" sz="2800" b="0" i="0" u="none" strike="noStrike" kern="1200" cap="none" spc="0" normalizeH="0" baseline="0" noProof="0">
-                <a:ln>
-                  <a:noFill/>
-                </a:ln>
-                <a:solidFill>
-                  <a:schemeClr val="dk1"/>
-                </a:solidFill>
-                <a:effectLst/>
-                <a:uLnTx/>
-                <a:uFillTx/>
-                <a:latin typeface="+mn-lt"/>
-                <a:ea typeface="+mn-ea"/>
-                <a:cs typeface="+mn-cs"/>
-              </a:rPr>
-              <a:t>～実験の基本思考～</a:t>
+              <a:t>質問</a:t>
             </a:r>
           </a:p>
         </p:txBody>
       </p:sp>
+      <mc:AlternateContent xmlns:mc="http://schemas.openxmlformats.org/markup-compatibility/2006">
+        <mc:Choice xmlns:we="http://schemas.microsoft.com/office/webextensions/webextension/2010/11" xmlns:pca="http://schemas.microsoft.com/office/powerpoint/2013/contentapp" Requires="we pca">
+          <p:graphicFrame>
+            <p:nvGraphicFramePr>
+              <p:cNvPr id="2" name="アドイン 1" title="Forms">
+                <a:extLst>
+                  <a:ext uri="{FF2B5EF4-FFF2-40B4-BE49-F238E27FC236}">
+                    <a16:creationId xmlns:a16="http://schemas.microsoft.com/office/drawing/2014/main" id="{77CD28EF-BAE6-6960-2837-7E8520979A5B}"/>
+                  </a:ext>
+                </a:extLst>
+              </p:cNvPr>
+              <p:cNvGraphicFramePr>
+                <a:graphicFrameLocks noGrp="1"/>
+              </p:cNvGraphicFramePr>
+              <p:nvPr/>
+            </p:nvGraphicFramePr>
+            <p:xfrm>
+              <a:off x="0" y="719689"/>
+              <a:ext cx="9906000" cy="6138304"/>
+            </p:xfrm>
+            <a:graphic>
+              <a:graphicData uri="http://schemas.microsoft.com/office/webextensions/webextension/2010/11">
+                <we:webextensionref xmlns:we="http://schemas.microsoft.com/office/webextensions/webextension/2010/11" xmlns:r="http://schemas.openxmlformats.org/officeDocument/2006/relationships" r:id="rId3"/>
+              </a:graphicData>
+            </a:graphic>
+          </p:graphicFrame>
+        </mc:Choice>
+        <mc:Fallback>
+          <p:pic>
+            <p:nvPicPr>
+              <p:cNvPr id="2" name="アドイン 1" title="Forms">
+                <a:extLst>
+                  <a:ext uri="{FF2B5EF4-FFF2-40B4-BE49-F238E27FC236}">
+                    <a16:creationId xmlns:a16="http://schemas.microsoft.com/office/drawing/2014/main" id="{77CD28EF-BAE6-6960-2837-7E8520979A5B}"/>
+                  </a:ext>
+                </a:extLst>
+              </p:cNvPr>
+              <p:cNvPicPr>
+                <a:picLocks noGrp="1" noRot="1" noChangeAspect="1" noMove="1" noResize="1" noEditPoints="1" noAdjustHandles="1" noChangeArrowheads="1" noChangeShapeType="1"/>
+              </p:cNvPicPr>
+              <p:nvPr/>
+            </p:nvPicPr>
+            <p:blipFill>
+              <a:blip r:embed="rId4"/>
+              <a:stretch>
+                <a:fillRect/>
+              </a:stretch>
+            </p:blipFill>
+            <p:spPr>
+              <a:xfrm>
+                <a:off x="0" y="719689"/>
+                <a:ext cx="9906000" cy="6138304"/>
+              </a:xfrm>
+              <a:prstGeom prst="rect">
+                <a:avLst/>
+              </a:prstGeom>
+            </p:spPr>
+          </p:pic>
+        </mc:Fallback>
+      </mc:AlternateContent>
       <p:sp>
         <p:nvSpPr>
-          <p:cNvPr id="4" name="テキスト プレースホルダー 3">
+          <p:cNvPr id="4" name="スライド番号プレースホルダー 7">
             <a:extLst>
               <a:ext uri="{FF2B5EF4-FFF2-40B4-BE49-F238E27FC236}">
-                <a16:creationId xmlns:a16="http://schemas.microsoft.com/office/drawing/2014/main" id="{41F006FB-7360-663F-300D-D083AC6B32F8}"/>
+                <a16:creationId xmlns:a16="http://schemas.microsoft.com/office/drawing/2014/main" id="{684E5576-EEE7-9038-CC50-13E84A5EEB18}"/>
               </a:ext>
             </a:extLst>
           </p:cNvPr>
@@ -4533,188 +4756,246 @@
             <a:spLocks noGrp="1"/>
           </p:cNvSpPr>
           <p:nvPr>
-            <p:ph type="body" sz="quarter" idx="4294967295"/>
+            <p:ph type="sldNum" sz="quarter" idx="26"/>
           </p:nvPr>
         </p:nvSpPr>
         <p:spPr>
           <a:xfrm>
-            <a:off x="7415743" y="5816607"/>
-            <a:ext cx="2483379" cy="529163"/>
+            <a:off x="8843505" y="7"/>
+            <a:ext cx="1038529" cy="604565"/>
           </a:xfrm>
           <a:prstGeom prst="rect">
             <a:avLst/>
           </a:prstGeom>
         </p:spPr>
         <p:txBody>
-          <a:bodyPr anchor="ctr"/>
-          <a:lstStyle/>
-          <a:p>
-            <a:pPr marL="0" indent="0">
-              <a:buNone/>
-            </a:pPr>
-            <a:r>
-              <a:rPr kumimoji="1" lang="ja-JP" altLang="en-US" sz="2000"/>
-              <a:t>教科書 </a:t>
-            </a:r>
-            <a:r>
-              <a:rPr kumimoji="1" lang="en-US" altLang="ja-JP" sz="2000"/>
-              <a:t>P. 242~250</a:t>
-            </a:r>
-            <a:endParaRPr kumimoji="1" lang="ja-JP" altLang="en-US" sz="2000"/>
+          <a:bodyPr/>
+          <a:lstStyle>
+            <a:lvl1pPr algn="r">
+              <a:defRPr sz="2800">
+                <a:latin typeface="+mn-lt"/>
+              </a:defRPr>
+            </a:lvl1pPr>
+          </a:lstStyle>
+          <a:p>
+            <a:fld id="{6408349E-6932-463E-ABE1-6FC2A2453113}" type="slidenum">
+              <a:rPr kumimoji="1" lang="ja-JP" altLang="en-US" smtClean="0"/>
+              <a:pPr/>
+              <a:t>10</a:t>
+            </a:fld>
+            <a:endParaRPr kumimoji="1" lang="ja-JP" altLang="en-US"/>
           </a:p>
         </p:txBody>
       </p:sp>
       <p:sp>
         <p:nvSpPr>
-          <p:cNvPr id="5" name="テキスト プレースホルダー 4">
+          <p:cNvPr id="6" name="楕円 5">
             <a:extLst>
               <a:ext uri="{FF2B5EF4-FFF2-40B4-BE49-F238E27FC236}">
-                <a16:creationId xmlns:a16="http://schemas.microsoft.com/office/drawing/2014/main" id="{264D7783-37F6-E1C3-6D6E-A13051B99D01}"/>
+                <a16:creationId xmlns:a16="http://schemas.microsoft.com/office/drawing/2014/main" id="{3261DFCA-7E3E-F0FB-3057-5E96F4248024}"/>
               </a:ext>
             </a:extLst>
           </p:cNvPr>
-          <p:cNvSpPr>
-            <a:spLocks noGrp="1"/>
-          </p:cNvSpPr>
-          <p:nvPr>
-            <p:ph type="body" sz="quarter" idx="4294967295"/>
-          </p:nvPr>
+          <p:cNvSpPr/>
+          <p:nvPr/>
         </p:nvSpPr>
         <p:spPr>
           <a:xfrm>
-            <a:off x="7415743" y="5054599"/>
-            <a:ext cx="2483379" cy="529168"/>
+            <a:off x="8341485" y="5289178"/>
+            <a:ext cx="1452275" cy="1452275"/>
           </a:xfrm>
-          <a:prstGeom prst="rect">
+          <a:prstGeom prst="ellipse">
             <a:avLst/>
           </a:prstGeom>
+          <a:effectLst/>
         </p:spPr>
+        <p:style>
+          <a:lnRef idx="1">
+            <a:schemeClr val="accent4"/>
+          </a:lnRef>
+          <a:fillRef idx="2">
+            <a:schemeClr val="accent4"/>
+          </a:fillRef>
+          <a:effectRef idx="1">
+            <a:schemeClr val="accent4"/>
+          </a:effectRef>
+          <a:fontRef idx="minor">
+            <a:schemeClr val="dk1"/>
+          </a:fontRef>
+        </p:style>
         <p:txBody>
-          <a:bodyPr anchor="ctr"/>
+          <a:bodyPr rtlCol="0" anchor="ctr"/>
           <a:lstStyle/>
           <a:p>
-            <a:pPr marL="0" indent="0">
-              <a:buNone/>
-            </a:pPr>
-            <a:r>
-              <a:rPr lang="ja-JP" altLang="en-US" sz="2000"/>
-              <a:t>模擬授業</a:t>
-            </a:r>
-            <a:endParaRPr kumimoji="1" lang="ja-JP" altLang="en-US" sz="2000"/>
-          </a:p>
-        </p:txBody>
-      </p:sp>
-      <p:sp>
-        <p:nvSpPr>
-          <p:cNvPr id="6" name="テキスト プレースホルダー 5">
-            <a:extLst>
-              <a:ext uri="{FF2B5EF4-FFF2-40B4-BE49-F238E27FC236}">
-                <a16:creationId xmlns:a16="http://schemas.microsoft.com/office/drawing/2014/main" id="{2E33FE69-0438-B936-B7E3-91746A1F44D7}"/>
-              </a:ext>
-            </a:extLst>
-          </p:cNvPr>
-          <p:cNvSpPr>
-            <a:spLocks noGrp="1"/>
-          </p:cNvSpPr>
-          <p:nvPr>
-            <p:ph type="body" sz="quarter" idx="11"/>
-          </p:nvPr>
-        </p:nvSpPr>
-        <p:spPr/>
-        <p:txBody>
-          <a:bodyPr anchor="ctr"/>
-          <a:lstStyle/>
-          <a:p>
-            <a:r>
-              <a:rPr kumimoji="1" lang="en-US" altLang="ja-JP" sz="2000" dirty="0"/>
-              <a:t>2025.10.03</a:t>
-            </a:r>
-            <a:endParaRPr kumimoji="1" lang="ja-JP" altLang="en-US" sz="2000" dirty="0"/>
-          </a:p>
-        </p:txBody>
-      </p:sp>
-      <p:sp>
-        <p:nvSpPr>
-          <p:cNvPr id="11" name="テキスト プレースホルダー 1">
-            <a:extLst>
-              <a:ext uri="{FF2B5EF4-FFF2-40B4-BE49-F238E27FC236}">
-                <a16:creationId xmlns:a16="http://schemas.microsoft.com/office/drawing/2014/main" id="{1A6FD9E1-2E43-C19B-D52E-3B6A19021813}"/>
-              </a:ext>
-            </a:extLst>
-          </p:cNvPr>
-          <p:cNvSpPr>
-            <a:spLocks noGrp="1"/>
-          </p:cNvSpPr>
-          <p:nvPr>
-            <p:ph type="body" sz="quarter" idx="14"/>
-          </p:nvPr>
-        </p:nvSpPr>
-        <p:spPr>
-          <a:xfrm>
-            <a:off x="454025" y="4894446"/>
-            <a:ext cx="5180550" cy="849474"/>
-          </a:xfrm>
-        </p:spPr>
-        <p:txBody>
-          <a:bodyPr numCol="2"/>
-          <a:lstStyle/>
-          <a:p>
-            <a:r>
-              <a:rPr kumimoji="1" lang="ja-JP" altLang="en-US" sz="1600">
-                <a:latin typeface="+mn-ea"/>
-              </a:rPr>
-              <a:t>思考実験</a:t>
-            </a:r>
-            <a:endParaRPr kumimoji="1" lang="en-US" altLang="ja-JP" sz="1600">
-              <a:latin typeface="+mn-ea"/>
-            </a:endParaRPr>
-          </a:p>
-          <a:p>
-            <a:r>
-              <a:rPr lang="ja-JP" altLang="en-US" sz="1600">
-                <a:latin typeface="+mn-ea"/>
-              </a:rPr>
-              <a:t>力の性</a:t>
-            </a:r>
-            <a:r>
-              <a:rPr lang="ja-JP" altLang="en-US" sz="1600"/>
-              <a:t>質</a:t>
-            </a:r>
-            <a:endParaRPr lang="ja-JP" altLang="en-US" sz="1600">
-              <a:latin typeface="+mn-ea"/>
-            </a:endParaRPr>
-          </a:p>
-          <a:p>
-            <a:r>
-              <a:rPr lang="ja-JP" altLang="en-US" sz="1600">
-                <a:solidFill>
-                  <a:schemeClr val="tx1"/>
-                </a:solidFill>
-              </a:rPr>
-              <a:t>作用・反作用の法則</a:t>
-            </a:r>
-            <a:endParaRPr lang="en-US" altLang="ja-JP" sz="1600">
-              <a:solidFill>
-                <a:schemeClr val="tx1"/>
-              </a:solidFill>
-            </a:endParaRPr>
+            <a:pPr algn="ctr"/>
+            <a:r>
+              <a:rPr kumimoji="1" lang="en-US" altLang="ja-JP" sz="3600"/>
+              <a:t>1</a:t>
+            </a:r>
+            <a:r>
+              <a:rPr kumimoji="1" lang="ja-JP" altLang="en-US" sz="3600"/>
+              <a:t>分</a:t>
+            </a:r>
           </a:p>
         </p:txBody>
       </p:sp>
     </p:spTree>
     <p:extLst>
       <p:ext uri="{BB962C8B-B14F-4D97-AF65-F5344CB8AC3E}">
-        <p14:creationId xmlns:p14="http://schemas.microsoft.com/office/powerpoint/2010/main" val="1046722138"/>
+        <p14:creationId xmlns:p14="http://schemas.microsoft.com/office/powerpoint/2010/main" val="2966718779"/>
       </p:ext>
     </p:extLst>
   </p:cSld>
   <p:clrMapOvr>
     <a:masterClrMapping/>
   </p:clrMapOvr>
+  <mc:AlternateContent xmlns:mc="http://schemas.openxmlformats.org/markup-compatibility/2006" xmlns:p14="http://schemas.microsoft.com/office/powerpoint/2010/main">
+    <mc:Choice Requires="p14">
+      <p:transition spd="med" p14:dur="700">
+        <p:fade/>
+      </p:transition>
+    </mc:Choice>
+    <mc:Fallback xmlns="">
+      <p:transition spd="med">
+        <p:fade/>
+      </p:transition>
+    </mc:Fallback>
+  </mc:AlternateContent>
+  <p:timing>
+    <p:tnLst>
+      <p:par>
+        <p:cTn id="1" dur="indefinite" restart="never" nodeType="tmRoot">
+          <p:childTnLst>
+            <p:seq concurrent="1" nextAc="seek">
+              <p:cTn id="2" dur="indefinite" nodeType="mainSeq">
+                <p:childTnLst>
+                  <p:par>
+                    <p:cTn id="3" fill="hold">
+                      <p:stCondLst>
+                        <p:cond delay="indefinite"/>
+                      </p:stCondLst>
+                      <p:childTnLst>
+                        <p:par>
+                          <p:cTn id="4" fill="hold">
+                            <p:stCondLst>
+                              <p:cond delay="0"/>
+                            </p:stCondLst>
+                            <p:childTnLst>
+                              <p:par>
+                                <p:cTn id="5" presetID="10" presetClass="entr" presetSubtype="0" fill="hold" grpId="1" nodeType="clickEffect">
+                                  <p:stCondLst>
+                                    <p:cond delay="0"/>
+                                  </p:stCondLst>
+                                  <p:childTnLst>
+                                    <p:set>
+                                      <p:cBhvr>
+                                        <p:cTn id="6" dur="1" fill="hold">
+                                          <p:stCondLst>
+                                            <p:cond delay="0"/>
+                                          </p:stCondLst>
+                                        </p:cTn>
+                                        <p:tgtEl>
+                                          <p:spTgt spid="6"/>
+                                        </p:tgtEl>
+                                        <p:attrNameLst>
+                                          <p:attrName>style.visibility</p:attrName>
+                                        </p:attrNameLst>
+                                      </p:cBhvr>
+                                      <p:to>
+                                        <p:strVal val="visible"/>
+                                      </p:to>
+                                    </p:set>
+                                    <p:animEffect transition="in" filter="fade">
+                                      <p:cBhvr>
+                                        <p:cTn id="7" dur="500"/>
+                                        <p:tgtEl>
+                                          <p:spTgt spid="6"/>
+                                        </p:tgtEl>
+                                      </p:cBhvr>
+                                    </p:animEffect>
+                                  </p:childTnLst>
+                                </p:cTn>
+                              </p:par>
+                            </p:childTnLst>
+                          </p:cTn>
+                        </p:par>
+                        <p:par>
+                          <p:cTn id="8" fill="hold">
+                            <p:stCondLst>
+                              <p:cond delay="500"/>
+                            </p:stCondLst>
+                            <p:childTnLst>
+                              <p:par>
+                                <p:cTn id="9" presetID="21" presetClass="exit" presetSubtype="1" fill="hold" grpId="0" nodeType="afterEffect">
+                                  <p:stCondLst>
+                                    <p:cond delay="0"/>
+                                  </p:stCondLst>
+                                  <p:childTnLst>
+                                    <p:animEffect transition="out" filter="wheel(1)">
+                                      <p:cBhvr>
+                                        <p:cTn id="10" dur="60000"/>
+                                        <p:tgtEl>
+                                          <p:spTgt spid="6"/>
+                                        </p:tgtEl>
+                                      </p:cBhvr>
+                                    </p:animEffect>
+                                    <p:set>
+                                      <p:cBhvr>
+                                        <p:cTn id="11" dur="1" fill="hold">
+                                          <p:stCondLst>
+                                            <p:cond delay="59999"/>
+                                          </p:stCondLst>
+                                        </p:cTn>
+                                        <p:tgtEl>
+                                          <p:spTgt spid="6"/>
+                                        </p:tgtEl>
+                                        <p:attrNameLst>
+                                          <p:attrName>style.visibility</p:attrName>
+                                        </p:attrNameLst>
+                                      </p:cBhvr>
+                                      <p:to>
+                                        <p:strVal val="hidden"/>
+                                      </p:to>
+                                    </p:set>
+                                  </p:childTnLst>
+                                </p:cTn>
+                              </p:par>
+                            </p:childTnLst>
+                          </p:cTn>
+                        </p:par>
+                      </p:childTnLst>
+                    </p:cTn>
+                  </p:par>
+                </p:childTnLst>
+              </p:cTn>
+              <p:prevCondLst>
+                <p:cond evt="onPrev" delay="0">
+                  <p:tgtEl>
+                    <p:sldTgt/>
+                  </p:tgtEl>
+                </p:cond>
+              </p:prevCondLst>
+              <p:nextCondLst>
+                <p:cond evt="onNext" delay="0">
+                  <p:tgtEl>
+                    <p:sldTgt/>
+                  </p:tgtEl>
+                </p:cond>
+              </p:nextCondLst>
+            </p:seq>
+          </p:childTnLst>
+        </p:cTn>
+      </p:par>
+    </p:tnLst>
+    <p:bldLst>
+      <p:bldP spid="6" grpId="0" animBg="1"/>
+      <p:bldP spid="6" grpId="1" animBg="1"/>
+    </p:bldLst>
+  </p:timing>
 </p:sld>
 </file>
 
-<file path=ppt/slides/slide10.xml><?xml version="1.0" encoding="utf-8"?>
+<file path=ppt/slides/slide11.xml><?xml version="1.0" encoding="utf-8"?>
 <p:sld xmlns:a="http://schemas.openxmlformats.org/drawingml/2006/main" xmlns:r="http://schemas.openxmlformats.org/officeDocument/2006/relationships" xmlns:p="http://schemas.openxmlformats.org/presentationml/2006/main">
   <p:cSld>
     <p:spTree>
@@ -4975,7 +5256,7 @@
             <a:fld id="{6408349E-6932-463E-ABE1-6FC2A2453113}" type="slidenum">
               <a:rPr kumimoji="1" lang="ja-JP" altLang="en-US" smtClean="0"/>
               <a:pPr/>
-              <a:t>10</a:t>
+              <a:t>11</a:t>
             </a:fld>
             <a:endParaRPr kumimoji="1" lang="ja-JP" altLang="en-US"/>
           </a:p>
@@ -5092,7 +5373,7 @@
 </p:sld>
 </file>
 
-<file path=ppt/slides/slide11.xml><?xml version="1.0" encoding="utf-8"?>
+<file path=ppt/slides/slide12.xml><?xml version="1.0" encoding="utf-8"?>
 <p:sld xmlns:a="http://schemas.openxmlformats.org/drawingml/2006/main" xmlns:r="http://schemas.openxmlformats.org/officeDocument/2006/relationships" xmlns:p="http://schemas.openxmlformats.org/presentationml/2006/main">
   <p:cSld>
     <p:spTree>
@@ -5695,7 +5976,7 @@
             <a:fld id="{6408349E-6932-463E-ABE1-6FC2A2453113}" type="slidenum">
               <a:rPr kumimoji="1" lang="ja-JP" altLang="en-US" smtClean="0"/>
               <a:pPr/>
-              <a:t>11</a:t>
+              <a:t>12</a:t>
             </a:fld>
             <a:endParaRPr kumimoji="1" lang="ja-JP" altLang="en-US"/>
           </a:p>
@@ -6293,7 +6574,7 @@
 </p:sld>
 </file>
 
-<file path=ppt/slides/slide12.xml><?xml version="1.0" encoding="utf-8"?>
+<file path=ppt/slides/slide13.xml><?xml version="1.0" encoding="utf-8"?>
 <p:sld xmlns:a="http://schemas.openxmlformats.org/drawingml/2006/main" xmlns:r="http://schemas.openxmlformats.org/officeDocument/2006/relationships" xmlns:p="http://schemas.openxmlformats.org/presentationml/2006/main">
   <p:cSld>
     <p:spTree>
@@ -6462,7 +6743,7 @@
             <a:fld id="{6408349E-6932-463E-ABE1-6FC2A2453113}" type="slidenum">
               <a:rPr kumimoji="1" lang="ja-JP" altLang="en-US" smtClean="0"/>
               <a:pPr/>
-              <a:t>12</a:t>
+              <a:t>13</a:t>
             </a:fld>
             <a:endParaRPr kumimoji="1" lang="ja-JP" altLang="en-US"/>
           </a:p>
@@ -6631,7 +6912,7 @@
 </p:sld>
 </file>
 
-<file path=ppt/slides/slide13.xml><?xml version="1.0" encoding="utf-8"?>
+<file path=ppt/slides/slide14.xml><?xml version="1.0" encoding="utf-8"?>
 <p:sld xmlns:a="http://schemas.openxmlformats.org/drawingml/2006/main" xmlns:r="http://schemas.openxmlformats.org/officeDocument/2006/relationships" xmlns:p="http://schemas.openxmlformats.org/presentationml/2006/main">
   <p:cSld>
     <p:spTree>
@@ -7477,7 +7758,7 @@
             <a:fld id="{6408349E-6932-463E-ABE1-6FC2A2453113}" type="slidenum">
               <a:rPr kumimoji="1" lang="ja-JP" altLang="en-US" smtClean="0"/>
               <a:pPr/>
-              <a:t>13</a:t>
+              <a:t>14</a:t>
             </a:fld>
             <a:endParaRPr kumimoji="1" lang="ja-JP" altLang="en-US"/>
           </a:p>
@@ -8477,7 +8758,7 @@
 </p:sld>
 </file>
 
-<file path=ppt/slides/slide14.xml><?xml version="1.0" encoding="utf-8"?>
+<file path=ppt/slides/slide15.xml><?xml version="1.0" encoding="utf-8"?>
 <p:sld xmlns:a="http://schemas.openxmlformats.org/drawingml/2006/main" xmlns:r="http://schemas.openxmlformats.org/officeDocument/2006/relationships" xmlns:p="http://schemas.openxmlformats.org/presentationml/2006/main">
   <p:cSld>
     <p:spTree>
@@ -8651,7 +8932,7 @@
             <a:fld id="{6408349E-6932-463E-ABE1-6FC2A2453113}" type="slidenum">
               <a:rPr kumimoji="1" lang="ja-JP" altLang="en-US" smtClean="0"/>
               <a:pPr/>
-              <a:t>14</a:t>
+              <a:t>15</a:t>
             </a:fld>
             <a:endParaRPr kumimoji="1" lang="ja-JP" altLang="en-US"/>
           </a:p>
@@ -9430,7 +9711,7 @@
 </p:sld>
 </file>
 
-<file path=ppt/slides/slide15.xml><?xml version="1.0" encoding="utf-8"?>
+<file path=ppt/slides/slide16.xml><?xml version="1.0" encoding="utf-8"?>
 <p:sld xmlns:a="http://schemas.openxmlformats.org/drawingml/2006/main" xmlns:r="http://schemas.openxmlformats.org/officeDocument/2006/relationships" xmlns:p="http://schemas.openxmlformats.org/presentationml/2006/main">
   <p:cSld>
     <p:spTree>
@@ -9643,7 +9924,7 @@
             <a:fld id="{6408349E-6932-463E-ABE1-6FC2A2453113}" type="slidenum">
               <a:rPr kumimoji="1" lang="ja-JP" altLang="en-US" smtClean="0"/>
               <a:pPr/>
-              <a:t>15</a:t>
+              <a:t>16</a:t>
             </a:fld>
             <a:endParaRPr kumimoji="1" lang="ja-JP" altLang="en-US"/>
           </a:p>
@@ -9951,7 +10232,7 @@
 </p:sld>
 </file>
 
-<file path=ppt/slides/slide16.xml><?xml version="1.0" encoding="utf-8"?>
+<file path=ppt/slides/slide17.xml><?xml version="1.0" encoding="utf-8"?>
 <p:sld xmlns:a="http://schemas.openxmlformats.org/drawingml/2006/main" xmlns:r="http://schemas.openxmlformats.org/officeDocument/2006/relationships" xmlns:p="http://schemas.openxmlformats.org/presentationml/2006/main">
   <p:cSld>
     <p:spTree>
@@ -10128,7 +10409,7 @@
             <a:fld id="{6408349E-6932-463E-ABE1-6FC2A2453113}" type="slidenum">
               <a:rPr kumimoji="1" lang="ja-JP" altLang="en-US" smtClean="0"/>
               <a:pPr/>
-              <a:t>16</a:t>
+              <a:t>17</a:t>
             </a:fld>
             <a:endParaRPr kumimoji="1" lang="ja-JP" altLang="en-US"/>
           </a:p>
@@ -10297,7 +10578,7 @@
 </p:sld>
 </file>
 
-<file path=ppt/slides/slide17.xml><?xml version="1.0" encoding="utf-8"?>
+<file path=ppt/slides/slide18.xml><?xml version="1.0" encoding="utf-8"?>
 <p:sld xmlns:a="http://schemas.openxmlformats.org/drawingml/2006/main" xmlns:r="http://schemas.openxmlformats.org/officeDocument/2006/relationships" xmlns:p="http://schemas.openxmlformats.org/presentationml/2006/main">
   <p:cSld>
     <p:spTree>
@@ -10531,7 +10812,7 @@
             <a:fld id="{6408349E-6932-463E-ABE1-6FC2A2453113}" type="slidenum">
               <a:rPr kumimoji="1" lang="ja-JP" altLang="en-US" smtClean="0"/>
               <a:pPr/>
-              <a:t>17</a:t>
+              <a:t>18</a:t>
             </a:fld>
             <a:endParaRPr kumimoji="1" lang="ja-JP" altLang="en-US"/>
           </a:p>
@@ -10694,7 +10975,7 @@
 </p:sld>
 </file>
 
-<file path=ppt/slides/slide18.xml><?xml version="1.0" encoding="utf-8"?>
+<file path=ppt/slides/slide19.xml><?xml version="1.0" encoding="utf-8"?>
 <p:sld xmlns:a="http://schemas.openxmlformats.org/drawingml/2006/main" xmlns:r="http://schemas.openxmlformats.org/officeDocument/2006/relationships" xmlns:p="http://schemas.openxmlformats.org/presentationml/2006/main">
   <p:cSld>
     <p:spTree>
@@ -11000,7 +11281,7 @@
             <a:fld id="{6408349E-6932-463E-ABE1-6FC2A2453113}" type="slidenum">
               <a:rPr kumimoji="1" lang="ja-JP" altLang="en-US" smtClean="0"/>
               <a:pPr/>
-              <a:t>18</a:t>
+              <a:t>19</a:t>
             </a:fld>
             <a:endParaRPr kumimoji="1" lang="ja-JP" altLang="en-US"/>
           </a:p>
@@ -11492,7 +11773,7 @@
 </p:sld>
 </file>
 
-<file path=ppt/slides/slide19.xml><?xml version="1.0" encoding="utf-8"?>
+<file path=ppt/slides/slide2.xml><?xml version="1.0" encoding="utf-8"?>
 <p:sld xmlns:a="http://schemas.openxmlformats.org/drawingml/2006/main" xmlns:r="http://schemas.openxmlformats.org/officeDocument/2006/relationships" xmlns:p="http://schemas.openxmlformats.org/presentationml/2006/main">
   <p:cSld>
     <p:spTree>
@@ -11509,8 +11790,346 @@
           <a:chExt cx="0" cy="0"/>
         </a:xfrm>
       </p:grpSpPr>
-      <mc:AlternateContent xmlns:mc="http://schemas.openxmlformats.org/markup-compatibility/2006" xmlns:we="http://schemas.microsoft.com/office/webextensions/webextension/2010/11" xmlns:pca="http://schemas.microsoft.com/office/powerpoint/2013/contentapp">
-        <mc:Choice Requires="we pca">
+      <p:sp>
+        <p:nvSpPr>
+          <p:cNvPr id="3" name="テキスト プレースホルダー 2">
+            <a:extLst>
+              <a:ext uri="{FF2B5EF4-FFF2-40B4-BE49-F238E27FC236}">
+                <a16:creationId xmlns:a16="http://schemas.microsoft.com/office/drawing/2014/main" id="{BA939978-DAE0-509B-8746-9CD0295F6C61}"/>
+              </a:ext>
+            </a:extLst>
+          </p:cNvPr>
+          <p:cNvSpPr>
+            <a:spLocks noGrp="1"/>
+          </p:cNvSpPr>
+          <p:nvPr>
+            <p:ph type="title" idx="4294967295"/>
+          </p:nvPr>
+        </p:nvSpPr>
+        <p:spPr>
+          <a:xfrm>
+            <a:off x="454025" y="948260"/>
+            <a:ext cx="5235046" cy="2158999"/>
+          </a:xfrm>
+          <a:prstGeom prst="rect">
+            <a:avLst/>
+          </a:prstGeom>
+          <a:noFill/>
+          <a:ln w="25400" cap="flat" cmpd="sng" algn="ctr">
+            <a:noFill/>
+            <a:prstDash val="solid"/>
+          </a:ln>
+          <a:effectLst/>
+        </p:spPr>
+        <p:txBody>
+          <a:bodyPr rot="0" spcFirstLastPara="0" vertOverflow="overflow" horzOverflow="overflow" vert="horz" wrap="square" lIns="91440" tIns="45720" rIns="91440" bIns="45720" numCol="1" spcCol="0" rtlCol="0" fromWordArt="0" anchor="ctr" anchorCtr="0" forceAA="0" compatLnSpc="1">
+            <a:prstTxWarp prst="textNoShape">
+              <a:avLst/>
+            </a:prstTxWarp>
+            <a:noAutofit/>
+          </a:bodyPr>
+          <a:lstStyle/>
+          <a:p>
+            <a:pPr marL="0" marR="0" lvl="0" indent="0" algn="l" defTabSz="495350" rtl="0" eaLnBrk="1" fontAlgn="auto" latinLnBrk="0" hangingPunct="1">
+              <a:lnSpc>
+                <a:spcPct val="100000"/>
+              </a:lnSpc>
+              <a:spcBef>
+                <a:spcPct val="20000"/>
+              </a:spcBef>
+              <a:spcAft>
+                <a:spcPts val="0"/>
+              </a:spcAft>
+              <a:buClrTx/>
+              <a:buSzTx/>
+              <a:buFont typeface="Arial" pitchFamily="34" charset="0"/>
+              <a:buNone/>
+              <a:tabLst/>
+              <a:defRPr/>
+            </a:pPr>
+            <a:r>
+              <a:rPr kumimoji="1" lang="ja-JP" altLang="en-US" sz="4000" b="0" i="0" u="none" strike="noStrike" kern="1200" cap="none" spc="0" normalizeH="0" baseline="0" noProof="0">
+                <a:ln>
+                  <a:noFill/>
+                </a:ln>
+                <a:solidFill>
+                  <a:schemeClr val="dk1"/>
+                </a:solidFill>
+                <a:effectLst/>
+                <a:uLnTx/>
+                <a:uFillTx/>
+                <a:latin typeface="+mn-lt"/>
+                <a:ea typeface="+mn-ea"/>
+                <a:cs typeface="+mn-cs"/>
+              </a:rPr>
+              <a:t>中学理科 物理分野</a:t>
+            </a:r>
+            <a:endParaRPr kumimoji="1" lang="en-US" altLang="ja-JP" sz="4000" b="0" i="0" u="none" strike="noStrike" kern="1200" cap="none" spc="0" normalizeH="0" baseline="0" noProof="0">
+              <a:ln>
+                <a:noFill/>
+              </a:ln>
+              <a:solidFill>
+                <a:schemeClr val="dk1"/>
+              </a:solidFill>
+              <a:effectLst/>
+              <a:uLnTx/>
+              <a:uFillTx/>
+              <a:latin typeface="+mn-lt"/>
+              <a:ea typeface="+mn-ea"/>
+              <a:cs typeface="+mn-cs"/>
+            </a:endParaRPr>
+          </a:p>
+          <a:p>
+            <a:pPr marL="0" marR="0" lvl="0" indent="0" algn="l" defTabSz="495350" rtl="0" eaLnBrk="1" fontAlgn="auto" latinLnBrk="0" hangingPunct="1">
+              <a:lnSpc>
+                <a:spcPct val="100000"/>
+              </a:lnSpc>
+              <a:spcBef>
+                <a:spcPct val="20000"/>
+              </a:spcBef>
+              <a:spcAft>
+                <a:spcPts val="0"/>
+              </a:spcAft>
+              <a:buClrTx/>
+              <a:buSzTx/>
+              <a:buFont typeface="Arial" pitchFamily="34" charset="0"/>
+              <a:buNone/>
+              <a:tabLst/>
+              <a:defRPr/>
+            </a:pPr>
+            <a:r>
+              <a:rPr kumimoji="1" lang="ja-JP" altLang="en-US" sz="2800" b="0" i="0" u="none" strike="noStrike" kern="1200" cap="none" spc="0" normalizeH="0" baseline="0" noProof="0">
+                <a:ln>
+                  <a:noFill/>
+                </a:ln>
+                <a:solidFill>
+                  <a:schemeClr val="dk1"/>
+                </a:solidFill>
+                <a:effectLst/>
+                <a:uLnTx/>
+                <a:uFillTx/>
+                <a:latin typeface="+mn-lt"/>
+                <a:ea typeface="+mn-ea"/>
+                <a:cs typeface="+mn-cs"/>
+              </a:rPr>
+              <a:t>～実験の基本思考～</a:t>
+            </a:r>
+          </a:p>
+        </p:txBody>
+      </p:sp>
+      <p:sp>
+        <p:nvSpPr>
+          <p:cNvPr id="4" name="テキスト プレースホルダー 3">
+            <a:extLst>
+              <a:ext uri="{FF2B5EF4-FFF2-40B4-BE49-F238E27FC236}">
+                <a16:creationId xmlns:a16="http://schemas.microsoft.com/office/drawing/2014/main" id="{41F006FB-7360-663F-300D-D083AC6B32F8}"/>
+              </a:ext>
+            </a:extLst>
+          </p:cNvPr>
+          <p:cNvSpPr>
+            <a:spLocks noGrp="1"/>
+          </p:cNvSpPr>
+          <p:nvPr>
+            <p:ph type="body" sz="quarter" idx="4294967295"/>
+          </p:nvPr>
+        </p:nvSpPr>
+        <p:spPr>
+          <a:xfrm>
+            <a:off x="7415743" y="5816607"/>
+            <a:ext cx="2483379" cy="529163"/>
+          </a:xfrm>
+          <a:prstGeom prst="rect">
+            <a:avLst/>
+          </a:prstGeom>
+        </p:spPr>
+        <p:txBody>
+          <a:bodyPr anchor="ctr"/>
+          <a:lstStyle/>
+          <a:p>
+            <a:pPr marL="0" indent="0">
+              <a:buNone/>
+            </a:pPr>
+            <a:r>
+              <a:rPr kumimoji="1" lang="ja-JP" altLang="en-US" sz="2000"/>
+              <a:t>教科書 </a:t>
+            </a:r>
+            <a:r>
+              <a:rPr kumimoji="1" lang="en-US" altLang="ja-JP" sz="2000"/>
+              <a:t>P. 242~250</a:t>
+            </a:r>
+            <a:endParaRPr kumimoji="1" lang="ja-JP" altLang="en-US" sz="2000"/>
+          </a:p>
+        </p:txBody>
+      </p:sp>
+      <p:sp>
+        <p:nvSpPr>
+          <p:cNvPr id="5" name="テキスト プレースホルダー 4">
+            <a:extLst>
+              <a:ext uri="{FF2B5EF4-FFF2-40B4-BE49-F238E27FC236}">
+                <a16:creationId xmlns:a16="http://schemas.microsoft.com/office/drawing/2014/main" id="{264D7783-37F6-E1C3-6D6E-A13051B99D01}"/>
+              </a:ext>
+            </a:extLst>
+          </p:cNvPr>
+          <p:cNvSpPr>
+            <a:spLocks noGrp="1"/>
+          </p:cNvSpPr>
+          <p:nvPr>
+            <p:ph type="body" sz="quarter" idx="4294967295"/>
+          </p:nvPr>
+        </p:nvSpPr>
+        <p:spPr>
+          <a:xfrm>
+            <a:off x="7415743" y="5054599"/>
+            <a:ext cx="2483379" cy="529168"/>
+          </a:xfrm>
+          <a:prstGeom prst="rect">
+            <a:avLst/>
+          </a:prstGeom>
+        </p:spPr>
+        <p:txBody>
+          <a:bodyPr anchor="ctr"/>
+          <a:lstStyle/>
+          <a:p>
+            <a:pPr marL="0" indent="0">
+              <a:buNone/>
+            </a:pPr>
+            <a:r>
+              <a:rPr lang="ja-JP" altLang="en-US" sz="2000"/>
+              <a:t>模擬授業</a:t>
+            </a:r>
+            <a:endParaRPr kumimoji="1" lang="ja-JP" altLang="en-US" sz="2000"/>
+          </a:p>
+        </p:txBody>
+      </p:sp>
+      <p:sp>
+        <p:nvSpPr>
+          <p:cNvPr id="6" name="テキスト プレースホルダー 5">
+            <a:extLst>
+              <a:ext uri="{FF2B5EF4-FFF2-40B4-BE49-F238E27FC236}">
+                <a16:creationId xmlns:a16="http://schemas.microsoft.com/office/drawing/2014/main" id="{2E33FE69-0438-B936-B7E3-91746A1F44D7}"/>
+              </a:ext>
+            </a:extLst>
+          </p:cNvPr>
+          <p:cNvSpPr>
+            <a:spLocks noGrp="1"/>
+          </p:cNvSpPr>
+          <p:nvPr>
+            <p:ph type="body" sz="quarter" idx="11"/>
+          </p:nvPr>
+        </p:nvSpPr>
+        <p:spPr/>
+        <p:txBody>
+          <a:bodyPr anchor="ctr"/>
+          <a:lstStyle/>
+          <a:p>
+            <a:r>
+              <a:rPr kumimoji="1" lang="en-US" altLang="ja-JP" sz="2000" dirty="0"/>
+              <a:t>2025.10.03</a:t>
+            </a:r>
+            <a:endParaRPr kumimoji="1" lang="ja-JP" altLang="en-US" sz="2000" dirty="0"/>
+          </a:p>
+        </p:txBody>
+      </p:sp>
+      <p:sp>
+        <p:nvSpPr>
+          <p:cNvPr id="11" name="テキスト プレースホルダー 1">
+            <a:extLst>
+              <a:ext uri="{FF2B5EF4-FFF2-40B4-BE49-F238E27FC236}">
+                <a16:creationId xmlns:a16="http://schemas.microsoft.com/office/drawing/2014/main" id="{1A6FD9E1-2E43-C19B-D52E-3B6A19021813}"/>
+              </a:ext>
+            </a:extLst>
+          </p:cNvPr>
+          <p:cNvSpPr>
+            <a:spLocks noGrp="1"/>
+          </p:cNvSpPr>
+          <p:nvPr>
+            <p:ph type="body" sz="quarter" idx="14"/>
+          </p:nvPr>
+        </p:nvSpPr>
+        <p:spPr>
+          <a:xfrm>
+            <a:off x="454025" y="4894446"/>
+            <a:ext cx="5180550" cy="849474"/>
+          </a:xfrm>
+        </p:spPr>
+        <p:txBody>
+          <a:bodyPr numCol="2"/>
+          <a:lstStyle/>
+          <a:p>
+            <a:r>
+              <a:rPr kumimoji="1" lang="ja-JP" altLang="en-US" sz="1600">
+                <a:latin typeface="+mn-ea"/>
+              </a:rPr>
+              <a:t>思考実験</a:t>
+            </a:r>
+            <a:endParaRPr kumimoji="1" lang="en-US" altLang="ja-JP" sz="1600">
+              <a:latin typeface="+mn-ea"/>
+            </a:endParaRPr>
+          </a:p>
+          <a:p>
+            <a:r>
+              <a:rPr lang="ja-JP" altLang="en-US" sz="1600">
+                <a:latin typeface="+mn-ea"/>
+              </a:rPr>
+              <a:t>力の性</a:t>
+            </a:r>
+            <a:r>
+              <a:rPr lang="ja-JP" altLang="en-US" sz="1600"/>
+              <a:t>質</a:t>
+            </a:r>
+            <a:endParaRPr lang="ja-JP" altLang="en-US" sz="1600">
+              <a:latin typeface="+mn-ea"/>
+            </a:endParaRPr>
+          </a:p>
+          <a:p>
+            <a:r>
+              <a:rPr lang="ja-JP" altLang="en-US" sz="1600">
+                <a:solidFill>
+                  <a:schemeClr val="tx1"/>
+                </a:solidFill>
+              </a:rPr>
+              <a:t>作用・反作用の法則</a:t>
+            </a:r>
+            <a:endParaRPr lang="en-US" altLang="ja-JP" sz="1600">
+              <a:solidFill>
+                <a:schemeClr val="tx1"/>
+              </a:solidFill>
+            </a:endParaRPr>
+          </a:p>
+        </p:txBody>
+      </p:sp>
+    </p:spTree>
+    <p:extLst>
+      <p:ext uri="{BB962C8B-B14F-4D97-AF65-F5344CB8AC3E}">
+        <p14:creationId xmlns:p14="http://schemas.microsoft.com/office/powerpoint/2010/main" val="1046722138"/>
+      </p:ext>
+    </p:extLst>
+  </p:cSld>
+  <p:clrMapOvr>
+    <a:masterClrMapping/>
+  </p:clrMapOvr>
+</p:sld>
+</file>
+
+<file path=ppt/slides/slide20.xml><?xml version="1.0" encoding="utf-8"?>
+<p:sld xmlns:a="http://schemas.openxmlformats.org/drawingml/2006/main" xmlns:r="http://schemas.openxmlformats.org/officeDocument/2006/relationships" xmlns:p="http://schemas.openxmlformats.org/presentationml/2006/main">
+  <p:cSld>
+    <p:spTree>
+      <p:nvGrpSpPr>
+        <p:cNvPr id="1" name=""/>
+        <p:cNvGrpSpPr/>
+        <p:nvPr/>
+      </p:nvGrpSpPr>
+      <p:grpSpPr>
+        <a:xfrm>
+          <a:off x="0" y="0"/>
+          <a:ext cx="0" cy="0"/>
+          <a:chOff x="0" y="0"/>
+          <a:chExt cx="0" cy="0"/>
+        </a:xfrm>
+      </p:grpSpPr>
+      <mc:AlternateContent xmlns:mc="http://schemas.openxmlformats.org/markup-compatibility/2006">
+        <mc:Choice xmlns:we="http://schemas.microsoft.com/office/webextensions/webextension/2010/11" xmlns:pca="http://schemas.microsoft.com/office/powerpoint/2013/contentapp" Requires="we pca">
           <p:graphicFrame>
             <p:nvGraphicFramePr>
               <p:cNvPr id="8" name="アドイン 7" title="Forms">
@@ -11536,7 +12155,7 @@
             </a:graphic>
           </p:graphicFrame>
         </mc:Choice>
-        <mc:Fallback xmlns="">
+        <mc:Fallback>
           <p:pic>
             <p:nvPicPr>
               <p:cNvPr id="8" name="アドイン 7" title="Forms">
@@ -11639,7 +12258,7 @@
             <a:fld id="{6408349E-6932-463E-ABE1-6FC2A2453113}" type="slidenum">
               <a:rPr kumimoji="1" lang="ja-JP" altLang="en-US" smtClean="0"/>
               <a:pPr/>
-              <a:t>19</a:t>
+              <a:t>20</a:t>
             </a:fld>
             <a:endParaRPr kumimoji="1" lang="ja-JP" altLang="en-US"/>
           </a:p>
@@ -11853,829 +12472,7 @@
 </p:sld>
 </file>
 
-<file path=ppt/slides/slide2.xml><?xml version="1.0" encoding="utf-8"?>
-<p:sld xmlns:a="http://schemas.openxmlformats.org/drawingml/2006/main" xmlns:r="http://schemas.openxmlformats.org/officeDocument/2006/relationships" xmlns:p="http://schemas.openxmlformats.org/presentationml/2006/main">
-  <p:cSld>
-    <p:spTree>
-      <p:nvGrpSpPr>
-        <p:cNvPr id="1" name=""/>
-        <p:cNvGrpSpPr/>
-        <p:nvPr/>
-      </p:nvGrpSpPr>
-      <p:grpSpPr>
-        <a:xfrm>
-          <a:off x="0" y="0"/>
-          <a:ext cx="0" cy="0"/>
-          <a:chOff x="0" y="0"/>
-          <a:chExt cx="0" cy="0"/>
-        </a:xfrm>
-      </p:grpSpPr>
-      <p:sp>
-        <p:nvSpPr>
-          <p:cNvPr id="3" name="テキスト プレースホルダー 2">
-            <a:extLst>
-              <a:ext uri="{FF2B5EF4-FFF2-40B4-BE49-F238E27FC236}">
-                <a16:creationId xmlns:a16="http://schemas.microsoft.com/office/drawing/2014/main" id="{6CA3D4EC-B507-53D8-AABD-00E5AA4F82CE}"/>
-              </a:ext>
-            </a:extLst>
-          </p:cNvPr>
-          <p:cNvSpPr>
-            <a:spLocks noGrp="1"/>
-          </p:cNvSpPr>
-          <p:nvPr>
-            <p:ph type="body" sz="quarter" idx="24"/>
-          </p:nvPr>
-        </p:nvSpPr>
-        <p:spPr>
-          <a:xfrm>
-            <a:off x="0" y="1177294"/>
-            <a:ext cx="9906000" cy="5336227"/>
-          </a:xfrm>
-        </p:spPr>
-        <p:txBody>
-          <a:bodyPr/>
-          <a:lstStyle/>
-          <a:p>
-            <a:r>
-              <a:rPr lang="ja-JP" altLang="en-US" sz="4000"/>
-              <a:t>本スライドで用いている図には，</a:t>
-            </a:r>
-            <a:r>
-              <a:rPr lang="ja-JP" altLang="en-US" sz="4000">
-                <a:solidFill>
-                  <a:schemeClr val="accent6"/>
-                </a:solidFill>
-              </a:rPr>
-              <a:t>著作権上配布できないもの</a:t>
-            </a:r>
-            <a:r>
-              <a:rPr lang="ja-JP" altLang="en-US" sz="4000"/>
-              <a:t>を含みます．</a:t>
-            </a:r>
-            <a:endParaRPr lang="en-US" altLang="ja-JP" sz="4000"/>
-          </a:p>
-          <a:p>
-            <a:r>
-              <a:rPr lang="ja-JP" altLang="en-US" sz="4000"/>
-              <a:t>そのため，</a:t>
-            </a:r>
-            <a:r>
-              <a:rPr lang="ja-JP" altLang="en-US" sz="4000">
-                <a:solidFill>
-                  <a:schemeClr val="accent6"/>
-                </a:solidFill>
-              </a:rPr>
-              <a:t>スライドを撮影する行為は禁止</a:t>
-            </a:r>
-            <a:r>
-              <a:rPr lang="ja-JP" altLang="en-US" sz="4000"/>
-              <a:t>です．</a:t>
-            </a:r>
-            <a:endParaRPr lang="en-US" altLang="ja-JP" sz="4000"/>
-          </a:p>
-          <a:p>
-            <a:r>
-              <a:rPr lang="ja-JP" altLang="en-US" sz="4000"/>
-              <a:t>配布資料は，</a:t>
-            </a:r>
-            <a:r>
-              <a:rPr lang="en-US" altLang="ja-JP" sz="4000"/>
-              <a:t>QR</a:t>
-            </a:r>
-            <a:r>
-              <a:rPr lang="ja-JP" altLang="en-US" sz="4000"/>
-              <a:t>コードからダウンロードできます．</a:t>
-            </a:r>
-            <a:endParaRPr lang="en-US" altLang="ja-JP" sz="4000"/>
-          </a:p>
-          <a:p>
-            <a:r>
-              <a:rPr lang="ja-JP" altLang="en-US" sz="4000"/>
-              <a:t>質問があれば</a:t>
-            </a:r>
-            <a:r>
-              <a:rPr lang="ja-JP" altLang="en-US" sz="4000">
-                <a:solidFill>
-                  <a:schemeClr val="accent6"/>
-                </a:solidFill>
-              </a:rPr>
-              <a:t>自由に発言しても</a:t>
-            </a:r>
-            <a:r>
-              <a:rPr lang="ja-JP" altLang="en-US" sz="4000"/>
-              <a:t>大丈夫です．歓迎いたします！</a:t>
-            </a:r>
-            <a:endParaRPr lang="en-US" altLang="ja-JP" sz="4000"/>
-          </a:p>
-        </p:txBody>
-      </p:sp>
-      <p:sp>
-        <p:nvSpPr>
-          <p:cNvPr id="2" name="スライド番号プレースホルダー 1">
-            <a:extLst>
-              <a:ext uri="{FF2B5EF4-FFF2-40B4-BE49-F238E27FC236}">
-                <a16:creationId xmlns:a16="http://schemas.microsoft.com/office/drawing/2014/main" id="{817CE4B4-649F-F539-09A3-F986C6C154C4}"/>
-              </a:ext>
-            </a:extLst>
-          </p:cNvPr>
-          <p:cNvSpPr>
-            <a:spLocks noGrp="1"/>
-          </p:cNvSpPr>
-          <p:nvPr>
-            <p:ph type="sldNum" sz="quarter" idx="26"/>
-          </p:nvPr>
-        </p:nvSpPr>
-        <p:spPr/>
-        <p:txBody>
-          <a:bodyPr/>
-          <a:lstStyle/>
-          <a:p>
-            <a:fld id="{6408349E-6932-463E-ABE1-6FC2A2453113}" type="slidenum">
-              <a:rPr kumimoji="1" lang="ja-JP" altLang="en-US" smtClean="0"/>
-              <a:pPr/>
-              <a:t>2</a:t>
-            </a:fld>
-            <a:endParaRPr kumimoji="1" lang="ja-JP" altLang="en-US"/>
-          </a:p>
-        </p:txBody>
-      </p:sp>
-      <p:sp>
-        <p:nvSpPr>
-          <p:cNvPr id="4" name="タイトル 3">
-            <a:extLst>
-              <a:ext uri="{FF2B5EF4-FFF2-40B4-BE49-F238E27FC236}">
-                <a16:creationId xmlns:a16="http://schemas.microsoft.com/office/drawing/2014/main" id="{9AA1022B-C3F0-E887-9C44-646F1AB3B162}"/>
-              </a:ext>
-            </a:extLst>
-          </p:cNvPr>
-          <p:cNvSpPr>
-            <a:spLocks noGrp="1"/>
-          </p:cNvSpPr>
-          <p:nvPr>
-            <p:ph type="title"/>
-          </p:nvPr>
-        </p:nvSpPr>
-        <p:spPr/>
-        <p:txBody>
-          <a:bodyPr/>
-          <a:lstStyle/>
-          <a:p>
-            <a:r>
-              <a:rPr lang="ja-JP" altLang="en-US"/>
-              <a:t>留意事項</a:t>
-            </a:r>
-          </a:p>
-        </p:txBody>
-      </p:sp>
-      <p:sp>
-        <p:nvSpPr>
-          <p:cNvPr id="6" name="正方形/長方形 5" descr="白い背景">
-            <a:extLst>
-              <a:ext uri="{FF2B5EF4-FFF2-40B4-BE49-F238E27FC236}">
-                <a16:creationId xmlns:a16="http://schemas.microsoft.com/office/drawing/2014/main" id="{5C3C1B82-DEA2-0A22-D13E-1B1E1CA83B1C}"/>
-              </a:ext>
-            </a:extLst>
-          </p:cNvPr>
-          <p:cNvSpPr/>
-          <p:nvPr/>
-        </p:nvSpPr>
-        <p:spPr>
-          <a:xfrm>
-            <a:off x="-3" y="1231006"/>
-            <a:ext cx="9906000" cy="5282515"/>
-          </a:xfrm>
-          <a:prstGeom prst="rect">
-            <a:avLst/>
-          </a:prstGeom>
-          <a:solidFill>
-            <a:schemeClr val="bg1">
-              <a:alpha val="80000"/>
-            </a:schemeClr>
-          </a:solidFill>
-          <a:ln>
-            <a:noFill/>
-          </a:ln>
-        </p:spPr>
-        <p:style>
-          <a:lnRef idx="2">
-            <a:schemeClr val="accent1">
-              <a:shade val="15000"/>
-            </a:schemeClr>
-          </a:lnRef>
-          <a:fillRef idx="1">
-            <a:schemeClr val="accent1"/>
-          </a:fillRef>
-          <a:effectRef idx="0">
-            <a:schemeClr val="accent1"/>
-          </a:effectRef>
-          <a:fontRef idx="minor">
-            <a:schemeClr val="lt1"/>
-          </a:fontRef>
-        </p:style>
-        <p:txBody>
-          <a:bodyPr rtlCol="0" anchor="ctr"/>
-          <a:lstStyle/>
-          <a:p>
-            <a:pPr algn="ctr"/>
-            <a:endParaRPr kumimoji="1" lang="ja-JP" altLang="en-US"/>
-          </a:p>
-        </p:txBody>
-      </p:sp>
-      <p:pic>
-        <p:nvPicPr>
-          <p:cNvPr id="8" name="図 7" descr="QR コード&#10;&#10;AI 生成コンテンツは誤りを含む可能性があります。">
-            <a:extLst>
-              <a:ext uri="{FF2B5EF4-FFF2-40B4-BE49-F238E27FC236}">
-                <a16:creationId xmlns:a16="http://schemas.microsoft.com/office/drawing/2014/main" id="{947156AC-5732-3F7E-C496-CF1E57B20250}"/>
-              </a:ext>
-            </a:extLst>
-          </p:cNvPr>
-          <p:cNvPicPr>
-            <a:picLocks noChangeAspect="1"/>
-          </p:cNvPicPr>
-          <p:nvPr/>
-        </p:nvPicPr>
-        <p:blipFill>
-          <a:blip r:embed="rId2">
-            <a:extLst>
-              <a:ext uri="{28A0092B-C50C-407E-A947-70E740481C1C}">
-                <a14:useLocalDpi xmlns:a14="http://schemas.microsoft.com/office/drawing/2010/main" val="0"/>
-              </a:ext>
-            </a:extLst>
-          </a:blip>
-          <a:stretch>
-            <a:fillRect/>
-          </a:stretch>
-        </p:blipFill>
-        <p:spPr>
-          <a:xfrm>
-            <a:off x="2842511" y="1195183"/>
-            <a:ext cx="4220965" cy="4220965"/>
-          </a:xfrm>
-          <a:prstGeom prst="rect">
-            <a:avLst/>
-          </a:prstGeom>
-        </p:spPr>
-      </p:pic>
-      <p:sp>
-        <p:nvSpPr>
-          <p:cNvPr id="5" name="正方形/長方形 4">
-            <a:extLst>
-              <a:ext uri="{FF2B5EF4-FFF2-40B4-BE49-F238E27FC236}">
-                <a16:creationId xmlns:a16="http://schemas.microsoft.com/office/drawing/2014/main" id="{0E83778E-CF34-722D-0238-1CED0B4C15B9}"/>
-              </a:ext>
-            </a:extLst>
-          </p:cNvPr>
-          <p:cNvSpPr/>
-          <p:nvPr/>
-        </p:nvSpPr>
-        <p:spPr>
-          <a:xfrm>
-            <a:off x="731220" y="5281713"/>
-            <a:ext cx="8681721" cy="1181625"/>
-          </a:xfrm>
-          <a:prstGeom prst="rect">
-            <a:avLst/>
-          </a:prstGeom>
-        </p:spPr>
-        <p:style>
-          <a:lnRef idx="1">
-            <a:schemeClr val="accent5"/>
-          </a:lnRef>
-          <a:fillRef idx="2">
-            <a:schemeClr val="accent5"/>
-          </a:fillRef>
-          <a:effectRef idx="1">
-            <a:schemeClr val="accent5"/>
-          </a:effectRef>
-          <a:fontRef idx="minor">
-            <a:schemeClr val="dk1"/>
-          </a:fontRef>
-        </p:style>
-        <p:txBody>
-          <a:bodyPr rtlCol="0" anchor="ctr"/>
-          <a:lstStyle/>
-          <a:p>
-            <a:r>
-              <a:rPr lang="ja-JP" altLang="en-US" sz="3200"/>
-              <a:t>本日の授業は覚えるではなく，</a:t>
-            </a:r>
-            <a:r>
-              <a:rPr lang="ja-JP" altLang="en-US" sz="3200">
-                <a:solidFill>
-                  <a:schemeClr val="accent6"/>
-                </a:solidFill>
-              </a:rPr>
-              <a:t>「感じる」</a:t>
-            </a:r>
-            <a:r>
-              <a:rPr lang="ja-JP" altLang="en-US" sz="3200"/>
-              <a:t>ということを大切にして</a:t>
-            </a:r>
-            <a:r>
-              <a:rPr lang="ja-JP" altLang="en-US" sz="3200">
-                <a:solidFill>
-                  <a:schemeClr val="accent6"/>
-                </a:solidFill>
-              </a:rPr>
-              <a:t>考えてください！</a:t>
-            </a:r>
-            <a:endParaRPr lang="ja-JP" altLang="en-US" sz="3200"/>
-          </a:p>
-        </p:txBody>
-      </p:sp>
-    </p:spTree>
-    <p:extLst>
-      <p:ext uri="{BB962C8B-B14F-4D97-AF65-F5344CB8AC3E}">
-        <p14:creationId xmlns:p14="http://schemas.microsoft.com/office/powerpoint/2010/main" val="2214836228"/>
-      </p:ext>
-    </p:extLst>
-  </p:cSld>
-  <p:clrMapOvr>
-    <a:masterClrMapping/>
-  </p:clrMapOvr>
-  <mc:AlternateContent xmlns:mc="http://schemas.openxmlformats.org/markup-compatibility/2006" xmlns:p14="http://schemas.microsoft.com/office/powerpoint/2010/main">
-    <mc:Choice Requires="p14">
-      <p:transition spd="med" p14:dur="700">
-        <p:fade/>
-      </p:transition>
-    </mc:Choice>
-    <mc:Fallback xmlns="">
-      <p:transition spd="med">
-        <p:fade/>
-      </p:transition>
-    </mc:Fallback>
-  </mc:AlternateContent>
-  <p:timing>
-    <p:tnLst>
-      <p:par>
-        <p:cTn id="1" dur="indefinite" restart="never" nodeType="tmRoot">
-          <p:childTnLst>
-            <p:seq concurrent="1" nextAc="seek">
-              <p:cTn id="2" dur="indefinite" nodeType="mainSeq">
-                <p:childTnLst>
-                  <p:par>
-                    <p:cTn id="3" fill="hold">
-                      <p:stCondLst>
-                        <p:cond delay="indefinite"/>
-                      </p:stCondLst>
-                      <p:childTnLst>
-                        <p:par>
-                          <p:cTn id="4" fill="hold">
-                            <p:stCondLst>
-                              <p:cond delay="0"/>
-                            </p:stCondLst>
-                            <p:childTnLst>
-                              <p:par>
-                                <p:cTn id="5" presetID="10" presetClass="entr" presetSubtype="0" fill="hold" grpId="0" nodeType="clickEffect">
-                                  <p:stCondLst>
-                                    <p:cond delay="0"/>
-                                  </p:stCondLst>
-                                  <p:childTnLst>
-                                    <p:set>
-                                      <p:cBhvr>
-                                        <p:cTn id="6" dur="1" fill="hold">
-                                          <p:stCondLst>
-                                            <p:cond delay="0"/>
-                                          </p:stCondLst>
-                                        </p:cTn>
-                                        <p:tgtEl>
-                                          <p:spTgt spid="3">
-                                            <p:txEl>
-                                              <p:pRg st="0" end="0"/>
-                                            </p:txEl>
-                                          </p:spTgt>
-                                        </p:tgtEl>
-                                        <p:attrNameLst>
-                                          <p:attrName>style.visibility</p:attrName>
-                                        </p:attrNameLst>
-                                      </p:cBhvr>
-                                      <p:to>
-                                        <p:strVal val="visible"/>
-                                      </p:to>
-                                    </p:set>
-                                    <p:animEffect transition="in" filter="fade">
-                                      <p:cBhvr>
-                                        <p:cTn id="7" dur="500"/>
-                                        <p:tgtEl>
-                                          <p:spTgt spid="3">
-                                            <p:txEl>
-                                              <p:pRg st="0" end="0"/>
-                                            </p:txEl>
-                                          </p:spTgt>
-                                        </p:tgtEl>
-                                      </p:cBhvr>
-                                    </p:animEffect>
-                                  </p:childTnLst>
-                                </p:cTn>
-                              </p:par>
-                            </p:childTnLst>
-                          </p:cTn>
-                        </p:par>
-                      </p:childTnLst>
-                    </p:cTn>
-                  </p:par>
-                  <p:par>
-                    <p:cTn id="8" fill="hold">
-                      <p:stCondLst>
-                        <p:cond delay="indefinite"/>
-                      </p:stCondLst>
-                      <p:childTnLst>
-                        <p:par>
-                          <p:cTn id="9" fill="hold">
-                            <p:stCondLst>
-                              <p:cond delay="0"/>
-                            </p:stCondLst>
-                            <p:childTnLst>
-                              <p:par>
-                                <p:cTn id="10" presetID="10" presetClass="entr" presetSubtype="0" fill="hold" grpId="0" nodeType="clickEffect">
-                                  <p:stCondLst>
-                                    <p:cond delay="0"/>
-                                  </p:stCondLst>
-                                  <p:childTnLst>
-                                    <p:set>
-                                      <p:cBhvr>
-                                        <p:cTn id="11" dur="1" fill="hold">
-                                          <p:stCondLst>
-                                            <p:cond delay="0"/>
-                                          </p:stCondLst>
-                                        </p:cTn>
-                                        <p:tgtEl>
-                                          <p:spTgt spid="3">
-                                            <p:txEl>
-                                              <p:pRg st="1" end="1"/>
-                                            </p:txEl>
-                                          </p:spTgt>
-                                        </p:tgtEl>
-                                        <p:attrNameLst>
-                                          <p:attrName>style.visibility</p:attrName>
-                                        </p:attrNameLst>
-                                      </p:cBhvr>
-                                      <p:to>
-                                        <p:strVal val="visible"/>
-                                      </p:to>
-                                    </p:set>
-                                    <p:animEffect transition="in" filter="fade">
-                                      <p:cBhvr>
-                                        <p:cTn id="12" dur="500"/>
-                                        <p:tgtEl>
-                                          <p:spTgt spid="3">
-                                            <p:txEl>
-                                              <p:pRg st="1" end="1"/>
-                                            </p:txEl>
-                                          </p:spTgt>
-                                        </p:tgtEl>
-                                      </p:cBhvr>
-                                    </p:animEffect>
-                                  </p:childTnLst>
-                                </p:cTn>
-                              </p:par>
-                            </p:childTnLst>
-                          </p:cTn>
-                        </p:par>
-                      </p:childTnLst>
-                    </p:cTn>
-                  </p:par>
-                  <p:par>
-                    <p:cTn id="13" fill="hold">
-                      <p:stCondLst>
-                        <p:cond delay="indefinite"/>
-                      </p:stCondLst>
-                      <p:childTnLst>
-                        <p:par>
-                          <p:cTn id="14" fill="hold">
-                            <p:stCondLst>
-                              <p:cond delay="0"/>
-                            </p:stCondLst>
-                            <p:childTnLst>
-                              <p:par>
-                                <p:cTn id="15" presetID="10" presetClass="entr" presetSubtype="0" fill="hold" grpId="0" nodeType="clickEffect">
-                                  <p:stCondLst>
-                                    <p:cond delay="0"/>
-                                  </p:stCondLst>
-                                  <p:childTnLst>
-                                    <p:set>
-                                      <p:cBhvr>
-                                        <p:cTn id="16" dur="1" fill="hold">
-                                          <p:stCondLst>
-                                            <p:cond delay="0"/>
-                                          </p:stCondLst>
-                                        </p:cTn>
-                                        <p:tgtEl>
-                                          <p:spTgt spid="3">
-                                            <p:txEl>
-                                              <p:pRg st="2" end="2"/>
-                                            </p:txEl>
-                                          </p:spTgt>
-                                        </p:tgtEl>
-                                        <p:attrNameLst>
-                                          <p:attrName>style.visibility</p:attrName>
-                                        </p:attrNameLst>
-                                      </p:cBhvr>
-                                      <p:to>
-                                        <p:strVal val="visible"/>
-                                      </p:to>
-                                    </p:set>
-                                    <p:animEffect transition="in" filter="fade">
-                                      <p:cBhvr>
-                                        <p:cTn id="17" dur="500"/>
-                                        <p:tgtEl>
-                                          <p:spTgt spid="3">
-                                            <p:txEl>
-                                              <p:pRg st="2" end="2"/>
-                                            </p:txEl>
-                                          </p:spTgt>
-                                        </p:tgtEl>
-                                      </p:cBhvr>
-                                    </p:animEffect>
-                                  </p:childTnLst>
-                                </p:cTn>
-                              </p:par>
-                            </p:childTnLst>
-                          </p:cTn>
-                        </p:par>
-                      </p:childTnLst>
-                    </p:cTn>
-                  </p:par>
-                  <p:par>
-                    <p:cTn id="18" fill="hold">
-                      <p:stCondLst>
-                        <p:cond delay="indefinite"/>
-                      </p:stCondLst>
-                      <p:childTnLst>
-                        <p:par>
-                          <p:cTn id="19" fill="hold">
-                            <p:stCondLst>
-                              <p:cond delay="0"/>
-                            </p:stCondLst>
-                            <p:childTnLst>
-                              <p:par>
-                                <p:cTn id="20" presetID="10" presetClass="entr" presetSubtype="0" fill="hold" grpId="0" nodeType="clickEffect">
-                                  <p:stCondLst>
-                                    <p:cond delay="0"/>
-                                  </p:stCondLst>
-                                  <p:childTnLst>
-                                    <p:set>
-                                      <p:cBhvr>
-                                        <p:cTn id="21" dur="1" fill="hold">
-                                          <p:stCondLst>
-                                            <p:cond delay="0"/>
-                                          </p:stCondLst>
-                                        </p:cTn>
-                                        <p:tgtEl>
-                                          <p:spTgt spid="3">
-                                            <p:txEl>
-                                              <p:pRg st="3" end="3"/>
-                                            </p:txEl>
-                                          </p:spTgt>
-                                        </p:tgtEl>
-                                        <p:attrNameLst>
-                                          <p:attrName>style.visibility</p:attrName>
-                                        </p:attrNameLst>
-                                      </p:cBhvr>
-                                      <p:to>
-                                        <p:strVal val="visible"/>
-                                      </p:to>
-                                    </p:set>
-                                    <p:animEffect transition="in" filter="fade">
-                                      <p:cBhvr>
-                                        <p:cTn id="22" dur="500"/>
-                                        <p:tgtEl>
-                                          <p:spTgt spid="3">
-                                            <p:txEl>
-                                              <p:pRg st="3" end="3"/>
-                                            </p:txEl>
-                                          </p:spTgt>
-                                        </p:tgtEl>
-                                      </p:cBhvr>
-                                    </p:animEffect>
-                                  </p:childTnLst>
-                                </p:cTn>
-                              </p:par>
-                            </p:childTnLst>
-                          </p:cTn>
-                        </p:par>
-                      </p:childTnLst>
-                    </p:cTn>
-                  </p:par>
-                  <p:par>
-                    <p:cTn id="23" fill="hold">
-                      <p:stCondLst>
-                        <p:cond delay="indefinite"/>
-                      </p:stCondLst>
-                      <p:childTnLst>
-                        <p:par>
-                          <p:cTn id="24" fill="hold">
-                            <p:stCondLst>
-                              <p:cond delay="0"/>
-                            </p:stCondLst>
-                            <p:childTnLst>
-                              <p:par>
-                                <p:cTn id="25" presetID="10" presetClass="entr" presetSubtype="0" fill="hold" grpId="0" nodeType="clickEffect">
-                                  <p:stCondLst>
-                                    <p:cond delay="0"/>
-                                  </p:stCondLst>
-                                  <p:childTnLst>
-                                    <p:set>
-                                      <p:cBhvr>
-                                        <p:cTn id="26" dur="1" fill="hold">
-                                          <p:stCondLst>
-                                            <p:cond delay="0"/>
-                                          </p:stCondLst>
-                                        </p:cTn>
-                                        <p:tgtEl>
-                                          <p:spTgt spid="6"/>
-                                        </p:tgtEl>
-                                        <p:attrNameLst>
-                                          <p:attrName>style.visibility</p:attrName>
-                                        </p:attrNameLst>
-                                      </p:cBhvr>
-                                      <p:to>
-                                        <p:strVal val="visible"/>
-                                      </p:to>
-                                    </p:set>
-                                    <p:animEffect transition="in" filter="fade">
-                                      <p:cBhvr>
-                                        <p:cTn id="27" dur="500"/>
-                                        <p:tgtEl>
-                                          <p:spTgt spid="6"/>
-                                        </p:tgtEl>
-                                      </p:cBhvr>
-                                    </p:animEffect>
-                                  </p:childTnLst>
-                                </p:cTn>
-                              </p:par>
-                              <p:par>
-                                <p:cTn id="28" presetID="10" presetClass="entr" presetSubtype="0" fill="hold" nodeType="withEffect">
-                                  <p:stCondLst>
-                                    <p:cond delay="0"/>
-                                  </p:stCondLst>
-                                  <p:childTnLst>
-                                    <p:set>
-                                      <p:cBhvr>
-                                        <p:cTn id="29" dur="1" fill="hold">
-                                          <p:stCondLst>
-                                            <p:cond delay="0"/>
-                                          </p:stCondLst>
-                                        </p:cTn>
-                                        <p:tgtEl>
-                                          <p:spTgt spid="8"/>
-                                        </p:tgtEl>
-                                        <p:attrNameLst>
-                                          <p:attrName>style.visibility</p:attrName>
-                                        </p:attrNameLst>
-                                      </p:cBhvr>
-                                      <p:to>
-                                        <p:strVal val="visible"/>
-                                      </p:to>
-                                    </p:set>
-                                    <p:animEffect transition="in" filter="fade">
-                                      <p:cBhvr>
-                                        <p:cTn id="30" dur="500"/>
-                                        <p:tgtEl>
-                                          <p:spTgt spid="8"/>
-                                        </p:tgtEl>
-                                      </p:cBhvr>
-                                    </p:animEffect>
-                                  </p:childTnLst>
-                                </p:cTn>
-                              </p:par>
-                            </p:childTnLst>
-                          </p:cTn>
-                        </p:par>
-                      </p:childTnLst>
-                    </p:cTn>
-                  </p:par>
-                  <p:par>
-                    <p:cTn id="31" fill="hold">
-                      <p:stCondLst>
-                        <p:cond delay="indefinite"/>
-                      </p:stCondLst>
-                      <p:childTnLst>
-                        <p:par>
-                          <p:cTn id="32" fill="hold">
-                            <p:stCondLst>
-                              <p:cond delay="0"/>
-                            </p:stCondLst>
-                            <p:childTnLst>
-                              <p:par>
-                                <p:cTn id="33" presetID="50" presetClass="entr" presetSubtype="0" decel="100000" fill="hold" grpId="0" nodeType="clickEffect">
-                                  <p:stCondLst>
-                                    <p:cond delay="0"/>
-                                  </p:stCondLst>
-                                  <p:childTnLst>
-                                    <p:set>
-                                      <p:cBhvr>
-                                        <p:cTn id="34" dur="1" fill="hold">
-                                          <p:stCondLst>
-                                            <p:cond delay="0"/>
-                                          </p:stCondLst>
-                                        </p:cTn>
-                                        <p:tgtEl>
-                                          <p:spTgt spid="5"/>
-                                        </p:tgtEl>
-                                        <p:attrNameLst>
-                                          <p:attrName>style.visibility</p:attrName>
-                                        </p:attrNameLst>
-                                      </p:cBhvr>
-                                      <p:to>
-                                        <p:strVal val="visible"/>
-                                      </p:to>
-                                    </p:set>
-                                    <p:anim calcmode="lin" valueType="num">
-                                      <p:cBhvr>
-                                        <p:cTn id="35" dur="1000" fill="hold"/>
-                                        <p:tgtEl>
-                                          <p:spTgt spid="5"/>
-                                        </p:tgtEl>
-                                        <p:attrNameLst>
-                                          <p:attrName>ppt_w</p:attrName>
-                                        </p:attrNameLst>
-                                      </p:cBhvr>
-                                      <p:tavLst>
-                                        <p:tav tm="0">
-                                          <p:val>
-                                            <p:strVal val="#ppt_w+.3"/>
-                                          </p:val>
-                                        </p:tav>
-                                        <p:tav tm="100000">
-                                          <p:val>
-                                            <p:strVal val="#ppt_w"/>
-                                          </p:val>
-                                        </p:tav>
-                                      </p:tavLst>
-                                    </p:anim>
-                                    <p:anim calcmode="lin" valueType="num">
-                                      <p:cBhvr>
-                                        <p:cTn id="36" dur="1000" fill="hold"/>
-                                        <p:tgtEl>
-                                          <p:spTgt spid="5"/>
-                                        </p:tgtEl>
-                                        <p:attrNameLst>
-                                          <p:attrName>ppt_h</p:attrName>
-                                        </p:attrNameLst>
-                                      </p:cBhvr>
-                                      <p:tavLst>
-                                        <p:tav tm="0">
-                                          <p:val>
-                                            <p:strVal val="#ppt_h"/>
-                                          </p:val>
-                                        </p:tav>
-                                        <p:tav tm="100000">
-                                          <p:val>
-                                            <p:strVal val="#ppt_h"/>
-                                          </p:val>
-                                        </p:tav>
-                                      </p:tavLst>
-                                    </p:anim>
-                                    <p:animEffect transition="in" filter="fade">
-                                      <p:cBhvr>
-                                        <p:cTn id="37" dur="1000"/>
-                                        <p:tgtEl>
-                                          <p:spTgt spid="5"/>
-                                        </p:tgtEl>
-                                      </p:cBhvr>
-                                    </p:animEffect>
-                                  </p:childTnLst>
-                                </p:cTn>
-                              </p:par>
-                            </p:childTnLst>
-                          </p:cTn>
-                        </p:par>
-                      </p:childTnLst>
-                    </p:cTn>
-                  </p:par>
-                </p:childTnLst>
-              </p:cTn>
-              <p:prevCondLst>
-                <p:cond evt="onPrev" delay="0">
-                  <p:tgtEl>
-                    <p:sldTgt/>
-                  </p:tgtEl>
-                </p:cond>
-              </p:prevCondLst>
-              <p:nextCondLst>
-                <p:cond evt="onNext" delay="0">
-                  <p:tgtEl>
-                    <p:sldTgt/>
-                  </p:tgtEl>
-                </p:cond>
-              </p:nextCondLst>
-            </p:seq>
-          </p:childTnLst>
-        </p:cTn>
-      </p:par>
-    </p:tnLst>
-    <p:bldLst>
-      <p:bldP spid="3" grpId="0" uiExpand="1" build="p"/>
-      <p:bldP spid="6" grpId="0" animBg="1"/>
-      <p:bldP spid="5" grpId="0" animBg="1"/>
-    </p:bldLst>
-  </p:timing>
-</p:sld>
-</file>
-
-<file path=ppt/slides/slide20.xml><?xml version="1.0" encoding="utf-8"?>
+<file path=ppt/slides/slide21.xml><?xml version="1.0" encoding="utf-8"?>
 <p:sld xmlns:a="http://schemas.openxmlformats.org/drawingml/2006/main" xmlns:r="http://schemas.openxmlformats.org/officeDocument/2006/relationships" xmlns:p="http://schemas.openxmlformats.org/presentationml/2006/main">
   <p:cSld>
     <p:spTree>
@@ -12834,7 +12631,7 @@
             <a:fld id="{6408349E-6932-463E-ABE1-6FC2A2453113}" type="slidenum">
               <a:rPr kumimoji="1" lang="ja-JP" altLang="en-US" smtClean="0"/>
               <a:pPr/>
-              <a:t>20</a:t>
+              <a:t>21</a:t>
             </a:fld>
             <a:endParaRPr kumimoji="1" lang="ja-JP" altLang="en-US"/>
           </a:p>
@@ -13218,7 +13015,7 @@
 </p:sld>
 </file>
 
-<file path=ppt/slides/slide21.xml><?xml version="1.0" encoding="utf-8"?>
+<file path=ppt/slides/slide22.xml><?xml version="1.0" encoding="utf-8"?>
 <p:sld xmlns:a="http://schemas.openxmlformats.org/drawingml/2006/main" xmlns:r="http://schemas.openxmlformats.org/officeDocument/2006/relationships" xmlns:p="http://schemas.openxmlformats.org/presentationml/2006/main">
   <p:cSld>
     <p:spTree>
@@ -13390,7 +13187,7 @@
             <a:fld id="{6408349E-6932-463E-ABE1-6FC2A2453113}" type="slidenum">
               <a:rPr kumimoji="1" lang="ja-JP" altLang="en-US" smtClean="0"/>
               <a:pPr/>
-              <a:t>21</a:t>
+              <a:t>22</a:t>
             </a:fld>
             <a:endParaRPr kumimoji="1" lang="ja-JP" altLang="en-US"/>
           </a:p>
@@ -13576,7 +13373,7 @@
 </p:sld>
 </file>
 
-<file path=ppt/slides/slide22.xml><?xml version="1.0" encoding="utf-8"?>
+<file path=ppt/slides/slide23.xml><?xml version="1.0" encoding="utf-8"?>
 <p:sld xmlns:a="http://schemas.openxmlformats.org/drawingml/2006/main" xmlns:r="http://schemas.openxmlformats.org/officeDocument/2006/relationships" xmlns:p="http://schemas.openxmlformats.org/presentationml/2006/main">
   <p:cSld>
     <p:spTree>
@@ -14379,7 +14176,7 @@
             <a:fld id="{6408349E-6932-463E-ABE1-6FC2A2453113}" type="slidenum">
               <a:rPr kumimoji="1" lang="ja-JP" altLang="en-US" smtClean="0"/>
               <a:pPr/>
-              <a:t>22</a:t>
+              <a:t>23</a:t>
             </a:fld>
             <a:endParaRPr kumimoji="1" lang="ja-JP" altLang="en-US"/>
           </a:p>
@@ -15435,7 +15232,7 @@
 </p:sld>
 </file>
 
-<file path=ppt/slides/slide23.xml><?xml version="1.0" encoding="utf-8"?>
+<file path=ppt/slides/slide24.xml><?xml version="1.0" encoding="utf-8"?>
 <p:sld xmlns:a="http://schemas.openxmlformats.org/drawingml/2006/main" xmlns:r="http://schemas.openxmlformats.org/officeDocument/2006/relationships" xmlns:p="http://schemas.openxmlformats.org/presentationml/2006/main">
   <p:cSld>
     <p:spTree>
@@ -15502,8 +15299,8 @@
         </p:nvSpPr>
         <p:spPr>
           <a:xfrm>
-            <a:off x="0" y="949202"/>
-            <a:ext cx="3981450" cy="5810250"/>
+            <a:off x="0" y="719689"/>
+            <a:ext cx="3981450" cy="6138311"/>
           </a:xfrm>
         </p:spPr>
         <p:txBody>
@@ -15643,7 +15440,7 @@
             <a:fld id="{6408349E-6932-463E-ABE1-6FC2A2453113}" type="slidenum">
               <a:rPr kumimoji="1" lang="ja-JP" altLang="en-US" smtClean="0"/>
               <a:pPr/>
-              <a:t>23</a:t>
+              <a:t>24</a:t>
             </a:fld>
             <a:endParaRPr kumimoji="1" lang="ja-JP" altLang="en-US"/>
           </a:p>
@@ -15857,7 +15654,7 @@
 </p:sld>
 </file>
 
-<file path=ppt/slides/slide24.xml><?xml version="1.0" encoding="utf-8"?>
+<file path=ppt/slides/slide25.xml><?xml version="1.0" encoding="utf-8"?>
 <p:sld xmlns:a="http://schemas.openxmlformats.org/drawingml/2006/main" xmlns:r="http://schemas.openxmlformats.org/officeDocument/2006/relationships" xmlns:p="http://schemas.openxmlformats.org/presentationml/2006/main">
   <p:cSld>
     <p:spTree>
@@ -16073,7 +15870,7 @@
             <a:fld id="{6408349E-6932-463E-ABE1-6FC2A2453113}" type="slidenum">
               <a:rPr kumimoji="1" lang="ja-JP" altLang="en-US" smtClean="0"/>
               <a:pPr/>
-              <a:t>24</a:t>
+              <a:t>25</a:t>
             </a:fld>
             <a:endParaRPr kumimoji="1" lang="ja-JP" altLang="en-US"/>
           </a:p>
@@ -16272,7 +16069,7 @@
 </p:sld>
 </file>
 
-<file path=ppt/slides/slide25.xml><?xml version="1.0" encoding="utf-8"?>
+<file path=ppt/slides/slide26.xml><?xml version="1.0" encoding="utf-8"?>
 <p:sld xmlns:a="http://schemas.openxmlformats.org/drawingml/2006/main" xmlns:r="http://schemas.openxmlformats.org/officeDocument/2006/relationships" xmlns:p="http://schemas.openxmlformats.org/presentationml/2006/main">
   <p:cSld>
     <p:spTree>
@@ -16476,7 +16273,7 @@
             <a:fld id="{6408349E-6932-463E-ABE1-6FC2A2453113}" type="slidenum">
               <a:rPr kumimoji="1" lang="ja-JP" altLang="en-US" smtClean="0"/>
               <a:pPr/>
-              <a:t>25</a:t>
+              <a:t>26</a:t>
             </a:fld>
             <a:endParaRPr kumimoji="1" lang="ja-JP" altLang="en-US"/>
           </a:p>
@@ -16675,7 +16472,7 @@
 </p:sld>
 </file>
 
-<file path=ppt/slides/slide26.xml><?xml version="1.0" encoding="utf-8"?>
+<file path=ppt/slides/slide27.xml><?xml version="1.0" encoding="utf-8"?>
 <p:sld xmlns:a="http://schemas.openxmlformats.org/drawingml/2006/main" xmlns:r="http://schemas.openxmlformats.org/officeDocument/2006/relationships" xmlns:p="http://schemas.openxmlformats.org/presentationml/2006/main">
   <p:cSld>
     <p:spTree>
@@ -16878,7 +16675,7 @@
             <a:fld id="{6408349E-6932-463E-ABE1-6FC2A2453113}" type="slidenum">
               <a:rPr kumimoji="1" lang="ja-JP" altLang="en-US" smtClean="0"/>
               <a:pPr/>
-              <a:t>26</a:t>
+              <a:t>27</a:t>
             </a:fld>
             <a:endParaRPr kumimoji="1" lang="ja-JP" altLang="en-US"/>
           </a:p>
@@ -17077,7 +16874,7 @@
 </p:sld>
 </file>
 
-<file path=ppt/slides/slide27.xml><?xml version="1.0" encoding="utf-8"?>
+<file path=ppt/slides/slide28.xml><?xml version="1.0" encoding="utf-8"?>
 <p:sld xmlns:a="http://schemas.openxmlformats.org/drawingml/2006/main" xmlns:r="http://schemas.openxmlformats.org/officeDocument/2006/relationships" xmlns:p="http://schemas.openxmlformats.org/presentationml/2006/main">
   <p:cSld>
     <p:spTree>
@@ -17301,7 +17098,7 @@
             <a:fld id="{6408349E-6932-463E-ABE1-6FC2A2453113}" type="slidenum">
               <a:rPr kumimoji="1" lang="ja-JP" altLang="en-US" smtClean="0"/>
               <a:pPr/>
-              <a:t>27</a:t>
+              <a:t>28</a:t>
             </a:fld>
             <a:endParaRPr kumimoji="1" lang="ja-JP" altLang="en-US"/>
           </a:p>
@@ -17500,7 +17297,7 @@
 </p:sld>
 </file>
 
-<file path=ppt/slides/slide28.xml><?xml version="1.0" encoding="utf-8"?>
+<file path=ppt/slides/slide29.xml><?xml version="1.0" encoding="utf-8"?>
 <p:sld xmlns:a="http://schemas.openxmlformats.org/drawingml/2006/main" xmlns:r="http://schemas.openxmlformats.org/officeDocument/2006/relationships" xmlns:p="http://schemas.openxmlformats.org/presentationml/2006/main">
   <p:cSld>
     <p:spTree>
@@ -17708,7 +17505,7 @@
             <a:fld id="{6408349E-6932-463E-ABE1-6FC2A2453113}" type="slidenum">
               <a:rPr kumimoji="1" lang="ja-JP" altLang="en-US" smtClean="0"/>
               <a:pPr/>
-              <a:t>28</a:t>
+              <a:t>29</a:t>
             </a:fld>
             <a:endParaRPr kumimoji="1" lang="ja-JP" altLang="en-US"/>
           </a:p>
@@ -17907,7 +17704,829 @@
 </p:sld>
 </file>
 
-<file path=ppt/slides/slide29.xml><?xml version="1.0" encoding="utf-8"?>
+<file path=ppt/slides/slide3.xml><?xml version="1.0" encoding="utf-8"?>
+<p:sld xmlns:a="http://schemas.openxmlformats.org/drawingml/2006/main" xmlns:r="http://schemas.openxmlformats.org/officeDocument/2006/relationships" xmlns:p="http://schemas.openxmlformats.org/presentationml/2006/main">
+  <p:cSld>
+    <p:spTree>
+      <p:nvGrpSpPr>
+        <p:cNvPr id="1" name=""/>
+        <p:cNvGrpSpPr/>
+        <p:nvPr/>
+      </p:nvGrpSpPr>
+      <p:grpSpPr>
+        <a:xfrm>
+          <a:off x="0" y="0"/>
+          <a:ext cx="0" cy="0"/>
+          <a:chOff x="0" y="0"/>
+          <a:chExt cx="0" cy="0"/>
+        </a:xfrm>
+      </p:grpSpPr>
+      <p:sp>
+        <p:nvSpPr>
+          <p:cNvPr id="3" name="テキスト プレースホルダー 2">
+            <a:extLst>
+              <a:ext uri="{FF2B5EF4-FFF2-40B4-BE49-F238E27FC236}">
+                <a16:creationId xmlns:a16="http://schemas.microsoft.com/office/drawing/2014/main" id="{6CA3D4EC-B507-53D8-AABD-00E5AA4F82CE}"/>
+              </a:ext>
+            </a:extLst>
+          </p:cNvPr>
+          <p:cNvSpPr>
+            <a:spLocks noGrp="1"/>
+          </p:cNvSpPr>
+          <p:nvPr>
+            <p:ph type="body" sz="quarter" idx="24"/>
+          </p:nvPr>
+        </p:nvSpPr>
+        <p:spPr>
+          <a:xfrm>
+            <a:off x="0" y="1177294"/>
+            <a:ext cx="9906000" cy="5336227"/>
+          </a:xfrm>
+        </p:spPr>
+        <p:txBody>
+          <a:bodyPr/>
+          <a:lstStyle/>
+          <a:p>
+            <a:r>
+              <a:rPr lang="ja-JP" altLang="en-US" sz="4000"/>
+              <a:t>本スライドで用いている図には，</a:t>
+            </a:r>
+            <a:r>
+              <a:rPr lang="ja-JP" altLang="en-US" sz="4000">
+                <a:solidFill>
+                  <a:schemeClr val="accent6"/>
+                </a:solidFill>
+              </a:rPr>
+              <a:t>著作権上配布できないもの</a:t>
+            </a:r>
+            <a:r>
+              <a:rPr lang="ja-JP" altLang="en-US" sz="4000"/>
+              <a:t>を含みます．</a:t>
+            </a:r>
+            <a:endParaRPr lang="en-US" altLang="ja-JP" sz="4000"/>
+          </a:p>
+          <a:p>
+            <a:r>
+              <a:rPr lang="ja-JP" altLang="en-US" sz="4000"/>
+              <a:t>そのため，</a:t>
+            </a:r>
+            <a:r>
+              <a:rPr lang="ja-JP" altLang="en-US" sz="4000">
+                <a:solidFill>
+                  <a:schemeClr val="accent6"/>
+                </a:solidFill>
+              </a:rPr>
+              <a:t>スライドを撮影する行為は禁止</a:t>
+            </a:r>
+            <a:r>
+              <a:rPr lang="ja-JP" altLang="en-US" sz="4000"/>
+              <a:t>です．</a:t>
+            </a:r>
+            <a:endParaRPr lang="en-US" altLang="ja-JP" sz="4000"/>
+          </a:p>
+          <a:p>
+            <a:r>
+              <a:rPr lang="ja-JP" altLang="en-US" sz="4000"/>
+              <a:t>配布資料は，</a:t>
+            </a:r>
+            <a:r>
+              <a:rPr lang="en-US" altLang="ja-JP" sz="4000"/>
+              <a:t>QR</a:t>
+            </a:r>
+            <a:r>
+              <a:rPr lang="ja-JP" altLang="en-US" sz="4000"/>
+              <a:t>コードからダウンロードできます．</a:t>
+            </a:r>
+            <a:endParaRPr lang="en-US" altLang="ja-JP" sz="4000"/>
+          </a:p>
+          <a:p>
+            <a:r>
+              <a:rPr lang="ja-JP" altLang="en-US" sz="4000"/>
+              <a:t>質問があれば</a:t>
+            </a:r>
+            <a:r>
+              <a:rPr lang="ja-JP" altLang="en-US" sz="4000">
+                <a:solidFill>
+                  <a:schemeClr val="accent6"/>
+                </a:solidFill>
+              </a:rPr>
+              <a:t>自由に発言しても</a:t>
+            </a:r>
+            <a:r>
+              <a:rPr lang="ja-JP" altLang="en-US" sz="4000"/>
+              <a:t>大丈夫です．歓迎いたします！</a:t>
+            </a:r>
+            <a:endParaRPr lang="en-US" altLang="ja-JP" sz="4000"/>
+          </a:p>
+        </p:txBody>
+      </p:sp>
+      <p:sp>
+        <p:nvSpPr>
+          <p:cNvPr id="2" name="スライド番号プレースホルダー 1">
+            <a:extLst>
+              <a:ext uri="{FF2B5EF4-FFF2-40B4-BE49-F238E27FC236}">
+                <a16:creationId xmlns:a16="http://schemas.microsoft.com/office/drawing/2014/main" id="{817CE4B4-649F-F539-09A3-F986C6C154C4}"/>
+              </a:ext>
+            </a:extLst>
+          </p:cNvPr>
+          <p:cNvSpPr>
+            <a:spLocks noGrp="1"/>
+          </p:cNvSpPr>
+          <p:nvPr>
+            <p:ph type="sldNum" sz="quarter" idx="26"/>
+          </p:nvPr>
+        </p:nvSpPr>
+        <p:spPr/>
+        <p:txBody>
+          <a:bodyPr/>
+          <a:lstStyle/>
+          <a:p>
+            <a:fld id="{6408349E-6932-463E-ABE1-6FC2A2453113}" type="slidenum">
+              <a:rPr kumimoji="1" lang="ja-JP" altLang="en-US" smtClean="0"/>
+              <a:pPr/>
+              <a:t>3</a:t>
+            </a:fld>
+            <a:endParaRPr kumimoji="1" lang="ja-JP" altLang="en-US"/>
+          </a:p>
+        </p:txBody>
+      </p:sp>
+      <p:sp>
+        <p:nvSpPr>
+          <p:cNvPr id="4" name="タイトル 3">
+            <a:extLst>
+              <a:ext uri="{FF2B5EF4-FFF2-40B4-BE49-F238E27FC236}">
+                <a16:creationId xmlns:a16="http://schemas.microsoft.com/office/drawing/2014/main" id="{9AA1022B-C3F0-E887-9C44-646F1AB3B162}"/>
+              </a:ext>
+            </a:extLst>
+          </p:cNvPr>
+          <p:cNvSpPr>
+            <a:spLocks noGrp="1"/>
+          </p:cNvSpPr>
+          <p:nvPr>
+            <p:ph type="title"/>
+          </p:nvPr>
+        </p:nvSpPr>
+        <p:spPr/>
+        <p:txBody>
+          <a:bodyPr/>
+          <a:lstStyle/>
+          <a:p>
+            <a:r>
+              <a:rPr lang="ja-JP" altLang="en-US"/>
+              <a:t>留意事項</a:t>
+            </a:r>
+          </a:p>
+        </p:txBody>
+      </p:sp>
+      <p:sp>
+        <p:nvSpPr>
+          <p:cNvPr id="6" name="正方形/長方形 5" descr="白い背景">
+            <a:extLst>
+              <a:ext uri="{FF2B5EF4-FFF2-40B4-BE49-F238E27FC236}">
+                <a16:creationId xmlns:a16="http://schemas.microsoft.com/office/drawing/2014/main" id="{5C3C1B82-DEA2-0A22-D13E-1B1E1CA83B1C}"/>
+              </a:ext>
+            </a:extLst>
+          </p:cNvPr>
+          <p:cNvSpPr/>
+          <p:nvPr/>
+        </p:nvSpPr>
+        <p:spPr>
+          <a:xfrm>
+            <a:off x="-3" y="1231006"/>
+            <a:ext cx="9906000" cy="5282515"/>
+          </a:xfrm>
+          <a:prstGeom prst="rect">
+            <a:avLst/>
+          </a:prstGeom>
+          <a:solidFill>
+            <a:schemeClr val="bg1">
+              <a:alpha val="80000"/>
+            </a:schemeClr>
+          </a:solidFill>
+          <a:ln>
+            <a:noFill/>
+          </a:ln>
+        </p:spPr>
+        <p:style>
+          <a:lnRef idx="2">
+            <a:schemeClr val="accent1">
+              <a:shade val="15000"/>
+            </a:schemeClr>
+          </a:lnRef>
+          <a:fillRef idx="1">
+            <a:schemeClr val="accent1"/>
+          </a:fillRef>
+          <a:effectRef idx="0">
+            <a:schemeClr val="accent1"/>
+          </a:effectRef>
+          <a:fontRef idx="minor">
+            <a:schemeClr val="lt1"/>
+          </a:fontRef>
+        </p:style>
+        <p:txBody>
+          <a:bodyPr rtlCol="0" anchor="ctr"/>
+          <a:lstStyle/>
+          <a:p>
+            <a:pPr algn="ctr"/>
+            <a:endParaRPr kumimoji="1" lang="ja-JP" altLang="en-US"/>
+          </a:p>
+        </p:txBody>
+      </p:sp>
+      <p:pic>
+        <p:nvPicPr>
+          <p:cNvPr id="8" name="図 7" descr="QR コード&#10;&#10;AI 生成コンテンツは誤りを含む可能性があります。">
+            <a:extLst>
+              <a:ext uri="{FF2B5EF4-FFF2-40B4-BE49-F238E27FC236}">
+                <a16:creationId xmlns:a16="http://schemas.microsoft.com/office/drawing/2014/main" id="{947156AC-5732-3F7E-C496-CF1E57B20250}"/>
+              </a:ext>
+            </a:extLst>
+          </p:cNvPr>
+          <p:cNvPicPr>
+            <a:picLocks noChangeAspect="1"/>
+          </p:cNvPicPr>
+          <p:nvPr/>
+        </p:nvPicPr>
+        <p:blipFill>
+          <a:blip r:embed="rId2">
+            <a:extLst>
+              <a:ext uri="{28A0092B-C50C-407E-A947-70E740481C1C}">
+                <a14:useLocalDpi xmlns:a14="http://schemas.microsoft.com/office/drawing/2010/main" val="0"/>
+              </a:ext>
+            </a:extLst>
+          </a:blip>
+          <a:stretch>
+            <a:fillRect/>
+          </a:stretch>
+        </p:blipFill>
+        <p:spPr>
+          <a:xfrm>
+            <a:off x="2842511" y="1195183"/>
+            <a:ext cx="4220965" cy="4220965"/>
+          </a:xfrm>
+          <a:prstGeom prst="rect">
+            <a:avLst/>
+          </a:prstGeom>
+        </p:spPr>
+      </p:pic>
+      <p:sp>
+        <p:nvSpPr>
+          <p:cNvPr id="5" name="正方形/長方形 4">
+            <a:extLst>
+              <a:ext uri="{FF2B5EF4-FFF2-40B4-BE49-F238E27FC236}">
+                <a16:creationId xmlns:a16="http://schemas.microsoft.com/office/drawing/2014/main" id="{0E83778E-CF34-722D-0238-1CED0B4C15B9}"/>
+              </a:ext>
+            </a:extLst>
+          </p:cNvPr>
+          <p:cNvSpPr/>
+          <p:nvPr/>
+        </p:nvSpPr>
+        <p:spPr>
+          <a:xfrm>
+            <a:off x="731220" y="5281713"/>
+            <a:ext cx="8681721" cy="1181625"/>
+          </a:xfrm>
+          <a:prstGeom prst="rect">
+            <a:avLst/>
+          </a:prstGeom>
+        </p:spPr>
+        <p:style>
+          <a:lnRef idx="1">
+            <a:schemeClr val="accent5"/>
+          </a:lnRef>
+          <a:fillRef idx="2">
+            <a:schemeClr val="accent5"/>
+          </a:fillRef>
+          <a:effectRef idx="1">
+            <a:schemeClr val="accent5"/>
+          </a:effectRef>
+          <a:fontRef idx="minor">
+            <a:schemeClr val="dk1"/>
+          </a:fontRef>
+        </p:style>
+        <p:txBody>
+          <a:bodyPr rtlCol="0" anchor="ctr"/>
+          <a:lstStyle/>
+          <a:p>
+            <a:r>
+              <a:rPr lang="ja-JP" altLang="en-US" sz="3200"/>
+              <a:t>本日の授業は覚えるではなく，</a:t>
+            </a:r>
+            <a:r>
+              <a:rPr lang="ja-JP" altLang="en-US" sz="3200">
+                <a:solidFill>
+                  <a:schemeClr val="accent6"/>
+                </a:solidFill>
+              </a:rPr>
+              <a:t>「感じる」</a:t>
+            </a:r>
+            <a:r>
+              <a:rPr lang="ja-JP" altLang="en-US" sz="3200"/>
+              <a:t>ということを大切にして</a:t>
+            </a:r>
+            <a:r>
+              <a:rPr lang="ja-JP" altLang="en-US" sz="3200">
+                <a:solidFill>
+                  <a:schemeClr val="accent6"/>
+                </a:solidFill>
+              </a:rPr>
+              <a:t>考えてください！</a:t>
+            </a:r>
+            <a:endParaRPr lang="ja-JP" altLang="en-US" sz="3200"/>
+          </a:p>
+        </p:txBody>
+      </p:sp>
+    </p:spTree>
+    <p:extLst>
+      <p:ext uri="{BB962C8B-B14F-4D97-AF65-F5344CB8AC3E}">
+        <p14:creationId xmlns:p14="http://schemas.microsoft.com/office/powerpoint/2010/main" val="2214836228"/>
+      </p:ext>
+    </p:extLst>
+  </p:cSld>
+  <p:clrMapOvr>
+    <a:masterClrMapping/>
+  </p:clrMapOvr>
+  <mc:AlternateContent xmlns:mc="http://schemas.openxmlformats.org/markup-compatibility/2006" xmlns:p14="http://schemas.microsoft.com/office/powerpoint/2010/main">
+    <mc:Choice Requires="p14">
+      <p:transition spd="med" p14:dur="700">
+        <p:fade/>
+      </p:transition>
+    </mc:Choice>
+    <mc:Fallback xmlns="">
+      <p:transition spd="med">
+        <p:fade/>
+      </p:transition>
+    </mc:Fallback>
+  </mc:AlternateContent>
+  <p:timing>
+    <p:tnLst>
+      <p:par>
+        <p:cTn id="1" dur="indefinite" restart="never" nodeType="tmRoot">
+          <p:childTnLst>
+            <p:seq concurrent="1" nextAc="seek">
+              <p:cTn id="2" dur="indefinite" nodeType="mainSeq">
+                <p:childTnLst>
+                  <p:par>
+                    <p:cTn id="3" fill="hold">
+                      <p:stCondLst>
+                        <p:cond delay="indefinite"/>
+                      </p:stCondLst>
+                      <p:childTnLst>
+                        <p:par>
+                          <p:cTn id="4" fill="hold">
+                            <p:stCondLst>
+                              <p:cond delay="0"/>
+                            </p:stCondLst>
+                            <p:childTnLst>
+                              <p:par>
+                                <p:cTn id="5" presetID="10" presetClass="entr" presetSubtype="0" fill="hold" grpId="0" nodeType="clickEffect">
+                                  <p:stCondLst>
+                                    <p:cond delay="0"/>
+                                  </p:stCondLst>
+                                  <p:childTnLst>
+                                    <p:set>
+                                      <p:cBhvr>
+                                        <p:cTn id="6" dur="1" fill="hold">
+                                          <p:stCondLst>
+                                            <p:cond delay="0"/>
+                                          </p:stCondLst>
+                                        </p:cTn>
+                                        <p:tgtEl>
+                                          <p:spTgt spid="3">
+                                            <p:txEl>
+                                              <p:pRg st="0" end="0"/>
+                                            </p:txEl>
+                                          </p:spTgt>
+                                        </p:tgtEl>
+                                        <p:attrNameLst>
+                                          <p:attrName>style.visibility</p:attrName>
+                                        </p:attrNameLst>
+                                      </p:cBhvr>
+                                      <p:to>
+                                        <p:strVal val="visible"/>
+                                      </p:to>
+                                    </p:set>
+                                    <p:animEffect transition="in" filter="fade">
+                                      <p:cBhvr>
+                                        <p:cTn id="7" dur="500"/>
+                                        <p:tgtEl>
+                                          <p:spTgt spid="3">
+                                            <p:txEl>
+                                              <p:pRg st="0" end="0"/>
+                                            </p:txEl>
+                                          </p:spTgt>
+                                        </p:tgtEl>
+                                      </p:cBhvr>
+                                    </p:animEffect>
+                                  </p:childTnLst>
+                                </p:cTn>
+                              </p:par>
+                            </p:childTnLst>
+                          </p:cTn>
+                        </p:par>
+                      </p:childTnLst>
+                    </p:cTn>
+                  </p:par>
+                  <p:par>
+                    <p:cTn id="8" fill="hold">
+                      <p:stCondLst>
+                        <p:cond delay="indefinite"/>
+                      </p:stCondLst>
+                      <p:childTnLst>
+                        <p:par>
+                          <p:cTn id="9" fill="hold">
+                            <p:stCondLst>
+                              <p:cond delay="0"/>
+                            </p:stCondLst>
+                            <p:childTnLst>
+                              <p:par>
+                                <p:cTn id="10" presetID="10" presetClass="entr" presetSubtype="0" fill="hold" grpId="0" nodeType="clickEffect">
+                                  <p:stCondLst>
+                                    <p:cond delay="0"/>
+                                  </p:stCondLst>
+                                  <p:childTnLst>
+                                    <p:set>
+                                      <p:cBhvr>
+                                        <p:cTn id="11" dur="1" fill="hold">
+                                          <p:stCondLst>
+                                            <p:cond delay="0"/>
+                                          </p:stCondLst>
+                                        </p:cTn>
+                                        <p:tgtEl>
+                                          <p:spTgt spid="3">
+                                            <p:txEl>
+                                              <p:pRg st="1" end="1"/>
+                                            </p:txEl>
+                                          </p:spTgt>
+                                        </p:tgtEl>
+                                        <p:attrNameLst>
+                                          <p:attrName>style.visibility</p:attrName>
+                                        </p:attrNameLst>
+                                      </p:cBhvr>
+                                      <p:to>
+                                        <p:strVal val="visible"/>
+                                      </p:to>
+                                    </p:set>
+                                    <p:animEffect transition="in" filter="fade">
+                                      <p:cBhvr>
+                                        <p:cTn id="12" dur="500"/>
+                                        <p:tgtEl>
+                                          <p:spTgt spid="3">
+                                            <p:txEl>
+                                              <p:pRg st="1" end="1"/>
+                                            </p:txEl>
+                                          </p:spTgt>
+                                        </p:tgtEl>
+                                      </p:cBhvr>
+                                    </p:animEffect>
+                                  </p:childTnLst>
+                                </p:cTn>
+                              </p:par>
+                            </p:childTnLst>
+                          </p:cTn>
+                        </p:par>
+                      </p:childTnLst>
+                    </p:cTn>
+                  </p:par>
+                  <p:par>
+                    <p:cTn id="13" fill="hold">
+                      <p:stCondLst>
+                        <p:cond delay="indefinite"/>
+                      </p:stCondLst>
+                      <p:childTnLst>
+                        <p:par>
+                          <p:cTn id="14" fill="hold">
+                            <p:stCondLst>
+                              <p:cond delay="0"/>
+                            </p:stCondLst>
+                            <p:childTnLst>
+                              <p:par>
+                                <p:cTn id="15" presetID="10" presetClass="entr" presetSubtype="0" fill="hold" grpId="0" nodeType="clickEffect">
+                                  <p:stCondLst>
+                                    <p:cond delay="0"/>
+                                  </p:stCondLst>
+                                  <p:childTnLst>
+                                    <p:set>
+                                      <p:cBhvr>
+                                        <p:cTn id="16" dur="1" fill="hold">
+                                          <p:stCondLst>
+                                            <p:cond delay="0"/>
+                                          </p:stCondLst>
+                                        </p:cTn>
+                                        <p:tgtEl>
+                                          <p:spTgt spid="3">
+                                            <p:txEl>
+                                              <p:pRg st="2" end="2"/>
+                                            </p:txEl>
+                                          </p:spTgt>
+                                        </p:tgtEl>
+                                        <p:attrNameLst>
+                                          <p:attrName>style.visibility</p:attrName>
+                                        </p:attrNameLst>
+                                      </p:cBhvr>
+                                      <p:to>
+                                        <p:strVal val="visible"/>
+                                      </p:to>
+                                    </p:set>
+                                    <p:animEffect transition="in" filter="fade">
+                                      <p:cBhvr>
+                                        <p:cTn id="17" dur="500"/>
+                                        <p:tgtEl>
+                                          <p:spTgt spid="3">
+                                            <p:txEl>
+                                              <p:pRg st="2" end="2"/>
+                                            </p:txEl>
+                                          </p:spTgt>
+                                        </p:tgtEl>
+                                      </p:cBhvr>
+                                    </p:animEffect>
+                                  </p:childTnLst>
+                                </p:cTn>
+                              </p:par>
+                            </p:childTnLst>
+                          </p:cTn>
+                        </p:par>
+                      </p:childTnLst>
+                    </p:cTn>
+                  </p:par>
+                  <p:par>
+                    <p:cTn id="18" fill="hold">
+                      <p:stCondLst>
+                        <p:cond delay="indefinite"/>
+                      </p:stCondLst>
+                      <p:childTnLst>
+                        <p:par>
+                          <p:cTn id="19" fill="hold">
+                            <p:stCondLst>
+                              <p:cond delay="0"/>
+                            </p:stCondLst>
+                            <p:childTnLst>
+                              <p:par>
+                                <p:cTn id="20" presetID="10" presetClass="entr" presetSubtype="0" fill="hold" grpId="0" nodeType="clickEffect">
+                                  <p:stCondLst>
+                                    <p:cond delay="0"/>
+                                  </p:stCondLst>
+                                  <p:childTnLst>
+                                    <p:set>
+                                      <p:cBhvr>
+                                        <p:cTn id="21" dur="1" fill="hold">
+                                          <p:stCondLst>
+                                            <p:cond delay="0"/>
+                                          </p:stCondLst>
+                                        </p:cTn>
+                                        <p:tgtEl>
+                                          <p:spTgt spid="3">
+                                            <p:txEl>
+                                              <p:pRg st="3" end="3"/>
+                                            </p:txEl>
+                                          </p:spTgt>
+                                        </p:tgtEl>
+                                        <p:attrNameLst>
+                                          <p:attrName>style.visibility</p:attrName>
+                                        </p:attrNameLst>
+                                      </p:cBhvr>
+                                      <p:to>
+                                        <p:strVal val="visible"/>
+                                      </p:to>
+                                    </p:set>
+                                    <p:animEffect transition="in" filter="fade">
+                                      <p:cBhvr>
+                                        <p:cTn id="22" dur="500"/>
+                                        <p:tgtEl>
+                                          <p:spTgt spid="3">
+                                            <p:txEl>
+                                              <p:pRg st="3" end="3"/>
+                                            </p:txEl>
+                                          </p:spTgt>
+                                        </p:tgtEl>
+                                      </p:cBhvr>
+                                    </p:animEffect>
+                                  </p:childTnLst>
+                                </p:cTn>
+                              </p:par>
+                            </p:childTnLst>
+                          </p:cTn>
+                        </p:par>
+                      </p:childTnLst>
+                    </p:cTn>
+                  </p:par>
+                  <p:par>
+                    <p:cTn id="23" fill="hold">
+                      <p:stCondLst>
+                        <p:cond delay="indefinite"/>
+                      </p:stCondLst>
+                      <p:childTnLst>
+                        <p:par>
+                          <p:cTn id="24" fill="hold">
+                            <p:stCondLst>
+                              <p:cond delay="0"/>
+                            </p:stCondLst>
+                            <p:childTnLst>
+                              <p:par>
+                                <p:cTn id="25" presetID="10" presetClass="entr" presetSubtype="0" fill="hold" grpId="0" nodeType="clickEffect">
+                                  <p:stCondLst>
+                                    <p:cond delay="0"/>
+                                  </p:stCondLst>
+                                  <p:childTnLst>
+                                    <p:set>
+                                      <p:cBhvr>
+                                        <p:cTn id="26" dur="1" fill="hold">
+                                          <p:stCondLst>
+                                            <p:cond delay="0"/>
+                                          </p:stCondLst>
+                                        </p:cTn>
+                                        <p:tgtEl>
+                                          <p:spTgt spid="6"/>
+                                        </p:tgtEl>
+                                        <p:attrNameLst>
+                                          <p:attrName>style.visibility</p:attrName>
+                                        </p:attrNameLst>
+                                      </p:cBhvr>
+                                      <p:to>
+                                        <p:strVal val="visible"/>
+                                      </p:to>
+                                    </p:set>
+                                    <p:animEffect transition="in" filter="fade">
+                                      <p:cBhvr>
+                                        <p:cTn id="27" dur="500"/>
+                                        <p:tgtEl>
+                                          <p:spTgt spid="6"/>
+                                        </p:tgtEl>
+                                      </p:cBhvr>
+                                    </p:animEffect>
+                                  </p:childTnLst>
+                                </p:cTn>
+                              </p:par>
+                              <p:par>
+                                <p:cTn id="28" presetID="10" presetClass="entr" presetSubtype="0" fill="hold" nodeType="withEffect">
+                                  <p:stCondLst>
+                                    <p:cond delay="0"/>
+                                  </p:stCondLst>
+                                  <p:childTnLst>
+                                    <p:set>
+                                      <p:cBhvr>
+                                        <p:cTn id="29" dur="1" fill="hold">
+                                          <p:stCondLst>
+                                            <p:cond delay="0"/>
+                                          </p:stCondLst>
+                                        </p:cTn>
+                                        <p:tgtEl>
+                                          <p:spTgt spid="8"/>
+                                        </p:tgtEl>
+                                        <p:attrNameLst>
+                                          <p:attrName>style.visibility</p:attrName>
+                                        </p:attrNameLst>
+                                      </p:cBhvr>
+                                      <p:to>
+                                        <p:strVal val="visible"/>
+                                      </p:to>
+                                    </p:set>
+                                    <p:animEffect transition="in" filter="fade">
+                                      <p:cBhvr>
+                                        <p:cTn id="30" dur="500"/>
+                                        <p:tgtEl>
+                                          <p:spTgt spid="8"/>
+                                        </p:tgtEl>
+                                      </p:cBhvr>
+                                    </p:animEffect>
+                                  </p:childTnLst>
+                                </p:cTn>
+                              </p:par>
+                            </p:childTnLst>
+                          </p:cTn>
+                        </p:par>
+                      </p:childTnLst>
+                    </p:cTn>
+                  </p:par>
+                  <p:par>
+                    <p:cTn id="31" fill="hold">
+                      <p:stCondLst>
+                        <p:cond delay="indefinite"/>
+                      </p:stCondLst>
+                      <p:childTnLst>
+                        <p:par>
+                          <p:cTn id="32" fill="hold">
+                            <p:stCondLst>
+                              <p:cond delay="0"/>
+                            </p:stCondLst>
+                            <p:childTnLst>
+                              <p:par>
+                                <p:cTn id="33" presetID="50" presetClass="entr" presetSubtype="0" decel="100000" fill="hold" grpId="0" nodeType="clickEffect">
+                                  <p:stCondLst>
+                                    <p:cond delay="0"/>
+                                  </p:stCondLst>
+                                  <p:childTnLst>
+                                    <p:set>
+                                      <p:cBhvr>
+                                        <p:cTn id="34" dur="1" fill="hold">
+                                          <p:stCondLst>
+                                            <p:cond delay="0"/>
+                                          </p:stCondLst>
+                                        </p:cTn>
+                                        <p:tgtEl>
+                                          <p:spTgt spid="5"/>
+                                        </p:tgtEl>
+                                        <p:attrNameLst>
+                                          <p:attrName>style.visibility</p:attrName>
+                                        </p:attrNameLst>
+                                      </p:cBhvr>
+                                      <p:to>
+                                        <p:strVal val="visible"/>
+                                      </p:to>
+                                    </p:set>
+                                    <p:anim calcmode="lin" valueType="num">
+                                      <p:cBhvr>
+                                        <p:cTn id="35" dur="1000" fill="hold"/>
+                                        <p:tgtEl>
+                                          <p:spTgt spid="5"/>
+                                        </p:tgtEl>
+                                        <p:attrNameLst>
+                                          <p:attrName>ppt_w</p:attrName>
+                                        </p:attrNameLst>
+                                      </p:cBhvr>
+                                      <p:tavLst>
+                                        <p:tav tm="0">
+                                          <p:val>
+                                            <p:strVal val="#ppt_w+.3"/>
+                                          </p:val>
+                                        </p:tav>
+                                        <p:tav tm="100000">
+                                          <p:val>
+                                            <p:strVal val="#ppt_w"/>
+                                          </p:val>
+                                        </p:tav>
+                                      </p:tavLst>
+                                    </p:anim>
+                                    <p:anim calcmode="lin" valueType="num">
+                                      <p:cBhvr>
+                                        <p:cTn id="36" dur="1000" fill="hold"/>
+                                        <p:tgtEl>
+                                          <p:spTgt spid="5"/>
+                                        </p:tgtEl>
+                                        <p:attrNameLst>
+                                          <p:attrName>ppt_h</p:attrName>
+                                        </p:attrNameLst>
+                                      </p:cBhvr>
+                                      <p:tavLst>
+                                        <p:tav tm="0">
+                                          <p:val>
+                                            <p:strVal val="#ppt_h"/>
+                                          </p:val>
+                                        </p:tav>
+                                        <p:tav tm="100000">
+                                          <p:val>
+                                            <p:strVal val="#ppt_h"/>
+                                          </p:val>
+                                        </p:tav>
+                                      </p:tavLst>
+                                    </p:anim>
+                                    <p:animEffect transition="in" filter="fade">
+                                      <p:cBhvr>
+                                        <p:cTn id="37" dur="1000"/>
+                                        <p:tgtEl>
+                                          <p:spTgt spid="5"/>
+                                        </p:tgtEl>
+                                      </p:cBhvr>
+                                    </p:animEffect>
+                                  </p:childTnLst>
+                                </p:cTn>
+                              </p:par>
+                            </p:childTnLst>
+                          </p:cTn>
+                        </p:par>
+                      </p:childTnLst>
+                    </p:cTn>
+                  </p:par>
+                </p:childTnLst>
+              </p:cTn>
+              <p:prevCondLst>
+                <p:cond evt="onPrev" delay="0">
+                  <p:tgtEl>
+                    <p:sldTgt/>
+                  </p:tgtEl>
+                </p:cond>
+              </p:prevCondLst>
+              <p:nextCondLst>
+                <p:cond evt="onNext" delay="0">
+                  <p:tgtEl>
+                    <p:sldTgt/>
+                  </p:tgtEl>
+                </p:cond>
+              </p:nextCondLst>
+            </p:seq>
+          </p:childTnLst>
+        </p:cTn>
+      </p:par>
+    </p:tnLst>
+    <p:bldLst>
+      <p:bldP spid="3" grpId="0" uiExpand="1" build="p"/>
+      <p:bldP spid="6" grpId="0" animBg="1"/>
+      <p:bldP spid="5" grpId="0" animBg="1"/>
+    </p:bldLst>
+  </p:timing>
+</p:sld>
+</file>
+
+<file path=ppt/slides/slide30.xml><?xml version="1.0" encoding="utf-8"?>
 <p:sld xmlns:a="http://schemas.openxmlformats.org/drawingml/2006/main" xmlns:r="http://schemas.openxmlformats.org/officeDocument/2006/relationships" xmlns:p="http://schemas.openxmlformats.org/presentationml/2006/main">
   <p:cSld>
     <p:spTree>
@@ -18159,7 +18778,7 @@
             <a:fld id="{6408349E-6932-463E-ABE1-6FC2A2453113}" type="slidenum">
               <a:rPr kumimoji="1" lang="ja-JP" altLang="en-US" smtClean="0"/>
               <a:pPr/>
-              <a:t>29</a:t>
+              <a:t>30</a:t>
             </a:fld>
             <a:endParaRPr kumimoji="1" lang="ja-JP" altLang="en-US"/>
           </a:p>
@@ -18528,264 +19147,7 @@
 </p:sld>
 </file>
 
-<file path=ppt/slides/slide3.xml><?xml version="1.0" encoding="utf-8"?>
-<p:sld xmlns:a="http://schemas.openxmlformats.org/drawingml/2006/main" xmlns:r="http://schemas.openxmlformats.org/officeDocument/2006/relationships" xmlns:p="http://schemas.openxmlformats.org/presentationml/2006/main">
-  <p:cSld>
-    <p:spTree>
-      <p:nvGrpSpPr>
-        <p:cNvPr id="1" name="">
-          <a:extLst>
-            <a:ext uri="{FF2B5EF4-FFF2-40B4-BE49-F238E27FC236}">
-              <a16:creationId xmlns:a16="http://schemas.microsoft.com/office/drawing/2014/main" id="{D559C9B4-31F7-94D1-96FF-5224CE618F86}"/>
-            </a:ext>
-          </a:extLst>
-        </p:cNvPr>
-        <p:cNvGrpSpPr/>
-        <p:nvPr/>
-      </p:nvGrpSpPr>
-      <p:grpSpPr>
-        <a:xfrm>
-          <a:off x="0" y="0"/>
-          <a:ext cx="0" cy="0"/>
-          <a:chOff x="0" y="0"/>
-          <a:chExt cx="0" cy="0"/>
-        </a:xfrm>
-      </p:grpSpPr>
-      <p:sp>
-        <p:nvSpPr>
-          <p:cNvPr id="2" name="スライド番号プレースホルダー 7">
-            <a:extLst>
-              <a:ext uri="{FF2B5EF4-FFF2-40B4-BE49-F238E27FC236}">
-                <a16:creationId xmlns:a16="http://schemas.microsoft.com/office/drawing/2014/main" id="{5E38F804-9458-CC01-C693-891E7CCBA459}"/>
-              </a:ext>
-            </a:extLst>
-          </p:cNvPr>
-          <p:cNvSpPr>
-            <a:spLocks noGrp="1"/>
-          </p:cNvSpPr>
-          <p:nvPr>
-            <p:ph type="sldNum" sz="quarter" idx="26"/>
-          </p:nvPr>
-        </p:nvSpPr>
-        <p:spPr>
-          <a:prstGeom prst="rect">
-            <a:avLst/>
-          </a:prstGeom>
-        </p:spPr>
-        <p:txBody>
-          <a:bodyPr/>
-          <a:lstStyle>
-            <a:lvl1pPr algn="r">
-              <a:defRPr sz="2800">
-                <a:latin typeface="+mn-lt"/>
-              </a:defRPr>
-            </a:lvl1pPr>
-          </a:lstStyle>
-          <a:p>
-            <a:fld id="{6408349E-6932-463E-ABE1-6FC2A2453113}" type="slidenum">
-              <a:rPr kumimoji="1" lang="ja-JP" altLang="en-US" smtClean="0"/>
-              <a:pPr/>
-              <a:t>3</a:t>
-            </a:fld>
-            <a:endParaRPr kumimoji="1" lang="ja-JP" altLang="en-US"/>
-          </a:p>
-        </p:txBody>
-      </p:sp>
-      <p:sp>
-        <p:nvSpPr>
-          <p:cNvPr id="9" name="テキスト プレースホルダー 8">
-            <a:extLst>
-              <a:ext uri="{FF2B5EF4-FFF2-40B4-BE49-F238E27FC236}">
-                <a16:creationId xmlns:a16="http://schemas.microsoft.com/office/drawing/2014/main" id="{58258404-BC48-E340-20FA-CC1CEDC63499}"/>
-              </a:ext>
-            </a:extLst>
-          </p:cNvPr>
-          <p:cNvSpPr>
-            <a:spLocks noGrp="1"/>
-          </p:cNvSpPr>
-          <p:nvPr>
-            <p:ph type="body" sz="quarter" idx="24"/>
-          </p:nvPr>
-        </p:nvSpPr>
-        <p:spPr/>
-        <p:txBody>
-          <a:bodyPr/>
-          <a:lstStyle/>
-          <a:p>
-            <a:pPr marL="0" indent="0">
-              <a:lnSpc>
-                <a:spcPct val="150000"/>
-              </a:lnSpc>
-              <a:buNone/>
-            </a:pPr>
-            <a:r>
-              <a:rPr lang="ja-JP" altLang="en-US" sz="6600"/>
-              <a:t>風船の上に本を乗せて，</a:t>
-            </a:r>
-            <a:r>
-              <a:rPr lang="ja-JP" altLang="en-US" sz="6600">
-                <a:solidFill>
-                  <a:schemeClr val="accent6"/>
-                </a:solidFill>
-              </a:rPr>
-              <a:t>風船にかかる力</a:t>
-            </a:r>
-            <a:r>
-              <a:rPr lang="ja-JP" altLang="en-US" sz="6600"/>
-              <a:t>を考えた．</a:t>
-            </a:r>
-            <a:endParaRPr lang="en-US" altLang="ja-JP" sz="6600"/>
-          </a:p>
-        </p:txBody>
-      </p:sp>
-      <p:sp>
-        <p:nvSpPr>
-          <p:cNvPr id="4" name="タイトル 3">
-            <a:extLst>
-              <a:ext uri="{FF2B5EF4-FFF2-40B4-BE49-F238E27FC236}">
-                <a16:creationId xmlns:a16="http://schemas.microsoft.com/office/drawing/2014/main" id="{46822FD4-FFD9-C8F8-7031-8F7DC3037B4C}"/>
-              </a:ext>
-            </a:extLst>
-          </p:cNvPr>
-          <p:cNvSpPr>
-            <a:spLocks noGrp="1"/>
-          </p:cNvSpPr>
-          <p:nvPr>
-            <p:ph type="title"/>
-          </p:nvPr>
-        </p:nvSpPr>
-        <p:spPr/>
-        <p:txBody>
-          <a:bodyPr/>
-          <a:lstStyle/>
-          <a:p>
-            <a:r>
-              <a:rPr kumimoji="1" lang="ja-JP" altLang="en-US" sz="4000"/>
-              <a:t>前々回の実験</a:t>
-            </a:r>
-          </a:p>
-        </p:txBody>
-      </p:sp>
-    </p:spTree>
-    <p:extLst>
-      <p:ext uri="{BB962C8B-B14F-4D97-AF65-F5344CB8AC3E}">
-        <p14:creationId xmlns:p14="http://schemas.microsoft.com/office/powerpoint/2010/main" val="1848505358"/>
-      </p:ext>
-    </p:extLst>
-  </p:cSld>
-  <p:clrMapOvr>
-    <a:masterClrMapping/>
-  </p:clrMapOvr>
-  <mc:AlternateContent xmlns:mc="http://schemas.openxmlformats.org/markup-compatibility/2006" xmlns:p14="http://schemas.microsoft.com/office/powerpoint/2010/main">
-    <mc:Choice Requires="p14">
-      <p:transition spd="med" p14:dur="700">
-        <p:fade/>
-      </p:transition>
-    </mc:Choice>
-    <mc:Fallback xmlns="">
-      <p:transition spd="med">
-        <p:fade/>
-      </p:transition>
-    </mc:Fallback>
-  </mc:AlternateContent>
-  <p:timing>
-    <p:tnLst>
-      <p:par>
-        <p:cTn id="1" dur="indefinite" restart="never" nodeType="tmRoot">
-          <p:childTnLst>
-            <p:seq concurrent="1" nextAc="seek">
-              <p:cTn id="2" dur="indefinite" nodeType="mainSeq">
-                <p:childTnLst>
-                  <p:par>
-                    <p:cTn id="3" fill="hold">
-                      <p:stCondLst>
-                        <p:cond delay="indefinite"/>
-                      </p:stCondLst>
-                      <p:childTnLst>
-                        <p:par>
-                          <p:cTn id="4" fill="hold">
-                            <p:stCondLst>
-                              <p:cond delay="0"/>
-                            </p:stCondLst>
-                            <p:childTnLst>
-                              <p:par>
-                                <p:cTn id="5" presetID="10" presetClass="entr" presetSubtype="0" fill="hold" grpId="0" nodeType="clickEffect">
-                                  <p:stCondLst>
-                                    <p:cond delay="0"/>
-                                  </p:stCondLst>
-                                  <p:childTnLst>
-                                    <p:set>
-                                      <p:cBhvr>
-                                        <p:cTn id="6" dur="1" fill="hold">
-                                          <p:stCondLst>
-                                            <p:cond delay="0"/>
-                                          </p:stCondLst>
-                                        </p:cTn>
-                                        <p:tgtEl>
-                                          <p:spTgt spid="9">
-                                            <p:txEl>
-                                              <p:pRg st="0" end="0"/>
-                                            </p:txEl>
-                                          </p:spTgt>
-                                        </p:tgtEl>
-                                        <p:attrNameLst>
-                                          <p:attrName>style.visibility</p:attrName>
-                                        </p:attrNameLst>
-                                      </p:cBhvr>
-                                      <p:to>
-                                        <p:strVal val="visible"/>
-                                      </p:to>
-                                    </p:set>
-                                    <p:animEffect transition="in" filter="fade">
-                                      <p:cBhvr>
-                                        <p:cTn id="7" dur="500"/>
-                                        <p:tgtEl>
-                                          <p:spTgt spid="9">
-                                            <p:txEl>
-                                              <p:pRg st="0" end="0"/>
-                                            </p:txEl>
-                                          </p:spTgt>
-                                        </p:tgtEl>
-                                      </p:cBhvr>
-                                    </p:animEffect>
-                                  </p:childTnLst>
-                                </p:cTn>
-                              </p:par>
-                            </p:childTnLst>
-                          </p:cTn>
-                        </p:par>
-                      </p:childTnLst>
-                    </p:cTn>
-                  </p:par>
-                </p:childTnLst>
-              </p:cTn>
-              <p:prevCondLst>
-                <p:cond evt="onPrev" delay="0">
-                  <p:tgtEl>
-                    <p:sldTgt/>
-                  </p:tgtEl>
-                </p:cond>
-              </p:prevCondLst>
-              <p:nextCondLst>
-                <p:cond evt="onNext" delay="0">
-                  <p:tgtEl>
-                    <p:sldTgt/>
-                  </p:tgtEl>
-                </p:cond>
-              </p:nextCondLst>
-            </p:seq>
-          </p:childTnLst>
-        </p:cTn>
-      </p:par>
-    </p:tnLst>
-    <p:bldLst>
-      <p:bldP spid="9" grpId="0" build="p"/>
-    </p:bldLst>
-  </p:timing>
-</p:sld>
-</file>
-
-<file path=ppt/slides/slide30.xml><?xml version="1.0" encoding="utf-8"?>
+<file path=ppt/slides/slide31.xml><?xml version="1.0" encoding="utf-8"?>
 <p:sld xmlns:a="http://schemas.openxmlformats.org/drawingml/2006/main" xmlns:r="http://schemas.openxmlformats.org/officeDocument/2006/relationships" xmlns:p="http://schemas.openxmlformats.org/presentationml/2006/main">
   <p:cSld>
     <p:spTree>
@@ -18855,7 +19217,7 @@
 </p:sld>
 </file>
 
-<file path=ppt/slides/slide31.xml><?xml version="1.0" encoding="utf-8"?>
+<file path=ppt/slides/slide32.xml><?xml version="1.0" encoding="utf-8"?>
 <p:sld xmlns:a="http://schemas.openxmlformats.org/drawingml/2006/main" xmlns:r="http://schemas.openxmlformats.org/officeDocument/2006/relationships" xmlns:p="http://schemas.openxmlformats.org/presentationml/2006/main">
   <p:cSld>
     <p:spTree>
@@ -18948,14 +19310,14 @@
             <a:fld id="{6408349E-6932-463E-ABE1-6FC2A2453113}" type="slidenum">
               <a:rPr kumimoji="1" lang="ja-JP" altLang="en-US" smtClean="0"/>
               <a:pPr/>
-              <a:t>31</a:t>
+              <a:t>32</a:t>
             </a:fld>
             <a:endParaRPr kumimoji="1" lang="ja-JP" altLang="en-US"/>
           </a:p>
         </p:txBody>
       </p:sp>
-      <mc:AlternateContent xmlns:mc="http://schemas.openxmlformats.org/markup-compatibility/2006" xmlns:we="http://schemas.microsoft.com/office/webextensions/webextension/2010/11" xmlns:pca="http://schemas.microsoft.com/office/powerpoint/2013/contentapp">
-        <mc:Choice Requires="we pca">
+      <mc:AlternateContent xmlns:mc="http://schemas.openxmlformats.org/markup-compatibility/2006">
+        <mc:Choice xmlns:we="http://schemas.microsoft.com/office/webextensions/webextension/2010/11" xmlns:pca="http://schemas.microsoft.com/office/powerpoint/2013/contentapp" Requires="we pca">
           <p:graphicFrame>
             <p:nvGraphicFramePr>
               <p:cNvPr id="6" name="アドイン 5" title="Forms">
@@ -18987,7 +19349,7 @@
             </a:graphic>
           </p:graphicFrame>
         </mc:Choice>
-        <mc:Fallback xmlns="">
+        <mc:Fallback>
           <p:pic>
             <p:nvPicPr>
               <p:cNvPr id="6" name="アドイン 5" title="Forms">
@@ -19050,6 +19412,263 @@
   <p:cSld>
     <p:spTree>
       <p:nvGrpSpPr>
+        <p:cNvPr id="1" name="">
+          <a:extLst>
+            <a:ext uri="{FF2B5EF4-FFF2-40B4-BE49-F238E27FC236}">
+              <a16:creationId xmlns:a16="http://schemas.microsoft.com/office/drawing/2014/main" id="{D559C9B4-31F7-94D1-96FF-5224CE618F86}"/>
+            </a:ext>
+          </a:extLst>
+        </p:cNvPr>
+        <p:cNvGrpSpPr/>
+        <p:nvPr/>
+      </p:nvGrpSpPr>
+      <p:grpSpPr>
+        <a:xfrm>
+          <a:off x="0" y="0"/>
+          <a:ext cx="0" cy="0"/>
+          <a:chOff x="0" y="0"/>
+          <a:chExt cx="0" cy="0"/>
+        </a:xfrm>
+      </p:grpSpPr>
+      <p:sp>
+        <p:nvSpPr>
+          <p:cNvPr id="2" name="スライド番号プレースホルダー 7">
+            <a:extLst>
+              <a:ext uri="{FF2B5EF4-FFF2-40B4-BE49-F238E27FC236}">
+                <a16:creationId xmlns:a16="http://schemas.microsoft.com/office/drawing/2014/main" id="{5E38F804-9458-CC01-C693-891E7CCBA459}"/>
+              </a:ext>
+            </a:extLst>
+          </p:cNvPr>
+          <p:cNvSpPr>
+            <a:spLocks noGrp="1"/>
+          </p:cNvSpPr>
+          <p:nvPr>
+            <p:ph type="sldNum" sz="quarter" idx="26"/>
+          </p:nvPr>
+        </p:nvSpPr>
+        <p:spPr>
+          <a:prstGeom prst="rect">
+            <a:avLst/>
+          </a:prstGeom>
+        </p:spPr>
+        <p:txBody>
+          <a:bodyPr/>
+          <a:lstStyle>
+            <a:lvl1pPr algn="r">
+              <a:defRPr sz="2800">
+                <a:latin typeface="+mn-lt"/>
+              </a:defRPr>
+            </a:lvl1pPr>
+          </a:lstStyle>
+          <a:p>
+            <a:fld id="{6408349E-6932-463E-ABE1-6FC2A2453113}" type="slidenum">
+              <a:rPr kumimoji="1" lang="ja-JP" altLang="en-US" smtClean="0"/>
+              <a:pPr/>
+              <a:t>4</a:t>
+            </a:fld>
+            <a:endParaRPr kumimoji="1" lang="ja-JP" altLang="en-US"/>
+          </a:p>
+        </p:txBody>
+      </p:sp>
+      <p:sp>
+        <p:nvSpPr>
+          <p:cNvPr id="9" name="テキスト プレースホルダー 8">
+            <a:extLst>
+              <a:ext uri="{FF2B5EF4-FFF2-40B4-BE49-F238E27FC236}">
+                <a16:creationId xmlns:a16="http://schemas.microsoft.com/office/drawing/2014/main" id="{58258404-BC48-E340-20FA-CC1CEDC63499}"/>
+              </a:ext>
+            </a:extLst>
+          </p:cNvPr>
+          <p:cNvSpPr>
+            <a:spLocks noGrp="1"/>
+          </p:cNvSpPr>
+          <p:nvPr>
+            <p:ph type="body" sz="quarter" idx="24"/>
+          </p:nvPr>
+        </p:nvSpPr>
+        <p:spPr/>
+        <p:txBody>
+          <a:bodyPr/>
+          <a:lstStyle/>
+          <a:p>
+            <a:pPr marL="0" indent="0">
+              <a:lnSpc>
+                <a:spcPct val="150000"/>
+              </a:lnSpc>
+              <a:buNone/>
+            </a:pPr>
+            <a:r>
+              <a:rPr lang="ja-JP" altLang="en-US" sz="6600"/>
+              <a:t>風船の上に本を乗せて，</a:t>
+            </a:r>
+            <a:r>
+              <a:rPr lang="ja-JP" altLang="en-US" sz="6600">
+                <a:solidFill>
+                  <a:schemeClr val="accent6"/>
+                </a:solidFill>
+              </a:rPr>
+              <a:t>風船にかかる力</a:t>
+            </a:r>
+            <a:r>
+              <a:rPr lang="ja-JP" altLang="en-US" sz="6600"/>
+              <a:t>を考えた．</a:t>
+            </a:r>
+            <a:endParaRPr lang="en-US" altLang="ja-JP" sz="6600"/>
+          </a:p>
+        </p:txBody>
+      </p:sp>
+      <p:sp>
+        <p:nvSpPr>
+          <p:cNvPr id="4" name="タイトル 3">
+            <a:extLst>
+              <a:ext uri="{FF2B5EF4-FFF2-40B4-BE49-F238E27FC236}">
+                <a16:creationId xmlns:a16="http://schemas.microsoft.com/office/drawing/2014/main" id="{46822FD4-FFD9-C8F8-7031-8F7DC3037B4C}"/>
+              </a:ext>
+            </a:extLst>
+          </p:cNvPr>
+          <p:cNvSpPr>
+            <a:spLocks noGrp="1"/>
+          </p:cNvSpPr>
+          <p:nvPr>
+            <p:ph type="title"/>
+          </p:nvPr>
+        </p:nvSpPr>
+        <p:spPr/>
+        <p:txBody>
+          <a:bodyPr/>
+          <a:lstStyle/>
+          <a:p>
+            <a:r>
+              <a:rPr kumimoji="1" lang="ja-JP" altLang="en-US" sz="4000"/>
+              <a:t>前々回の実験</a:t>
+            </a:r>
+          </a:p>
+        </p:txBody>
+      </p:sp>
+    </p:spTree>
+    <p:extLst>
+      <p:ext uri="{BB962C8B-B14F-4D97-AF65-F5344CB8AC3E}">
+        <p14:creationId xmlns:p14="http://schemas.microsoft.com/office/powerpoint/2010/main" val="1848505358"/>
+      </p:ext>
+    </p:extLst>
+  </p:cSld>
+  <p:clrMapOvr>
+    <a:masterClrMapping/>
+  </p:clrMapOvr>
+  <mc:AlternateContent xmlns:mc="http://schemas.openxmlformats.org/markup-compatibility/2006" xmlns:p14="http://schemas.microsoft.com/office/powerpoint/2010/main">
+    <mc:Choice Requires="p14">
+      <p:transition spd="med" p14:dur="700">
+        <p:fade/>
+      </p:transition>
+    </mc:Choice>
+    <mc:Fallback xmlns="">
+      <p:transition spd="med">
+        <p:fade/>
+      </p:transition>
+    </mc:Fallback>
+  </mc:AlternateContent>
+  <p:timing>
+    <p:tnLst>
+      <p:par>
+        <p:cTn id="1" dur="indefinite" restart="never" nodeType="tmRoot">
+          <p:childTnLst>
+            <p:seq concurrent="1" nextAc="seek">
+              <p:cTn id="2" dur="indefinite" nodeType="mainSeq">
+                <p:childTnLst>
+                  <p:par>
+                    <p:cTn id="3" fill="hold">
+                      <p:stCondLst>
+                        <p:cond delay="indefinite"/>
+                      </p:stCondLst>
+                      <p:childTnLst>
+                        <p:par>
+                          <p:cTn id="4" fill="hold">
+                            <p:stCondLst>
+                              <p:cond delay="0"/>
+                            </p:stCondLst>
+                            <p:childTnLst>
+                              <p:par>
+                                <p:cTn id="5" presetID="10" presetClass="entr" presetSubtype="0" fill="hold" grpId="0" nodeType="clickEffect">
+                                  <p:stCondLst>
+                                    <p:cond delay="0"/>
+                                  </p:stCondLst>
+                                  <p:childTnLst>
+                                    <p:set>
+                                      <p:cBhvr>
+                                        <p:cTn id="6" dur="1" fill="hold">
+                                          <p:stCondLst>
+                                            <p:cond delay="0"/>
+                                          </p:stCondLst>
+                                        </p:cTn>
+                                        <p:tgtEl>
+                                          <p:spTgt spid="9">
+                                            <p:txEl>
+                                              <p:pRg st="0" end="0"/>
+                                            </p:txEl>
+                                          </p:spTgt>
+                                        </p:tgtEl>
+                                        <p:attrNameLst>
+                                          <p:attrName>style.visibility</p:attrName>
+                                        </p:attrNameLst>
+                                      </p:cBhvr>
+                                      <p:to>
+                                        <p:strVal val="visible"/>
+                                      </p:to>
+                                    </p:set>
+                                    <p:animEffect transition="in" filter="fade">
+                                      <p:cBhvr>
+                                        <p:cTn id="7" dur="500"/>
+                                        <p:tgtEl>
+                                          <p:spTgt spid="9">
+                                            <p:txEl>
+                                              <p:pRg st="0" end="0"/>
+                                            </p:txEl>
+                                          </p:spTgt>
+                                        </p:tgtEl>
+                                      </p:cBhvr>
+                                    </p:animEffect>
+                                  </p:childTnLst>
+                                </p:cTn>
+                              </p:par>
+                            </p:childTnLst>
+                          </p:cTn>
+                        </p:par>
+                      </p:childTnLst>
+                    </p:cTn>
+                  </p:par>
+                </p:childTnLst>
+              </p:cTn>
+              <p:prevCondLst>
+                <p:cond evt="onPrev" delay="0">
+                  <p:tgtEl>
+                    <p:sldTgt/>
+                  </p:tgtEl>
+                </p:cond>
+              </p:prevCondLst>
+              <p:nextCondLst>
+                <p:cond evt="onNext" delay="0">
+                  <p:tgtEl>
+                    <p:sldTgt/>
+                  </p:tgtEl>
+                </p:cond>
+              </p:nextCondLst>
+            </p:seq>
+          </p:childTnLst>
+        </p:cTn>
+      </p:par>
+    </p:tnLst>
+    <p:bldLst>
+      <p:bldP spid="9" grpId="0" build="p"/>
+    </p:bldLst>
+  </p:timing>
+</p:sld>
+</file>
+
+<file path=ppt/slides/slide5.xml><?xml version="1.0" encoding="utf-8"?>
+<p:sld xmlns:a="http://schemas.openxmlformats.org/drawingml/2006/main" xmlns:r="http://schemas.openxmlformats.org/officeDocument/2006/relationships" xmlns:p="http://schemas.openxmlformats.org/presentationml/2006/main">
+  <p:cSld>
+    <p:spTree>
+      <p:nvGrpSpPr>
         <p:cNvPr id="1" name=""/>
         <p:cNvGrpSpPr/>
         <p:nvPr/>
@@ -19275,7 +19894,7 @@
             <a:fld id="{6408349E-6932-463E-ABE1-6FC2A2453113}" type="slidenum">
               <a:rPr kumimoji="1" lang="ja-JP" altLang="en-US" smtClean="0"/>
               <a:pPr/>
-              <a:t>4</a:t>
+              <a:t>5</a:t>
             </a:fld>
             <a:endParaRPr kumimoji="1" lang="ja-JP" altLang="en-US"/>
           </a:p>
@@ -19633,7 +20252,7 @@
 </p:sld>
 </file>
 
-<file path=ppt/slides/slide5.xml><?xml version="1.0" encoding="utf-8"?>
+<file path=ppt/slides/slide6.xml><?xml version="1.0" encoding="utf-8"?>
 <p:sld xmlns:a="http://schemas.openxmlformats.org/drawingml/2006/main" xmlns:r="http://schemas.openxmlformats.org/officeDocument/2006/relationships" xmlns:p="http://schemas.openxmlformats.org/presentationml/2006/main">
   <p:cSld>
     <p:spTree>
@@ -19778,7 +20397,7 @@
             <a:fld id="{6408349E-6932-463E-ABE1-6FC2A2453113}" type="slidenum">
               <a:rPr kumimoji="1" lang="ja-JP" altLang="en-US" smtClean="0"/>
               <a:pPr/>
-              <a:t>5</a:t>
+              <a:t>6</a:t>
             </a:fld>
             <a:endParaRPr kumimoji="1" lang="ja-JP" altLang="en-US"/>
           </a:p>
@@ -19964,7 +20583,7 @@
 </p:sld>
 </file>
 
-<file path=ppt/slides/slide6.xml><?xml version="1.0" encoding="utf-8"?>
+<file path=ppt/slides/slide7.xml><?xml version="1.0" encoding="utf-8"?>
 <p:sld xmlns:a="http://schemas.openxmlformats.org/drawingml/2006/main" xmlns:r="http://schemas.openxmlformats.org/officeDocument/2006/relationships" xmlns:p="http://schemas.openxmlformats.org/presentationml/2006/main">
   <p:cSld>
     <p:spTree>
@@ -20114,7 +20733,7 @@
             <a:fld id="{6408349E-6932-463E-ABE1-6FC2A2453113}" type="slidenum">
               <a:rPr kumimoji="1" lang="ja-JP" altLang="en-US" smtClean="0"/>
               <a:pPr/>
-              <a:t>6</a:t>
+              <a:t>7</a:t>
             </a:fld>
             <a:endParaRPr kumimoji="1" lang="ja-JP" altLang="en-US"/>
           </a:p>
@@ -20300,7 +20919,7 @@
 </p:sld>
 </file>
 
-<file path=ppt/slides/slide7.xml><?xml version="1.0" encoding="utf-8"?>
+<file path=ppt/slides/slide8.xml><?xml version="1.0" encoding="utf-8"?>
 <p:sld xmlns:a="http://schemas.openxmlformats.org/drawingml/2006/main" xmlns:r="http://schemas.openxmlformats.org/officeDocument/2006/relationships" xmlns:p="http://schemas.openxmlformats.org/presentationml/2006/main">
   <p:cSld>
     <p:spTree>
@@ -20570,7 +21189,7 @@
             <a:fld id="{6408349E-6932-463E-ABE1-6FC2A2453113}" type="slidenum">
               <a:rPr kumimoji="1" lang="ja-JP" altLang="en-US" smtClean="0"/>
               <a:pPr/>
-              <a:t>7</a:t>
+              <a:t>8</a:t>
             </a:fld>
             <a:endParaRPr kumimoji="1" lang="ja-JP" altLang="en-US"/>
           </a:p>
@@ -20687,7 +21306,7 @@
 </p:sld>
 </file>
 
-<file path=ppt/slides/slide8.xml><?xml version="1.0" encoding="utf-8"?>
+<file path=ppt/slides/slide9.xml><?xml version="1.0" encoding="utf-8"?>
 <p:sld xmlns:a="http://schemas.openxmlformats.org/drawingml/2006/main" xmlns:r="http://schemas.openxmlformats.org/officeDocument/2006/relationships" xmlns:p="http://schemas.openxmlformats.org/presentationml/2006/main">
   <p:cSld>
     <p:spTree>
@@ -20888,7 +21507,7 @@
             <a:fld id="{6408349E-6932-463E-ABE1-6FC2A2453113}" type="slidenum">
               <a:rPr kumimoji="1" lang="ja-JP" altLang="en-US" smtClean="0"/>
               <a:pPr/>
-              <a:t>8</a:t>
+              <a:t>9</a:t>
             </a:fld>
             <a:endParaRPr kumimoji="1" lang="ja-JP" altLang="en-US"/>
           </a:p>
@@ -21088,373 +21707,6 @@
     <p:bldLst>
       <p:bldP spid="6" grpId="0" build="p"/>
       <p:bldP spid="6" grpId="1" build="p"/>
-    </p:bldLst>
-  </p:timing>
-</p:sld>
-</file>
-
-<file path=ppt/slides/slide9.xml><?xml version="1.0" encoding="utf-8"?>
-<p:sld xmlns:a="http://schemas.openxmlformats.org/drawingml/2006/main" xmlns:r="http://schemas.openxmlformats.org/officeDocument/2006/relationships" xmlns:p="http://schemas.openxmlformats.org/presentationml/2006/main">
-  <p:cSld>
-    <p:spTree>
-      <p:nvGrpSpPr>
-        <p:cNvPr id="1" name="">
-          <a:extLst>
-            <a:ext uri="{FF2B5EF4-FFF2-40B4-BE49-F238E27FC236}">
-              <a16:creationId xmlns:a16="http://schemas.microsoft.com/office/drawing/2014/main" id="{4269C907-0030-A6D9-FD2D-FFB135D77512}"/>
-            </a:ext>
-          </a:extLst>
-        </p:cNvPr>
-        <p:cNvGrpSpPr/>
-        <p:nvPr/>
-      </p:nvGrpSpPr>
-      <p:grpSpPr>
-        <a:xfrm>
-          <a:off x="0" y="0"/>
-          <a:ext cx="0" cy="0"/>
-          <a:chOff x="0" y="0"/>
-          <a:chExt cx="0" cy="0"/>
-        </a:xfrm>
-      </p:grpSpPr>
-      <p:sp>
-        <p:nvSpPr>
-          <p:cNvPr id="3" name="タイトル 2">
-            <a:extLst>
-              <a:ext uri="{FF2B5EF4-FFF2-40B4-BE49-F238E27FC236}">
-                <a16:creationId xmlns:a16="http://schemas.microsoft.com/office/drawing/2014/main" id="{E18E495F-ED09-E445-5B0B-C1C18CFBE51D}"/>
-              </a:ext>
-            </a:extLst>
-          </p:cNvPr>
-          <p:cNvSpPr>
-            <a:spLocks noGrp="1"/>
-          </p:cNvSpPr>
-          <p:nvPr>
-            <p:ph type="title"/>
-          </p:nvPr>
-        </p:nvSpPr>
-        <p:spPr/>
-        <p:txBody>
-          <a:bodyPr/>
-          <a:lstStyle/>
-          <a:p>
-            <a:r>
-              <a:rPr kumimoji="1" lang="ja-JP" altLang="en-US">
-                <a:solidFill>
-                  <a:srgbClr val="00B0F0"/>
-                </a:solidFill>
-              </a:rPr>
-              <a:t>質問</a:t>
-            </a:r>
-          </a:p>
-        </p:txBody>
-      </p:sp>
-      <mc:AlternateContent xmlns:mc="http://schemas.openxmlformats.org/markup-compatibility/2006" xmlns:we="http://schemas.microsoft.com/office/webextensions/webextension/2010/11" xmlns:pca="http://schemas.microsoft.com/office/powerpoint/2013/contentapp">
-        <mc:Choice Requires="we pca">
-          <p:graphicFrame>
-            <p:nvGraphicFramePr>
-              <p:cNvPr id="2" name="アドイン 1" title="Forms">
-                <a:extLst>
-                  <a:ext uri="{FF2B5EF4-FFF2-40B4-BE49-F238E27FC236}">
-                    <a16:creationId xmlns:a16="http://schemas.microsoft.com/office/drawing/2014/main" id="{77CD28EF-BAE6-6960-2837-7E8520979A5B}"/>
-                  </a:ext>
-                </a:extLst>
-              </p:cNvPr>
-              <p:cNvGraphicFramePr>
-                <a:graphicFrameLocks noGrp="1"/>
-              </p:cNvGraphicFramePr>
-              <p:nvPr/>
-            </p:nvGraphicFramePr>
-            <p:xfrm>
-              <a:off x="0" y="719689"/>
-              <a:ext cx="9906000" cy="6138304"/>
-            </p:xfrm>
-            <a:graphic>
-              <a:graphicData uri="http://schemas.microsoft.com/office/webextensions/webextension/2010/11">
-                <we:webextensionref xmlns:we="http://schemas.microsoft.com/office/webextensions/webextension/2010/11" xmlns:r="http://schemas.openxmlformats.org/officeDocument/2006/relationships" r:id="rId3"/>
-              </a:graphicData>
-            </a:graphic>
-          </p:graphicFrame>
-        </mc:Choice>
-        <mc:Fallback xmlns="">
-          <p:pic>
-            <p:nvPicPr>
-              <p:cNvPr id="2" name="アドイン 1" title="Forms">
-                <a:extLst>
-                  <a:ext uri="{FF2B5EF4-FFF2-40B4-BE49-F238E27FC236}">
-                    <a16:creationId xmlns:a16="http://schemas.microsoft.com/office/drawing/2014/main" id="{77CD28EF-BAE6-6960-2837-7E8520979A5B}"/>
-                  </a:ext>
-                </a:extLst>
-              </p:cNvPr>
-              <p:cNvPicPr>
-                <a:picLocks noGrp="1" noRot="1" noChangeAspect="1" noMove="1" noResize="1" noEditPoints="1" noAdjustHandles="1" noChangeArrowheads="1" noChangeShapeType="1"/>
-              </p:cNvPicPr>
-              <p:nvPr/>
-            </p:nvPicPr>
-            <p:blipFill>
-              <a:blip r:embed="rId4"/>
-              <a:stretch>
-                <a:fillRect/>
-              </a:stretch>
-            </p:blipFill>
-            <p:spPr>
-              <a:xfrm>
-                <a:off x="0" y="719689"/>
-                <a:ext cx="9906000" cy="6138304"/>
-              </a:xfrm>
-              <a:prstGeom prst="rect">
-                <a:avLst/>
-              </a:prstGeom>
-            </p:spPr>
-          </p:pic>
-        </mc:Fallback>
-      </mc:AlternateContent>
-      <p:sp>
-        <p:nvSpPr>
-          <p:cNvPr id="4" name="スライド番号プレースホルダー 7">
-            <a:extLst>
-              <a:ext uri="{FF2B5EF4-FFF2-40B4-BE49-F238E27FC236}">
-                <a16:creationId xmlns:a16="http://schemas.microsoft.com/office/drawing/2014/main" id="{684E5576-EEE7-9038-CC50-13E84A5EEB18}"/>
-              </a:ext>
-            </a:extLst>
-          </p:cNvPr>
-          <p:cNvSpPr>
-            <a:spLocks noGrp="1"/>
-          </p:cNvSpPr>
-          <p:nvPr>
-            <p:ph type="sldNum" sz="quarter" idx="26"/>
-          </p:nvPr>
-        </p:nvSpPr>
-        <p:spPr>
-          <a:xfrm>
-            <a:off x="8843505" y="7"/>
-            <a:ext cx="1038529" cy="604565"/>
-          </a:xfrm>
-          <a:prstGeom prst="rect">
-            <a:avLst/>
-          </a:prstGeom>
-        </p:spPr>
-        <p:txBody>
-          <a:bodyPr/>
-          <a:lstStyle>
-            <a:lvl1pPr algn="r">
-              <a:defRPr sz="2800">
-                <a:latin typeface="+mn-lt"/>
-              </a:defRPr>
-            </a:lvl1pPr>
-          </a:lstStyle>
-          <a:p>
-            <a:fld id="{6408349E-6932-463E-ABE1-6FC2A2453113}" type="slidenum">
-              <a:rPr kumimoji="1" lang="ja-JP" altLang="en-US" smtClean="0"/>
-              <a:pPr/>
-              <a:t>9</a:t>
-            </a:fld>
-            <a:endParaRPr kumimoji="1" lang="ja-JP" altLang="en-US"/>
-          </a:p>
-        </p:txBody>
-      </p:sp>
-      <p:sp>
-        <p:nvSpPr>
-          <p:cNvPr id="6" name="楕円 5">
-            <a:extLst>
-              <a:ext uri="{FF2B5EF4-FFF2-40B4-BE49-F238E27FC236}">
-                <a16:creationId xmlns:a16="http://schemas.microsoft.com/office/drawing/2014/main" id="{3261DFCA-7E3E-F0FB-3057-5E96F4248024}"/>
-              </a:ext>
-            </a:extLst>
-          </p:cNvPr>
-          <p:cNvSpPr/>
-          <p:nvPr/>
-        </p:nvSpPr>
-        <p:spPr>
-          <a:xfrm>
-            <a:off x="8341485" y="5289178"/>
-            <a:ext cx="1452275" cy="1452275"/>
-          </a:xfrm>
-          <a:prstGeom prst="ellipse">
-            <a:avLst/>
-          </a:prstGeom>
-          <a:effectLst/>
-        </p:spPr>
-        <p:style>
-          <a:lnRef idx="1">
-            <a:schemeClr val="accent4"/>
-          </a:lnRef>
-          <a:fillRef idx="2">
-            <a:schemeClr val="accent4"/>
-          </a:fillRef>
-          <a:effectRef idx="1">
-            <a:schemeClr val="accent4"/>
-          </a:effectRef>
-          <a:fontRef idx="minor">
-            <a:schemeClr val="dk1"/>
-          </a:fontRef>
-        </p:style>
-        <p:txBody>
-          <a:bodyPr rtlCol="0" anchor="ctr"/>
-          <a:lstStyle/>
-          <a:p>
-            <a:pPr algn="ctr"/>
-            <a:r>
-              <a:rPr kumimoji="1" lang="en-US" altLang="ja-JP" sz="3600"/>
-              <a:t>1</a:t>
-            </a:r>
-            <a:r>
-              <a:rPr kumimoji="1" lang="ja-JP" altLang="en-US" sz="3600"/>
-              <a:t>分</a:t>
-            </a:r>
-          </a:p>
-        </p:txBody>
-      </p:sp>
-    </p:spTree>
-    <p:extLst>
-      <p:ext uri="{BB962C8B-B14F-4D97-AF65-F5344CB8AC3E}">
-        <p14:creationId xmlns:p14="http://schemas.microsoft.com/office/powerpoint/2010/main" val="2966718779"/>
-      </p:ext>
-    </p:extLst>
-  </p:cSld>
-  <p:clrMapOvr>
-    <a:masterClrMapping/>
-  </p:clrMapOvr>
-  <mc:AlternateContent xmlns:mc="http://schemas.openxmlformats.org/markup-compatibility/2006" xmlns:p14="http://schemas.microsoft.com/office/powerpoint/2010/main">
-    <mc:Choice Requires="p14">
-      <p:transition spd="med" p14:dur="700">
-        <p:fade/>
-      </p:transition>
-    </mc:Choice>
-    <mc:Fallback xmlns="">
-      <p:transition spd="med">
-        <p:fade/>
-      </p:transition>
-    </mc:Fallback>
-  </mc:AlternateContent>
-  <p:timing>
-    <p:tnLst>
-      <p:par>
-        <p:cTn id="1" dur="indefinite" restart="never" nodeType="tmRoot">
-          <p:childTnLst>
-            <p:seq concurrent="1" nextAc="seek">
-              <p:cTn id="2" dur="indefinite" nodeType="mainSeq">
-                <p:childTnLst>
-                  <p:par>
-                    <p:cTn id="3" fill="hold">
-                      <p:stCondLst>
-                        <p:cond delay="indefinite"/>
-                      </p:stCondLst>
-                      <p:childTnLst>
-                        <p:par>
-                          <p:cTn id="4" fill="hold">
-                            <p:stCondLst>
-                              <p:cond delay="0"/>
-                            </p:stCondLst>
-                            <p:childTnLst>
-                              <p:par>
-                                <p:cTn id="5" presetID="10" presetClass="entr" presetSubtype="0" fill="hold" grpId="1" nodeType="clickEffect">
-                                  <p:stCondLst>
-                                    <p:cond delay="0"/>
-                                  </p:stCondLst>
-                                  <p:childTnLst>
-                                    <p:set>
-                                      <p:cBhvr>
-                                        <p:cTn id="6" dur="1" fill="hold">
-                                          <p:stCondLst>
-                                            <p:cond delay="0"/>
-                                          </p:stCondLst>
-                                        </p:cTn>
-                                        <p:tgtEl>
-                                          <p:spTgt spid="6"/>
-                                        </p:tgtEl>
-                                        <p:attrNameLst>
-                                          <p:attrName>style.visibility</p:attrName>
-                                        </p:attrNameLst>
-                                      </p:cBhvr>
-                                      <p:to>
-                                        <p:strVal val="visible"/>
-                                      </p:to>
-                                    </p:set>
-                                    <p:animEffect transition="in" filter="fade">
-                                      <p:cBhvr>
-                                        <p:cTn id="7" dur="500"/>
-                                        <p:tgtEl>
-                                          <p:spTgt spid="6"/>
-                                        </p:tgtEl>
-                                      </p:cBhvr>
-                                    </p:animEffect>
-                                  </p:childTnLst>
-                                </p:cTn>
-                              </p:par>
-                            </p:childTnLst>
-                          </p:cTn>
-                        </p:par>
-                        <p:par>
-                          <p:cTn id="8" fill="hold">
-                            <p:stCondLst>
-                              <p:cond delay="500"/>
-                            </p:stCondLst>
-                            <p:childTnLst>
-                              <p:par>
-                                <p:cTn id="9" presetID="21" presetClass="exit" presetSubtype="1" fill="hold" grpId="0" nodeType="afterEffect">
-                                  <p:stCondLst>
-                                    <p:cond delay="0"/>
-                                  </p:stCondLst>
-                                  <p:childTnLst>
-                                    <p:animEffect transition="out" filter="wheel(1)">
-                                      <p:cBhvr>
-                                        <p:cTn id="10" dur="60000"/>
-                                        <p:tgtEl>
-                                          <p:spTgt spid="6"/>
-                                        </p:tgtEl>
-                                      </p:cBhvr>
-                                    </p:animEffect>
-                                    <p:set>
-                                      <p:cBhvr>
-                                        <p:cTn id="11" dur="1" fill="hold">
-                                          <p:stCondLst>
-                                            <p:cond delay="59999"/>
-                                          </p:stCondLst>
-                                        </p:cTn>
-                                        <p:tgtEl>
-                                          <p:spTgt spid="6"/>
-                                        </p:tgtEl>
-                                        <p:attrNameLst>
-                                          <p:attrName>style.visibility</p:attrName>
-                                        </p:attrNameLst>
-                                      </p:cBhvr>
-                                      <p:to>
-                                        <p:strVal val="hidden"/>
-                                      </p:to>
-                                    </p:set>
-                                  </p:childTnLst>
-                                </p:cTn>
-                              </p:par>
-                            </p:childTnLst>
-                          </p:cTn>
-                        </p:par>
-                      </p:childTnLst>
-                    </p:cTn>
-                  </p:par>
-                </p:childTnLst>
-              </p:cTn>
-              <p:prevCondLst>
-                <p:cond evt="onPrev" delay="0">
-                  <p:tgtEl>
-                    <p:sldTgt/>
-                  </p:tgtEl>
-                </p:cond>
-              </p:prevCondLst>
-              <p:nextCondLst>
-                <p:cond evt="onNext" delay="0">
-                  <p:tgtEl>
-                    <p:sldTgt/>
-                  </p:tgtEl>
-                </p:cond>
-              </p:nextCondLst>
-            </p:seq>
-          </p:childTnLst>
-        </p:cTn>
-      </p:par>
-    </p:tnLst>
-    <p:bldLst>
-      <p:bldP spid="6" grpId="0" animBg="1"/>
-      <p:bldP spid="6" grpId="1" animBg="1"/>
     </p:bldLst>
   </p:timing>
 </p:sld>
@@ -22366,6 +22618,15 @@
 </file>
 
 <file path=customXml/item1.xml><?xml version="1.0" encoding="utf-8"?>
+<?mso-contentType ?>
+<FormTemplates xmlns="http://schemas.microsoft.com/sharepoint/v3/contenttype/forms">
+  <Display>DocumentLibraryForm</Display>
+  <Edit>DocumentLibraryForm</Edit>
+  <New>DocumentLibraryForm</New>
+</FormTemplates>
+</file>
+
+<file path=customXml/item2.xml><?xml version="1.0" encoding="utf-8"?>
 <ct:contentTypeSchema xmlns:ct="http://schemas.microsoft.com/office/2006/metadata/contentType" xmlns:ma="http://schemas.microsoft.com/office/2006/metadata/properties/metaAttributes" ct:_="" ma:_="" ma:contentTypeName="ドキュメント" ma:contentTypeID="0x010100317BAD2A974274468B93BA0E70B86153" ma:contentTypeVersion="14" ma:contentTypeDescription="新しいドキュメントを作成します。" ma:contentTypeScope="" ma:versionID="19deaf902174782fcab1e59d5990709b">
   <xsd:schema xmlns:xsd="http://www.w3.org/2001/XMLSchema" xmlns:xs="http://www.w3.org/2001/XMLSchema" xmlns:p="http://schemas.microsoft.com/office/2006/metadata/properties" xmlns:ns3="4952ab04-0ae3-4d00-bda6-702fdc5fffab" xmlns:ns4="a9997899-e6ea-448c-9370-6665c1cb1ca9" targetNamespace="http://schemas.microsoft.com/office/2006/metadata/properties" ma:root="true" ma:fieldsID="626e8013a1feda8fd847dbe4d0402ef4" ns3:_="" ns4:_="">
     <xsd:import namespace="4952ab04-0ae3-4d00-bda6-702fdc5fffab"/>
@@ -22592,15 +22853,6 @@
 </ct:contentTypeSchema>
 </file>
 
-<file path=customXml/item2.xml><?xml version="1.0" encoding="utf-8"?>
-<?mso-contentType ?>
-<FormTemplates xmlns="http://schemas.microsoft.com/sharepoint/v3/contenttype/forms">
-  <Display>DocumentLibraryForm</Display>
-  <Edit>DocumentLibraryForm</Edit>
-  <New>DocumentLibraryForm</New>
-</FormTemplates>
-</file>
-
 <file path=customXml/item3.xml><?xml version="1.0" encoding="utf-8"?>
 <p:properties xmlns:p="http://schemas.microsoft.com/office/2006/metadata/properties" xmlns:xsi="http://www.w3.org/2001/XMLSchema-instance" xmlns:pc="http://schemas.microsoft.com/office/infopath/2007/PartnerControls">
   <documentManagement>
@@ -22610,6 +22862,14 @@
 </file>
 
 <file path=customXml/itemProps1.xml><?xml version="1.0" encoding="utf-8"?>
+<ds:datastoreItem xmlns:ds="http://schemas.openxmlformats.org/officeDocument/2006/customXml" ds:itemID="{F59A1B57-6D76-4322-9BF2-9A2FD64C7149}">
+  <ds:schemaRefs>
+    <ds:schemaRef ds:uri="http://schemas.microsoft.com/sharepoint/v3/contenttype/forms"/>
+  </ds:schemaRefs>
+</ds:datastoreItem>
+</file>
+
+<file path=customXml/itemProps2.xml><?xml version="1.0" encoding="utf-8"?>
 <ds:datastoreItem xmlns:ds="http://schemas.openxmlformats.org/officeDocument/2006/customXml" ds:itemID="{B48E124C-2C3E-4AC2-8A8F-456A7DEA87EE}">
   <ds:schemaRefs>
     <ds:schemaRef ds:uri="http://schemas.microsoft.com/office/2006/metadata/contentType"/>
@@ -22629,27 +22889,19 @@
 </ds:datastoreItem>
 </file>
 
-<file path=customXml/itemProps2.xml><?xml version="1.0" encoding="utf-8"?>
-<ds:datastoreItem xmlns:ds="http://schemas.openxmlformats.org/officeDocument/2006/customXml" ds:itemID="{F59A1B57-6D76-4322-9BF2-9A2FD64C7149}">
-  <ds:schemaRefs>
-    <ds:schemaRef ds:uri="http://schemas.microsoft.com/sharepoint/v3/contenttype/forms"/>
-  </ds:schemaRefs>
-</ds:datastoreItem>
-</file>
-
 <file path=customXml/itemProps3.xml><?xml version="1.0" encoding="utf-8"?>
 <ds:datastoreItem xmlns:ds="http://schemas.openxmlformats.org/officeDocument/2006/customXml" ds:itemID="{03B2B897-D104-4BF9-BE0F-F3FD333A876C}">
   <ds:schemaRefs>
+    <ds:schemaRef ds:uri="http://purl.org/dc/dcmitype/"/>
     <ds:schemaRef ds:uri="http://schemas.openxmlformats.org/package/2006/metadata/core-properties"/>
+    <ds:schemaRef ds:uri="http://schemas.microsoft.com/office/infopath/2007/PartnerControls"/>
     <ds:schemaRef ds:uri="a9997899-e6ea-448c-9370-6665c1cb1ca9"/>
+    <ds:schemaRef ds:uri="http://www.w3.org/XML/1998/namespace"/>
     <ds:schemaRef ds:uri="http://purl.org/dc/elements/1.1/"/>
+    <ds:schemaRef ds:uri="http://schemas.microsoft.com/office/2006/documentManagement/types"/>
+    <ds:schemaRef ds:uri="http://schemas.microsoft.com/office/2006/metadata/properties"/>
     <ds:schemaRef ds:uri="4952ab04-0ae3-4d00-bda6-702fdc5fffab"/>
-    <ds:schemaRef ds:uri="http://www.w3.org/XML/1998/namespace"/>
-    <ds:schemaRef ds:uri="http://schemas.microsoft.com/office/infopath/2007/PartnerControls"/>
-    <ds:schemaRef ds:uri="http://schemas.microsoft.com/office/2006/documentManagement/types"/>
     <ds:schemaRef ds:uri="http://purl.org/dc/terms/"/>
-    <ds:schemaRef ds:uri="http://schemas.microsoft.com/office/2006/metadata/properties"/>
-    <ds:schemaRef ds:uri="http://purl.org/dc/dcmitype/"/>
   </ds:schemaRefs>
 </ds:datastoreItem>
 </file>

--- a/EM03/EM03_slide.pptx
+++ b/EM03/EM03_slide.pptx
@@ -422,7 +422,7 @@
           <a:p>
             <a:fld id="{0F5249E7-E526-41BC-878D-DBB27AF3BCB6}" type="datetimeFigureOut">
               <a:rPr kumimoji="1" lang="ja-JP" altLang="en-US" smtClean="0"/>
-              <a:t>2025/10/1</a:t>
+              <a:t>2025/10/3</a:t>
             </a:fld>
             <a:endParaRPr kumimoji="1" lang="ja-JP" altLang="en-US"/>
           </a:p>
@@ -5581,9 +5581,14 @@
           <a:lstStyle/>
           <a:p>
             <a:r>
-              <a:rPr kumimoji="1" lang="ja-JP" altLang="en-US"/>
+              <a:rPr kumimoji="1" lang="ja-JP" altLang="en-US" dirty="0"/>
               <a:t>ガリレオが行った思考実験</a:t>
             </a:r>
+            <a:r>
+              <a:rPr kumimoji="1" lang="en-US" altLang="ja-JP" dirty="0"/>
+              <a:t>-0</a:t>
+            </a:r>
+            <a:endParaRPr kumimoji="1" lang="ja-JP" altLang="en-US" dirty="0"/>
           </a:p>
         </p:txBody>
       </p:sp>
@@ -6937,6 +6942,60 @@
       </p:grpSpPr>
       <p:sp>
         <p:nvSpPr>
+          <p:cNvPr id="2" name="タイトル 3">
+            <a:extLst>
+              <a:ext uri="{FF2B5EF4-FFF2-40B4-BE49-F238E27FC236}">
+                <a16:creationId xmlns:a16="http://schemas.microsoft.com/office/drawing/2014/main" id="{8CD62914-2F23-82F3-1F63-D35EA5A2DB36}"/>
+              </a:ext>
+            </a:extLst>
+          </p:cNvPr>
+          <p:cNvSpPr txBox="1">
+            <a:spLocks/>
+          </p:cNvSpPr>
+          <p:nvPr/>
+        </p:nvSpPr>
+        <p:spPr>
+          <a:xfrm>
+            <a:off x="493699" y="366480"/>
+            <a:ext cx="9412301" cy="809528"/>
+          </a:xfrm>
+          <a:prstGeom prst="rect">
+            <a:avLst/>
+          </a:prstGeom>
+        </p:spPr>
+        <p:txBody>
+          <a:bodyPr anchor="b"/>
+          <a:lstStyle>
+            <a:lvl1pPr algn="l" defTabSz="495350" rtl="0" eaLnBrk="1" latinLnBrk="0" hangingPunct="1">
+              <a:spcBef>
+                <a:spcPct val="0"/>
+              </a:spcBef>
+              <a:buNone/>
+              <a:defRPr kumimoji="1" sz="4000" b="0" kern="1200">
+                <a:solidFill>
+                  <a:schemeClr val="tx1"/>
+                </a:solidFill>
+                <a:latin typeface="+mn-lt"/>
+                <a:ea typeface="+mn-ea"/>
+                <a:cs typeface="+mj-cs"/>
+              </a:defRPr>
+            </a:lvl1pPr>
+          </a:lstStyle>
+          <a:p>
+            <a:r>
+              <a:rPr lang="ja-JP" altLang="en-US" dirty="0"/>
+              <a:t>ガリレオが行った思考実験</a:t>
+            </a:r>
+            <a:r>
+              <a:rPr lang="en-US" altLang="ja-JP" dirty="0"/>
+              <a:t>-2</a:t>
+            </a:r>
+            <a:endParaRPr lang="ja-JP" altLang="en-US" dirty="0"/>
+          </a:p>
+        </p:txBody>
+      </p:sp>
+      <p:sp>
+        <p:nvSpPr>
           <p:cNvPr id="39" name="テキスト ボックス 38">
             <a:extLst>
               <a:ext uri="{FF2B5EF4-FFF2-40B4-BE49-F238E27FC236}">
@@ -6964,15 +7023,15 @@
           <a:lstStyle/>
           <a:p>
             <a:r>
-              <a:rPr kumimoji="1" lang="en-US" altLang="ja-JP" sz="2000"/>
+              <a:rPr kumimoji="1" lang="en-US" altLang="ja-JP" sz="2000" dirty="0"/>
               <a:t>1 kg</a:t>
             </a:r>
             <a:r>
-              <a:rPr kumimoji="1" lang="ja-JP" altLang="en-US" sz="2000"/>
+              <a:rPr kumimoji="1" lang="ja-JP" altLang="en-US" sz="2000" dirty="0"/>
               <a:t>の鉄球に引っ張られて</a:t>
             </a:r>
             <a:r>
-              <a:rPr kumimoji="1" lang="ja-JP" altLang="en-US" sz="2000">
+              <a:rPr kumimoji="1" lang="ja-JP" altLang="en-US" sz="2000" dirty="0">
                 <a:solidFill>
                   <a:schemeClr val="accent6"/>
                 </a:solidFill>
@@ -6980,7 +7039,7 @@
               <a:t>より遅く</a:t>
             </a:r>
             <a:r>
-              <a:rPr kumimoji="1" lang="ja-JP" altLang="en-US" sz="2000"/>
+              <a:rPr kumimoji="1" lang="ja-JP" altLang="en-US" sz="2000" dirty="0"/>
               <a:t>落ちる．</a:t>
             </a:r>
           </a:p>
@@ -7113,9 +7172,14 @@
           <a:lstStyle/>
           <a:p>
             <a:r>
-              <a:rPr kumimoji="1" lang="ja-JP" altLang="en-US"/>
+              <a:rPr kumimoji="1" lang="ja-JP" altLang="en-US" dirty="0"/>
               <a:t>ガリレオが行った思考実験</a:t>
             </a:r>
+            <a:r>
+              <a:rPr kumimoji="1" lang="en-US" altLang="ja-JP" dirty="0"/>
+              <a:t>-1</a:t>
+            </a:r>
+            <a:endParaRPr kumimoji="1" lang="ja-JP" altLang="en-US" dirty="0"/>
           </a:p>
         </p:txBody>
       </p:sp>
@@ -7219,15 +7283,15 @@
           <a:lstStyle/>
           <a:p>
             <a:r>
-              <a:rPr kumimoji="1" lang="en-US" altLang="ja-JP" sz="2000"/>
+              <a:rPr kumimoji="1" lang="en-US" altLang="ja-JP" sz="2000" dirty="0"/>
               <a:t>100 kg</a:t>
             </a:r>
             <a:r>
-              <a:rPr kumimoji="1" lang="ja-JP" altLang="en-US" sz="2000"/>
+              <a:rPr kumimoji="1" lang="ja-JP" altLang="en-US" sz="2000" dirty="0"/>
               <a:t>の鉄球に引っ張られて</a:t>
             </a:r>
             <a:r>
-              <a:rPr kumimoji="1" lang="ja-JP" altLang="en-US" sz="2000">
+              <a:rPr kumimoji="1" lang="ja-JP" altLang="en-US" sz="2000" dirty="0">
                 <a:solidFill>
                   <a:schemeClr val="accent6"/>
                 </a:solidFill>
@@ -7235,7 +7299,7 @@
               <a:t>より速く</a:t>
             </a:r>
             <a:r>
-              <a:rPr kumimoji="1" lang="ja-JP" altLang="en-US" sz="2000"/>
+              <a:rPr kumimoji="1" lang="ja-JP" altLang="en-US" sz="2000" dirty="0"/>
               <a:t>落ちる．</a:t>
             </a:r>
           </a:p>
@@ -8549,30 +8613,48 @@
                                   </p:childTnLst>
                                 </p:cTn>
                               </p:par>
-                            </p:childTnLst>
-                          </p:cTn>
-                        </p:par>
-                        <p:par>
-                          <p:cTn id="40" fill="hold">
-                            <p:stCondLst>
-                              <p:cond delay="0"/>
-                            </p:stCondLst>
-                            <p:childTnLst>
                               <p:par>
-                                <p:cTn id="41" presetID="10" presetClass="entr" presetSubtype="0" fill="hold" grpId="2" nodeType="afterEffect">
+                                <p:cTn id="40" presetID="1" presetClass="exit" presetSubtype="0" fill="hold" grpId="0" nodeType="withEffect">
                                   <p:stCondLst>
                                     <p:cond delay="0"/>
                                   </p:stCondLst>
                                   <p:childTnLst>
                                     <p:set>
                                       <p:cBhvr>
-                                        <p:cTn id="42" dur="1" fill="hold">
+                                        <p:cTn id="41" dur="1" fill="hold">
                                           <p:stCondLst>
                                             <p:cond delay="0"/>
                                           </p:stCondLst>
                                         </p:cTn>
                                         <p:tgtEl>
-                                          <p:spTgt spid="16"/>
+                                          <p:spTgt spid="4"/>
+                                        </p:tgtEl>
+                                        <p:attrNameLst>
+                                          <p:attrName>style.visibility</p:attrName>
+                                        </p:attrNameLst>
+                                      </p:cBhvr>
+                                      <p:to>
+                                        <p:strVal val="hidden"/>
+                                      </p:to>
+                                    </p:set>
+                                  </p:childTnLst>
+                                </p:cTn>
+                              </p:par>
+                              <p:par>
+                                <p:cTn id="42" presetID="10" presetClass="entr" presetSubtype="0" fill="hold" grpId="0" nodeType="withEffect">
+                                  <p:stCondLst>
+                                    <p:cond delay="0"/>
+                                  </p:stCondLst>
+                                  <p:childTnLst>
+                                    <p:set>
+                                      <p:cBhvr>
+                                        <p:cTn id="43" dur="1" fill="hold">
+                                          <p:stCondLst>
+                                            <p:cond delay="0"/>
+                                          </p:stCondLst>
+                                        </p:cTn>
+                                        <p:tgtEl>
+                                          <p:spTgt spid="2"/>
                                         </p:tgtEl>
                                         <p:attrNameLst>
                                           <p:attrName>style.visibility</p:attrName>
@@ -8584,7 +8666,51 @@
                                     </p:set>
                                     <p:animEffect transition="in" filter="fade">
                                       <p:cBhvr>
-                                        <p:cTn id="43" dur="500"/>
+                                        <p:cTn id="44" dur="500"/>
+                                        <p:tgtEl>
+                                          <p:spTgt spid="2"/>
+                                        </p:tgtEl>
+                                      </p:cBhvr>
+                                    </p:animEffect>
+                                  </p:childTnLst>
+                                </p:cTn>
+                              </p:par>
+                            </p:childTnLst>
+                          </p:cTn>
+                        </p:par>
+                        <p:par>
+                          <p:cTn id="45" fill="hold">
+                            <p:stCondLst>
+                              <p:cond delay="500"/>
+                            </p:stCondLst>
+                            <p:childTnLst>
+                              <p:par>
+                                <p:cTn id="46" presetID="10" presetClass="entr" presetSubtype="0" fill="hold" grpId="2" nodeType="afterEffect">
+                                  <p:stCondLst>
+                                    <p:cond delay="0"/>
+                                  </p:stCondLst>
+                                  <p:childTnLst>
+                                    <p:set>
+                                      <p:cBhvr>
+                                        <p:cTn id="47" dur="1" fill="hold">
+                                          <p:stCondLst>
+                                            <p:cond delay="0"/>
+                                          </p:stCondLst>
+                                        </p:cTn>
+                                        <p:tgtEl>
+                                          <p:spTgt spid="16"/>
+                                        </p:tgtEl>
+                                        <p:attrNameLst>
+                                          <p:attrName>style.visibility</p:attrName>
+                                        </p:attrNameLst>
+                                      </p:cBhvr>
+                                      <p:to>
+                                        <p:strVal val="visible"/>
+                                      </p:to>
+                                    </p:set>
+                                    <p:animEffect transition="in" filter="fade">
+                                      <p:cBhvr>
+                                        <p:cTn id="48" dur="500"/>
                                         <p:tgtEl>
                                           <p:spTgt spid="16"/>
                                         </p:tgtEl>
@@ -8594,14 +8720,14 @@
                                 </p:cTn>
                               </p:par>
                               <p:par>
-                                <p:cTn id="44" presetID="42" presetClass="path" presetSubtype="0" accel="50000" decel="50000" fill="hold" nodeType="withEffect">
+                                <p:cTn id="49" presetID="42" presetClass="path" presetSubtype="0" accel="50000" decel="50000" fill="hold" nodeType="withEffect">
                                   <p:stCondLst>
                                     <p:cond delay="0"/>
                                   </p:stCondLst>
                                   <p:childTnLst>
                                     <p:animMotion origin="layout" path="M -1.53846E-6 -3.7037E-6 L -1.53846E-6 0.16436 " pathEditMode="relative" rAng="0" ptsTypes="AA">
                                       <p:cBhvr>
-                                        <p:cTn id="45" dur="2000" fill="hold"/>
+                                        <p:cTn id="50" dur="2000" fill="hold"/>
                                         <p:tgtEl>
                                           <p:spTgt spid="21"/>
                                         </p:tgtEl>
@@ -8616,14 +8742,14 @@
                                 </p:cTn>
                               </p:par>
                               <p:par>
-                                <p:cTn id="46" presetID="22" presetClass="entr" presetSubtype="1" fill="hold" nodeType="withEffect">
+                                <p:cTn id="51" presetID="22" presetClass="entr" presetSubtype="1" fill="hold" nodeType="withEffect">
                                   <p:stCondLst>
                                     <p:cond delay="0"/>
                                   </p:stCondLst>
                                   <p:childTnLst>
                                     <p:set>
                                       <p:cBhvr>
-                                        <p:cTn id="47" dur="1" fill="hold">
+                                        <p:cTn id="52" dur="1" fill="hold">
                                           <p:stCondLst>
                                             <p:cond delay="0"/>
                                           </p:stCondLst>
@@ -8641,7 +8767,7 @@
                                     </p:set>
                                     <p:animEffect transition="in" filter="wipe(up)">
                                       <p:cBhvr>
-                                        <p:cTn id="48" dur="2000"/>
+                                        <p:cTn id="53" dur="2000"/>
                                         <p:tgtEl>
                                           <p:spTgt spid="47"/>
                                         </p:tgtEl>
@@ -8651,14 +8777,14 @@
                                 </p:cTn>
                               </p:par>
                               <p:par>
-                                <p:cTn id="49" presetID="42" presetClass="path" presetSubtype="0" accel="50000" decel="50000" fill="hold" grpId="2" nodeType="withEffect">
+                                <p:cTn id="54" presetID="42" presetClass="path" presetSubtype="0" accel="50000" decel="50000" fill="hold" grpId="2" nodeType="withEffect">
                                   <p:stCondLst>
                                     <p:cond delay="0"/>
                                   </p:stCondLst>
                                   <p:childTnLst>
                                     <p:animMotion origin="layout" path="M -1.28205E-6 4.81481E-6 L -1.28205E-6 0.32939 " pathEditMode="relative" rAng="0" ptsTypes="AA">
                                       <p:cBhvr>
-                                        <p:cTn id="50" dur="2000" fill="hold"/>
+                                        <p:cTn id="55" dur="2000" fill="hold"/>
                                         <p:tgtEl>
                                           <p:spTgt spid="27"/>
                                         </p:tgtEl>
@@ -8676,20 +8802,20 @@
                           </p:cTn>
                         </p:par>
                         <p:par>
-                          <p:cTn id="51" fill="hold">
+                          <p:cTn id="56" fill="hold">
                             <p:stCondLst>
-                              <p:cond delay="2000"/>
+                              <p:cond delay="2500"/>
                             </p:stCondLst>
                             <p:childTnLst>
                               <p:par>
-                                <p:cTn id="52" presetID="10" presetClass="entr" presetSubtype="0" fill="hold" grpId="0" nodeType="afterEffect">
+                                <p:cTn id="57" presetID="10" presetClass="entr" presetSubtype="0" fill="hold" grpId="0" nodeType="afterEffect">
                                   <p:stCondLst>
                                     <p:cond delay="0"/>
                                   </p:stCondLst>
                                   <p:childTnLst>
                                     <p:set>
                                       <p:cBhvr>
-                                        <p:cTn id="53" dur="1" fill="hold">
+                                        <p:cTn id="58" dur="1" fill="hold">
                                           <p:stCondLst>
                                             <p:cond delay="0"/>
                                           </p:stCondLst>
@@ -8707,7 +8833,7 @@
                                     </p:set>
                                     <p:animEffect transition="in" filter="fade">
                                       <p:cBhvr>
-                                        <p:cTn id="54" dur="500"/>
+                                        <p:cTn id="59" dur="500"/>
                                         <p:tgtEl>
                                           <p:spTgt spid="39"/>
                                         </p:tgtEl>
@@ -8744,10 +8870,12 @@
       </p:par>
     </p:tnLst>
     <p:bldLst>
+      <p:bldP spid="2" grpId="0"/>
       <p:bldP spid="39" grpId="0"/>
       <p:bldP spid="27" grpId="0" animBg="1"/>
       <p:bldP spid="27" grpId="1" animBg="1"/>
       <p:bldP spid="27" grpId="2" animBg="1"/>
+      <p:bldP spid="4" grpId="0"/>
       <p:bldP spid="16" grpId="0"/>
       <p:bldP spid="16" grpId="1"/>
       <p:bldP spid="16" grpId="2"/>
@@ -10631,11 +10759,17 @@
               <a:buNone/>
             </a:pPr>
             <a:r>
-              <a:rPr lang="ja-JP" altLang="en-US"/>
-              <a:t>大きい石と小さい石，</a:t>
-            </a:r>
-            <a:r>
-              <a:rPr lang="ja-JP" altLang="en-US">
+              <a:rPr lang="ja-JP" altLang="en-US" dirty="0"/>
+              <a:t>同じ大きさの鉄球とビー玉，</a:t>
+            </a:r>
+            <a:endParaRPr lang="en-US" altLang="ja-JP" dirty="0"/>
+          </a:p>
+          <a:p>
+            <a:pPr marL="0" indent="0">
+              <a:buNone/>
+            </a:pPr>
+            <a:r>
+              <a:rPr lang="ja-JP" altLang="en-US" dirty="0">
                 <a:solidFill>
                   <a:schemeClr val="accent6"/>
                 </a:solidFill>
@@ -10643,7 +10777,7 @@
               <a:t>どちらが速く落ちる</a:t>
             </a:r>
             <a:r>
-              <a:rPr lang="ja-JP" altLang="en-US"/>
+              <a:rPr lang="ja-JP" altLang="en-US" dirty="0"/>
               <a:t>？</a:t>
             </a:r>
           </a:p>
@@ -11287,58 +11421,6 @@
           </a:p>
         </p:txBody>
       </p:sp>
-      <p:sp>
-        <p:nvSpPr>
-          <p:cNvPr id="4" name="楕円 3">
-            <a:extLst>
-              <a:ext uri="{FF2B5EF4-FFF2-40B4-BE49-F238E27FC236}">
-                <a16:creationId xmlns:a16="http://schemas.microsoft.com/office/drawing/2014/main" id="{22B2834E-A108-FAB7-F03B-8422B4A71138}"/>
-              </a:ext>
-            </a:extLst>
-          </p:cNvPr>
-          <p:cNvSpPr/>
-          <p:nvPr/>
-        </p:nvSpPr>
-        <p:spPr>
-          <a:xfrm>
-            <a:off x="8341485" y="5289178"/>
-            <a:ext cx="1452275" cy="1452275"/>
-          </a:xfrm>
-          <a:prstGeom prst="ellipse">
-            <a:avLst/>
-          </a:prstGeom>
-          <a:effectLst/>
-        </p:spPr>
-        <p:style>
-          <a:lnRef idx="1">
-            <a:schemeClr val="accent4"/>
-          </a:lnRef>
-          <a:fillRef idx="2">
-            <a:schemeClr val="accent4"/>
-          </a:fillRef>
-          <a:effectRef idx="1">
-            <a:schemeClr val="accent4"/>
-          </a:effectRef>
-          <a:fontRef idx="minor">
-            <a:schemeClr val="dk1"/>
-          </a:fontRef>
-        </p:style>
-        <p:txBody>
-          <a:bodyPr rtlCol="0" anchor="ctr"/>
-          <a:lstStyle/>
-          <a:p>
-            <a:pPr algn="ctr"/>
-            <a:r>
-              <a:rPr kumimoji="1" lang="en-US" altLang="ja-JP" sz="3600" dirty="0"/>
-              <a:t>3</a:t>
-            </a:r>
-            <a:r>
-              <a:rPr kumimoji="1" lang="ja-JP" altLang="en-US" sz="3600" dirty="0"/>
-              <a:t>分</a:t>
-            </a:r>
-          </a:p>
-        </p:txBody>
-      </p:sp>
     </p:spTree>
     <p:extLst>
       <p:ext uri="{BB962C8B-B14F-4D97-AF65-F5344CB8AC3E}">
@@ -11643,103 +11725,6 @@
                       </p:childTnLst>
                     </p:cTn>
                   </p:par>
-                  <p:par>
-                    <p:cTn id="25" fill="hold">
-                      <p:stCondLst>
-                        <p:cond delay="indefinite"/>
-                      </p:stCondLst>
-                      <p:childTnLst>
-                        <p:par>
-                          <p:cTn id="26" fill="hold">
-                            <p:stCondLst>
-                              <p:cond delay="0"/>
-                            </p:stCondLst>
-                            <p:childTnLst>
-                              <p:par>
-                                <p:cTn id="27" presetID="10" presetClass="entr" presetSubtype="0" fill="hold" grpId="1" nodeType="clickEffect">
-                                  <p:stCondLst>
-                                    <p:cond delay="0"/>
-                                  </p:stCondLst>
-                                  <p:childTnLst>
-                                    <p:set>
-                                      <p:cBhvr>
-                                        <p:cTn id="28" dur="1" fill="hold">
-                                          <p:stCondLst>
-                                            <p:cond delay="0"/>
-                                          </p:stCondLst>
-                                        </p:cTn>
-                                        <p:tgtEl>
-                                          <p:spTgt spid="4"/>
-                                        </p:tgtEl>
-                                        <p:attrNameLst>
-                                          <p:attrName>style.visibility</p:attrName>
-                                        </p:attrNameLst>
-                                      </p:cBhvr>
-                                      <p:to>
-                                        <p:strVal val="visible"/>
-                                      </p:to>
-                                    </p:set>
-                                    <p:animEffect transition="in" filter="fade">
-                                      <p:cBhvr>
-                                        <p:cTn id="29" dur="500"/>
-                                        <p:tgtEl>
-                                          <p:spTgt spid="4"/>
-                                        </p:tgtEl>
-                                      </p:cBhvr>
-                                    </p:animEffect>
-                                  </p:childTnLst>
-                                </p:cTn>
-                              </p:par>
-                            </p:childTnLst>
-                          </p:cTn>
-                        </p:par>
-                        <p:par>
-                          <p:cTn id="30" fill="hold">
-                            <p:stCondLst>
-                              <p:cond delay="500"/>
-                            </p:stCondLst>
-                            <p:childTnLst>
-                              <p:par>
-                                <p:cTn id="31" presetID="21" presetClass="exit" presetSubtype="1" fill="hold" grpId="0" nodeType="afterEffect">
-                                  <p:stCondLst>
-                                    <p:cond delay="0"/>
-                                  </p:stCondLst>
-                                  <p:childTnLst>
-                                    <p:animEffect transition="out" filter="wheel(1)">
-                                      <p:cBhvr>
-                                        <p:cTn id="32" dur="180000"/>
-                                        <p:tgtEl>
-                                          <p:spTgt spid="4"/>
-                                        </p:tgtEl>
-                                      </p:cBhvr>
-                                    </p:animEffect>
-                                    <p:set>
-                                      <p:cBhvr>
-                                        <p:cTn id="33" dur="1" fill="hold">
-                                          <p:stCondLst>
-                                            <p:cond delay="179999"/>
-                                          </p:stCondLst>
-                                        </p:cTn>
-                                        <p:tgtEl>
-                                          <p:spTgt spid="4"/>
-                                        </p:tgtEl>
-                                        <p:attrNameLst>
-                                          <p:attrName>style.visibility</p:attrName>
-                                        </p:attrNameLst>
-                                      </p:cBhvr>
-                                      <p:to>
-                                        <p:strVal val="hidden"/>
-                                      </p:to>
-                                    </p:set>
-                                  </p:childTnLst>
-                                </p:cTn>
-                              </p:par>
-                            </p:childTnLst>
-                          </p:cTn>
-                        </p:par>
-                      </p:childTnLst>
-                    </p:cTn>
-                  </p:par>
                 </p:childTnLst>
               </p:cTn>
               <p:prevCondLst>
@@ -11766,8 +11751,6 @@
       <p:bldP spid="8" grpId="1" build="p"/>
       <p:bldP spid="10" grpId="0" animBg="1"/>
       <p:bldP spid="12" grpId="0" animBg="1"/>
-      <p:bldP spid="4" grpId="0" animBg="1"/>
-      <p:bldP spid="4" grpId="1" animBg="1"/>
     </p:bldLst>
   </p:timing>
 </p:sld>
@@ -19316,8 +19299,8 @@
           </a:p>
         </p:txBody>
       </p:sp>
-      <mc:AlternateContent xmlns:mc="http://schemas.openxmlformats.org/markup-compatibility/2006">
-        <mc:Choice xmlns:we="http://schemas.microsoft.com/office/webextensions/webextension/2010/11" xmlns:pca="http://schemas.microsoft.com/office/powerpoint/2013/contentapp" Requires="we pca">
+      <mc:AlternateContent xmlns:mc="http://schemas.openxmlformats.org/markup-compatibility/2006" xmlns:we="http://schemas.microsoft.com/office/webextensions/webextension/2010/11" xmlns:pca="http://schemas.microsoft.com/office/powerpoint/2013/contentapp">
+        <mc:Choice Requires="we pca">
           <p:graphicFrame>
             <p:nvGraphicFramePr>
               <p:cNvPr id="6" name="アドイン 5" title="Forms">
@@ -19349,7 +19332,7 @@
             </a:graphic>
           </p:graphicFrame>
         </mc:Choice>
-        <mc:Fallback>
+        <mc:Fallback xmlns="">
           <p:pic>
             <p:nvPicPr>
               <p:cNvPr id="6" name="アドイン 5" title="Forms">
@@ -21028,23 +21011,23 @@
           <a:p>
             <a:pPr algn="ctr"/>
             <a:r>
-              <a:rPr kumimoji="1" lang="ja-JP" altLang="en-US" sz="3200"/>
-              <a:t>大きな石は</a:t>
-            </a:r>
-            <a:endParaRPr kumimoji="1" lang="en-US" altLang="ja-JP" sz="3200"/>
+              <a:rPr kumimoji="1" lang="ja-JP" altLang="en-US" sz="3200" dirty="0"/>
+              <a:t>重いモノは</a:t>
+            </a:r>
+            <a:endParaRPr kumimoji="1" lang="en-US" altLang="ja-JP" sz="3200" dirty="0"/>
           </a:p>
           <a:p>
             <a:pPr algn="ctr"/>
             <a:r>
-              <a:rPr kumimoji="1" lang="ja-JP" altLang="en-US" sz="3200"/>
-              <a:t>小さな石よりも</a:t>
-            </a:r>
-            <a:endParaRPr kumimoji="1" lang="en-US" altLang="ja-JP" sz="3200"/>
+              <a:rPr kumimoji="1" lang="ja-JP" altLang="en-US" sz="3200" dirty="0"/>
+              <a:t>軽いモノよりも</a:t>
+            </a:r>
+            <a:endParaRPr kumimoji="1" lang="en-US" altLang="ja-JP" sz="3200" dirty="0"/>
           </a:p>
           <a:p>
             <a:pPr algn="ctr"/>
             <a:r>
-              <a:rPr kumimoji="1" lang="ja-JP" altLang="en-US" sz="3200">
+              <a:rPr kumimoji="1" lang="ja-JP" altLang="en-US" sz="3200" dirty="0">
                 <a:solidFill>
                   <a:schemeClr val="accent6"/>
                 </a:solidFill>
@@ -21052,7 +21035,7 @@
               <a:t>速く落ちる</a:t>
             </a:r>
             <a:r>
-              <a:rPr kumimoji="1" lang="ja-JP" altLang="en-US" sz="3200">
+              <a:rPr kumimoji="1" lang="ja-JP" altLang="en-US" sz="3200" dirty="0">
                 <a:solidFill>
                   <a:schemeClr val="tx1"/>
                 </a:solidFill>
@@ -21060,7 +21043,7 @@
               <a:t>ん</a:t>
             </a:r>
             <a:r>
-              <a:rPr kumimoji="1" lang="ja-JP" altLang="en-US" sz="3200"/>
+              <a:rPr kumimoji="1" lang="ja-JP" altLang="en-US" sz="3200" dirty="0"/>
               <a:t>だ！</a:t>
             </a:r>
           </a:p>
@@ -21359,11 +21342,17 @@
               <a:buNone/>
             </a:pPr>
             <a:r>
-              <a:rPr lang="ja-JP" altLang="en-US"/>
-              <a:t>大きい石と小さい石，</a:t>
-            </a:r>
-            <a:r>
-              <a:rPr lang="ja-JP" altLang="en-US">
+              <a:rPr lang="ja-JP" altLang="en-US" dirty="0"/>
+              <a:t>同じ大きさの鉄球とビー玉，</a:t>
+            </a:r>
+            <a:endParaRPr lang="en-US" altLang="ja-JP" dirty="0"/>
+          </a:p>
+          <a:p>
+            <a:pPr marL="0" indent="0">
+              <a:buNone/>
+            </a:pPr>
+            <a:r>
+              <a:rPr lang="ja-JP" altLang="en-US" dirty="0">
                 <a:solidFill>
                   <a:schemeClr val="accent6"/>
                 </a:solidFill>
@@ -21371,7 +21360,7 @@
               <a:t>どちらが速く落ちる</a:t>
             </a:r>
             <a:r>
-              <a:rPr lang="ja-JP" altLang="en-US"/>
+              <a:rPr lang="ja-JP" altLang="en-US" dirty="0"/>
               <a:t>？</a:t>
             </a:r>
           </a:p>
@@ -21617,18 +21606,123 @@
                             </p:stCondLst>
                             <p:childTnLst>
                               <p:par>
-                                <p:cTn id="10" presetID="64" presetClass="path" presetSubtype="0" accel="50000" decel="50000" fill="hold" grpId="0" nodeType="clickEffect">
+                                <p:cTn id="10" presetID="10" presetClass="entr" presetSubtype="0" fill="hold" grpId="1" nodeType="clickEffect">
+                                  <p:stCondLst>
+                                    <p:cond delay="0"/>
+                                  </p:stCondLst>
+                                  <p:childTnLst>
+                                    <p:set>
+                                      <p:cBhvr>
+                                        <p:cTn id="11" dur="1" fill="hold">
+                                          <p:stCondLst>
+                                            <p:cond delay="0"/>
+                                          </p:stCondLst>
+                                        </p:cTn>
+                                        <p:tgtEl>
+                                          <p:spTgt spid="6">
+                                            <p:txEl>
+                                              <p:pRg st="1" end="1"/>
+                                            </p:txEl>
+                                          </p:spTgt>
+                                        </p:tgtEl>
+                                        <p:attrNameLst>
+                                          <p:attrName>style.visibility</p:attrName>
+                                        </p:attrNameLst>
+                                      </p:cBhvr>
+                                      <p:to>
+                                        <p:strVal val="visible"/>
+                                      </p:to>
+                                    </p:set>
+                                    <p:animEffect transition="in" filter="fade">
+                                      <p:cBhvr>
+                                        <p:cTn id="12" dur="500"/>
+                                        <p:tgtEl>
+                                          <p:spTgt spid="6">
+                                            <p:txEl>
+                                              <p:pRg st="1" end="1"/>
+                                            </p:txEl>
+                                          </p:spTgt>
+                                        </p:tgtEl>
+                                      </p:cBhvr>
+                                    </p:animEffect>
+                                  </p:childTnLst>
+                                </p:cTn>
+                              </p:par>
+                            </p:childTnLst>
+                          </p:cTn>
+                        </p:par>
+                      </p:childTnLst>
+                    </p:cTn>
+                  </p:par>
+                  <p:par>
+                    <p:cTn id="13" fill="hold">
+                      <p:stCondLst>
+                        <p:cond delay="indefinite"/>
+                      </p:stCondLst>
+                      <p:childTnLst>
+                        <p:par>
+                          <p:cTn id="14" fill="hold">
+                            <p:stCondLst>
+                              <p:cond delay="0"/>
+                            </p:stCondLst>
+                            <p:childTnLst>
+                              <p:par>
+                                <p:cTn id="15" presetID="64" presetClass="path" presetSubtype="0" accel="50000" decel="50000" fill="hold" grpId="0" nodeType="clickEffect">
                                   <p:stCondLst>
                                     <p:cond delay="0"/>
                                   </p:stCondLst>
                                   <p:childTnLst>
                                     <p:animMotion origin="layout" path="M -2.5641E-7 -3.33333E-6 L -2.5641E-7 -0.2287 " pathEditMode="relative" rAng="0" ptsTypes="AA">
                                       <p:cBhvr>
-                                        <p:cTn id="11" dur="2000" fill="hold"/>
+                                        <p:cTn id="16" dur="2000" fill="hold"/>
                                         <p:tgtEl>
                                           <p:spTgt spid="6">
                                             <p:txEl>
                                               <p:pRg st="0" end="0"/>
+                                            </p:txEl>
+                                          </p:spTgt>
+                                        </p:tgtEl>
+                                        <p:attrNameLst>
+                                          <p:attrName>ppt_x</p:attrName>
+                                          <p:attrName>ppt_y</p:attrName>
+                                        </p:attrNameLst>
+                                      </p:cBhvr>
+                                      <p:rCtr x="0" y="-11435"/>
+                                    </p:animMotion>
+                                  </p:childTnLst>
+                                </p:cTn>
+                              </p:par>
+                            </p:childTnLst>
+                          </p:cTn>
+                        </p:par>
+                      </p:childTnLst>
+                    </p:cTn>
+                  </p:par>
+                  <p:par>
+                    <p:cTn id="17" fill="hold">
+                      <p:stCondLst>
+                        <p:cond delay="indefinite"/>
+                      </p:stCondLst>
+                      <p:childTnLst>
+                        <p:par>
+                          <p:cTn id="18" fill="hold">
+                            <p:stCondLst>
+                              <p:cond delay="0"/>
+                            </p:stCondLst>
+                            <p:childTnLst>
+                              <p:par>
+                                <p:cTn id="19" presetID="64" presetClass="path" presetSubtype="0" accel="50000" decel="50000" fill="hold" grpId="0" nodeType="clickEffect">
+                                  <p:stCondLst>
+                                    <p:cond delay="0"/>
+                                  </p:stCondLst>
+                                  <p:childTnLst>
+                                    <p:animMotion origin="layout" path="M -2.5641E-7 -3.33333E-6 L -2.5641E-7 -0.2287 " pathEditMode="relative" rAng="0" ptsTypes="AA">
+                                      <p:cBhvr>
+                                        <p:cTn id="20" dur="2000" fill="hold"/>
+                                        <p:tgtEl>
+                                          <p:spTgt spid="6">
+                                            <p:txEl>
+                                              <p:pRg st="1" end="1"/>
                                             </p:txEl>
                                           </p:spTgt>
                                         </p:tgtEl>
@@ -21643,14 +21737,14 @@
                                 </p:cTn>
                               </p:par>
                               <p:par>
-                                <p:cTn id="12" presetID="10" presetClass="entr" presetSubtype="0" fill="hold" nodeType="withEffect">
+                                <p:cTn id="21" presetID="10" presetClass="entr" presetSubtype="0" fill="hold" nodeType="withEffect">
                                   <p:stCondLst>
                                     <p:cond delay="1500"/>
                                   </p:stCondLst>
                                   <p:childTnLst>
                                     <p:set>
                                       <p:cBhvr>
-                                        <p:cTn id="13" dur="1" fill="hold">
+                                        <p:cTn id="22" dur="1" fill="hold">
                                           <p:stCondLst>
                                             <p:cond delay="0"/>
                                           </p:stCondLst>
@@ -21668,7 +21762,7 @@
                                     </p:set>
                                     <p:animEffect transition="in" filter="fade">
                                       <p:cBhvr>
-                                        <p:cTn id="14" dur="500"/>
+                                        <p:cTn id="23" dur="500"/>
                                         <p:tgtEl>
                                           <p:spTgt spid="5"/>
                                         </p:tgtEl>
@@ -22618,15 +22712,6 @@
 </file>
 
 <file path=customXml/item1.xml><?xml version="1.0" encoding="utf-8"?>
-<?mso-contentType ?>
-<FormTemplates xmlns="http://schemas.microsoft.com/sharepoint/v3/contenttype/forms">
-  <Display>DocumentLibraryForm</Display>
-  <Edit>DocumentLibraryForm</Edit>
-  <New>DocumentLibraryForm</New>
-</FormTemplates>
-</file>
-
-<file path=customXml/item2.xml><?xml version="1.0" encoding="utf-8"?>
 <ct:contentTypeSchema xmlns:ct="http://schemas.microsoft.com/office/2006/metadata/contentType" xmlns:ma="http://schemas.microsoft.com/office/2006/metadata/properties/metaAttributes" ct:_="" ma:_="" ma:contentTypeName="ドキュメント" ma:contentTypeID="0x010100317BAD2A974274468B93BA0E70B86153" ma:contentTypeVersion="14" ma:contentTypeDescription="新しいドキュメントを作成します。" ma:contentTypeScope="" ma:versionID="19deaf902174782fcab1e59d5990709b">
   <xsd:schema xmlns:xsd="http://www.w3.org/2001/XMLSchema" xmlns:xs="http://www.w3.org/2001/XMLSchema" xmlns:p="http://schemas.microsoft.com/office/2006/metadata/properties" xmlns:ns3="4952ab04-0ae3-4d00-bda6-702fdc5fffab" xmlns:ns4="a9997899-e6ea-448c-9370-6665c1cb1ca9" targetNamespace="http://schemas.microsoft.com/office/2006/metadata/properties" ma:root="true" ma:fieldsID="626e8013a1feda8fd847dbe4d0402ef4" ns3:_="" ns4:_="">
     <xsd:import namespace="4952ab04-0ae3-4d00-bda6-702fdc5fffab"/>
@@ -22853,6 +22938,15 @@
 </ct:contentTypeSchema>
 </file>
 
+<file path=customXml/item2.xml><?xml version="1.0" encoding="utf-8"?>
+<?mso-contentType ?>
+<FormTemplates xmlns="http://schemas.microsoft.com/sharepoint/v3/contenttype/forms">
+  <Display>DocumentLibraryForm</Display>
+  <Edit>DocumentLibraryForm</Edit>
+  <New>DocumentLibraryForm</New>
+</FormTemplates>
+</file>
+
 <file path=customXml/item3.xml><?xml version="1.0" encoding="utf-8"?>
 <p:properties xmlns:p="http://schemas.microsoft.com/office/2006/metadata/properties" xmlns:xsi="http://www.w3.org/2001/XMLSchema-instance" xmlns:pc="http://schemas.microsoft.com/office/infopath/2007/PartnerControls">
   <documentManagement>
@@ -22862,14 +22956,6 @@
 </file>
 
 <file path=customXml/itemProps1.xml><?xml version="1.0" encoding="utf-8"?>
-<ds:datastoreItem xmlns:ds="http://schemas.openxmlformats.org/officeDocument/2006/customXml" ds:itemID="{F59A1B57-6D76-4322-9BF2-9A2FD64C7149}">
-  <ds:schemaRefs>
-    <ds:schemaRef ds:uri="http://schemas.microsoft.com/sharepoint/v3/contenttype/forms"/>
-  </ds:schemaRefs>
-</ds:datastoreItem>
-</file>
-
-<file path=customXml/itemProps2.xml><?xml version="1.0" encoding="utf-8"?>
 <ds:datastoreItem xmlns:ds="http://schemas.openxmlformats.org/officeDocument/2006/customXml" ds:itemID="{B48E124C-2C3E-4AC2-8A8F-456A7DEA87EE}">
   <ds:schemaRefs>
     <ds:schemaRef ds:uri="http://schemas.microsoft.com/office/2006/metadata/contentType"/>
@@ -22885,6 +22971,14 @@
     <ds:schemaRef ds:uri="http://purl.org/dc/elements/1.1/"/>
     <ds:schemaRef ds:uri="http://purl.org/dc/terms/"/>
     <ds:schemaRef ds:uri="http://schemas.microsoft.com/internal/obd"/>
+  </ds:schemaRefs>
+</ds:datastoreItem>
+</file>
+
+<file path=customXml/itemProps2.xml><?xml version="1.0" encoding="utf-8"?>
+<ds:datastoreItem xmlns:ds="http://schemas.openxmlformats.org/officeDocument/2006/customXml" ds:itemID="{F59A1B57-6D76-4322-9BF2-9A2FD64C7149}">
+  <ds:schemaRefs>
+    <ds:schemaRef ds:uri="http://schemas.microsoft.com/sharepoint/v3/contenttype/forms"/>
   </ds:schemaRefs>
 </ds:datastoreItem>
 </file>

--- a/EM03/EM03_slide.pptx
+++ b/EM03/EM03_slide.pptx
@@ -19299,8 +19299,8 @@
           </a:p>
         </p:txBody>
       </p:sp>
-      <mc:AlternateContent xmlns:mc="http://schemas.openxmlformats.org/markup-compatibility/2006" xmlns:we="http://schemas.microsoft.com/office/webextensions/webextension/2010/11" xmlns:pca="http://schemas.microsoft.com/office/powerpoint/2013/contentapp">
-        <mc:Choice Requires="we pca">
+      <mc:AlternateContent xmlns:mc="http://schemas.openxmlformats.org/markup-compatibility/2006">
+        <mc:Choice xmlns:we="http://schemas.microsoft.com/office/webextensions/webextension/2010/11" xmlns:pca="http://schemas.microsoft.com/office/powerpoint/2013/contentapp" Requires="we pca">
           <p:graphicFrame>
             <p:nvGraphicFramePr>
               <p:cNvPr id="6" name="アドイン 5" title="Forms">
@@ -19332,7 +19332,7 @@
             </a:graphic>
           </p:graphicFrame>
         </mc:Choice>
-        <mc:Fallback xmlns="">
+        <mc:Fallback>
           <p:pic>
             <p:nvPicPr>
               <p:cNvPr id="6" name="アドイン 5" title="Forms">
@@ -22712,6 +22712,15 @@
 </file>
 
 <file path=customXml/item1.xml><?xml version="1.0" encoding="utf-8"?>
+<?mso-contentType ?>
+<FormTemplates xmlns="http://schemas.microsoft.com/sharepoint/v3/contenttype/forms">
+  <Display>DocumentLibraryForm</Display>
+  <Edit>DocumentLibraryForm</Edit>
+  <New>DocumentLibraryForm</New>
+</FormTemplates>
+</file>
+
+<file path=customXml/item2.xml><?xml version="1.0" encoding="utf-8"?>
 <ct:contentTypeSchema xmlns:ct="http://schemas.microsoft.com/office/2006/metadata/contentType" xmlns:ma="http://schemas.microsoft.com/office/2006/metadata/properties/metaAttributes" ct:_="" ma:_="" ma:contentTypeName="ドキュメント" ma:contentTypeID="0x010100317BAD2A974274468B93BA0E70B86153" ma:contentTypeVersion="14" ma:contentTypeDescription="新しいドキュメントを作成します。" ma:contentTypeScope="" ma:versionID="19deaf902174782fcab1e59d5990709b">
   <xsd:schema xmlns:xsd="http://www.w3.org/2001/XMLSchema" xmlns:xs="http://www.w3.org/2001/XMLSchema" xmlns:p="http://schemas.microsoft.com/office/2006/metadata/properties" xmlns:ns3="4952ab04-0ae3-4d00-bda6-702fdc5fffab" xmlns:ns4="a9997899-e6ea-448c-9370-6665c1cb1ca9" targetNamespace="http://schemas.microsoft.com/office/2006/metadata/properties" ma:root="true" ma:fieldsID="626e8013a1feda8fd847dbe4d0402ef4" ns3:_="" ns4:_="">
     <xsd:import namespace="4952ab04-0ae3-4d00-bda6-702fdc5fffab"/>
@@ -22938,15 +22947,6 @@
 </ct:contentTypeSchema>
 </file>
 
-<file path=customXml/item2.xml><?xml version="1.0" encoding="utf-8"?>
-<?mso-contentType ?>
-<FormTemplates xmlns="http://schemas.microsoft.com/sharepoint/v3/contenttype/forms">
-  <Display>DocumentLibraryForm</Display>
-  <Edit>DocumentLibraryForm</Edit>
-  <New>DocumentLibraryForm</New>
-</FormTemplates>
-</file>
-
 <file path=customXml/item3.xml><?xml version="1.0" encoding="utf-8"?>
 <p:properties xmlns:p="http://schemas.microsoft.com/office/2006/metadata/properties" xmlns:xsi="http://www.w3.org/2001/XMLSchema-instance" xmlns:pc="http://schemas.microsoft.com/office/infopath/2007/PartnerControls">
   <documentManagement>
@@ -22956,6 +22956,14 @@
 </file>
 
 <file path=customXml/itemProps1.xml><?xml version="1.0" encoding="utf-8"?>
+<ds:datastoreItem xmlns:ds="http://schemas.openxmlformats.org/officeDocument/2006/customXml" ds:itemID="{F59A1B57-6D76-4322-9BF2-9A2FD64C7149}">
+  <ds:schemaRefs>
+    <ds:schemaRef ds:uri="http://schemas.microsoft.com/sharepoint/v3/contenttype/forms"/>
+  </ds:schemaRefs>
+</ds:datastoreItem>
+</file>
+
+<file path=customXml/itemProps2.xml><?xml version="1.0" encoding="utf-8"?>
 <ds:datastoreItem xmlns:ds="http://schemas.openxmlformats.org/officeDocument/2006/customXml" ds:itemID="{B48E124C-2C3E-4AC2-8A8F-456A7DEA87EE}">
   <ds:schemaRefs>
     <ds:schemaRef ds:uri="http://schemas.microsoft.com/office/2006/metadata/contentType"/>
@@ -22971,14 +22979,6 @@
     <ds:schemaRef ds:uri="http://purl.org/dc/elements/1.1/"/>
     <ds:schemaRef ds:uri="http://purl.org/dc/terms/"/>
     <ds:schemaRef ds:uri="http://schemas.microsoft.com/internal/obd"/>
-  </ds:schemaRefs>
-</ds:datastoreItem>
-</file>
-
-<file path=customXml/itemProps2.xml><?xml version="1.0" encoding="utf-8"?>
-<ds:datastoreItem xmlns:ds="http://schemas.openxmlformats.org/officeDocument/2006/customXml" ds:itemID="{F59A1B57-6D76-4322-9BF2-9A2FD64C7149}">
-  <ds:schemaRefs>
-    <ds:schemaRef ds:uri="http://schemas.microsoft.com/sharepoint/v3/contenttype/forms"/>
   </ds:schemaRefs>
 </ds:datastoreItem>
 </file>
